--- a/JavaScript/01_Objekti/JavaScript_01_Objekti.pptx
+++ b/JavaScript/01_Objekti/JavaScript_01_Objekti.pptx
@@ -8,17 +8,41 @@
     <p:sldId id="256" r:id="rId2"/>
     <p:sldId id="257" r:id="rId3"/>
     <p:sldId id="258" r:id="rId4"/>
-    <p:sldId id="259" r:id="rId5"/>
-    <p:sldId id="260" r:id="rId6"/>
-    <p:sldId id="261" r:id="rId7"/>
-    <p:sldId id="262" r:id="rId8"/>
-    <p:sldId id="263" r:id="rId9"/>
-    <p:sldId id="264" r:id="rId10"/>
-    <p:sldId id="265" r:id="rId11"/>
-    <p:sldId id="266" r:id="rId12"/>
-    <p:sldId id="267" r:id="rId13"/>
-    <p:sldId id="268" r:id="rId14"/>
-    <p:sldId id="269" r:id="rId15"/>
+    <p:sldId id="270" r:id="rId5"/>
+    <p:sldId id="271" r:id="rId6"/>
+    <p:sldId id="272" r:id="rId7"/>
+    <p:sldId id="259" r:id="rId8"/>
+    <p:sldId id="273" r:id="rId9"/>
+    <p:sldId id="274" r:id="rId10"/>
+    <p:sldId id="275" r:id="rId11"/>
+    <p:sldId id="260" r:id="rId12"/>
+    <p:sldId id="261" r:id="rId13"/>
+    <p:sldId id="262" r:id="rId14"/>
+    <p:sldId id="276" r:id="rId15"/>
+    <p:sldId id="277" r:id="rId16"/>
+    <p:sldId id="278" r:id="rId17"/>
+    <p:sldId id="279" r:id="rId18"/>
+    <p:sldId id="289" r:id="rId19"/>
+    <p:sldId id="263" r:id="rId20"/>
+    <p:sldId id="264" r:id="rId21"/>
+    <p:sldId id="281" r:id="rId22"/>
+    <p:sldId id="282" r:id="rId23"/>
+    <p:sldId id="283" r:id="rId24"/>
+    <p:sldId id="265" r:id="rId25"/>
+    <p:sldId id="266" r:id="rId26"/>
+    <p:sldId id="284" r:id="rId27"/>
+    <p:sldId id="285" r:id="rId28"/>
+    <p:sldId id="286" r:id="rId29"/>
+    <p:sldId id="287" r:id="rId30"/>
+    <p:sldId id="288" r:id="rId31"/>
+    <p:sldId id="267" r:id="rId32"/>
+    <p:sldId id="268" r:id="rId33"/>
+    <p:sldId id="280" r:id="rId34"/>
+    <p:sldId id="290" r:id="rId35"/>
+    <p:sldId id="291" r:id="rId36"/>
+    <p:sldId id="292" r:id="rId37"/>
+    <p:sldId id="293" r:id="rId38"/>
+    <p:sldId id="294" r:id="rId39"/>
   </p:sldIdLst>
   <p:sldSz cx="9144000" cy="6858000" type="screen4x3"/>
   <p:notesSz cx="6858000" cy="9144000"/>
@@ -302,7 +326,7 @@
             <a:fld id="{1D8BD707-D9CF-40AE-B4C6-C98DA3205C09}" type="datetimeFigureOut">
               <a:rPr lang="en-US" smtClean="0"/>
               <a:pPr/>
-              <a:t>2/24/2016</a:t>
+              <a:t>10/10/2016</a:t>
             </a:fld>
             <a:endParaRPr lang="en-US"/>
           </a:p>
@@ -469,7 +493,7 @@
             <a:fld id="{1D8BD707-D9CF-40AE-B4C6-C98DA3205C09}" type="datetimeFigureOut">
               <a:rPr lang="en-US" smtClean="0"/>
               <a:pPr/>
-              <a:t>2/24/2016</a:t>
+              <a:t>10/10/2016</a:t>
             </a:fld>
             <a:endParaRPr lang="en-US"/>
           </a:p>
@@ -646,7 +670,7 @@
             <a:fld id="{1D8BD707-D9CF-40AE-B4C6-C98DA3205C09}" type="datetimeFigureOut">
               <a:rPr lang="en-US" smtClean="0"/>
               <a:pPr/>
-              <a:t>2/24/2016</a:t>
+              <a:t>10/10/2016</a:t>
             </a:fld>
             <a:endParaRPr lang="en-US"/>
           </a:p>
@@ -813,7 +837,7 @@
             <a:fld id="{1D8BD707-D9CF-40AE-B4C6-C98DA3205C09}" type="datetimeFigureOut">
               <a:rPr lang="en-US" smtClean="0"/>
               <a:pPr/>
-              <a:t>2/24/2016</a:t>
+              <a:t>10/10/2016</a:t>
             </a:fld>
             <a:endParaRPr lang="en-US"/>
           </a:p>
@@ -1056,7 +1080,7 @@
             <a:fld id="{1D8BD707-D9CF-40AE-B4C6-C98DA3205C09}" type="datetimeFigureOut">
               <a:rPr lang="en-US" smtClean="0"/>
               <a:pPr/>
-              <a:t>2/24/2016</a:t>
+              <a:t>10/10/2016</a:t>
             </a:fld>
             <a:endParaRPr lang="en-US"/>
           </a:p>
@@ -1341,7 +1365,7 @@
             <a:fld id="{1D8BD707-D9CF-40AE-B4C6-C98DA3205C09}" type="datetimeFigureOut">
               <a:rPr lang="en-US" smtClean="0"/>
               <a:pPr/>
-              <a:t>2/24/2016</a:t>
+              <a:t>10/10/2016</a:t>
             </a:fld>
             <a:endParaRPr lang="en-US"/>
           </a:p>
@@ -1760,7 +1784,7 @@
             <a:fld id="{1D8BD707-D9CF-40AE-B4C6-C98DA3205C09}" type="datetimeFigureOut">
               <a:rPr lang="en-US" smtClean="0"/>
               <a:pPr/>
-              <a:t>2/24/2016</a:t>
+              <a:t>10/10/2016</a:t>
             </a:fld>
             <a:endParaRPr lang="en-US"/>
           </a:p>
@@ -1875,7 +1899,7 @@
             <a:fld id="{1D8BD707-D9CF-40AE-B4C6-C98DA3205C09}" type="datetimeFigureOut">
               <a:rPr lang="en-US" smtClean="0"/>
               <a:pPr/>
-              <a:t>2/24/2016</a:t>
+              <a:t>10/10/2016</a:t>
             </a:fld>
             <a:endParaRPr lang="en-US"/>
           </a:p>
@@ -1967,7 +1991,7 @@
             <a:fld id="{1D8BD707-D9CF-40AE-B4C6-C98DA3205C09}" type="datetimeFigureOut">
               <a:rPr lang="en-US" smtClean="0"/>
               <a:pPr/>
-              <a:t>2/24/2016</a:t>
+              <a:t>10/10/2016</a:t>
             </a:fld>
             <a:endParaRPr lang="en-US"/>
           </a:p>
@@ -2241,7 +2265,7 @@
             <a:fld id="{1D8BD707-D9CF-40AE-B4C6-C98DA3205C09}" type="datetimeFigureOut">
               <a:rPr lang="en-US" smtClean="0"/>
               <a:pPr/>
-              <a:t>2/24/2016</a:t>
+              <a:t>10/10/2016</a:t>
             </a:fld>
             <a:endParaRPr lang="en-US"/>
           </a:p>
@@ -2491,7 +2515,7 @@
             <a:fld id="{1D8BD707-D9CF-40AE-B4C6-C98DA3205C09}" type="datetimeFigureOut">
               <a:rPr lang="en-US" smtClean="0"/>
               <a:pPr/>
-              <a:t>2/24/2016</a:t>
+              <a:t>10/10/2016</a:t>
             </a:fld>
             <a:endParaRPr lang="en-US"/>
           </a:p>
@@ -2701,7 +2725,7 @@
             <a:fld id="{1D8BD707-D9CF-40AE-B4C6-C98DA3205C09}" type="datetimeFigureOut">
               <a:rPr lang="en-US" smtClean="0"/>
               <a:pPr/>
-              <a:t>2/24/2016</a:t>
+              <a:t>10/10/2016</a:t>
             </a:fld>
             <a:endParaRPr lang="en-US"/>
           </a:p>
@@ -3178,650 +3202,48 @@
           <a:lstStyle/>
           <a:p>
             <a:r>
-              <a:rPr lang="sr-Latn-RS" dirty="0" smtClean="0"/>
-              <a:t>Prototip</a:t>
-            </a:r>
-            <a:endParaRPr lang="en-GB" dirty="0"/>
-          </a:p>
-        </p:txBody>
-      </p:sp>
-      <p:sp>
-        <p:nvSpPr>
-          <p:cNvPr id="3" name="Content Placeholder 2"/>
-          <p:cNvSpPr>
-            <a:spLocks noGrp="1"/>
-          </p:cNvSpPr>
-          <p:nvPr>
-            <p:ph idx="1"/>
-          </p:nvPr>
-        </p:nvSpPr>
-        <p:spPr/>
-        <p:txBody>
-          <a:bodyPr>
-            <a:normAutofit fontScale="40000" lnSpcReduction="20000"/>
-          </a:bodyPr>
-          <a:lstStyle/>
-          <a:p>
-            <a:pPr marL="0" indent="0">
-              <a:buNone/>
-            </a:pPr>
-            <a:r>
-              <a:rPr lang="en-GB" dirty="0" err="1">
-                <a:latin typeface="Courier New" panose="02070309020205020404" pitchFamily="49" charset="0"/>
-                <a:cs typeface="Courier New" panose="02070309020205020404" pitchFamily="49" charset="0"/>
-              </a:rPr>
-              <a:t>var</a:t>
-            </a:r>
-            <a:r>
-              <a:rPr lang="en-GB" dirty="0">
-                <a:latin typeface="Courier New" panose="02070309020205020404" pitchFamily="49" charset="0"/>
-                <a:cs typeface="Courier New" panose="02070309020205020404" pitchFamily="49" charset="0"/>
-              </a:rPr>
-              <a:t> </a:t>
-            </a:r>
-            <a:r>
-              <a:rPr lang="en-GB" dirty="0" err="1">
-                <a:latin typeface="Courier New" panose="02070309020205020404" pitchFamily="49" charset="0"/>
-                <a:cs typeface="Courier New" panose="02070309020205020404" pitchFamily="49" charset="0"/>
-              </a:rPr>
-              <a:t>peraPeric</a:t>
-            </a:r>
-            <a:r>
-              <a:rPr lang="en-GB" dirty="0">
-                <a:latin typeface="Courier New" panose="02070309020205020404" pitchFamily="49" charset="0"/>
-                <a:cs typeface="Courier New" panose="02070309020205020404" pitchFamily="49" charset="0"/>
-              </a:rPr>
-              <a:t> = {</a:t>
-            </a:r>
-          </a:p>
-          <a:p>
-            <a:pPr marL="0" indent="0">
-              <a:buNone/>
-            </a:pPr>
-            <a:r>
-              <a:rPr lang="en-GB" dirty="0">
-                <a:latin typeface="Courier New" panose="02070309020205020404" pitchFamily="49" charset="0"/>
-                <a:cs typeface="Courier New" panose="02070309020205020404" pitchFamily="49" charset="0"/>
-              </a:rPr>
-              <a:t>  "</a:t>
-            </a:r>
-            <a:r>
-              <a:rPr lang="en-GB" dirty="0" err="1">
-                <a:latin typeface="Courier New" panose="02070309020205020404" pitchFamily="49" charset="0"/>
-                <a:cs typeface="Courier New" panose="02070309020205020404" pitchFamily="49" charset="0"/>
-              </a:rPr>
-              <a:t>ime</a:t>
-            </a:r>
-            <a:r>
-              <a:rPr lang="en-GB" dirty="0">
-                <a:latin typeface="Courier New" panose="02070309020205020404" pitchFamily="49" charset="0"/>
-                <a:cs typeface="Courier New" panose="02070309020205020404" pitchFamily="49" charset="0"/>
-              </a:rPr>
-              <a:t>": "</a:t>
-            </a:r>
-            <a:r>
-              <a:rPr lang="en-GB" dirty="0" err="1">
-                <a:latin typeface="Courier New" panose="02070309020205020404" pitchFamily="49" charset="0"/>
-                <a:cs typeface="Courier New" panose="02070309020205020404" pitchFamily="49" charset="0"/>
-              </a:rPr>
-              <a:t>Pera</a:t>
-            </a:r>
-            <a:r>
-              <a:rPr lang="en-GB" dirty="0">
-                <a:latin typeface="Courier New" panose="02070309020205020404" pitchFamily="49" charset="0"/>
-                <a:cs typeface="Courier New" panose="02070309020205020404" pitchFamily="49" charset="0"/>
-              </a:rPr>
-              <a:t>",</a:t>
-            </a:r>
-          </a:p>
-          <a:p>
-            <a:pPr marL="0" indent="0">
-              <a:buNone/>
-            </a:pPr>
-            <a:r>
-              <a:rPr lang="en-GB" dirty="0">
-                <a:latin typeface="Courier New" panose="02070309020205020404" pitchFamily="49" charset="0"/>
-                <a:cs typeface="Courier New" panose="02070309020205020404" pitchFamily="49" charset="0"/>
-              </a:rPr>
-              <a:t>  "</a:t>
-            </a:r>
-            <a:r>
-              <a:rPr lang="en-GB" dirty="0" err="1">
-                <a:latin typeface="Courier New" panose="02070309020205020404" pitchFamily="49" charset="0"/>
-                <a:cs typeface="Courier New" panose="02070309020205020404" pitchFamily="49" charset="0"/>
-              </a:rPr>
-              <a:t>prezime</a:t>
-            </a:r>
-            <a:r>
-              <a:rPr lang="en-GB" dirty="0">
-                <a:latin typeface="Courier New" panose="02070309020205020404" pitchFamily="49" charset="0"/>
-                <a:cs typeface="Courier New" panose="02070309020205020404" pitchFamily="49" charset="0"/>
-              </a:rPr>
-              <a:t>": "</a:t>
-            </a:r>
-            <a:r>
-              <a:rPr lang="en-GB" dirty="0" err="1">
-                <a:latin typeface="Courier New" panose="02070309020205020404" pitchFamily="49" charset="0"/>
-                <a:cs typeface="Courier New" panose="02070309020205020404" pitchFamily="49" charset="0"/>
-              </a:rPr>
-              <a:t>Peric</a:t>
-            </a:r>
-            <a:r>
-              <a:rPr lang="en-GB" dirty="0">
-                <a:latin typeface="Courier New" panose="02070309020205020404" pitchFamily="49" charset="0"/>
-                <a:cs typeface="Courier New" panose="02070309020205020404" pitchFamily="49" charset="0"/>
-              </a:rPr>
-              <a:t>",</a:t>
-            </a:r>
-          </a:p>
-          <a:p>
-            <a:pPr marL="0" indent="0">
-              <a:buNone/>
-            </a:pPr>
-            <a:r>
-              <a:rPr lang="en-GB" dirty="0">
-                <a:latin typeface="Courier New" panose="02070309020205020404" pitchFamily="49" charset="0"/>
-                <a:cs typeface="Courier New" panose="02070309020205020404" pitchFamily="49" charset="0"/>
-              </a:rPr>
-              <a:t>  "lk":"00123321"</a:t>
-            </a:r>
-          </a:p>
-          <a:p>
-            <a:pPr marL="0" indent="0">
-              <a:buNone/>
-            </a:pPr>
-            <a:r>
-              <a:rPr lang="en-GB" dirty="0">
-                <a:latin typeface="Courier New" panose="02070309020205020404" pitchFamily="49" charset="0"/>
-                <a:cs typeface="Courier New" panose="02070309020205020404" pitchFamily="49" charset="0"/>
-              </a:rPr>
-              <a:t>};</a:t>
-            </a:r>
-          </a:p>
-          <a:p>
-            <a:pPr marL="0" indent="0">
-              <a:buNone/>
-            </a:pPr>
+              <a:rPr lang="sr-Latn-RS" dirty="0" smtClean="0">
+                <a:latin typeface="Courier New" panose="02070309020205020404" pitchFamily="49" charset="0"/>
+                <a:cs typeface="Courier New" panose="02070309020205020404" pitchFamily="49" charset="0"/>
+              </a:rPr>
+              <a:t>Object.create()</a:t>
+            </a:r>
             <a:endParaRPr lang="en-GB" dirty="0">
               <a:latin typeface="Courier New" panose="02070309020205020404" pitchFamily="49" charset="0"/>
               <a:cs typeface="Courier New" panose="02070309020205020404" pitchFamily="49" charset="0"/>
             </a:endParaRPr>
           </a:p>
-          <a:p>
-            <a:pPr marL="0" indent="0">
-              <a:buNone/>
-            </a:pPr>
-            <a:r>
-              <a:rPr lang="en-GB" dirty="0" err="1" smtClean="0">
-                <a:latin typeface="Courier New" panose="02070309020205020404" pitchFamily="49" charset="0"/>
-                <a:cs typeface="Courier New" panose="02070309020205020404" pitchFamily="49" charset="0"/>
-              </a:rPr>
-              <a:t>var</a:t>
-            </a:r>
-            <a:r>
-              <a:rPr lang="en-GB" dirty="0" smtClean="0">
-                <a:latin typeface="Courier New" panose="02070309020205020404" pitchFamily="49" charset="0"/>
-                <a:cs typeface="Courier New" panose="02070309020205020404" pitchFamily="49" charset="0"/>
-              </a:rPr>
-              <a:t> </a:t>
-            </a:r>
-            <a:r>
-              <a:rPr lang="en-GB" dirty="0" err="1">
-                <a:latin typeface="Courier New" panose="02070309020205020404" pitchFamily="49" charset="0"/>
-                <a:cs typeface="Courier New" panose="02070309020205020404" pitchFamily="49" charset="0"/>
-              </a:rPr>
-              <a:t>studentPeraPeric</a:t>
-            </a:r>
-            <a:r>
-              <a:rPr lang="en-GB" dirty="0">
-                <a:latin typeface="Courier New" panose="02070309020205020404" pitchFamily="49" charset="0"/>
-                <a:cs typeface="Courier New" panose="02070309020205020404" pitchFamily="49" charset="0"/>
-              </a:rPr>
-              <a:t> = </a:t>
-            </a:r>
-            <a:r>
-              <a:rPr lang="en-GB" dirty="0" err="1">
-                <a:latin typeface="Courier New" panose="02070309020205020404" pitchFamily="49" charset="0"/>
-                <a:cs typeface="Courier New" panose="02070309020205020404" pitchFamily="49" charset="0"/>
-              </a:rPr>
-              <a:t>Object.create</a:t>
-            </a:r>
-            <a:r>
-              <a:rPr lang="en-GB" dirty="0">
-                <a:latin typeface="Courier New" panose="02070309020205020404" pitchFamily="49" charset="0"/>
-                <a:cs typeface="Courier New" panose="02070309020205020404" pitchFamily="49" charset="0"/>
-              </a:rPr>
-              <a:t>(</a:t>
-            </a:r>
-            <a:r>
-              <a:rPr lang="en-GB" dirty="0" err="1">
-                <a:latin typeface="Courier New" panose="02070309020205020404" pitchFamily="49" charset="0"/>
-                <a:cs typeface="Courier New" panose="02070309020205020404" pitchFamily="49" charset="0"/>
-              </a:rPr>
-              <a:t>peraPeric</a:t>
-            </a:r>
-            <a:r>
-              <a:rPr lang="en-GB" dirty="0">
-                <a:latin typeface="Courier New" panose="02070309020205020404" pitchFamily="49" charset="0"/>
-                <a:cs typeface="Courier New" panose="02070309020205020404" pitchFamily="49" charset="0"/>
-              </a:rPr>
-              <a:t>);</a:t>
-            </a:r>
-          </a:p>
-          <a:p>
-            <a:pPr marL="0" indent="0">
-              <a:buNone/>
-            </a:pPr>
-            <a:r>
-              <a:rPr lang="en-GB" dirty="0" err="1">
-                <a:latin typeface="Courier New" panose="02070309020205020404" pitchFamily="49" charset="0"/>
-                <a:cs typeface="Courier New" panose="02070309020205020404" pitchFamily="49" charset="0"/>
-              </a:rPr>
-              <a:t>studentPeraPeric</a:t>
-            </a:r>
-            <a:r>
-              <a:rPr lang="en-GB" dirty="0">
-                <a:latin typeface="Courier New" panose="02070309020205020404" pitchFamily="49" charset="0"/>
-                <a:cs typeface="Courier New" panose="02070309020205020404" pitchFamily="49" charset="0"/>
-              </a:rPr>
-              <a:t>["</a:t>
-            </a:r>
-            <a:r>
-              <a:rPr lang="en-GB" dirty="0" err="1">
-                <a:latin typeface="Courier New" panose="02070309020205020404" pitchFamily="49" charset="0"/>
-                <a:cs typeface="Courier New" panose="02070309020205020404" pitchFamily="49" charset="0"/>
-              </a:rPr>
-              <a:t>godina</a:t>
-            </a:r>
-            <a:r>
-              <a:rPr lang="en-GB" dirty="0">
-                <a:latin typeface="Courier New" panose="02070309020205020404" pitchFamily="49" charset="0"/>
-                <a:cs typeface="Courier New" panose="02070309020205020404" pitchFamily="49" charset="0"/>
-              </a:rPr>
-              <a:t> </a:t>
-            </a:r>
-            <a:r>
-              <a:rPr lang="en-GB" dirty="0" err="1">
-                <a:latin typeface="Courier New" panose="02070309020205020404" pitchFamily="49" charset="0"/>
-                <a:cs typeface="Courier New" panose="02070309020205020404" pitchFamily="49" charset="0"/>
-              </a:rPr>
-              <a:t>studija</a:t>
-            </a:r>
-            <a:r>
-              <a:rPr lang="en-GB" dirty="0">
-                <a:latin typeface="Courier New" panose="02070309020205020404" pitchFamily="49" charset="0"/>
-                <a:cs typeface="Courier New" panose="02070309020205020404" pitchFamily="49" charset="0"/>
-              </a:rPr>
-              <a:t>"] = 3;</a:t>
-            </a:r>
-          </a:p>
-          <a:p>
-            <a:pPr marL="0" indent="0">
-              <a:buNone/>
-            </a:pPr>
-            <a:r>
-              <a:rPr lang="en-GB" dirty="0" err="1">
-                <a:latin typeface="Courier New" panose="02070309020205020404" pitchFamily="49" charset="0"/>
-                <a:cs typeface="Courier New" panose="02070309020205020404" pitchFamily="49" charset="0"/>
-              </a:rPr>
-              <a:t>studentPeraPeric</a:t>
-            </a:r>
-            <a:r>
-              <a:rPr lang="en-GB" dirty="0">
-                <a:latin typeface="Courier New" panose="02070309020205020404" pitchFamily="49" charset="0"/>
-                <a:cs typeface="Courier New" panose="02070309020205020404" pitchFamily="49" charset="0"/>
-              </a:rPr>
-              <a:t>["</a:t>
-            </a:r>
-            <a:r>
-              <a:rPr lang="en-GB" dirty="0" err="1">
-                <a:latin typeface="Courier New" panose="02070309020205020404" pitchFamily="49" charset="0"/>
-                <a:cs typeface="Courier New" panose="02070309020205020404" pitchFamily="49" charset="0"/>
-              </a:rPr>
-              <a:t>polozeni</a:t>
-            </a:r>
-            <a:r>
-              <a:rPr lang="en-GB" dirty="0">
-                <a:latin typeface="Courier New" panose="02070309020205020404" pitchFamily="49" charset="0"/>
-                <a:cs typeface="Courier New" panose="02070309020205020404" pitchFamily="49" charset="0"/>
-              </a:rPr>
-              <a:t> </a:t>
-            </a:r>
-            <a:r>
-              <a:rPr lang="en-GB" dirty="0" err="1">
-                <a:latin typeface="Courier New" panose="02070309020205020404" pitchFamily="49" charset="0"/>
-                <a:cs typeface="Courier New" panose="02070309020205020404" pitchFamily="49" charset="0"/>
-              </a:rPr>
-              <a:t>ispiti</a:t>
-            </a:r>
-            <a:r>
-              <a:rPr lang="en-GB" dirty="0">
-                <a:latin typeface="Courier New" panose="02070309020205020404" pitchFamily="49" charset="0"/>
-                <a:cs typeface="Courier New" panose="02070309020205020404" pitchFamily="49" charset="0"/>
-              </a:rPr>
-              <a:t>"] = [{</a:t>
-            </a:r>
-          </a:p>
-          <a:p>
-            <a:pPr marL="0" indent="0">
-              <a:buNone/>
-            </a:pPr>
-            <a:r>
-              <a:rPr lang="en-GB" dirty="0">
-                <a:latin typeface="Courier New" panose="02070309020205020404" pitchFamily="49" charset="0"/>
-                <a:cs typeface="Courier New" panose="02070309020205020404" pitchFamily="49" charset="0"/>
-              </a:rPr>
-              <a:t>  "</a:t>
-            </a:r>
-            <a:r>
-              <a:rPr lang="en-GB" dirty="0" err="1">
-                <a:latin typeface="Courier New" panose="02070309020205020404" pitchFamily="49" charset="0"/>
-                <a:cs typeface="Courier New" panose="02070309020205020404" pitchFamily="49" charset="0"/>
-              </a:rPr>
-              <a:t>naziv</a:t>
-            </a:r>
-            <a:r>
-              <a:rPr lang="en-GB" dirty="0">
-                <a:latin typeface="Courier New" panose="02070309020205020404" pitchFamily="49" charset="0"/>
-                <a:cs typeface="Courier New" panose="02070309020205020404" pitchFamily="49" charset="0"/>
-              </a:rPr>
-              <a:t>": "Web </a:t>
-            </a:r>
-            <a:r>
-              <a:rPr lang="en-GB" dirty="0" err="1">
-                <a:latin typeface="Courier New" panose="02070309020205020404" pitchFamily="49" charset="0"/>
-                <a:cs typeface="Courier New" panose="02070309020205020404" pitchFamily="49" charset="0"/>
-              </a:rPr>
-              <a:t>programiranje</a:t>
-            </a:r>
-            <a:r>
-              <a:rPr lang="en-GB" dirty="0">
-                <a:latin typeface="Courier New" panose="02070309020205020404" pitchFamily="49" charset="0"/>
-                <a:cs typeface="Courier New" panose="02070309020205020404" pitchFamily="49" charset="0"/>
-              </a:rPr>
-              <a:t>",</a:t>
-            </a:r>
-          </a:p>
-          <a:p>
-            <a:pPr marL="0" indent="0">
-              <a:buNone/>
-            </a:pPr>
-            <a:r>
-              <a:rPr lang="en-GB" dirty="0">
-                <a:latin typeface="Courier New" panose="02070309020205020404" pitchFamily="49" charset="0"/>
-                <a:cs typeface="Courier New" panose="02070309020205020404" pitchFamily="49" charset="0"/>
-              </a:rPr>
-              <a:t>  "</a:t>
-            </a:r>
-            <a:r>
-              <a:rPr lang="en-GB" dirty="0" err="1">
-                <a:latin typeface="Courier New" panose="02070309020205020404" pitchFamily="49" charset="0"/>
-                <a:cs typeface="Courier New" panose="02070309020205020404" pitchFamily="49" charset="0"/>
-              </a:rPr>
-              <a:t>ocena</a:t>
-            </a:r>
-            <a:r>
-              <a:rPr lang="en-GB" dirty="0">
-                <a:latin typeface="Courier New" panose="02070309020205020404" pitchFamily="49" charset="0"/>
-                <a:cs typeface="Courier New" panose="02070309020205020404" pitchFamily="49" charset="0"/>
-              </a:rPr>
-              <a:t>": 9</a:t>
-            </a:r>
-          </a:p>
-          <a:p>
-            <a:pPr marL="0" indent="0">
-              <a:buNone/>
-            </a:pPr>
-            <a:r>
-              <a:rPr lang="en-GB" dirty="0">
-                <a:latin typeface="Courier New" panose="02070309020205020404" pitchFamily="49" charset="0"/>
-                <a:cs typeface="Courier New" panose="02070309020205020404" pitchFamily="49" charset="0"/>
-              </a:rPr>
-              <a:t>}, {</a:t>
-            </a:r>
-          </a:p>
-          <a:p>
-            <a:pPr marL="0" indent="0">
-              <a:buNone/>
-            </a:pPr>
-            <a:r>
-              <a:rPr lang="en-GB" dirty="0">
-                <a:latin typeface="Courier New" panose="02070309020205020404" pitchFamily="49" charset="0"/>
-                <a:cs typeface="Courier New" panose="02070309020205020404" pitchFamily="49" charset="0"/>
-              </a:rPr>
-              <a:t>  "</a:t>
-            </a:r>
-            <a:r>
-              <a:rPr lang="en-GB" dirty="0" err="1">
-                <a:latin typeface="Courier New" panose="02070309020205020404" pitchFamily="49" charset="0"/>
-                <a:cs typeface="Courier New" panose="02070309020205020404" pitchFamily="49" charset="0"/>
-              </a:rPr>
-              <a:t>naziv</a:t>
-            </a:r>
-            <a:r>
-              <a:rPr lang="en-GB" dirty="0">
-                <a:latin typeface="Courier New" panose="02070309020205020404" pitchFamily="49" charset="0"/>
-                <a:cs typeface="Courier New" panose="02070309020205020404" pitchFamily="49" charset="0"/>
-              </a:rPr>
-              <a:t>": "</a:t>
-            </a:r>
-            <a:r>
-              <a:rPr lang="en-GB" dirty="0" err="1">
-                <a:latin typeface="Courier New" panose="02070309020205020404" pitchFamily="49" charset="0"/>
-                <a:cs typeface="Courier New" panose="02070309020205020404" pitchFamily="49" charset="0"/>
-              </a:rPr>
-              <a:t>Arhitektura</a:t>
-            </a:r>
-            <a:r>
-              <a:rPr lang="en-GB" dirty="0">
-                <a:latin typeface="Courier New" panose="02070309020205020404" pitchFamily="49" charset="0"/>
-                <a:cs typeface="Courier New" panose="02070309020205020404" pitchFamily="49" charset="0"/>
-              </a:rPr>
-              <a:t> </a:t>
-            </a:r>
-            <a:r>
-              <a:rPr lang="en-GB" dirty="0" err="1">
-                <a:latin typeface="Courier New" panose="02070309020205020404" pitchFamily="49" charset="0"/>
-                <a:cs typeface="Courier New" panose="02070309020205020404" pitchFamily="49" charset="0"/>
-              </a:rPr>
-              <a:t>racunara</a:t>
-            </a:r>
-            <a:r>
-              <a:rPr lang="en-GB" dirty="0">
-                <a:latin typeface="Courier New" panose="02070309020205020404" pitchFamily="49" charset="0"/>
-                <a:cs typeface="Courier New" panose="02070309020205020404" pitchFamily="49" charset="0"/>
-              </a:rPr>
-              <a:t>",</a:t>
-            </a:r>
-          </a:p>
-          <a:p>
-            <a:pPr marL="0" indent="0">
-              <a:buNone/>
-            </a:pPr>
-            <a:r>
-              <a:rPr lang="en-GB" dirty="0">
-                <a:latin typeface="Courier New" panose="02070309020205020404" pitchFamily="49" charset="0"/>
-                <a:cs typeface="Courier New" panose="02070309020205020404" pitchFamily="49" charset="0"/>
-              </a:rPr>
-              <a:t>  "</a:t>
-            </a:r>
-            <a:r>
-              <a:rPr lang="en-GB" dirty="0" err="1">
-                <a:latin typeface="Courier New" panose="02070309020205020404" pitchFamily="49" charset="0"/>
-                <a:cs typeface="Courier New" panose="02070309020205020404" pitchFamily="49" charset="0"/>
-              </a:rPr>
-              <a:t>ocena</a:t>
-            </a:r>
-            <a:r>
-              <a:rPr lang="en-GB" dirty="0">
-                <a:latin typeface="Courier New" panose="02070309020205020404" pitchFamily="49" charset="0"/>
-                <a:cs typeface="Courier New" panose="02070309020205020404" pitchFamily="49" charset="0"/>
-              </a:rPr>
-              <a:t>": 10</a:t>
-            </a:r>
-          </a:p>
-          <a:p>
-            <a:pPr marL="0" indent="0">
-              <a:buNone/>
-            </a:pPr>
-            <a:r>
-              <a:rPr lang="en-GB" dirty="0" smtClean="0">
-                <a:latin typeface="Courier New" panose="02070309020205020404" pitchFamily="49" charset="0"/>
-                <a:cs typeface="Courier New" panose="02070309020205020404" pitchFamily="49" charset="0"/>
-              </a:rPr>
-              <a:t>}];</a:t>
-            </a:r>
-            <a:endParaRPr lang="sr-Latn-RS" dirty="0" smtClean="0">
-              <a:latin typeface="Courier New" panose="02070309020205020404" pitchFamily="49" charset="0"/>
-              <a:cs typeface="Courier New" panose="02070309020205020404" pitchFamily="49" charset="0"/>
-            </a:endParaRPr>
-          </a:p>
-          <a:p>
-            <a:pPr marL="0" indent="0">
-              <a:buNone/>
-            </a:pPr>
-            <a:endParaRPr lang="sr-Latn-RS" dirty="0">
-              <a:latin typeface="Courier New" panose="02070309020205020404" pitchFamily="49" charset="0"/>
-              <a:cs typeface="Courier New" panose="02070309020205020404" pitchFamily="49" charset="0"/>
-            </a:endParaRPr>
-          </a:p>
-          <a:p>
-            <a:pPr marL="0" indent="0">
-              <a:buNone/>
-            </a:pPr>
-            <a:r>
-              <a:rPr lang="sr-Latn-RS" dirty="0" smtClean="0">
-                <a:latin typeface="Courier New" panose="02070309020205020404" pitchFamily="49" charset="0"/>
-                <a:cs typeface="Courier New" panose="02070309020205020404" pitchFamily="49" charset="0"/>
-              </a:rPr>
-              <a:t>//izmena vrednosti u „nasledniku“</a:t>
-            </a:r>
-          </a:p>
-          <a:p>
-            <a:pPr marL="0" indent="0">
-              <a:buNone/>
-            </a:pPr>
-            <a:r>
-              <a:rPr lang="en-GB" dirty="0" smtClean="0">
-                <a:latin typeface="Courier New" panose="02070309020205020404" pitchFamily="49" charset="0"/>
-                <a:cs typeface="Courier New" panose="02070309020205020404" pitchFamily="49" charset="0"/>
-              </a:rPr>
-              <a:t>studentPeraPeric.lk </a:t>
-            </a:r>
-            <a:r>
-              <a:rPr lang="en-GB" dirty="0">
-                <a:latin typeface="Courier New" panose="02070309020205020404" pitchFamily="49" charset="0"/>
-                <a:cs typeface="Courier New" panose="02070309020205020404" pitchFamily="49" charset="0"/>
-              </a:rPr>
-              <a:t>= "00321123";</a:t>
-            </a:r>
-          </a:p>
-          <a:p>
-            <a:pPr marL="0" indent="0">
-              <a:buNone/>
-            </a:pPr>
-            <a:endParaRPr lang="sr-Latn-RS" dirty="0" smtClean="0">
-              <a:latin typeface="Courier New" panose="02070309020205020404" pitchFamily="49" charset="0"/>
-              <a:cs typeface="Courier New" panose="02070309020205020404" pitchFamily="49" charset="0"/>
-            </a:endParaRPr>
-          </a:p>
-          <a:p>
-            <a:pPr marL="0" indent="0">
-              <a:buNone/>
-            </a:pPr>
-            <a:r>
-              <a:rPr lang="sr-Latn-RS" dirty="0" smtClean="0">
-                <a:latin typeface="Courier New" panose="02070309020205020404" pitchFamily="49" charset="0"/>
-                <a:cs typeface="Courier New" panose="02070309020205020404" pitchFamily="49" charset="0"/>
-              </a:rPr>
-              <a:t>//izmena vrednosti u prototipu</a:t>
-            </a:r>
-          </a:p>
-          <a:p>
-            <a:pPr marL="0" indent="0">
-              <a:buNone/>
-            </a:pPr>
-            <a:r>
-              <a:rPr lang="en-GB" dirty="0" err="1">
-                <a:latin typeface="Courier New" panose="02070309020205020404" pitchFamily="49" charset="0"/>
-                <a:cs typeface="Courier New" panose="02070309020205020404" pitchFamily="49" charset="0"/>
-              </a:rPr>
-              <a:t>Object.getPrototypeOf</a:t>
-            </a:r>
-            <a:r>
-              <a:rPr lang="en-GB" dirty="0">
-                <a:latin typeface="Courier New" panose="02070309020205020404" pitchFamily="49" charset="0"/>
-                <a:cs typeface="Courier New" panose="02070309020205020404" pitchFamily="49" charset="0"/>
-              </a:rPr>
-              <a:t>(</a:t>
-            </a:r>
-            <a:r>
-              <a:rPr lang="en-GB" dirty="0" err="1">
-                <a:latin typeface="Courier New" panose="02070309020205020404" pitchFamily="49" charset="0"/>
-                <a:cs typeface="Courier New" panose="02070309020205020404" pitchFamily="49" charset="0"/>
-              </a:rPr>
-              <a:t>studentPeraPeric</a:t>
-            </a:r>
-            <a:r>
-              <a:rPr lang="en-GB" dirty="0">
-                <a:latin typeface="Courier New" panose="02070309020205020404" pitchFamily="49" charset="0"/>
-                <a:cs typeface="Courier New" panose="02070309020205020404" pitchFamily="49" charset="0"/>
-              </a:rPr>
-              <a:t>).</a:t>
-            </a:r>
-            <a:r>
-              <a:rPr lang="en-GB" dirty="0" err="1">
-                <a:latin typeface="Courier New" panose="02070309020205020404" pitchFamily="49" charset="0"/>
-                <a:cs typeface="Courier New" panose="02070309020205020404" pitchFamily="49" charset="0"/>
-              </a:rPr>
-              <a:t>lk</a:t>
-            </a:r>
-            <a:r>
-              <a:rPr lang="en-GB" dirty="0">
-                <a:latin typeface="Courier New" panose="02070309020205020404" pitchFamily="49" charset="0"/>
-                <a:cs typeface="Courier New" panose="02070309020205020404" pitchFamily="49" charset="0"/>
-              </a:rPr>
-              <a:t>="nova </a:t>
-            </a:r>
-            <a:r>
-              <a:rPr lang="en-GB" dirty="0" err="1">
-                <a:latin typeface="Courier New" panose="02070309020205020404" pitchFamily="49" charset="0"/>
-                <a:cs typeface="Courier New" panose="02070309020205020404" pitchFamily="49" charset="0"/>
-              </a:rPr>
-              <a:t>vrednost</a:t>
-            </a:r>
-            <a:r>
-              <a:rPr lang="en-GB" dirty="0">
-                <a:latin typeface="Courier New" panose="02070309020205020404" pitchFamily="49" charset="0"/>
-                <a:cs typeface="Courier New" panose="02070309020205020404" pitchFamily="49" charset="0"/>
-              </a:rPr>
-              <a:t>";</a:t>
-            </a:r>
-          </a:p>
-          <a:p>
-            <a:pPr marL="0" indent="0">
-              <a:buNone/>
-            </a:pPr>
-            <a:endParaRPr lang="en-GB" dirty="0">
-              <a:latin typeface="Courier New" panose="02070309020205020404" pitchFamily="49" charset="0"/>
-              <a:cs typeface="Courier New" panose="02070309020205020404" pitchFamily="49" charset="0"/>
-            </a:endParaRPr>
-          </a:p>
-          <a:p>
-            <a:pPr marL="0" indent="0">
-              <a:buNone/>
-            </a:pPr>
-            <a:endParaRPr lang="en-GB" dirty="0">
-              <a:latin typeface="Courier New" panose="02070309020205020404" pitchFamily="49" charset="0"/>
-              <a:cs typeface="Courier New" panose="02070309020205020404" pitchFamily="49" charset="0"/>
-            </a:endParaRPr>
+        </p:txBody>
+      </p:sp>
+      <p:sp>
+        <p:nvSpPr>
+          <p:cNvPr id="3" name="Content Placeholder 2"/>
+          <p:cNvSpPr>
+            <a:spLocks noGrp="1"/>
+          </p:cNvSpPr>
+          <p:nvPr>
+            <p:ph idx="1"/>
+          </p:nvPr>
+        </p:nvSpPr>
+        <p:spPr/>
+        <p:txBody>
+          <a:bodyPr/>
+          <a:lstStyle/>
+          <a:p>
+            <a:r>
+              <a:rPr lang="sr-Latn-RS" dirty="0" smtClean="0"/>
+              <a:t>Kreira objekat postavljajući prvi parametar za prototip</a:t>
+            </a:r>
+          </a:p>
+          <a:p>
+            <a:endParaRPr lang="en-GB" dirty="0"/>
           </a:p>
         </p:txBody>
       </p:sp>
     </p:spTree>
     <p:extLst>
       <p:ext uri="{BB962C8B-B14F-4D97-AF65-F5344CB8AC3E}">
-        <p14:creationId xmlns:p14="http://schemas.microsoft.com/office/powerpoint/2010/main" val="3487746720"/>
+        <p14:creationId xmlns:p14="http://schemas.microsoft.com/office/powerpoint/2010/main" val="3181375114"/>
       </p:ext>
     </p:extLst>
   </p:cSld>
@@ -3872,7 +3294,7 @@
           <a:p>
             <a:r>
               <a:rPr lang="sr-Latn-RS" dirty="0" smtClean="0"/>
-              <a:t>Prototip</a:t>
+              <a:t>Pristup vrednostima svojstava</a:t>
             </a:r>
             <a:endParaRPr lang="en-GB" dirty="0"/>
           </a:p>
@@ -3891,79 +3313,147 @@
         <p:spPr/>
         <p:txBody>
           <a:bodyPr>
-            <a:normAutofit fontScale="85000" lnSpcReduction="10000"/>
+            <a:normAutofit/>
           </a:bodyPr>
           <a:lstStyle/>
           <a:p>
             <a:r>
               <a:rPr lang="sr-Latn-RS" dirty="0" smtClean="0"/>
-              <a:t>Delegacija prototipa:</a:t>
-            </a:r>
-          </a:p>
-          <a:p>
-            <a:pPr lvl="1"/>
-            <a:r>
-              <a:rPr lang="sr-Latn-RS" dirty="0" smtClean="0"/>
-              <a:t>Ako svojstvo postoji u objektu, vrati se njegova vrednost</a:t>
-            </a:r>
-          </a:p>
-          <a:p>
-            <a:pPr lvl="1"/>
-            <a:r>
-              <a:rPr lang="sr-Latn-RS" dirty="0" smtClean="0"/>
-              <a:t>Ako ne postoji, traži se u prototipu</a:t>
-            </a:r>
-          </a:p>
-          <a:p>
-            <a:pPr lvl="1"/>
-            <a:r>
-              <a:rPr lang="sr-Latn-RS" dirty="0" smtClean="0"/>
-              <a:t>Ako ne postoji u prototipu, traži se u prototipu prototipa</a:t>
-            </a:r>
-          </a:p>
-          <a:p>
-            <a:pPr lvl="1"/>
-            <a:r>
-              <a:rPr lang="sr-Latn-RS" dirty="0" smtClean="0"/>
-              <a:t>...</a:t>
-            </a:r>
-          </a:p>
-          <a:p>
-            <a:pPr lvl="1"/>
-            <a:r>
-              <a:rPr lang="sr-Latn-RS" dirty="0" smtClean="0"/>
-              <a:t>Ako se ne pronađe do kraja lanca, vrati se </a:t>
-            </a:r>
+              <a:t>[] - notacija</a:t>
+            </a:r>
+          </a:p>
+          <a:p>
+            <a:r>
+              <a:rPr lang="sr-Latn-RS" dirty="0" smtClean="0"/>
+              <a:t>. – notacija</a:t>
+            </a:r>
+          </a:p>
+          <a:p>
+            <a:pPr marL="0" indent="0">
+              <a:buNone/>
+            </a:pPr>
             <a:r>
               <a:rPr lang="sr-Latn-RS" dirty="0" smtClean="0">
                 <a:latin typeface="Courier New" panose="02070309020205020404" pitchFamily="49" charset="0"/>
                 <a:cs typeface="Courier New" panose="02070309020205020404" pitchFamily="49" charset="0"/>
               </a:rPr>
-              <a:t>undefined</a:t>
-            </a:r>
-          </a:p>
-          <a:p>
+              <a:t>&gt;&gt;&gt;</a:t>
+            </a:r>
+            <a:r>
+              <a:rPr lang="en-GB" dirty="0" err="1" smtClean="0">
+                <a:latin typeface="Courier New" panose="02070309020205020404" pitchFamily="49" charset="0"/>
+                <a:cs typeface="Courier New" panose="02070309020205020404" pitchFamily="49" charset="0"/>
+              </a:rPr>
+              <a:t>peraPeric.ime</a:t>
+            </a:r>
+            <a:endParaRPr lang="sr-Latn-RS" dirty="0" smtClean="0">
+              <a:latin typeface="Courier New" panose="02070309020205020404" pitchFamily="49" charset="0"/>
+              <a:cs typeface="Courier New" panose="02070309020205020404" pitchFamily="49" charset="0"/>
+            </a:endParaRPr>
+          </a:p>
+          <a:p>
+            <a:pPr marL="0" indent="0">
+              <a:buNone/>
+            </a:pPr>
+            <a:r>
+              <a:rPr lang="en-GB" dirty="0" smtClean="0">
+                <a:latin typeface="Courier New" panose="02070309020205020404" pitchFamily="49" charset="0"/>
+                <a:cs typeface="Courier New" panose="02070309020205020404" pitchFamily="49" charset="0"/>
+              </a:rPr>
+              <a:t>"</a:t>
+            </a:r>
+            <a:r>
+              <a:rPr lang="en-GB" dirty="0" err="1" smtClean="0">
+                <a:latin typeface="Courier New" panose="02070309020205020404" pitchFamily="49" charset="0"/>
+                <a:cs typeface="Courier New" panose="02070309020205020404" pitchFamily="49" charset="0"/>
+              </a:rPr>
+              <a:t>Pera</a:t>
+            </a:r>
+            <a:r>
+              <a:rPr lang="en-GB" dirty="0" smtClean="0">
+                <a:latin typeface="Courier New" panose="02070309020205020404" pitchFamily="49" charset="0"/>
+                <a:cs typeface="Courier New" panose="02070309020205020404" pitchFamily="49" charset="0"/>
+              </a:rPr>
+              <a:t>"</a:t>
+            </a:r>
+            <a:endParaRPr lang="sr-Latn-RS" dirty="0" smtClean="0">
+              <a:latin typeface="Courier New" panose="02070309020205020404" pitchFamily="49" charset="0"/>
+              <a:cs typeface="Courier New" panose="02070309020205020404" pitchFamily="49" charset="0"/>
+            </a:endParaRPr>
+          </a:p>
+          <a:p>
+            <a:pPr marL="0" indent="0">
+              <a:buNone/>
+            </a:pPr>
             <a:r>
               <a:rPr lang="sr-Latn-RS" dirty="0" smtClean="0">
-                <a:cs typeface="Courier New" panose="02070309020205020404" pitchFamily="49" charset="0"/>
-              </a:rPr>
-              <a:t>Ako se izmeni bilo koji prototip u lancu, izmena će se odraziti na sve „naslednike“</a:t>
-            </a:r>
-          </a:p>
-          <a:p>
-            <a:r>
-              <a:rPr lang="sr-Latn-RS" dirty="0" smtClean="0">
-                <a:cs typeface="Courier New" panose="02070309020205020404" pitchFamily="49" charset="0"/>
-              </a:rPr>
-              <a:t>Oprez! Objekat može da pristupi svom prototipu i da ga izmeni i time izmeni i ponašanje drugih objekata.</a:t>
-            </a:r>
+                <a:latin typeface="Courier New" panose="02070309020205020404" pitchFamily="49" charset="0"/>
+                <a:cs typeface="Courier New" panose="02070309020205020404" pitchFamily="49" charset="0"/>
+              </a:rPr>
+              <a:t>&gt;&gt;&gt;</a:t>
+            </a:r>
+            <a:r>
+              <a:rPr lang="it-IT" dirty="0" smtClean="0">
+                <a:latin typeface="Courier New" panose="02070309020205020404" pitchFamily="49" charset="0"/>
+                <a:cs typeface="Courier New" panose="02070309020205020404" pitchFamily="49" charset="0"/>
+              </a:rPr>
+              <a:t>peraPeric</a:t>
+            </a:r>
+            <a:r>
+              <a:rPr lang="it-IT" dirty="0">
+                <a:latin typeface="Courier New" panose="02070309020205020404" pitchFamily="49" charset="0"/>
+                <a:cs typeface="Courier New" panose="02070309020205020404" pitchFamily="49" charset="0"/>
+              </a:rPr>
+              <a:t>["polozeni ispiti"][0].</a:t>
+            </a:r>
+            <a:r>
+              <a:rPr lang="it-IT" dirty="0" smtClean="0">
+                <a:latin typeface="Courier New" panose="02070309020205020404" pitchFamily="49" charset="0"/>
+                <a:cs typeface="Courier New" panose="02070309020205020404" pitchFamily="49" charset="0"/>
+              </a:rPr>
+              <a:t>naziv</a:t>
+            </a:r>
+            <a:endParaRPr lang="sr-Latn-RS" dirty="0" smtClean="0">
+              <a:latin typeface="Courier New" panose="02070309020205020404" pitchFamily="49" charset="0"/>
+              <a:cs typeface="Courier New" panose="02070309020205020404" pitchFamily="49" charset="0"/>
+            </a:endParaRPr>
+          </a:p>
+          <a:p>
+            <a:pPr marL="0" indent="0">
+              <a:buNone/>
+            </a:pPr>
+            <a:r>
+              <a:rPr lang="it-IT" dirty="0" smtClean="0">
+                <a:latin typeface="Courier New" panose="02070309020205020404" pitchFamily="49" charset="0"/>
+                <a:cs typeface="Courier New" panose="02070309020205020404" pitchFamily="49" charset="0"/>
+              </a:rPr>
+              <a:t>"</a:t>
+            </a:r>
+            <a:r>
+              <a:rPr lang="it-IT" dirty="0">
+                <a:latin typeface="Courier New" panose="02070309020205020404" pitchFamily="49" charset="0"/>
+                <a:cs typeface="Courier New" panose="02070309020205020404" pitchFamily="49" charset="0"/>
+              </a:rPr>
+              <a:t>Web </a:t>
+            </a:r>
+            <a:r>
+              <a:rPr lang="it-IT" dirty="0" smtClean="0">
+                <a:latin typeface="Courier New" panose="02070309020205020404" pitchFamily="49" charset="0"/>
+                <a:cs typeface="Courier New" panose="02070309020205020404" pitchFamily="49" charset="0"/>
+              </a:rPr>
+              <a:t>programiranje"</a:t>
+            </a:r>
+            <a:endParaRPr lang="sr-Latn-RS" dirty="0" smtClean="0">
+              <a:latin typeface="Courier New" panose="02070309020205020404" pitchFamily="49" charset="0"/>
+              <a:cs typeface="Courier New" panose="02070309020205020404" pitchFamily="49" charset="0"/>
+            </a:endParaRPr>
           </a:p>
         </p:txBody>
       </p:sp>
     </p:spTree>
     <p:extLst>
       <p:ext uri="{BB962C8B-B14F-4D97-AF65-F5344CB8AC3E}">
-        <p14:creationId xmlns:p14="http://schemas.microsoft.com/office/powerpoint/2010/main" val="2444415161"/>
+        <p14:creationId xmlns:p14="http://schemas.microsoft.com/office/powerpoint/2010/main" val="4007200873"/>
       </p:ext>
     </p:extLst>
   </p:cSld>
@@ -4013,8 +3503,8 @@
           <a:lstStyle/>
           <a:p>
             <a:r>
-              <a:rPr lang="sr-Latn-RS" dirty="0" smtClean="0"/>
-              <a:t>Enumeracija svojstava objekta</a:t>
+              <a:rPr lang="sr-Latn-RS" dirty="0"/>
+              <a:t>Pristup vrednostima svojstava</a:t>
             </a:r>
             <a:endParaRPr lang="en-GB" dirty="0"/>
           </a:p>
@@ -4033,103 +3523,163 @@
         <p:spPr/>
         <p:txBody>
           <a:bodyPr>
-            <a:normAutofit fontScale="85000" lnSpcReduction="20000"/>
+            <a:normAutofit fontScale="70000" lnSpcReduction="20000"/>
           </a:bodyPr>
           <a:lstStyle/>
           <a:p>
-            <a:r>
-              <a:rPr lang="sr-Latn-RS" dirty="0" smtClean="0"/>
-              <a:t>Možemo da koristimo </a:t>
-            </a:r>
+            <a:pPr marL="0" indent="0">
+              <a:buNone/>
+            </a:pPr>
+            <a:r>
+              <a:rPr lang="sr-Latn-RS" dirty="0">
+                <a:latin typeface="Courier New" panose="02070309020205020404" pitchFamily="49" charset="0"/>
+                <a:cs typeface="Courier New" panose="02070309020205020404" pitchFamily="49" charset="0"/>
+              </a:rPr>
+              <a:t>&gt;&gt;&gt;peraPeric.brojIndeksa</a:t>
+            </a:r>
+          </a:p>
+          <a:p>
+            <a:pPr marL="0" indent="0">
+              <a:buNone/>
+            </a:pPr>
+            <a:r>
+              <a:rPr lang="sr-Latn-RS" dirty="0">
+                <a:latin typeface="Courier New" panose="02070309020205020404" pitchFamily="49" charset="0"/>
+                <a:cs typeface="Courier New" panose="02070309020205020404" pitchFamily="49" charset="0"/>
+              </a:rPr>
+              <a:t>undefined</a:t>
+            </a:r>
+          </a:p>
+          <a:p>
             <a:r>
               <a:rPr lang="sr-Latn-RS" dirty="0" smtClean="0">
-                <a:latin typeface="Courier New" panose="02070309020205020404" pitchFamily="49" charset="0"/>
-                <a:cs typeface="Courier New" panose="02070309020205020404" pitchFamily="49" charset="0"/>
-              </a:rPr>
-              <a:t>for in</a:t>
-            </a:r>
-            <a:r>
-              <a:rPr lang="sr-Latn-RS" dirty="0" smtClean="0"/>
-              <a:t> petlju</a:t>
-            </a:r>
+                <a:cs typeface="Courier New" panose="02070309020205020404" pitchFamily="49" charset="0"/>
+              </a:rPr>
+              <a:t>Nije greška da pokušamo da pristupimo svojstvu koje ne postoji za neki objekat</a:t>
+            </a:r>
+          </a:p>
+          <a:p>
+            <a:r>
+              <a:rPr lang="sr-Latn-RS" dirty="0" smtClean="0">
+                <a:cs typeface="Courier New" panose="02070309020205020404" pitchFamily="49" charset="0"/>
+              </a:rPr>
+              <a:t>Ukoliko </a:t>
+            </a:r>
+            <a:r>
+              <a:rPr lang="sr-Latn-RS" dirty="0">
+                <a:cs typeface="Courier New" panose="02070309020205020404" pitchFamily="49" charset="0"/>
+              </a:rPr>
+              <a:t>pokušamo da pristupimo </a:t>
+            </a:r>
+            <a:r>
+              <a:rPr lang="sr-Latn-RS" dirty="0" smtClean="0">
+                <a:cs typeface="Courier New" panose="02070309020205020404" pitchFamily="49" charset="0"/>
+              </a:rPr>
+              <a:t>svojstvu koje nije definisano, </a:t>
+            </a:r>
+            <a:r>
+              <a:rPr lang="sr-Latn-RS" dirty="0">
+                <a:cs typeface="Courier New" panose="02070309020205020404" pitchFamily="49" charset="0"/>
+              </a:rPr>
+              <a:t>dobijam undefined</a:t>
+            </a:r>
+            <a:endParaRPr lang="en-GB" dirty="0">
+              <a:cs typeface="Courier New" panose="02070309020205020404" pitchFamily="49" charset="0"/>
+            </a:endParaRPr>
           </a:p>
           <a:p>
             <a:pPr marL="0" indent="0">
               <a:buNone/>
             </a:pPr>
             <a:r>
-              <a:rPr lang="sr-Latn-RS" sz="2400" dirty="0">
-                <a:latin typeface="Courier New" panose="02070309020205020404" pitchFamily="49" charset="0"/>
-                <a:cs typeface="Courier New" panose="02070309020205020404" pitchFamily="49" charset="0"/>
-              </a:rPr>
-              <a:t>var naziv;</a:t>
-            </a:r>
+              <a:rPr lang="sr-Latn-RS" dirty="0" smtClean="0">
+                <a:latin typeface="Courier New" panose="02070309020205020404" pitchFamily="49" charset="0"/>
+                <a:cs typeface="Courier New" panose="02070309020205020404" pitchFamily="49" charset="0"/>
+              </a:rPr>
+              <a:t>&gt;&gt;&gt;</a:t>
+            </a:r>
+            <a:r>
+              <a:rPr lang="en-GB" dirty="0" err="1" smtClean="0">
+                <a:latin typeface="Courier New" panose="02070309020205020404" pitchFamily="49" charset="0"/>
+                <a:cs typeface="Courier New" panose="02070309020205020404" pitchFamily="49" charset="0"/>
+              </a:rPr>
+              <a:t>peraPeric.brojIndeksa.master</a:t>
+            </a:r>
+            <a:endParaRPr lang="sr-Latn-RS" dirty="0" smtClean="0">
+              <a:latin typeface="Courier New" panose="02070309020205020404" pitchFamily="49" charset="0"/>
+              <a:cs typeface="Courier New" panose="02070309020205020404" pitchFamily="49" charset="0"/>
+            </a:endParaRPr>
           </a:p>
           <a:p>
             <a:pPr marL="0" indent="0">
               <a:buNone/>
             </a:pPr>
             <a:r>
-              <a:rPr lang="sr-Latn-RS" sz="2400" dirty="0">
-                <a:latin typeface="Courier New" panose="02070309020205020404" pitchFamily="49" charset="0"/>
-                <a:cs typeface="Courier New" panose="02070309020205020404" pitchFamily="49" charset="0"/>
-              </a:rPr>
-              <a:t>for (naziv in studentPeraPeric) </a:t>
-            </a:r>
-            <a:r>
-              <a:rPr lang="sr-Latn-RS" sz="2400" dirty="0" smtClean="0">
-                <a:latin typeface="Courier New" panose="02070309020205020404" pitchFamily="49" charset="0"/>
-                <a:cs typeface="Courier New" panose="02070309020205020404" pitchFamily="49" charset="0"/>
-              </a:rPr>
-              <a:t>{  	console.log(studentPeraPeric[naziv</a:t>
-            </a:r>
-            <a:r>
-              <a:rPr lang="sr-Latn-RS" sz="2400" dirty="0">
-                <a:latin typeface="Courier New" panose="02070309020205020404" pitchFamily="49" charset="0"/>
-                <a:cs typeface="Courier New" panose="02070309020205020404" pitchFamily="49" charset="0"/>
-              </a:rPr>
-              <a:t>]);</a:t>
-            </a:r>
-          </a:p>
-          <a:p>
-            <a:pPr marL="0" indent="0">
-              <a:buNone/>
-            </a:pPr>
-            <a:r>
-              <a:rPr lang="sr-Latn-RS" sz="2400" dirty="0">
-                <a:latin typeface="Courier New" panose="02070309020205020404" pitchFamily="49" charset="0"/>
-                <a:cs typeface="Courier New" panose="02070309020205020404" pitchFamily="49" charset="0"/>
-              </a:rPr>
-              <a:t>}</a:t>
-            </a:r>
-          </a:p>
-          <a:p>
-            <a:endParaRPr lang="sr-Latn-RS" dirty="0" smtClean="0"/>
-          </a:p>
-          <a:p>
-            <a:r>
-              <a:rPr lang="sr-Latn-RS" dirty="0" smtClean="0"/>
-              <a:t>Pristupamo i svim svojstivma prototipa</a:t>
-            </a:r>
-          </a:p>
-          <a:p>
-            <a:r>
-              <a:rPr lang="sr-Latn-RS" dirty="0" smtClean="0"/>
-              <a:t>Ukoliko želimo da proverimo da li je svojstvo definisano u objektu, a ne prototipu, koristimo </a:t>
-            </a:r>
+              <a:rPr lang="en-GB" dirty="0" smtClean="0">
+                <a:latin typeface="Courier New" panose="02070309020205020404" pitchFamily="49" charset="0"/>
+                <a:cs typeface="Courier New" panose="02070309020205020404" pitchFamily="49" charset="0"/>
+              </a:rPr>
+              <a:t>VM324:2 </a:t>
+            </a:r>
+            <a:r>
+              <a:rPr lang="en-GB" dirty="0">
+                <a:latin typeface="Courier New" panose="02070309020205020404" pitchFamily="49" charset="0"/>
+                <a:cs typeface="Courier New" panose="02070309020205020404" pitchFamily="49" charset="0"/>
+              </a:rPr>
+              <a:t>Uncaught </a:t>
+            </a:r>
+            <a:r>
+              <a:rPr lang="en-GB" dirty="0" err="1">
+                <a:latin typeface="Courier New" panose="02070309020205020404" pitchFamily="49" charset="0"/>
+                <a:cs typeface="Courier New" panose="02070309020205020404" pitchFamily="49" charset="0"/>
+              </a:rPr>
+              <a:t>TypeError</a:t>
+            </a:r>
+            <a:r>
+              <a:rPr lang="en-GB" dirty="0">
+                <a:latin typeface="Courier New" panose="02070309020205020404" pitchFamily="49" charset="0"/>
+                <a:cs typeface="Courier New" panose="02070309020205020404" pitchFamily="49" charset="0"/>
+              </a:rPr>
+              <a:t>: Cannot read property 'master' of undefined</a:t>
+            </a:r>
+            <a:r>
+              <a:rPr lang="en-GB" dirty="0" smtClean="0">
+                <a:latin typeface="Courier New" panose="02070309020205020404" pitchFamily="49" charset="0"/>
+                <a:cs typeface="Courier New" panose="02070309020205020404" pitchFamily="49" charset="0"/>
+              </a:rPr>
+              <a:t>(…)</a:t>
+            </a:r>
+            <a:endParaRPr lang="sr-Latn-RS" dirty="0" smtClean="0">
+              <a:latin typeface="Courier New" panose="02070309020205020404" pitchFamily="49" charset="0"/>
+              <a:cs typeface="Courier New" panose="02070309020205020404" pitchFamily="49" charset="0"/>
+            </a:endParaRPr>
+          </a:p>
+          <a:p>
             <a:r>
               <a:rPr lang="sr-Latn-RS" dirty="0" smtClean="0">
-                <a:latin typeface="Courier New" panose="02070309020205020404" pitchFamily="49" charset="0"/>
-                <a:cs typeface="Courier New" panose="02070309020205020404" pitchFamily="49" charset="0"/>
-              </a:rPr>
-              <a:t>hasOwnProperty</a:t>
-            </a:r>
-          </a:p>
-          <a:p>
-            <a:r>
-              <a:rPr lang="sr-Latn-RS" dirty="0"/>
-              <a:t>Ne postoji garancija da će svaki put svojstva biti u istom redosledu</a:t>
-            </a:r>
+                <a:cs typeface="Courier New" panose="02070309020205020404" pitchFamily="49" charset="0"/>
+              </a:rPr>
+              <a:t>Greška je da pokušamo da pristupimo svojstvu objekta koji ne postoji</a:t>
+            </a:r>
+          </a:p>
+          <a:p>
+            <a:r>
+              <a:rPr lang="sr-Latn-RS" dirty="0" smtClean="0">
+                <a:cs typeface="Courier New" panose="02070309020205020404" pitchFamily="49" charset="0"/>
+              </a:rPr>
+              <a:t>Ukoliko to pokušamo pokušamo, </a:t>
+            </a:r>
+            <a:r>
+              <a:rPr lang="sr-Latn-RS" dirty="0" smtClean="0">
+                <a:cs typeface="Courier New" panose="02070309020205020404" pitchFamily="49" charset="0"/>
+              </a:rPr>
+              <a:t>izaziva se TypeError izuzetak</a:t>
+            </a:r>
+            <a:endParaRPr lang="en-GB" dirty="0">
+              <a:cs typeface="Courier New" panose="02070309020205020404" pitchFamily="49" charset="0"/>
+            </a:endParaRPr>
+          </a:p>
+          <a:p>
             <a:endParaRPr lang="en-GB" dirty="0"/>
           </a:p>
         </p:txBody>
@@ -4137,7 +3687,7 @@
     </p:spTree>
     <p:extLst>
       <p:ext uri="{BB962C8B-B14F-4D97-AF65-F5344CB8AC3E}">
-        <p14:creationId xmlns:p14="http://schemas.microsoft.com/office/powerpoint/2010/main" val="1341550038"/>
+        <p14:creationId xmlns:p14="http://schemas.microsoft.com/office/powerpoint/2010/main" val="652773718"/>
       </p:ext>
     </p:extLst>
   </p:cSld>
@@ -4183,132 +3733,112 @@
         </p:nvSpPr>
         <p:spPr/>
         <p:txBody>
+          <a:bodyPr>
+            <a:normAutofit/>
+          </a:bodyPr>
+          <a:lstStyle/>
+          <a:p>
+            <a:r>
+              <a:rPr lang="sr-Latn-RS" dirty="0" smtClean="0"/>
+              <a:t>Izmena vrednosti svojstava</a:t>
+            </a:r>
+            <a:endParaRPr lang="en-GB" dirty="0"/>
+          </a:p>
+        </p:txBody>
+      </p:sp>
+      <p:sp>
+        <p:nvSpPr>
+          <p:cNvPr id="3" name="Content Placeholder 2"/>
+          <p:cNvSpPr>
+            <a:spLocks noGrp="1"/>
+          </p:cNvSpPr>
+          <p:nvPr>
+            <p:ph idx="1"/>
+          </p:nvPr>
+        </p:nvSpPr>
+        <p:spPr/>
+        <p:txBody>
           <a:bodyPr/>
           <a:lstStyle/>
           <a:p>
             <a:r>
               <a:rPr lang="sr-Latn-RS" dirty="0" smtClean="0"/>
-              <a:t>Brisanje svojstva</a:t>
-            </a:r>
-            <a:endParaRPr lang="en-GB" dirty="0"/>
-          </a:p>
-        </p:txBody>
-      </p:sp>
-      <p:sp>
-        <p:nvSpPr>
-          <p:cNvPr id="3" name="Content Placeholder 2"/>
-          <p:cNvSpPr>
-            <a:spLocks noGrp="1"/>
-          </p:cNvSpPr>
-          <p:nvPr>
-            <p:ph idx="1"/>
-          </p:nvPr>
-        </p:nvSpPr>
-        <p:spPr/>
-        <p:txBody>
-          <a:bodyPr/>
-          <a:lstStyle/>
+              <a:t>Dodela vrednosti svojstvu</a:t>
+            </a:r>
+          </a:p>
+          <a:p>
+            <a:pPr lvl="1"/>
+            <a:r>
+              <a:rPr lang="sr-Latn-RS" dirty="0" smtClean="0"/>
+              <a:t>Ukoliko svojstvo ne postoji, dodaće se</a:t>
+            </a:r>
+          </a:p>
+          <a:p>
+            <a:pPr lvl="1"/>
+            <a:r>
+              <a:rPr lang="sr-Latn-RS" dirty="0" smtClean="0"/>
+              <a:t>Ukoliko svojstvo postoji, postaviće se nova vrednost</a:t>
+            </a:r>
+          </a:p>
+          <a:p>
+            <a:pPr marL="457200" lvl="1" indent="0">
+              <a:buNone/>
+            </a:pPr>
+            <a:endParaRPr lang="sr-Latn-RS" dirty="0" smtClean="0"/>
+          </a:p>
           <a:p>
             <a:pPr marL="0" indent="0">
               <a:buNone/>
             </a:pPr>
             <a:r>
-              <a:rPr lang="en-GB" sz="2400" dirty="0">
-                <a:latin typeface="Courier New" panose="02070309020205020404" pitchFamily="49" charset="0"/>
-                <a:cs typeface="Courier New" panose="02070309020205020404" pitchFamily="49" charset="0"/>
-              </a:rPr>
-              <a:t>delete </a:t>
-            </a:r>
-            <a:r>
-              <a:rPr lang="en-GB" sz="2400" dirty="0" err="1">
-                <a:latin typeface="Courier New" panose="02070309020205020404" pitchFamily="49" charset="0"/>
-                <a:cs typeface="Courier New" panose="02070309020205020404" pitchFamily="49" charset="0"/>
-              </a:rPr>
-              <a:t>studentPeraPeric</a:t>
-            </a:r>
-            <a:r>
-              <a:rPr lang="en-GB" sz="2400" dirty="0">
+              <a:rPr lang="en-GB" dirty="0" err="1">
+                <a:latin typeface="Courier New" panose="02070309020205020404" pitchFamily="49" charset="0"/>
+                <a:cs typeface="Courier New" panose="02070309020205020404" pitchFamily="49" charset="0"/>
+              </a:rPr>
+              <a:t>peraPeric</a:t>
+            </a:r>
+            <a:r>
+              <a:rPr lang="en-GB" dirty="0">
                 <a:latin typeface="Courier New" panose="02070309020205020404" pitchFamily="49" charset="0"/>
                 <a:cs typeface="Courier New" panose="02070309020205020404" pitchFamily="49" charset="0"/>
               </a:rPr>
               <a:t>["</a:t>
             </a:r>
             <a:r>
-              <a:rPr lang="en-GB" sz="2400" dirty="0" err="1">
+              <a:rPr lang="en-GB" dirty="0" err="1">
                 <a:latin typeface="Courier New" panose="02070309020205020404" pitchFamily="49" charset="0"/>
                 <a:cs typeface="Courier New" panose="02070309020205020404" pitchFamily="49" charset="0"/>
               </a:rPr>
               <a:t>godina</a:t>
             </a:r>
             <a:r>
-              <a:rPr lang="en-GB" sz="2400" dirty="0">
+              <a:rPr lang="en-GB" dirty="0">
                 <a:latin typeface="Courier New" panose="02070309020205020404" pitchFamily="49" charset="0"/>
                 <a:cs typeface="Courier New" panose="02070309020205020404" pitchFamily="49" charset="0"/>
               </a:rPr>
               <a:t> </a:t>
             </a:r>
             <a:r>
-              <a:rPr lang="en-GB" sz="2400" dirty="0" err="1">
+              <a:rPr lang="en-GB" dirty="0" err="1">
                 <a:latin typeface="Courier New" panose="02070309020205020404" pitchFamily="49" charset="0"/>
                 <a:cs typeface="Courier New" panose="02070309020205020404" pitchFamily="49" charset="0"/>
               </a:rPr>
               <a:t>studija</a:t>
             </a:r>
             <a:r>
-              <a:rPr lang="en-GB" sz="2400" dirty="0" smtClean="0">
-                <a:latin typeface="Courier New" panose="02070309020205020404" pitchFamily="49" charset="0"/>
-                <a:cs typeface="Courier New" panose="02070309020205020404" pitchFamily="49" charset="0"/>
-              </a:rPr>
-              <a:t>"];</a:t>
-            </a:r>
-            <a:endParaRPr lang="sr-Latn-RS" sz="2400" dirty="0" smtClean="0">
-              <a:latin typeface="Courier New" panose="02070309020205020404" pitchFamily="49" charset="0"/>
-              <a:cs typeface="Courier New" panose="02070309020205020404" pitchFamily="49" charset="0"/>
-            </a:endParaRPr>
-          </a:p>
-          <a:p>
-            <a:pPr marL="0" indent="0">
-              <a:buNone/>
-            </a:pPr>
-            <a:endParaRPr lang="sr-Latn-RS" sz="2400" dirty="0">
-              <a:latin typeface="Courier New" panose="02070309020205020404" pitchFamily="49" charset="0"/>
-              <a:cs typeface="Courier New" panose="02070309020205020404" pitchFamily="49" charset="0"/>
-            </a:endParaRPr>
-          </a:p>
-          <a:p>
-            <a:pPr marL="0" indent="0">
-              <a:buNone/>
-            </a:pPr>
-            <a:r>
-              <a:rPr lang="sr-Latn-RS" sz="2700" dirty="0"/>
-              <a:t>Šta se dešava ako izbrišemo svojstvo u objektu koje je definisano u prototipu?</a:t>
-            </a:r>
-            <a:endParaRPr lang="en-GB" sz="2700" dirty="0"/>
-          </a:p>
-          <a:p>
-            <a:endParaRPr lang="sr-Latn-RS" dirty="0" smtClean="0"/>
-          </a:p>
-          <a:p>
-            <a:pPr marL="0" indent="0">
-              <a:buNone/>
-            </a:pPr>
-            <a:r>
-              <a:rPr lang="en-GB" sz="2400" dirty="0">
-                <a:latin typeface="Courier New" panose="02070309020205020404" pitchFamily="49" charset="0"/>
-                <a:cs typeface="Courier New" panose="02070309020205020404" pitchFamily="49" charset="0"/>
-              </a:rPr>
-              <a:t>delete studentPeraPeric.lk;</a:t>
-            </a:r>
-          </a:p>
-          <a:p>
-            <a:endParaRPr lang="en-GB" dirty="0"/>
+              <a:rPr lang="en-GB" dirty="0">
+                <a:latin typeface="Courier New" panose="02070309020205020404" pitchFamily="49" charset="0"/>
+                <a:cs typeface="Courier New" panose="02070309020205020404" pitchFamily="49" charset="0"/>
+              </a:rPr>
+              <a:t>"]=4</a:t>
+            </a:r>
           </a:p>
         </p:txBody>
       </p:sp>
     </p:spTree>
     <p:extLst>
       <p:ext uri="{BB962C8B-B14F-4D97-AF65-F5344CB8AC3E}">
-        <p14:creationId xmlns:p14="http://schemas.microsoft.com/office/powerpoint/2010/main" val="2085294804"/>
+        <p14:creationId xmlns:p14="http://schemas.microsoft.com/office/powerpoint/2010/main" val="615891532"/>
       </p:ext>
     </p:extLst>
   </p:cSld>
@@ -4359,7 +3889,7 @@
           <a:p>
             <a:r>
               <a:rPr lang="sr-Latn-RS" dirty="0" smtClean="0"/>
-              <a:t>Globalne varijable</a:t>
+              <a:t>Objekti kao asocijativni nizovi</a:t>
             </a:r>
             <a:endParaRPr lang="en-GB" dirty="0"/>
           </a:p>
@@ -4377,54 +3907,1497 @@
         </p:nvSpPr>
         <p:spPr/>
         <p:txBody>
-          <a:bodyPr>
-            <a:normAutofit/>
-          </a:bodyPr>
-          <a:lstStyle/>
-          <a:p>
-            <a:r>
-              <a:rPr lang="sr-Latn-RS" dirty="0" smtClean="0"/>
-              <a:t>Jednostavno se definišu u JavaScriptu</a:t>
-            </a:r>
-          </a:p>
-          <a:p>
-            <a:pPr lvl="1"/>
-            <a:r>
-              <a:rPr lang="sr-Latn-RS" dirty="0" smtClean="0"/>
-              <a:t>Često i slučajno!</a:t>
-            </a:r>
-          </a:p>
-          <a:p>
-            <a:r>
-              <a:rPr lang="sr-Latn-RS" dirty="0" smtClean="0"/>
-              <a:t>Vidljive su u celoj aplikaciji</a:t>
-            </a:r>
-          </a:p>
-          <a:p>
-            <a:pPr lvl="1"/>
-            <a:r>
-              <a:rPr lang="sr-Latn-RS" dirty="0" smtClean="0"/>
-              <a:t>Pogodne kada je potrebno da se objektu pristupa iz više raznorodnih delova koda</a:t>
-            </a:r>
-          </a:p>
-          <a:p>
-            <a:pPr lvl="1"/>
-            <a:r>
-              <a:rPr lang="sr-Latn-RS" dirty="0" smtClean="0"/>
-              <a:t>Mogu da imaju katastrofalne posledice po aplikaciju i treba ih izbegavati kad god je to moguće</a:t>
-            </a:r>
-            <a:r>
-              <a:rPr lang="en-GB" smtClean="0"/>
-              <a:t> </a:t>
-            </a:r>
-            <a:endParaRPr lang="sr-Latn-RS" dirty="0" smtClean="0"/>
+          <a:bodyPr/>
+          <a:lstStyle/>
+          <a:p>
+            <a:r>
+              <a:rPr lang="sr-Latn-RS" dirty="0" smtClean="0"/>
+              <a:t>Videli smo da u JavaScriptu svojstvima objekta možemo da pristupimo . </a:t>
+            </a:r>
+            <a:r>
+              <a:rPr lang="sr-Latn-RS" dirty="0"/>
+              <a:t>n</a:t>
+            </a:r>
+            <a:r>
+              <a:rPr lang="sr-Latn-RS" dirty="0" smtClean="0"/>
+              <a:t>otacijom i [] notacijom</a:t>
+            </a:r>
+          </a:p>
+          <a:p>
+            <a:r>
+              <a:rPr lang="sr-Latn-RS" dirty="0" smtClean="0"/>
+              <a:t>Ukoliko koristimo . notaciju, svojstvu objekta pristupamo preko identifikatora</a:t>
+            </a:r>
+          </a:p>
+          <a:p>
+            <a:r>
+              <a:rPr lang="sr-Latn-RS" dirty="0" smtClean="0"/>
+              <a:t>Ukoliko koristimo [] notaciju, svojstvu pristupamo preko stringa</a:t>
+            </a:r>
+            <a:endParaRPr lang="en-GB" dirty="0"/>
           </a:p>
         </p:txBody>
       </p:sp>
     </p:spTree>
     <p:extLst>
       <p:ext uri="{BB962C8B-B14F-4D97-AF65-F5344CB8AC3E}">
-        <p14:creationId xmlns:p14="http://schemas.microsoft.com/office/powerpoint/2010/main" val="2334745252"/>
+        <p14:creationId xmlns:p14="http://schemas.microsoft.com/office/powerpoint/2010/main" val="2214423482"/>
+      </p:ext>
+    </p:extLst>
+  </p:cSld>
+  <p:clrMapOvr>
+    <a:masterClrMapping/>
+  </p:clrMapOvr>
+  <p:timing>
+    <p:tnLst>
+      <p:par>
+        <p:cTn id="1" dur="indefinite" restart="never" nodeType="tmRoot"/>
+      </p:par>
+    </p:tnLst>
+  </p:timing>
+</p:sld>
+</file>
+
+<file path=ppt/slides/slide15.xml><?xml version="1.0" encoding="utf-8"?>
+<p:sld xmlns:a="http://schemas.openxmlformats.org/drawingml/2006/main" xmlns:r="http://schemas.openxmlformats.org/officeDocument/2006/relationships" xmlns:p="http://schemas.openxmlformats.org/presentationml/2006/main">
+  <p:cSld>
+    <p:spTree>
+      <p:nvGrpSpPr>
+        <p:cNvPr id="1" name=""/>
+        <p:cNvGrpSpPr/>
+        <p:nvPr/>
+      </p:nvGrpSpPr>
+      <p:grpSpPr>
+        <a:xfrm>
+          <a:off x="0" y="0"/>
+          <a:ext cx="0" cy="0"/>
+          <a:chOff x="0" y="0"/>
+          <a:chExt cx="0" cy="0"/>
+        </a:xfrm>
+      </p:grpSpPr>
+      <p:sp>
+        <p:nvSpPr>
+          <p:cNvPr id="2" name="Title 1"/>
+          <p:cNvSpPr>
+            <a:spLocks noGrp="1"/>
+          </p:cNvSpPr>
+          <p:nvPr>
+            <p:ph type="title"/>
+          </p:nvPr>
+        </p:nvSpPr>
+        <p:spPr/>
+        <p:txBody>
+          <a:bodyPr/>
+          <a:lstStyle/>
+          <a:p>
+            <a:r>
+              <a:rPr lang="sr-Latn-RS" dirty="0" smtClean="0"/>
+              <a:t>Objekat kao asocijativni niz</a:t>
+            </a:r>
+            <a:endParaRPr lang="en-GB" dirty="0"/>
+          </a:p>
+        </p:txBody>
+      </p:sp>
+      <p:sp>
+        <p:nvSpPr>
+          <p:cNvPr id="3" name="Content Placeholder 2"/>
+          <p:cNvSpPr>
+            <a:spLocks noGrp="1"/>
+          </p:cNvSpPr>
+          <p:nvPr>
+            <p:ph idx="1"/>
+          </p:nvPr>
+        </p:nvSpPr>
+        <p:spPr/>
+        <p:txBody>
+          <a:bodyPr>
+            <a:normAutofit fontScale="85000" lnSpcReduction="20000"/>
+          </a:bodyPr>
+          <a:lstStyle/>
+          <a:p>
+            <a:r>
+              <a:rPr lang="sr-Latn-RS" dirty="0" smtClean="0"/>
+              <a:t>U </a:t>
+            </a:r>
+            <a:r>
+              <a:rPr lang="en-GB" dirty="0"/>
+              <a:t>strongly typed </a:t>
+            </a:r>
+            <a:r>
+              <a:rPr lang="sr-Latn-RS" dirty="0" smtClean="0"/>
+              <a:t>jezicima objekat može da ima samo fiksan broj svojstava (određen klasom)</a:t>
+            </a:r>
+          </a:p>
+          <a:p>
+            <a:pPr lvl="1"/>
+            <a:r>
+              <a:rPr lang="sr-Latn-RS" dirty="0" smtClean="0"/>
+              <a:t>Nazivi svojstava se zadaju unapred</a:t>
+            </a:r>
+          </a:p>
+          <a:p>
+            <a:r>
+              <a:rPr lang="sr-Latn-RS" dirty="0" smtClean="0"/>
+              <a:t>Pošto je JavaScript </a:t>
+            </a:r>
+            <a:r>
+              <a:rPr lang="en-GB" dirty="0"/>
+              <a:t>loosely </a:t>
+            </a:r>
+            <a:r>
+              <a:rPr lang="en-GB" dirty="0" smtClean="0"/>
+              <a:t>typed</a:t>
+            </a:r>
+            <a:r>
+              <a:rPr lang="sr-Latn-RS" dirty="0" smtClean="0"/>
+              <a:t> jezik, ovo svojstvo ne važi</a:t>
+            </a:r>
+          </a:p>
+          <a:p>
+            <a:pPr lvl="1"/>
+            <a:r>
+              <a:rPr lang="sr-Latn-RS" dirty="0" smtClean="0"/>
+              <a:t>Često se kreiraju nova svojstva za postojeće objekte prilikom izvršavanja programa</a:t>
+            </a:r>
+          </a:p>
+          <a:p>
+            <a:r>
+              <a:rPr lang="sr-Latn-RS" dirty="0" smtClean="0"/>
+              <a:t>Kada koristimo . </a:t>
+            </a:r>
+            <a:r>
+              <a:rPr lang="sr-Latn-RS" dirty="0"/>
+              <a:t>n</a:t>
+            </a:r>
+            <a:r>
+              <a:rPr lang="sr-Latn-RS" dirty="0" smtClean="0"/>
+              <a:t>otaciju, objektu se pristupa preko identifikatora</a:t>
+            </a:r>
+          </a:p>
+          <a:p>
+            <a:pPr lvl="1"/>
+            <a:r>
+              <a:rPr lang="sr-Latn-RS" dirty="0" smtClean="0"/>
+              <a:t>Identifikator je literalna vrednost koji nije moguće programski menjati</a:t>
+            </a:r>
+          </a:p>
+          <a:p>
+            <a:pPr lvl="1"/>
+            <a:r>
+              <a:rPr lang="sr-Latn-RS" dirty="0" smtClean="0"/>
+              <a:t>Ona se zadaje u kodu</a:t>
+            </a:r>
+          </a:p>
+          <a:p>
+            <a:endParaRPr lang="en-GB" dirty="0"/>
+          </a:p>
+        </p:txBody>
+      </p:sp>
+    </p:spTree>
+    <p:extLst>
+      <p:ext uri="{BB962C8B-B14F-4D97-AF65-F5344CB8AC3E}">
+        <p14:creationId xmlns:p14="http://schemas.microsoft.com/office/powerpoint/2010/main" val="3188037404"/>
+      </p:ext>
+    </p:extLst>
+  </p:cSld>
+  <p:clrMapOvr>
+    <a:masterClrMapping/>
+  </p:clrMapOvr>
+  <p:timing>
+    <p:tnLst>
+      <p:par>
+        <p:cTn id="1" dur="indefinite" restart="never" nodeType="tmRoot"/>
+      </p:par>
+    </p:tnLst>
+  </p:timing>
+</p:sld>
+</file>
+
+<file path=ppt/slides/slide16.xml><?xml version="1.0" encoding="utf-8"?>
+<p:sld xmlns:a="http://schemas.openxmlformats.org/drawingml/2006/main" xmlns:r="http://schemas.openxmlformats.org/officeDocument/2006/relationships" xmlns:p="http://schemas.openxmlformats.org/presentationml/2006/main">
+  <p:cSld>
+    <p:spTree>
+      <p:nvGrpSpPr>
+        <p:cNvPr id="1" name=""/>
+        <p:cNvGrpSpPr/>
+        <p:nvPr/>
+      </p:nvGrpSpPr>
+      <p:grpSpPr>
+        <a:xfrm>
+          <a:off x="0" y="0"/>
+          <a:ext cx="0" cy="0"/>
+          <a:chOff x="0" y="0"/>
+          <a:chExt cx="0" cy="0"/>
+        </a:xfrm>
+      </p:grpSpPr>
+      <p:sp>
+        <p:nvSpPr>
+          <p:cNvPr id="2" name="Title 1"/>
+          <p:cNvSpPr>
+            <a:spLocks noGrp="1"/>
+          </p:cNvSpPr>
+          <p:nvPr>
+            <p:ph type="title"/>
+          </p:nvPr>
+        </p:nvSpPr>
+        <p:spPr/>
+        <p:txBody>
+          <a:bodyPr/>
+          <a:lstStyle/>
+          <a:p>
+            <a:r>
+              <a:rPr lang="sr-Latn-RS" dirty="0" smtClean="0"/>
+              <a:t>Objekat kao asocijativni niz</a:t>
+            </a:r>
+            <a:endParaRPr lang="en-GB" dirty="0"/>
+          </a:p>
+        </p:txBody>
+      </p:sp>
+      <p:sp>
+        <p:nvSpPr>
+          <p:cNvPr id="3" name="Content Placeholder 2"/>
+          <p:cNvSpPr>
+            <a:spLocks noGrp="1"/>
+          </p:cNvSpPr>
+          <p:nvPr>
+            <p:ph idx="1"/>
+          </p:nvPr>
+        </p:nvSpPr>
+        <p:spPr/>
+        <p:txBody>
+          <a:bodyPr>
+            <a:normAutofit fontScale="77500" lnSpcReduction="20000"/>
+          </a:bodyPr>
+          <a:lstStyle/>
+          <a:p>
+            <a:r>
+              <a:rPr lang="sr-Latn-RS" dirty="0" smtClean="0"/>
+              <a:t>Kada koristimo [] notaciju, svojstvu se pristupa preko string naziva</a:t>
+            </a:r>
+          </a:p>
+          <a:p>
+            <a:pPr lvl="1"/>
+            <a:r>
+              <a:rPr lang="sr-Latn-RS" dirty="0" smtClean="0"/>
+              <a:t>Moguće je kreirati naziv svojstva u toku izvršavanja programa</a:t>
+            </a:r>
+          </a:p>
+          <a:p>
+            <a:pPr marL="457200" lvl="1" indent="0">
+              <a:buNone/>
+            </a:pPr>
+            <a:r>
+              <a:rPr lang="en-GB" dirty="0" err="1">
+                <a:latin typeface="Courier New" panose="02070309020205020404" pitchFamily="49" charset="0"/>
+                <a:cs typeface="Courier New" panose="02070309020205020404" pitchFamily="49" charset="0"/>
+              </a:rPr>
+              <a:t>var</a:t>
+            </a:r>
+            <a:r>
+              <a:rPr lang="en-GB" dirty="0">
+                <a:latin typeface="Courier New" panose="02070309020205020404" pitchFamily="49" charset="0"/>
+                <a:cs typeface="Courier New" panose="02070309020205020404" pitchFamily="49" charset="0"/>
+              </a:rPr>
+              <a:t> customer = </a:t>
+            </a:r>
+            <a:r>
+              <a:rPr lang="en-GB" dirty="0" smtClean="0">
+                <a:latin typeface="Courier New" panose="02070309020205020404" pitchFamily="49" charset="0"/>
+                <a:cs typeface="Courier New" panose="02070309020205020404" pitchFamily="49" charset="0"/>
+              </a:rPr>
+              <a:t>{</a:t>
+            </a:r>
+            <a:endParaRPr lang="sr-Latn-RS" dirty="0" smtClean="0">
+              <a:latin typeface="Courier New" panose="02070309020205020404" pitchFamily="49" charset="0"/>
+              <a:cs typeface="Courier New" panose="02070309020205020404" pitchFamily="49" charset="0"/>
+            </a:endParaRPr>
+          </a:p>
+          <a:p>
+            <a:pPr marL="457200" lvl="1" indent="0">
+              <a:buNone/>
+            </a:pPr>
+            <a:r>
+              <a:rPr lang="sr-Latn-RS" dirty="0">
+                <a:latin typeface="Courier New" panose="02070309020205020404" pitchFamily="49" charset="0"/>
+                <a:cs typeface="Courier New" panose="02070309020205020404" pitchFamily="49" charset="0"/>
+              </a:rPr>
+              <a:t> </a:t>
+            </a:r>
+            <a:r>
+              <a:rPr lang="sr-Latn-RS" dirty="0" smtClean="0">
+                <a:latin typeface="Courier New" panose="02070309020205020404" pitchFamily="49" charset="0"/>
+                <a:cs typeface="Courier New" panose="02070309020205020404" pitchFamily="49" charset="0"/>
+              </a:rPr>
+              <a:t> </a:t>
+            </a:r>
+            <a:r>
+              <a:rPr lang="en-GB" dirty="0" smtClean="0">
+                <a:latin typeface="Courier New" panose="02070309020205020404" pitchFamily="49" charset="0"/>
+                <a:cs typeface="Courier New" panose="02070309020205020404" pitchFamily="49" charset="0"/>
+              </a:rPr>
+              <a:t>address0</a:t>
+            </a:r>
+            <a:r>
+              <a:rPr lang="en-GB" dirty="0">
+                <a:latin typeface="Courier New" panose="02070309020205020404" pitchFamily="49" charset="0"/>
+                <a:cs typeface="Courier New" panose="02070309020205020404" pitchFamily="49" charset="0"/>
+              </a:rPr>
+              <a:t>:'Fruskogorska 11</a:t>
+            </a:r>
+            <a:r>
+              <a:rPr lang="en-GB" dirty="0" smtClean="0">
+                <a:latin typeface="Courier New" panose="02070309020205020404" pitchFamily="49" charset="0"/>
+                <a:cs typeface="Courier New" panose="02070309020205020404" pitchFamily="49" charset="0"/>
+              </a:rPr>
+              <a:t>',</a:t>
+            </a:r>
+            <a:endParaRPr lang="sr-Latn-RS" dirty="0" smtClean="0">
+              <a:latin typeface="Courier New" panose="02070309020205020404" pitchFamily="49" charset="0"/>
+              <a:cs typeface="Courier New" panose="02070309020205020404" pitchFamily="49" charset="0"/>
+            </a:endParaRPr>
+          </a:p>
+          <a:p>
+            <a:pPr marL="457200" lvl="1" indent="0">
+              <a:buNone/>
+            </a:pPr>
+            <a:r>
+              <a:rPr lang="sr-Latn-RS" dirty="0" smtClean="0">
+                <a:latin typeface="Courier New" panose="02070309020205020404" pitchFamily="49" charset="0"/>
+                <a:cs typeface="Courier New" panose="02070309020205020404" pitchFamily="49" charset="0"/>
+              </a:rPr>
+              <a:t>  </a:t>
+            </a:r>
+            <a:r>
+              <a:rPr lang="en-GB" dirty="0" smtClean="0">
+                <a:latin typeface="Courier New" panose="02070309020205020404" pitchFamily="49" charset="0"/>
+                <a:cs typeface="Courier New" panose="02070309020205020404" pitchFamily="49" charset="0"/>
+              </a:rPr>
+              <a:t>address1</a:t>
+            </a:r>
+            <a:r>
+              <a:rPr lang="en-GB" dirty="0">
+                <a:latin typeface="Courier New" panose="02070309020205020404" pitchFamily="49" charset="0"/>
+                <a:cs typeface="Courier New" panose="02070309020205020404" pitchFamily="49" charset="0"/>
+              </a:rPr>
+              <a:t>:'Bulevar Cara </a:t>
+            </a:r>
+            <a:r>
+              <a:rPr lang="en-GB" dirty="0" err="1">
+                <a:latin typeface="Courier New" panose="02070309020205020404" pitchFamily="49" charset="0"/>
+                <a:cs typeface="Courier New" panose="02070309020205020404" pitchFamily="49" charset="0"/>
+              </a:rPr>
+              <a:t>Lazara</a:t>
+            </a:r>
+            <a:r>
+              <a:rPr lang="en-GB" dirty="0">
+                <a:latin typeface="Courier New" panose="02070309020205020404" pitchFamily="49" charset="0"/>
+                <a:cs typeface="Courier New" panose="02070309020205020404" pitchFamily="49" charset="0"/>
+              </a:rPr>
+              <a:t> 23</a:t>
+            </a:r>
+            <a:r>
+              <a:rPr lang="en-GB" dirty="0" smtClean="0">
+                <a:latin typeface="Courier New" panose="02070309020205020404" pitchFamily="49" charset="0"/>
+                <a:cs typeface="Courier New" panose="02070309020205020404" pitchFamily="49" charset="0"/>
+              </a:rPr>
+              <a:t>',</a:t>
+            </a:r>
+            <a:endParaRPr lang="sr-Latn-RS" dirty="0" smtClean="0">
+              <a:latin typeface="Courier New" panose="02070309020205020404" pitchFamily="49" charset="0"/>
+              <a:cs typeface="Courier New" panose="02070309020205020404" pitchFamily="49" charset="0"/>
+            </a:endParaRPr>
+          </a:p>
+          <a:p>
+            <a:pPr marL="457200" lvl="1" indent="0">
+              <a:buNone/>
+            </a:pPr>
+            <a:r>
+              <a:rPr lang="sr-Latn-RS" dirty="0" smtClean="0">
+                <a:latin typeface="Courier New" panose="02070309020205020404" pitchFamily="49" charset="0"/>
+                <a:cs typeface="Courier New" panose="02070309020205020404" pitchFamily="49" charset="0"/>
+              </a:rPr>
+              <a:t>  </a:t>
+            </a:r>
+            <a:r>
+              <a:rPr lang="en-GB" dirty="0" smtClean="0">
+                <a:latin typeface="Courier New" panose="02070309020205020404" pitchFamily="49" charset="0"/>
+                <a:cs typeface="Courier New" panose="02070309020205020404" pitchFamily="49" charset="0"/>
+              </a:rPr>
+              <a:t>address2</a:t>
+            </a:r>
+            <a:r>
+              <a:rPr lang="en-GB" dirty="0">
+                <a:latin typeface="Courier New" panose="02070309020205020404" pitchFamily="49" charset="0"/>
+                <a:cs typeface="Courier New" panose="02070309020205020404" pitchFamily="49" charset="0"/>
+              </a:rPr>
+              <a:t>:'Kraljevica </a:t>
+            </a:r>
+            <a:r>
+              <a:rPr lang="en-GB" dirty="0" err="1">
+                <a:latin typeface="Courier New" panose="02070309020205020404" pitchFamily="49" charset="0"/>
+                <a:cs typeface="Courier New" panose="02070309020205020404" pitchFamily="49" charset="0"/>
+              </a:rPr>
+              <a:t>Marka</a:t>
+            </a:r>
+            <a:r>
+              <a:rPr lang="en-GB" dirty="0">
+                <a:latin typeface="Courier New" panose="02070309020205020404" pitchFamily="49" charset="0"/>
+                <a:cs typeface="Courier New" panose="02070309020205020404" pitchFamily="49" charset="0"/>
+              </a:rPr>
+              <a:t> 60</a:t>
+            </a:r>
+            <a:r>
+              <a:rPr lang="en-GB" dirty="0" smtClean="0">
+                <a:latin typeface="Courier New" panose="02070309020205020404" pitchFamily="49" charset="0"/>
+                <a:cs typeface="Courier New" panose="02070309020205020404" pitchFamily="49" charset="0"/>
+              </a:rPr>
+              <a:t>',</a:t>
+            </a:r>
+            <a:endParaRPr lang="sr-Latn-RS" dirty="0" smtClean="0">
+              <a:latin typeface="Courier New" panose="02070309020205020404" pitchFamily="49" charset="0"/>
+              <a:cs typeface="Courier New" panose="02070309020205020404" pitchFamily="49" charset="0"/>
+            </a:endParaRPr>
+          </a:p>
+          <a:p>
+            <a:pPr marL="457200" lvl="1" indent="0">
+              <a:buNone/>
+            </a:pPr>
+            <a:r>
+              <a:rPr lang="sr-Latn-RS" dirty="0" smtClean="0">
+                <a:latin typeface="Courier New" panose="02070309020205020404" pitchFamily="49" charset="0"/>
+                <a:cs typeface="Courier New" panose="02070309020205020404" pitchFamily="49" charset="0"/>
+              </a:rPr>
+              <a:t>  </a:t>
+            </a:r>
+            <a:r>
+              <a:rPr lang="en-GB" dirty="0" smtClean="0">
+                <a:latin typeface="Courier New" panose="02070309020205020404" pitchFamily="49" charset="0"/>
+                <a:cs typeface="Courier New" panose="02070309020205020404" pitchFamily="49" charset="0"/>
+              </a:rPr>
+              <a:t>address3</a:t>
+            </a:r>
+            <a:r>
+              <a:rPr lang="en-GB" dirty="0">
+                <a:latin typeface="Courier New" panose="02070309020205020404" pitchFamily="49" charset="0"/>
+                <a:cs typeface="Courier New" panose="02070309020205020404" pitchFamily="49" charset="0"/>
+              </a:rPr>
+              <a:t>:'Uzicka </a:t>
+            </a:r>
+            <a:r>
+              <a:rPr lang="en-GB" dirty="0" smtClean="0">
+                <a:latin typeface="Courier New" panose="02070309020205020404" pitchFamily="49" charset="0"/>
+                <a:cs typeface="Courier New" panose="02070309020205020404" pitchFamily="49" charset="0"/>
+              </a:rPr>
+              <a:t>15’</a:t>
+            </a:r>
+            <a:endParaRPr lang="sr-Latn-RS" dirty="0" smtClean="0">
+              <a:latin typeface="Courier New" panose="02070309020205020404" pitchFamily="49" charset="0"/>
+              <a:cs typeface="Courier New" panose="02070309020205020404" pitchFamily="49" charset="0"/>
+            </a:endParaRPr>
+          </a:p>
+          <a:p>
+            <a:pPr marL="457200" lvl="1" indent="0">
+              <a:buNone/>
+            </a:pPr>
+            <a:r>
+              <a:rPr lang="en-GB" dirty="0" smtClean="0">
+                <a:latin typeface="Courier New" panose="02070309020205020404" pitchFamily="49" charset="0"/>
+                <a:cs typeface="Courier New" panose="02070309020205020404" pitchFamily="49" charset="0"/>
+              </a:rPr>
+              <a:t>}</a:t>
+            </a:r>
+            <a:endParaRPr lang="sr-Latn-RS" dirty="0" smtClean="0">
+              <a:latin typeface="Courier New" panose="02070309020205020404" pitchFamily="49" charset="0"/>
+              <a:cs typeface="Courier New" panose="02070309020205020404" pitchFamily="49" charset="0"/>
+            </a:endParaRPr>
+          </a:p>
+          <a:p>
+            <a:pPr marL="457200" lvl="1" indent="0">
+              <a:buNone/>
+            </a:pPr>
+            <a:r>
+              <a:rPr lang="en-GB" dirty="0" err="1">
+                <a:latin typeface="Courier New" panose="02070309020205020404" pitchFamily="49" charset="0"/>
+                <a:cs typeface="Courier New" panose="02070309020205020404" pitchFamily="49" charset="0"/>
+              </a:rPr>
+              <a:t>var</a:t>
+            </a:r>
+            <a:r>
+              <a:rPr lang="en-GB" dirty="0">
+                <a:latin typeface="Courier New" panose="02070309020205020404" pitchFamily="49" charset="0"/>
+                <a:cs typeface="Courier New" panose="02070309020205020404" pitchFamily="49" charset="0"/>
+              </a:rPr>
+              <a:t> </a:t>
+            </a:r>
+            <a:r>
+              <a:rPr lang="en-GB" dirty="0" err="1">
+                <a:latin typeface="Courier New" panose="02070309020205020404" pitchFamily="49" charset="0"/>
+                <a:cs typeface="Courier New" panose="02070309020205020404" pitchFamily="49" charset="0"/>
+              </a:rPr>
+              <a:t>addr</a:t>
+            </a:r>
+            <a:r>
+              <a:rPr lang="en-GB" dirty="0">
+                <a:latin typeface="Courier New" panose="02070309020205020404" pitchFamily="49" charset="0"/>
+                <a:cs typeface="Courier New" panose="02070309020205020404" pitchFamily="49" charset="0"/>
+              </a:rPr>
+              <a:t> = </a:t>
+            </a:r>
+            <a:r>
+              <a:rPr lang="en-GB" dirty="0" smtClean="0">
+                <a:latin typeface="Courier New" panose="02070309020205020404" pitchFamily="49" charset="0"/>
+                <a:cs typeface="Courier New" panose="02070309020205020404" pitchFamily="49" charset="0"/>
+              </a:rPr>
+              <a:t>"";</a:t>
+            </a:r>
+            <a:endParaRPr lang="sr-Latn-RS" dirty="0" smtClean="0">
+              <a:latin typeface="Courier New" panose="02070309020205020404" pitchFamily="49" charset="0"/>
+              <a:cs typeface="Courier New" panose="02070309020205020404" pitchFamily="49" charset="0"/>
+            </a:endParaRPr>
+          </a:p>
+          <a:p>
+            <a:pPr marL="457200" lvl="1" indent="0">
+              <a:buNone/>
+            </a:pPr>
+            <a:r>
+              <a:rPr lang="en-GB" dirty="0" smtClean="0">
+                <a:latin typeface="Courier New" panose="02070309020205020404" pitchFamily="49" charset="0"/>
+                <a:cs typeface="Courier New" panose="02070309020205020404" pitchFamily="49" charset="0"/>
+              </a:rPr>
+              <a:t>for(</a:t>
+            </a:r>
+            <a:r>
+              <a:rPr lang="en-GB" dirty="0" err="1" smtClean="0">
+                <a:latin typeface="Courier New" panose="02070309020205020404" pitchFamily="49" charset="0"/>
+                <a:cs typeface="Courier New" panose="02070309020205020404" pitchFamily="49" charset="0"/>
+              </a:rPr>
+              <a:t>i</a:t>
+            </a:r>
+            <a:r>
+              <a:rPr lang="en-GB" dirty="0" smtClean="0">
+                <a:latin typeface="Courier New" panose="02070309020205020404" pitchFamily="49" charset="0"/>
+                <a:cs typeface="Courier New" panose="02070309020205020404" pitchFamily="49" charset="0"/>
+              </a:rPr>
+              <a:t> </a:t>
+            </a:r>
+            <a:r>
+              <a:rPr lang="en-GB" dirty="0">
+                <a:latin typeface="Courier New" panose="02070309020205020404" pitchFamily="49" charset="0"/>
+                <a:cs typeface="Courier New" panose="02070309020205020404" pitchFamily="49" charset="0"/>
+              </a:rPr>
+              <a:t>= 0; </a:t>
+            </a:r>
+            <a:r>
+              <a:rPr lang="en-GB" dirty="0" err="1">
+                <a:latin typeface="Courier New" panose="02070309020205020404" pitchFamily="49" charset="0"/>
+                <a:cs typeface="Courier New" panose="02070309020205020404" pitchFamily="49" charset="0"/>
+              </a:rPr>
+              <a:t>i</a:t>
+            </a:r>
+            <a:r>
+              <a:rPr lang="en-GB" dirty="0">
+                <a:latin typeface="Courier New" panose="02070309020205020404" pitchFamily="49" charset="0"/>
+                <a:cs typeface="Courier New" panose="02070309020205020404" pitchFamily="49" charset="0"/>
+              </a:rPr>
+              <a:t> &lt; 4; </a:t>
+            </a:r>
+            <a:r>
+              <a:rPr lang="en-GB" dirty="0" err="1">
+                <a:latin typeface="Courier New" panose="02070309020205020404" pitchFamily="49" charset="0"/>
+                <a:cs typeface="Courier New" panose="02070309020205020404" pitchFamily="49" charset="0"/>
+              </a:rPr>
+              <a:t>i</a:t>
+            </a:r>
+            <a:r>
+              <a:rPr lang="en-GB" dirty="0">
+                <a:latin typeface="Courier New" panose="02070309020205020404" pitchFamily="49" charset="0"/>
+                <a:cs typeface="Courier New" panose="02070309020205020404" pitchFamily="49" charset="0"/>
+              </a:rPr>
+              <a:t>++) </a:t>
+            </a:r>
+            <a:r>
+              <a:rPr lang="en-GB" dirty="0" smtClean="0">
+                <a:latin typeface="Courier New" panose="02070309020205020404" pitchFamily="49" charset="0"/>
+                <a:cs typeface="Courier New" panose="02070309020205020404" pitchFamily="49" charset="0"/>
+              </a:rPr>
+              <a:t>{</a:t>
+            </a:r>
+            <a:endParaRPr lang="sr-Latn-RS" dirty="0" smtClean="0">
+              <a:latin typeface="Courier New" panose="02070309020205020404" pitchFamily="49" charset="0"/>
+              <a:cs typeface="Courier New" panose="02070309020205020404" pitchFamily="49" charset="0"/>
+            </a:endParaRPr>
+          </a:p>
+          <a:p>
+            <a:pPr marL="457200" lvl="1" indent="0">
+              <a:buNone/>
+            </a:pPr>
+            <a:r>
+              <a:rPr lang="sr-Latn-RS" dirty="0">
+                <a:latin typeface="Courier New" panose="02070309020205020404" pitchFamily="49" charset="0"/>
+                <a:cs typeface="Courier New" panose="02070309020205020404" pitchFamily="49" charset="0"/>
+              </a:rPr>
+              <a:t>	</a:t>
+            </a:r>
+            <a:r>
+              <a:rPr lang="en-GB" dirty="0" err="1" smtClean="0">
+                <a:latin typeface="Courier New" panose="02070309020205020404" pitchFamily="49" charset="0"/>
+                <a:cs typeface="Courier New" panose="02070309020205020404" pitchFamily="49" charset="0"/>
+              </a:rPr>
+              <a:t>addr</a:t>
+            </a:r>
+            <a:r>
+              <a:rPr lang="en-GB" dirty="0" smtClean="0">
+                <a:latin typeface="Courier New" panose="02070309020205020404" pitchFamily="49" charset="0"/>
+                <a:cs typeface="Courier New" panose="02070309020205020404" pitchFamily="49" charset="0"/>
+              </a:rPr>
+              <a:t> </a:t>
+            </a:r>
+            <a:r>
+              <a:rPr lang="en-GB" dirty="0">
+                <a:latin typeface="Courier New" panose="02070309020205020404" pitchFamily="49" charset="0"/>
+                <a:cs typeface="Courier New" panose="02070309020205020404" pitchFamily="49" charset="0"/>
+              </a:rPr>
+              <a:t>+= </a:t>
+            </a:r>
+            <a:r>
+              <a:rPr lang="en-GB" b="1" dirty="0">
+                <a:latin typeface="Courier New" panose="02070309020205020404" pitchFamily="49" charset="0"/>
+                <a:cs typeface="Courier New" panose="02070309020205020404" pitchFamily="49" charset="0"/>
+              </a:rPr>
+              <a:t>customer["address" + </a:t>
+            </a:r>
+            <a:r>
+              <a:rPr lang="en-GB" b="1" dirty="0" err="1">
+                <a:latin typeface="Courier New" panose="02070309020205020404" pitchFamily="49" charset="0"/>
+                <a:cs typeface="Courier New" panose="02070309020205020404" pitchFamily="49" charset="0"/>
+              </a:rPr>
+              <a:t>i</a:t>
+            </a:r>
+            <a:r>
+              <a:rPr lang="en-GB" b="1" dirty="0">
+                <a:latin typeface="Courier New" panose="02070309020205020404" pitchFamily="49" charset="0"/>
+                <a:cs typeface="Courier New" panose="02070309020205020404" pitchFamily="49" charset="0"/>
+              </a:rPr>
+              <a:t>]</a:t>
+            </a:r>
+            <a:r>
+              <a:rPr lang="en-GB" dirty="0">
+                <a:latin typeface="Courier New" panose="02070309020205020404" pitchFamily="49" charset="0"/>
+                <a:cs typeface="Courier New" panose="02070309020205020404" pitchFamily="49" charset="0"/>
+              </a:rPr>
+              <a:t> + '\n</a:t>
+            </a:r>
+            <a:r>
+              <a:rPr lang="en-GB" dirty="0" smtClean="0">
+                <a:latin typeface="Courier New" panose="02070309020205020404" pitchFamily="49" charset="0"/>
+                <a:cs typeface="Courier New" panose="02070309020205020404" pitchFamily="49" charset="0"/>
+              </a:rPr>
+              <a:t>';</a:t>
+            </a:r>
+            <a:endParaRPr lang="sr-Latn-RS" dirty="0" smtClean="0">
+              <a:latin typeface="Courier New" panose="02070309020205020404" pitchFamily="49" charset="0"/>
+              <a:cs typeface="Courier New" panose="02070309020205020404" pitchFamily="49" charset="0"/>
+            </a:endParaRPr>
+          </a:p>
+          <a:p>
+            <a:pPr marL="457200" lvl="1" indent="0">
+              <a:buNone/>
+            </a:pPr>
+            <a:r>
+              <a:rPr lang="en-GB" dirty="0" smtClean="0">
+                <a:latin typeface="Courier New" panose="02070309020205020404" pitchFamily="49" charset="0"/>
+                <a:cs typeface="Courier New" panose="02070309020205020404" pitchFamily="49" charset="0"/>
+              </a:rPr>
+              <a:t>}</a:t>
+            </a:r>
+            <a:endParaRPr lang="en-GB" dirty="0">
+              <a:latin typeface="Courier New" panose="02070309020205020404" pitchFamily="49" charset="0"/>
+              <a:cs typeface="Courier New" panose="02070309020205020404" pitchFamily="49" charset="0"/>
+            </a:endParaRPr>
+          </a:p>
+        </p:txBody>
+      </p:sp>
+    </p:spTree>
+    <p:extLst>
+      <p:ext uri="{BB962C8B-B14F-4D97-AF65-F5344CB8AC3E}">
+        <p14:creationId xmlns:p14="http://schemas.microsoft.com/office/powerpoint/2010/main" val="3816990440"/>
+      </p:ext>
+    </p:extLst>
+  </p:cSld>
+  <p:clrMapOvr>
+    <a:masterClrMapping/>
+  </p:clrMapOvr>
+  <p:timing>
+    <p:tnLst>
+      <p:par>
+        <p:cTn id="1" dur="indefinite" restart="never" nodeType="tmRoot"/>
+      </p:par>
+    </p:tnLst>
+  </p:timing>
+</p:sld>
+</file>
+
+<file path=ppt/slides/slide17.xml><?xml version="1.0" encoding="utf-8"?>
+<p:sld xmlns:a="http://schemas.openxmlformats.org/drawingml/2006/main" xmlns:r="http://schemas.openxmlformats.org/officeDocument/2006/relationships" xmlns:p="http://schemas.openxmlformats.org/presentationml/2006/main">
+  <p:cSld>
+    <p:spTree>
+      <p:nvGrpSpPr>
+        <p:cNvPr id="1" name=""/>
+        <p:cNvGrpSpPr/>
+        <p:nvPr/>
+      </p:nvGrpSpPr>
+      <p:grpSpPr>
+        <a:xfrm>
+          <a:off x="0" y="0"/>
+          <a:ext cx="0" cy="0"/>
+          <a:chOff x="0" y="0"/>
+          <a:chExt cx="0" cy="0"/>
+        </a:xfrm>
+      </p:grpSpPr>
+      <p:sp>
+        <p:nvSpPr>
+          <p:cNvPr id="2" name="Title 1"/>
+          <p:cNvSpPr>
+            <a:spLocks noGrp="1"/>
+          </p:cNvSpPr>
+          <p:nvPr>
+            <p:ph type="title"/>
+          </p:nvPr>
+        </p:nvSpPr>
+        <p:spPr/>
+        <p:txBody>
+          <a:bodyPr/>
+          <a:lstStyle/>
+          <a:p>
+            <a:r>
+              <a:rPr lang="sr-Latn-RS" dirty="0" smtClean="0"/>
+              <a:t>Brisanje svojstava</a:t>
+            </a:r>
+            <a:endParaRPr lang="en-GB" dirty="0"/>
+          </a:p>
+        </p:txBody>
+      </p:sp>
+      <p:sp>
+        <p:nvSpPr>
+          <p:cNvPr id="3" name="Content Placeholder 2"/>
+          <p:cNvSpPr>
+            <a:spLocks noGrp="1"/>
+          </p:cNvSpPr>
+          <p:nvPr>
+            <p:ph idx="1"/>
+          </p:nvPr>
+        </p:nvSpPr>
+        <p:spPr/>
+        <p:txBody>
+          <a:bodyPr>
+            <a:normAutofit fontScale="85000" lnSpcReduction="20000"/>
+          </a:bodyPr>
+          <a:lstStyle/>
+          <a:p>
+            <a:r>
+              <a:rPr lang="sr-Latn-RS" dirty="0" smtClean="0"/>
+              <a:t>Operator </a:t>
+            </a:r>
+            <a:r>
+              <a:rPr lang="sr-Latn-RS" dirty="0" smtClean="0">
+                <a:latin typeface="Courier New" panose="02070309020205020404" pitchFamily="49" charset="0"/>
+                <a:cs typeface="Courier New" panose="02070309020205020404" pitchFamily="49" charset="0"/>
+              </a:rPr>
+              <a:t>delete </a:t>
+            </a:r>
+            <a:r>
+              <a:rPr lang="sr-Latn-RS" dirty="0" smtClean="0">
+                <a:latin typeface="+mj-lt"/>
+                <a:cs typeface="Courier New" panose="02070309020205020404" pitchFamily="49" charset="0"/>
+              </a:rPr>
+              <a:t>briše svojstvo iz objekta</a:t>
+            </a:r>
+          </a:p>
+          <a:p>
+            <a:r>
+              <a:rPr lang="sr-Latn-RS" dirty="0" smtClean="0">
+                <a:latin typeface="+mj-lt"/>
+                <a:cs typeface="Courier New" panose="02070309020205020404" pitchFamily="49" charset="0"/>
+              </a:rPr>
+              <a:t>Jedini parametar je izraz za pristup svojstvu</a:t>
+            </a:r>
+          </a:p>
+          <a:p>
+            <a:pPr marL="0" indent="0">
+              <a:buNone/>
+            </a:pPr>
+            <a:endParaRPr lang="sr-Latn-RS" dirty="0" smtClean="0">
+              <a:latin typeface="Courier New" panose="02070309020205020404" pitchFamily="49" charset="0"/>
+              <a:cs typeface="Courier New" panose="02070309020205020404" pitchFamily="49" charset="0"/>
+            </a:endParaRPr>
+          </a:p>
+          <a:p>
+            <a:pPr marL="0" indent="0">
+              <a:buNone/>
+            </a:pPr>
+            <a:r>
+              <a:rPr lang="en-GB" dirty="0" err="1" smtClean="0">
+                <a:latin typeface="Courier New" panose="02070309020205020404" pitchFamily="49" charset="0"/>
+                <a:cs typeface="Courier New" panose="02070309020205020404" pitchFamily="49" charset="0"/>
+              </a:rPr>
+              <a:t>var</a:t>
+            </a:r>
+            <a:r>
+              <a:rPr lang="en-GB" dirty="0" smtClean="0">
+                <a:latin typeface="Courier New" panose="02070309020205020404" pitchFamily="49" charset="0"/>
+                <a:cs typeface="Courier New" panose="02070309020205020404" pitchFamily="49" charset="0"/>
+              </a:rPr>
+              <a:t> </a:t>
+            </a:r>
+            <a:r>
+              <a:rPr lang="en-GB" dirty="0" err="1">
+                <a:latin typeface="Courier New" panose="02070309020205020404" pitchFamily="49" charset="0"/>
+                <a:cs typeface="Courier New" panose="02070309020205020404" pitchFamily="49" charset="0"/>
+              </a:rPr>
+              <a:t>knjiga</a:t>
+            </a:r>
+            <a:r>
+              <a:rPr lang="en-GB" dirty="0">
+                <a:latin typeface="Courier New" panose="02070309020205020404" pitchFamily="49" charset="0"/>
+                <a:cs typeface="Courier New" panose="02070309020205020404" pitchFamily="49" charset="0"/>
+              </a:rPr>
+              <a:t> = </a:t>
+            </a:r>
+            <a:r>
+              <a:rPr lang="en-GB" dirty="0" smtClean="0">
+                <a:latin typeface="Courier New" panose="02070309020205020404" pitchFamily="49" charset="0"/>
+                <a:cs typeface="Courier New" panose="02070309020205020404" pitchFamily="49" charset="0"/>
+              </a:rPr>
+              <a:t>{</a:t>
+            </a:r>
+            <a:endParaRPr lang="sr-Latn-RS" dirty="0" smtClean="0">
+              <a:latin typeface="Courier New" panose="02070309020205020404" pitchFamily="49" charset="0"/>
+              <a:cs typeface="Courier New" panose="02070309020205020404" pitchFamily="49" charset="0"/>
+            </a:endParaRPr>
+          </a:p>
+          <a:p>
+            <a:pPr marL="0" indent="0">
+              <a:buNone/>
+            </a:pPr>
+            <a:r>
+              <a:rPr lang="sr-Latn-RS" dirty="0">
+                <a:latin typeface="Courier New" panose="02070309020205020404" pitchFamily="49" charset="0"/>
+                <a:cs typeface="Courier New" panose="02070309020205020404" pitchFamily="49" charset="0"/>
+              </a:rPr>
+              <a:t> </a:t>
+            </a:r>
+            <a:r>
+              <a:rPr lang="sr-Latn-RS" dirty="0" smtClean="0">
+                <a:latin typeface="Courier New" panose="02070309020205020404" pitchFamily="49" charset="0"/>
+                <a:cs typeface="Courier New" panose="02070309020205020404" pitchFamily="49" charset="0"/>
+              </a:rPr>
+              <a:t> </a:t>
+            </a:r>
+            <a:r>
+              <a:rPr lang="en-GB" dirty="0" err="1" smtClean="0">
+                <a:latin typeface="Courier New" panose="02070309020205020404" pitchFamily="49" charset="0"/>
+                <a:cs typeface="Courier New" panose="02070309020205020404" pitchFamily="49" charset="0"/>
+              </a:rPr>
+              <a:t>autor</a:t>
+            </a:r>
+            <a:r>
+              <a:rPr lang="en-GB" dirty="0">
+                <a:latin typeface="Courier New" panose="02070309020205020404" pitchFamily="49" charset="0"/>
+                <a:cs typeface="Courier New" panose="02070309020205020404" pitchFamily="49" charset="0"/>
+              </a:rPr>
+              <a:t>:'Martin </a:t>
+            </a:r>
+            <a:r>
+              <a:rPr lang="en-GB" dirty="0" err="1">
+                <a:latin typeface="Courier New" panose="02070309020205020404" pitchFamily="49" charset="0"/>
+                <a:cs typeface="Courier New" panose="02070309020205020404" pitchFamily="49" charset="0"/>
+              </a:rPr>
+              <a:t>Hajdeger</a:t>
+            </a:r>
+            <a:r>
+              <a:rPr lang="en-GB" dirty="0" smtClean="0">
+                <a:latin typeface="Courier New" panose="02070309020205020404" pitchFamily="49" charset="0"/>
+                <a:cs typeface="Courier New" panose="02070309020205020404" pitchFamily="49" charset="0"/>
+              </a:rPr>
+              <a:t>',</a:t>
+            </a:r>
+            <a:endParaRPr lang="sr-Latn-RS" dirty="0" smtClean="0">
+              <a:latin typeface="Courier New" panose="02070309020205020404" pitchFamily="49" charset="0"/>
+              <a:cs typeface="Courier New" panose="02070309020205020404" pitchFamily="49" charset="0"/>
+            </a:endParaRPr>
+          </a:p>
+          <a:p>
+            <a:pPr marL="0" indent="0">
+              <a:buNone/>
+            </a:pPr>
+            <a:r>
+              <a:rPr lang="sr-Latn-RS" dirty="0" smtClean="0">
+                <a:latin typeface="Courier New" panose="02070309020205020404" pitchFamily="49" charset="0"/>
+                <a:cs typeface="Courier New" panose="02070309020205020404" pitchFamily="49" charset="0"/>
+              </a:rPr>
+              <a:t>  </a:t>
+            </a:r>
+            <a:r>
+              <a:rPr lang="en-GB" dirty="0" smtClean="0">
+                <a:latin typeface="Courier New" panose="02070309020205020404" pitchFamily="49" charset="0"/>
+                <a:cs typeface="Courier New" panose="02070309020205020404" pitchFamily="49" charset="0"/>
+              </a:rPr>
+              <a:t>'</a:t>
+            </a:r>
+            <a:r>
+              <a:rPr lang="en-GB" dirty="0" err="1" smtClean="0">
+                <a:latin typeface="Courier New" panose="02070309020205020404" pitchFamily="49" charset="0"/>
+                <a:cs typeface="Courier New" panose="02070309020205020404" pitchFamily="49" charset="0"/>
+              </a:rPr>
+              <a:t>godina</a:t>
+            </a:r>
+            <a:r>
+              <a:rPr lang="en-GB" dirty="0" smtClean="0">
+                <a:latin typeface="Courier New" panose="02070309020205020404" pitchFamily="49" charset="0"/>
+                <a:cs typeface="Courier New" panose="02070309020205020404" pitchFamily="49" charset="0"/>
+              </a:rPr>
+              <a:t> </a:t>
+            </a:r>
+            <a:r>
+              <a:rPr lang="en-GB" dirty="0">
+                <a:latin typeface="Courier New" panose="02070309020205020404" pitchFamily="49" charset="0"/>
+                <a:cs typeface="Courier New" panose="02070309020205020404" pitchFamily="49" charset="0"/>
+              </a:rPr>
+              <a:t>izdanja':1998</a:t>
+            </a:r>
+            <a:r>
+              <a:rPr lang="en-GB" dirty="0" smtClean="0">
+                <a:latin typeface="Courier New" panose="02070309020205020404" pitchFamily="49" charset="0"/>
+                <a:cs typeface="Courier New" panose="02070309020205020404" pitchFamily="49" charset="0"/>
+              </a:rPr>
+              <a:t>,</a:t>
+            </a:r>
+            <a:endParaRPr lang="sr-Latn-RS" dirty="0" smtClean="0">
+              <a:latin typeface="Courier New" panose="02070309020205020404" pitchFamily="49" charset="0"/>
+              <a:cs typeface="Courier New" panose="02070309020205020404" pitchFamily="49" charset="0"/>
+            </a:endParaRPr>
+          </a:p>
+          <a:p>
+            <a:pPr marL="0" indent="0">
+              <a:buNone/>
+            </a:pPr>
+            <a:r>
+              <a:rPr lang="sr-Latn-RS" dirty="0">
+                <a:latin typeface="Courier New" panose="02070309020205020404" pitchFamily="49" charset="0"/>
+                <a:cs typeface="Courier New" panose="02070309020205020404" pitchFamily="49" charset="0"/>
+              </a:rPr>
+              <a:t> </a:t>
+            </a:r>
+            <a:r>
+              <a:rPr lang="sr-Latn-RS" dirty="0" smtClean="0">
+                <a:latin typeface="Courier New" panose="02070309020205020404" pitchFamily="49" charset="0"/>
+                <a:cs typeface="Courier New" panose="02070309020205020404" pitchFamily="49" charset="0"/>
+              </a:rPr>
+              <a:t> </a:t>
+            </a:r>
+            <a:r>
+              <a:rPr lang="en-GB" dirty="0" err="1" smtClean="0">
+                <a:latin typeface="Courier New" panose="02070309020205020404" pitchFamily="49" charset="0"/>
+                <a:cs typeface="Courier New" panose="02070309020205020404" pitchFamily="49" charset="0"/>
+              </a:rPr>
+              <a:t>naslov</a:t>
+            </a:r>
+            <a:r>
+              <a:rPr lang="en-GB" dirty="0">
+                <a:latin typeface="Courier New" panose="02070309020205020404" pitchFamily="49" charset="0"/>
+                <a:cs typeface="Courier New" panose="02070309020205020404" pitchFamily="49" charset="0"/>
+              </a:rPr>
+              <a:t>:'Bivstvovanje </a:t>
+            </a:r>
+            <a:r>
+              <a:rPr lang="en-GB" dirty="0" err="1">
+                <a:latin typeface="Courier New" panose="02070309020205020404" pitchFamily="49" charset="0"/>
+                <a:cs typeface="Courier New" panose="02070309020205020404" pitchFamily="49" charset="0"/>
+              </a:rPr>
+              <a:t>i</a:t>
+            </a:r>
+            <a:r>
+              <a:rPr lang="en-GB" dirty="0">
+                <a:latin typeface="Courier New" panose="02070309020205020404" pitchFamily="49" charset="0"/>
+                <a:cs typeface="Courier New" panose="02070309020205020404" pitchFamily="49" charset="0"/>
+              </a:rPr>
+              <a:t> </a:t>
+            </a:r>
+            <a:r>
+              <a:rPr lang="en-GB" dirty="0" err="1">
+                <a:latin typeface="Courier New" panose="02070309020205020404" pitchFamily="49" charset="0"/>
+                <a:cs typeface="Courier New" panose="02070309020205020404" pitchFamily="49" charset="0"/>
+              </a:rPr>
+              <a:t>vreme</a:t>
+            </a:r>
+            <a:r>
+              <a:rPr lang="en-GB" dirty="0" smtClean="0">
+                <a:latin typeface="Courier New" panose="02070309020205020404" pitchFamily="49" charset="0"/>
+                <a:cs typeface="Courier New" panose="02070309020205020404" pitchFamily="49" charset="0"/>
+              </a:rPr>
+              <a:t>'}</a:t>
+            </a:r>
+            <a:endParaRPr lang="sr-Latn-RS" dirty="0" smtClean="0">
+              <a:latin typeface="Courier New" panose="02070309020205020404" pitchFamily="49" charset="0"/>
+              <a:cs typeface="Courier New" panose="02070309020205020404" pitchFamily="49" charset="0"/>
+            </a:endParaRPr>
+          </a:p>
+          <a:p>
+            <a:pPr marL="0" indent="0">
+              <a:buNone/>
+            </a:pPr>
+            <a:endParaRPr lang="sr-Latn-RS" dirty="0" smtClean="0">
+              <a:latin typeface="Courier New" panose="02070309020205020404" pitchFamily="49" charset="0"/>
+              <a:cs typeface="Courier New" panose="02070309020205020404" pitchFamily="49" charset="0"/>
+            </a:endParaRPr>
+          </a:p>
+          <a:p>
+            <a:pPr marL="0" indent="0">
+              <a:buNone/>
+            </a:pPr>
+            <a:r>
+              <a:rPr lang="en-GB" b="1" dirty="0">
+                <a:latin typeface="Courier New" panose="02070309020205020404" pitchFamily="49" charset="0"/>
+                <a:cs typeface="Courier New" panose="02070309020205020404" pitchFamily="49" charset="0"/>
+              </a:rPr>
+              <a:t>delete </a:t>
+            </a:r>
+            <a:r>
+              <a:rPr lang="en-GB" b="1" dirty="0" err="1" smtClean="0">
+                <a:latin typeface="Courier New" panose="02070309020205020404" pitchFamily="49" charset="0"/>
+                <a:cs typeface="Courier New" panose="02070309020205020404" pitchFamily="49" charset="0"/>
+              </a:rPr>
+              <a:t>knjiga.autor</a:t>
+            </a:r>
+            <a:endParaRPr lang="sr-Latn-RS" b="1" dirty="0" smtClean="0">
+              <a:latin typeface="Courier New" panose="02070309020205020404" pitchFamily="49" charset="0"/>
+              <a:cs typeface="Courier New" panose="02070309020205020404" pitchFamily="49" charset="0"/>
+            </a:endParaRPr>
+          </a:p>
+          <a:p>
+            <a:pPr marL="0" indent="0">
+              <a:buNone/>
+            </a:pPr>
+            <a:r>
+              <a:rPr lang="en-GB" b="1" dirty="0">
+                <a:latin typeface="Courier New" panose="02070309020205020404" pitchFamily="49" charset="0"/>
+                <a:cs typeface="Courier New" panose="02070309020205020404" pitchFamily="49" charset="0"/>
+              </a:rPr>
+              <a:t>delete </a:t>
+            </a:r>
+            <a:r>
+              <a:rPr lang="en-GB" b="1" dirty="0" err="1">
+                <a:latin typeface="Courier New" panose="02070309020205020404" pitchFamily="49" charset="0"/>
+                <a:cs typeface="Courier New" panose="02070309020205020404" pitchFamily="49" charset="0"/>
+              </a:rPr>
+              <a:t>knjiga</a:t>
+            </a:r>
+            <a:r>
+              <a:rPr lang="en-GB" b="1" dirty="0">
+                <a:latin typeface="Courier New" panose="02070309020205020404" pitchFamily="49" charset="0"/>
+                <a:cs typeface="Courier New" panose="02070309020205020404" pitchFamily="49" charset="0"/>
+              </a:rPr>
+              <a:t>['</a:t>
+            </a:r>
+            <a:r>
+              <a:rPr lang="en-GB" b="1" dirty="0" err="1">
+                <a:latin typeface="Courier New" panose="02070309020205020404" pitchFamily="49" charset="0"/>
+                <a:cs typeface="Courier New" panose="02070309020205020404" pitchFamily="49" charset="0"/>
+              </a:rPr>
+              <a:t>godina</a:t>
+            </a:r>
+            <a:r>
+              <a:rPr lang="en-GB" b="1" dirty="0">
+                <a:latin typeface="Courier New" panose="02070309020205020404" pitchFamily="49" charset="0"/>
+                <a:cs typeface="Courier New" panose="02070309020205020404" pitchFamily="49" charset="0"/>
+              </a:rPr>
+              <a:t> </a:t>
+            </a:r>
+            <a:r>
+              <a:rPr lang="en-GB" b="1" dirty="0" err="1">
+                <a:latin typeface="Courier New" panose="02070309020205020404" pitchFamily="49" charset="0"/>
+                <a:cs typeface="Courier New" panose="02070309020205020404" pitchFamily="49" charset="0"/>
+              </a:rPr>
+              <a:t>izdanja</a:t>
+            </a:r>
+            <a:r>
+              <a:rPr lang="en-GB" b="1" dirty="0">
+                <a:latin typeface="Courier New" panose="02070309020205020404" pitchFamily="49" charset="0"/>
+                <a:cs typeface="Courier New" panose="02070309020205020404" pitchFamily="49" charset="0"/>
+              </a:rPr>
+              <a:t>']</a:t>
+            </a:r>
+          </a:p>
+        </p:txBody>
+      </p:sp>
+    </p:spTree>
+    <p:extLst>
+      <p:ext uri="{BB962C8B-B14F-4D97-AF65-F5344CB8AC3E}">
+        <p14:creationId xmlns:p14="http://schemas.microsoft.com/office/powerpoint/2010/main" val="113147872"/>
+      </p:ext>
+    </p:extLst>
+  </p:cSld>
+  <p:clrMapOvr>
+    <a:masterClrMapping/>
+  </p:clrMapOvr>
+  <p:timing>
+    <p:tnLst>
+      <p:par>
+        <p:cTn id="1" dur="indefinite" restart="never" nodeType="tmRoot"/>
+      </p:par>
+    </p:tnLst>
+  </p:timing>
+</p:sld>
+</file>
+
+<file path=ppt/slides/slide18.xml><?xml version="1.0" encoding="utf-8"?>
+<p:sld xmlns:a="http://schemas.openxmlformats.org/drawingml/2006/main" xmlns:r="http://schemas.openxmlformats.org/officeDocument/2006/relationships" xmlns:p="http://schemas.openxmlformats.org/presentationml/2006/main">
+  <p:cSld>
+    <p:spTree>
+      <p:nvGrpSpPr>
+        <p:cNvPr id="1" name=""/>
+        <p:cNvGrpSpPr/>
+        <p:nvPr/>
+      </p:nvGrpSpPr>
+      <p:grpSpPr>
+        <a:xfrm>
+          <a:off x="0" y="0"/>
+          <a:ext cx="0" cy="0"/>
+          <a:chOff x="0" y="0"/>
+          <a:chExt cx="0" cy="0"/>
+        </a:xfrm>
+      </p:grpSpPr>
+      <p:sp>
+        <p:nvSpPr>
+          <p:cNvPr id="2" name="Title 1"/>
+          <p:cNvSpPr>
+            <a:spLocks noGrp="1"/>
+          </p:cNvSpPr>
+          <p:nvPr>
+            <p:ph type="title"/>
+          </p:nvPr>
+        </p:nvSpPr>
+        <p:spPr/>
+        <p:txBody>
+          <a:bodyPr/>
+          <a:lstStyle/>
+          <a:p>
+            <a:r>
+              <a:rPr lang="sr-Latn-RS" dirty="0" smtClean="0"/>
+              <a:t>Brisanje svojstva</a:t>
+            </a:r>
+            <a:endParaRPr lang="en-GB" dirty="0"/>
+          </a:p>
+        </p:txBody>
+      </p:sp>
+      <p:sp>
+        <p:nvSpPr>
+          <p:cNvPr id="3" name="Content Placeholder 2"/>
+          <p:cNvSpPr>
+            <a:spLocks noGrp="1"/>
+          </p:cNvSpPr>
+          <p:nvPr>
+            <p:ph idx="1"/>
+          </p:nvPr>
+        </p:nvSpPr>
+        <p:spPr/>
+        <p:txBody>
+          <a:bodyPr>
+            <a:normAutofit fontScale="92500" lnSpcReduction="10000"/>
+          </a:bodyPr>
+          <a:lstStyle/>
+          <a:p>
+            <a:r>
+              <a:rPr lang="sr-Latn-RS" dirty="0" smtClean="0"/>
+              <a:t>Nakon što je obrisana svojstvo, ukoliko želimo da mu pristupimo dobijamo undefined</a:t>
+            </a:r>
+          </a:p>
+          <a:p>
+            <a:r>
+              <a:rPr lang="sr-Latn-RS" dirty="0" smtClean="0"/>
+              <a:t>Kakva je razlika između brisanja svojstva i postavljanja vrednosti svojstva na undefined?</a:t>
+            </a:r>
+          </a:p>
+          <a:p>
+            <a:pPr marL="800100" lvl="2" indent="0">
+              <a:buNone/>
+            </a:pPr>
+            <a:r>
+              <a:rPr lang="en-GB" dirty="0" err="1">
+                <a:latin typeface="Courier New" panose="02070309020205020404" pitchFamily="49" charset="0"/>
+                <a:cs typeface="Courier New" panose="02070309020205020404" pitchFamily="49" charset="0"/>
+              </a:rPr>
+              <a:t>var</a:t>
+            </a:r>
+            <a:r>
+              <a:rPr lang="en-GB" dirty="0">
+                <a:latin typeface="Courier New" panose="02070309020205020404" pitchFamily="49" charset="0"/>
+                <a:cs typeface="Courier New" panose="02070309020205020404" pitchFamily="49" charset="0"/>
+              </a:rPr>
+              <a:t> p = {x:1,y:2</a:t>
+            </a:r>
+            <a:r>
+              <a:rPr lang="en-GB" dirty="0" smtClean="0">
+                <a:latin typeface="Courier New" panose="02070309020205020404" pitchFamily="49" charset="0"/>
+                <a:cs typeface="Courier New" panose="02070309020205020404" pitchFamily="49" charset="0"/>
+              </a:rPr>
+              <a:t>}</a:t>
+            </a:r>
+            <a:endParaRPr lang="sr-Latn-RS" dirty="0" smtClean="0">
+              <a:latin typeface="Courier New" panose="02070309020205020404" pitchFamily="49" charset="0"/>
+              <a:cs typeface="Courier New" panose="02070309020205020404" pitchFamily="49" charset="0"/>
+            </a:endParaRPr>
+          </a:p>
+          <a:p>
+            <a:pPr marL="800100" lvl="2" indent="0">
+              <a:buNone/>
+            </a:pPr>
+            <a:r>
+              <a:rPr lang="en-GB" dirty="0" err="1">
+                <a:latin typeface="Courier New" panose="02070309020205020404" pitchFamily="49" charset="0"/>
+                <a:cs typeface="Courier New" panose="02070309020205020404" pitchFamily="49" charset="0"/>
+              </a:rPr>
+              <a:t>p.x</a:t>
+            </a:r>
+            <a:r>
+              <a:rPr lang="en-GB" dirty="0">
+                <a:latin typeface="Courier New" panose="02070309020205020404" pitchFamily="49" charset="0"/>
+                <a:cs typeface="Courier New" panose="02070309020205020404" pitchFamily="49" charset="0"/>
+              </a:rPr>
+              <a:t> = </a:t>
+            </a:r>
+            <a:r>
+              <a:rPr lang="en-GB" dirty="0" smtClean="0">
+                <a:latin typeface="Courier New" panose="02070309020205020404" pitchFamily="49" charset="0"/>
+                <a:cs typeface="Courier New" panose="02070309020205020404" pitchFamily="49" charset="0"/>
+              </a:rPr>
+              <a:t>undefined</a:t>
+            </a:r>
+            <a:endParaRPr lang="sr-Latn-RS" dirty="0" smtClean="0">
+              <a:latin typeface="Courier New" panose="02070309020205020404" pitchFamily="49" charset="0"/>
+              <a:cs typeface="Courier New" panose="02070309020205020404" pitchFamily="49" charset="0"/>
+            </a:endParaRPr>
+          </a:p>
+          <a:p>
+            <a:pPr marL="800100" lvl="2" indent="0">
+              <a:buNone/>
+            </a:pPr>
+            <a:r>
+              <a:rPr lang="en-GB" dirty="0">
+                <a:latin typeface="Courier New" panose="02070309020205020404" pitchFamily="49" charset="0"/>
+                <a:cs typeface="Courier New" panose="02070309020205020404" pitchFamily="49" charset="0"/>
+              </a:rPr>
+              <a:t>delete </a:t>
+            </a:r>
+            <a:r>
+              <a:rPr lang="en-GB" dirty="0" err="1" smtClean="0">
+                <a:latin typeface="Courier New" panose="02070309020205020404" pitchFamily="49" charset="0"/>
+                <a:cs typeface="Courier New" panose="02070309020205020404" pitchFamily="49" charset="0"/>
+              </a:rPr>
+              <a:t>p.y</a:t>
+            </a:r>
+            <a:endParaRPr lang="sr-Latn-RS" dirty="0" smtClean="0">
+              <a:latin typeface="Courier New" panose="02070309020205020404" pitchFamily="49" charset="0"/>
+              <a:cs typeface="Courier New" panose="02070309020205020404" pitchFamily="49" charset="0"/>
+            </a:endParaRPr>
+          </a:p>
+          <a:p>
+            <a:pPr marL="800100" lvl="2" indent="0">
+              <a:buNone/>
+            </a:pPr>
+            <a:r>
+              <a:rPr lang="en-GB" dirty="0" err="1" smtClean="0">
+                <a:latin typeface="Courier New" panose="02070309020205020404" pitchFamily="49" charset="0"/>
+                <a:cs typeface="Courier New" panose="02070309020205020404" pitchFamily="49" charset="0"/>
+              </a:rPr>
+              <a:t>p.x</a:t>
+            </a:r>
+            <a:endParaRPr lang="sr-Latn-RS" dirty="0" smtClean="0">
+              <a:latin typeface="Courier New" panose="02070309020205020404" pitchFamily="49" charset="0"/>
+              <a:cs typeface="Courier New" panose="02070309020205020404" pitchFamily="49" charset="0"/>
+            </a:endParaRPr>
+          </a:p>
+          <a:p>
+            <a:pPr marL="800100" lvl="2" indent="0">
+              <a:buNone/>
+            </a:pPr>
+            <a:r>
+              <a:rPr lang="sr-Latn-RS" dirty="0" smtClean="0">
+                <a:latin typeface="Courier New" panose="02070309020205020404" pitchFamily="49" charset="0"/>
+                <a:cs typeface="Courier New" panose="02070309020205020404" pitchFamily="49" charset="0"/>
+              </a:rPr>
+              <a:t>&gt;&gt; </a:t>
+            </a:r>
+            <a:r>
+              <a:rPr lang="en-GB" dirty="0" smtClean="0">
+                <a:latin typeface="Courier New" panose="02070309020205020404" pitchFamily="49" charset="0"/>
+                <a:cs typeface="Courier New" panose="02070309020205020404" pitchFamily="49" charset="0"/>
+              </a:rPr>
+              <a:t>undefined</a:t>
+            </a:r>
+            <a:endParaRPr lang="sr-Latn-RS" dirty="0" smtClean="0">
+              <a:latin typeface="Courier New" panose="02070309020205020404" pitchFamily="49" charset="0"/>
+              <a:cs typeface="Courier New" panose="02070309020205020404" pitchFamily="49" charset="0"/>
+            </a:endParaRPr>
+          </a:p>
+          <a:p>
+            <a:pPr marL="800100" lvl="2" indent="0">
+              <a:buNone/>
+            </a:pPr>
+            <a:r>
+              <a:rPr lang="sr-Latn-RS" dirty="0" smtClean="0">
+                <a:latin typeface="Courier New" panose="02070309020205020404" pitchFamily="49" charset="0"/>
+                <a:cs typeface="Courier New" panose="02070309020205020404" pitchFamily="49" charset="0"/>
+              </a:rPr>
+              <a:t>p.y</a:t>
+            </a:r>
+          </a:p>
+          <a:p>
+            <a:pPr marL="800100" lvl="2" indent="0">
+              <a:buNone/>
+            </a:pPr>
+            <a:r>
+              <a:rPr lang="sr-Latn-RS" dirty="0" smtClean="0">
+                <a:latin typeface="Courier New" panose="02070309020205020404" pitchFamily="49" charset="0"/>
+                <a:cs typeface="Courier New" panose="02070309020205020404" pitchFamily="49" charset="0"/>
+              </a:rPr>
+              <a:t>&gt;&gt; undefined</a:t>
+            </a:r>
+            <a:endParaRPr lang="en-GB" dirty="0">
+              <a:latin typeface="Courier New" panose="02070309020205020404" pitchFamily="49" charset="0"/>
+              <a:cs typeface="Courier New" panose="02070309020205020404" pitchFamily="49" charset="0"/>
+            </a:endParaRPr>
+          </a:p>
+        </p:txBody>
+      </p:sp>
+    </p:spTree>
+    <p:extLst>
+      <p:ext uri="{BB962C8B-B14F-4D97-AF65-F5344CB8AC3E}">
+        <p14:creationId xmlns:p14="http://schemas.microsoft.com/office/powerpoint/2010/main" val="1491358071"/>
+      </p:ext>
+    </p:extLst>
+  </p:cSld>
+  <p:clrMapOvr>
+    <a:masterClrMapping/>
+  </p:clrMapOvr>
+  <p:timing>
+    <p:tnLst>
+      <p:par>
+        <p:cTn id="1" dur="indefinite" restart="never" nodeType="tmRoot"/>
+      </p:par>
+    </p:tnLst>
+  </p:timing>
+</p:sld>
+</file>
+
+<file path=ppt/slides/slide19.xml><?xml version="1.0" encoding="utf-8"?>
+<p:sld xmlns:a="http://schemas.openxmlformats.org/drawingml/2006/main" xmlns:r="http://schemas.openxmlformats.org/officeDocument/2006/relationships" xmlns:p="http://schemas.openxmlformats.org/presentationml/2006/main">
+  <p:cSld>
+    <p:spTree>
+      <p:nvGrpSpPr>
+        <p:cNvPr id="1" name=""/>
+        <p:cNvGrpSpPr/>
+        <p:nvPr/>
+      </p:nvGrpSpPr>
+      <p:grpSpPr>
+        <a:xfrm>
+          <a:off x="0" y="0"/>
+          <a:ext cx="0" cy="0"/>
+          <a:chOff x="0" y="0"/>
+          <a:chExt cx="0" cy="0"/>
+        </a:xfrm>
+      </p:grpSpPr>
+      <p:sp>
+        <p:nvSpPr>
+          <p:cNvPr id="2" name="Title 1"/>
+          <p:cNvSpPr>
+            <a:spLocks noGrp="1"/>
+          </p:cNvSpPr>
+          <p:nvPr>
+            <p:ph type="title"/>
+          </p:nvPr>
+        </p:nvSpPr>
+        <p:spPr/>
+        <p:txBody>
+          <a:bodyPr/>
+          <a:lstStyle/>
+          <a:p>
+            <a:r>
+              <a:rPr lang="sr-Latn-RS" dirty="0" smtClean="0"/>
+              <a:t>Reference</a:t>
+            </a:r>
+            <a:endParaRPr lang="en-GB" dirty="0"/>
+          </a:p>
+        </p:txBody>
+      </p:sp>
+      <p:sp>
+        <p:nvSpPr>
+          <p:cNvPr id="3" name="Content Placeholder 2"/>
+          <p:cNvSpPr>
+            <a:spLocks noGrp="1"/>
+          </p:cNvSpPr>
+          <p:nvPr>
+            <p:ph idx="1"/>
+          </p:nvPr>
+        </p:nvSpPr>
+        <p:spPr/>
+        <p:txBody>
+          <a:bodyPr/>
+          <a:lstStyle/>
+          <a:p>
+            <a:r>
+              <a:rPr lang="sr-Latn-RS" dirty="0" smtClean="0"/>
+              <a:t>Objektima se </a:t>
+            </a:r>
+            <a:r>
+              <a:rPr lang="sr-Latn-RS" b="1" dirty="0" smtClean="0"/>
+              <a:t>uvek</a:t>
+            </a:r>
+            <a:r>
+              <a:rPr lang="sr-Latn-RS" dirty="0" smtClean="0"/>
+              <a:t> pristupa po referenci:</a:t>
+            </a:r>
+          </a:p>
+          <a:p>
+            <a:pPr marL="0" indent="0">
+              <a:buNone/>
+            </a:pPr>
+            <a:r>
+              <a:rPr lang="sr-Latn-RS" dirty="0">
+                <a:latin typeface="Courier New" panose="02070309020205020404" pitchFamily="49" charset="0"/>
+                <a:cs typeface="Courier New" panose="02070309020205020404" pitchFamily="49" charset="0"/>
+              </a:rPr>
+              <a:t>x = peraPeric["polozeni ispiti"];</a:t>
+            </a:r>
+          </a:p>
+          <a:p>
+            <a:pPr marL="0" indent="0">
+              <a:buNone/>
+            </a:pPr>
+            <a:r>
+              <a:rPr lang="sr-Latn-RS" dirty="0">
+                <a:latin typeface="Courier New" panose="02070309020205020404" pitchFamily="49" charset="0"/>
+                <a:cs typeface="Courier New" panose="02070309020205020404" pitchFamily="49" charset="0"/>
+              </a:rPr>
+              <a:t>x.push({"naziv":"Matematicka analiza 1", "ocena":8});</a:t>
+            </a:r>
+            <a:endParaRPr lang="sr-Latn-RS" dirty="0" smtClean="0">
+              <a:latin typeface="Courier New" panose="02070309020205020404" pitchFamily="49" charset="0"/>
+              <a:cs typeface="Courier New" panose="02070309020205020404" pitchFamily="49" charset="0"/>
+            </a:endParaRPr>
+          </a:p>
+          <a:p>
+            <a:endParaRPr lang="sr-Latn-RS" dirty="0" smtClean="0"/>
+          </a:p>
+          <a:p>
+            <a:endParaRPr lang="en-GB" dirty="0"/>
+          </a:p>
+        </p:txBody>
+      </p:sp>
+    </p:spTree>
+    <p:extLst>
+      <p:ext uri="{BB962C8B-B14F-4D97-AF65-F5344CB8AC3E}">
+        <p14:creationId xmlns:p14="http://schemas.microsoft.com/office/powerpoint/2010/main" val="2126550096"/>
       </p:ext>
     </p:extLst>
   </p:cSld>
@@ -4630,6 +5603,2078 @@
 </p:sld>
 </file>
 
+<file path=ppt/slides/slide20.xml><?xml version="1.0" encoding="utf-8"?>
+<p:sld xmlns:a="http://schemas.openxmlformats.org/drawingml/2006/main" xmlns:r="http://schemas.openxmlformats.org/officeDocument/2006/relationships" xmlns:p="http://schemas.openxmlformats.org/presentationml/2006/main">
+  <p:cSld>
+    <p:spTree>
+      <p:nvGrpSpPr>
+        <p:cNvPr id="1" name=""/>
+        <p:cNvGrpSpPr/>
+        <p:nvPr/>
+      </p:nvGrpSpPr>
+      <p:grpSpPr>
+        <a:xfrm>
+          <a:off x="0" y="0"/>
+          <a:ext cx="0" cy="0"/>
+          <a:chOff x="0" y="0"/>
+          <a:chExt cx="0" cy="0"/>
+        </a:xfrm>
+      </p:grpSpPr>
+      <p:sp>
+        <p:nvSpPr>
+          <p:cNvPr id="2" name="Title 1"/>
+          <p:cNvSpPr>
+            <a:spLocks noGrp="1"/>
+          </p:cNvSpPr>
+          <p:nvPr>
+            <p:ph type="title"/>
+          </p:nvPr>
+        </p:nvSpPr>
+        <p:spPr/>
+        <p:txBody>
+          <a:bodyPr/>
+          <a:lstStyle/>
+          <a:p>
+            <a:r>
+              <a:rPr lang="sr-Latn-RS" dirty="0" smtClean="0"/>
+              <a:t>Prototip</a:t>
+            </a:r>
+            <a:endParaRPr lang="en-GB" dirty="0"/>
+          </a:p>
+        </p:txBody>
+      </p:sp>
+      <p:sp>
+        <p:nvSpPr>
+          <p:cNvPr id="3" name="Content Placeholder 2"/>
+          <p:cNvSpPr>
+            <a:spLocks noGrp="1"/>
+          </p:cNvSpPr>
+          <p:nvPr>
+            <p:ph idx="1"/>
+          </p:nvPr>
+        </p:nvSpPr>
+        <p:spPr/>
+        <p:txBody>
+          <a:bodyPr>
+            <a:normAutofit/>
+          </a:bodyPr>
+          <a:lstStyle/>
+          <a:p>
+            <a:r>
+              <a:rPr lang="sr-Latn-RS" dirty="0" smtClean="0"/>
+              <a:t>JavaScript nema ugrađen mehanizam zadavanja </a:t>
+            </a:r>
+            <a:r>
+              <a:rPr lang="sr-Latn-RS" dirty="0" smtClean="0"/>
+              <a:t>klasa (više o tome kasnije)</a:t>
+            </a:r>
+            <a:endParaRPr lang="sr-Latn-RS" dirty="0" smtClean="0"/>
+          </a:p>
+          <a:p>
+            <a:r>
+              <a:rPr lang="sr-Latn-RS" dirty="0" smtClean="0"/>
+              <a:t>Jedan od mehanizama definisanja hijerarhije objekata je pomoću prototipova</a:t>
+            </a:r>
+          </a:p>
+          <a:p>
+            <a:r>
+              <a:rPr lang="sr-Latn-RS" dirty="0" smtClean="0"/>
+              <a:t>Svaki objekat ima prototip</a:t>
+            </a:r>
+          </a:p>
+          <a:p>
+            <a:r>
+              <a:rPr lang="sr-Latn-RS" dirty="0" smtClean="0"/>
+              <a:t>Svi objekti koji su kreirani kao objektni literali kao prototip imaju </a:t>
+            </a:r>
+            <a:r>
+              <a:rPr lang="en-GB" dirty="0" err="1" smtClean="0">
+                <a:latin typeface="Courier New" panose="02070309020205020404" pitchFamily="49" charset="0"/>
+                <a:cs typeface="Courier New" panose="02070309020205020404" pitchFamily="49" charset="0"/>
+              </a:rPr>
+              <a:t>Object.prototype</a:t>
+            </a:r>
+            <a:r>
+              <a:rPr lang="sr-Latn-RS" dirty="0" smtClean="0"/>
+              <a:t>, objekat koji je definisan u </a:t>
+            </a:r>
+            <a:r>
+              <a:rPr lang="sr-Latn-RS" dirty="0" smtClean="0"/>
+              <a:t>JavaScriptu</a:t>
+            </a:r>
+            <a:endParaRPr lang="sr-Latn-RS" dirty="0" smtClean="0"/>
+          </a:p>
+          <a:p>
+            <a:endParaRPr lang="sr-Latn-RS" dirty="0" smtClean="0"/>
+          </a:p>
+        </p:txBody>
+      </p:sp>
+    </p:spTree>
+    <p:extLst>
+      <p:ext uri="{BB962C8B-B14F-4D97-AF65-F5344CB8AC3E}">
+        <p14:creationId xmlns:p14="http://schemas.microsoft.com/office/powerpoint/2010/main" val="3515632785"/>
+      </p:ext>
+    </p:extLst>
+  </p:cSld>
+  <p:clrMapOvr>
+    <a:masterClrMapping/>
+  </p:clrMapOvr>
+  <p:timing>
+    <p:tnLst>
+      <p:par>
+        <p:cTn id="1" dur="indefinite" restart="never" nodeType="tmRoot"/>
+      </p:par>
+    </p:tnLst>
+  </p:timing>
+</p:sld>
+</file>
+
+<file path=ppt/slides/slide21.xml><?xml version="1.0" encoding="utf-8"?>
+<p:sld xmlns:a="http://schemas.openxmlformats.org/drawingml/2006/main" xmlns:r="http://schemas.openxmlformats.org/officeDocument/2006/relationships" xmlns:p="http://schemas.openxmlformats.org/presentationml/2006/main">
+  <p:cSld>
+    <p:spTree>
+      <p:nvGrpSpPr>
+        <p:cNvPr id="1" name=""/>
+        <p:cNvGrpSpPr/>
+        <p:nvPr/>
+      </p:nvGrpSpPr>
+      <p:grpSpPr>
+        <a:xfrm>
+          <a:off x="0" y="0"/>
+          <a:ext cx="0" cy="0"/>
+          <a:chOff x="0" y="0"/>
+          <a:chExt cx="0" cy="0"/>
+        </a:xfrm>
+      </p:grpSpPr>
+      <p:sp>
+        <p:nvSpPr>
+          <p:cNvPr id="2" name="Title 1"/>
+          <p:cNvSpPr>
+            <a:spLocks noGrp="1"/>
+          </p:cNvSpPr>
+          <p:nvPr>
+            <p:ph type="title"/>
+          </p:nvPr>
+        </p:nvSpPr>
+        <p:spPr/>
+        <p:txBody>
+          <a:bodyPr>
+            <a:normAutofit fontScale="90000"/>
+          </a:bodyPr>
+          <a:lstStyle/>
+          <a:p>
+            <a:r>
+              <a:rPr lang="sr-Latn-RS" dirty="0" smtClean="0"/>
+              <a:t>Kreiranje objekta pomoću </a:t>
+            </a:r>
+            <a:r>
+              <a:rPr lang="sr-Latn-RS" dirty="0" smtClean="0">
+                <a:latin typeface="Courier New" panose="02070309020205020404" pitchFamily="49" charset="0"/>
+                <a:cs typeface="Courier New" panose="02070309020205020404" pitchFamily="49" charset="0"/>
+              </a:rPr>
+              <a:t>Object.create()</a:t>
+            </a:r>
+            <a:endParaRPr lang="en-GB" dirty="0">
+              <a:latin typeface="Courier New" panose="02070309020205020404" pitchFamily="49" charset="0"/>
+              <a:cs typeface="Courier New" panose="02070309020205020404" pitchFamily="49" charset="0"/>
+            </a:endParaRPr>
+          </a:p>
+        </p:txBody>
+      </p:sp>
+      <p:sp>
+        <p:nvSpPr>
+          <p:cNvPr id="3" name="Content Placeholder 2"/>
+          <p:cNvSpPr>
+            <a:spLocks noGrp="1"/>
+          </p:cNvSpPr>
+          <p:nvPr>
+            <p:ph idx="1"/>
+          </p:nvPr>
+        </p:nvSpPr>
+        <p:spPr/>
+        <p:txBody>
+          <a:bodyPr>
+            <a:normAutofit lnSpcReduction="10000"/>
+          </a:bodyPr>
+          <a:lstStyle/>
+          <a:p>
+            <a:r>
+              <a:rPr lang="sr-Latn-RS" dirty="0"/>
+              <a:t>Prilikom kreiranja novog objekta moguće je zadati njegov prototip</a:t>
+            </a:r>
+          </a:p>
+          <a:p>
+            <a:pPr lvl="1"/>
+            <a:r>
+              <a:rPr lang="sr-Latn-RS" dirty="0"/>
+              <a:t>Object.create(prototipKreiranogObjekta);</a:t>
+            </a:r>
+          </a:p>
+          <a:p>
+            <a:r>
+              <a:rPr lang="sr-Latn-RS" dirty="0" smtClean="0"/>
+              <a:t>Object.create() je statička metoda (metoda funkcije Object()), ne funkcija nekog konkretnog objekta</a:t>
+            </a:r>
+          </a:p>
+          <a:p>
+            <a:pPr marL="0" indent="0">
+              <a:buNone/>
+            </a:pPr>
+            <a:r>
+              <a:rPr lang="en-GB" sz="2800" dirty="0" err="1">
+                <a:latin typeface="Courier New" panose="02070309020205020404" pitchFamily="49" charset="0"/>
+                <a:cs typeface="Courier New" panose="02070309020205020404" pitchFamily="49" charset="0"/>
+              </a:rPr>
+              <a:t>var</a:t>
+            </a:r>
+            <a:r>
+              <a:rPr lang="en-GB" sz="2800" dirty="0">
+                <a:latin typeface="Courier New" panose="02070309020205020404" pitchFamily="49" charset="0"/>
+                <a:cs typeface="Courier New" panose="02070309020205020404" pitchFamily="49" charset="0"/>
+              </a:rPr>
+              <a:t> o1 = </a:t>
+            </a:r>
+            <a:r>
+              <a:rPr lang="en-GB" sz="2800" dirty="0" err="1">
+                <a:latin typeface="Courier New" panose="02070309020205020404" pitchFamily="49" charset="0"/>
+                <a:cs typeface="Courier New" panose="02070309020205020404" pitchFamily="49" charset="0"/>
+              </a:rPr>
+              <a:t>Object.create</a:t>
+            </a:r>
+            <a:r>
+              <a:rPr lang="en-GB" sz="2800" dirty="0">
+                <a:latin typeface="Courier New" panose="02070309020205020404" pitchFamily="49" charset="0"/>
+                <a:cs typeface="Courier New" panose="02070309020205020404" pitchFamily="49" charset="0"/>
+              </a:rPr>
+              <a:t>({x:1,y:2</a:t>
+            </a:r>
+            <a:r>
+              <a:rPr lang="en-GB" sz="2800" dirty="0" smtClean="0">
+                <a:latin typeface="Courier New" panose="02070309020205020404" pitchFamily="49" charset="0"/>
+                <a:cs typeface="Courier New" panose="02070309020205020404" pitchFamily="49" charset="0"/>
+              </a:rPr>
+              <a:t>})</a:t>
+            </a:r>
+            <a:endParaRPr lang="sr-Latn-RS" sz="2800" dirty="0" smtClean="0">
+              <a:latin typeface="Courier New" panose="02070309020205020404" pitchFamily="49" charset="0"/>
+              <a:cs typeface="Courier New" panose="02070309020205020404" pitchFamily="49" charset="0"/>
+            </a:endParaRPr>
+          </a:p>
+          <a:p>
+            <a:pPr marL="0" indent="0">
+              <a:buNone/>
+            </a:pPr>
+            <a:r>
+              <a:rPr lang="sr-Latn-RS" sz="2800" dirty="0" smtClean="0">
+                <a:latin typeface="Courier New" panose="02070309020205020404" pitchFamily="49" charset="0"/>
+                <a:cs typeface="Courier New" panose="02070309020205020404" pitchFamily="49" charset="0"/>
+              </a:rPr>
+              <a:t>//kreiramo objekat koji za prototip </a:t>
+            </a:r>
+          </a:p>
+          <a:p>
+            <a:pPr marL="0" indent="0">
+              <a:buNone/>
+            </a:pPr>
+            <a:r>
+              <a:rPr lang="sr-Latn-RS" sz="2800" dirty="0" smtClean="0">
+                <a:latin typeface="Courier New" panose="02070309020205020404" pitchFamily="49" charset="0"/>
+                <a:cs typeface="Courier New" panose="02070309020205020404" pitchFamily="49" charset="0"/>
+              </a:rPr>
+              <a:t>//ima {x:1,y:2} </a:t>
+            </a:r>
+            <a:endParaRPr lang="en-GB" dirty="0">
+              <a:latin typeface="Courier New" panose="02070309020205020404" pitchFamily="49" charset="0"/>
+              <a:cs typeface="Courier New" panose="02070309020205020404" pitchFamily="49" charset="0"/>
+            </a:endParaRPr>
+          </a:p>
+        </p:txBody>
+      </p:sp>
+    </p:spTree>
+    <p:extLst>
+      <p:ext uri="{BB962C8B-B14F-4D97-AF65-F5344CB8AC3E}">
+        <p14:creationId xmlns:p14="http://schemas.microsoft.com/office/powerpoint/2010/main" val="3839841402"/>
+      </p:ext>
+    </p:extLst>
+  </p:cSld>
+  <p:clrMapOvr>
+    <a:masterClrMapping/>
+  </p:clrMapOvr>
+  <p:timing>
+    <p:tnLst>
+      <p:par>
+        <p:cTn id="1" dur="indefinite" restart="never" nodeType="tmRoot"/>
+      </p:par>
+    </p:tnLst>
+  </p:timing>
+</p:sld>
+</file>
+
+<file path=ppt/slides/slide22.xml><?xml version="1.0" encoding="utf-8"?>
+<p:sld xmlns:a="http://schemas.openxmlformats.org/drawingml/2006/main" xmlns:r="http://schemas.openxmlformats.org/officeDocument/2006/relationships" xmlns:p="http://schemas.openxmlformats.org/presentationml/2006/main">
+  <p:cSld>
+    <p:spTree>
+      <p:nvGrpSpPr>
+        <p:cNvPr id="1" name=""/>
+        <p:cNvGrpSpPr/>
+        <p:nvPr/>
+      </p:nvGrpSpPr>
+      <p:grpSpPr>
+        <a:xfrm>
+          <a:off x="0" y="0"/>
+          <a:ext cx="0" cy="0"/>
+          <a:chOff x="0" y="0"/>
+          <a:chExt cx="0" cy="0"/>
+        </a:xfrm>
+      </p:grpSpPr>
+      <p:sp>
+        <p:nvSpPr>
+          <p:cNvPr id="2" name="Title 1"/>
+          <p:cNvSpPr>
+            <a:spLocks noGrp="1"/>
+          </p:cNvSpPr>
+          <p:nvPr>
+            <p:ph type="title"/>
+          </p:nvPr>
+        </p:nvSpPr>
+        <p:spPr/>
+        <p:txBody>
+          <a:bodyPr>
+            <a:normAutofit fontScale="90000"/>
+          </a:bodyPr>
+          <a:lstStyle/>
+          <a:p>
+            <a:r>
+              <a:rPr lang="sr-Latn-RS" dirty="0"/>
+              <a:t>Kreiranje objekta pomoću </a:t>
+            </a:r>
+            <a:r>
+              <a:rPr lang="sr-Latn-RS" dirty="0">
+                <a:latin typeface="Courier New" panose="02070309020205020404" pitchFamily="49" charset="0"/>
+                <a:cs typeface="Courier New" panose="02070309020205020404" pitchFamily="49" charset="0"/>
+              </a:rPr>
+              <a:t>Object.create()</a:t>
+            </a:r>
+            <a:endParaRPr lang="en-GB" dirty="0"/>
+          </a:p>
+        </p:txBody>
+      </p:sp>
+      <p:sp>
+        <p:nvSpPr>
+          <p:cNvPr id="3" name="Content Placeholder 2"/>
+          <p:cNvSpPr>
+            <a:spLocks noGrp="1"/>
+          </p:cNvSpPr>
+          <p:nvPr>
+            <p:ph idx="1"/>
+          </p:nvPr>
+        </p:nvSpPr>
+        <p:spPr/>
+        <p:txBody>
+          <a:bodyPr/>
+          <a:lstStyle/>
+          <a:p>
+            <a:r>
+              <a:rPr lang="sr-Latn-RS" dirty="0" smtClean="0"/>
+              <a:t>Moguće je kreirati objekat koji nema prototip</a:t>
+            </a:r>
+          </a:p>
+          <a:p>
+            <a:pPr lvl="1"/>
+            <a:r>
+              <a:rPr lang="sr-Latn-RS" dirty="0" smtClean="0"/>
+              <a:t>Ne nasleđuje ništa</a:t>
+            </a:r>
+          </a:p>
+          <a:p>
+            <a:pPr marL="457200" lvl="1" indent="0">
+              <a:buNone/>
+            </a:pPr>
+            <a:r>
+              <a:rPr lang="sr-Latn-RS" dirty="0">
+                <a:latin typeface="Courier New" panose="02070309020205020404" pitchFamily="49" charset="0"/>
+                <a:cs typeface="Courier New" panose="02070309020205020404" pitchFamily="49" charset="0"/>
+              </a:rPr>
+              <a:t>v</a:t>
+            </a:r>
+            <a:r>
+              <a:rPr lang="sr-Latn-RS" dirty="0" smtClean="0">
+                <a:latin typeface="Courier New" panose="02070309020205020404" pitchFamily="49" charset="0"/>
+                <a:cs typeface="Courier New" panose="02070309020205020404" pitchFamily="49" charset="0"/>
+              </a:rPr>
+              <a:t>ar x = Object.create(null);</a:t>
+            </a:r>
+          </a:p>
+          <a:p>
+            <a:r>
+              <a:rPr lang="sr-Latn-RS" dirty="0" smtClean="0">
+                <a:cs typeface="Courier New" panose="02070309020205020404" pitchFamily="49" charset="0"/>
+              </a:rPr>
+              <a:t>U ovom objektu ne funkcionišu ni osnovne metode</a:t>
+            </a:r>
+          </a:p>
+          <a:p>
+            <a:pPr lvl="1"/>
+            <a:r>
+              <a:rPr lang="sr-Latn-RS" dirty="0" smtClean="0">
+                <a:cs typeface="Courier New" panose="02070309020205020404" pitchFamily="49" charset="0"/>
+              </a:rPr>
+              <a:t>Na primer toString(), pa neće raditi ni operator +</a:t>
+            </a:r>
+            <a:endParaRPr lang="en-GB" dirty="0">
+              <a:cs typeface="Courier New" panose="02070309020205020404" pitchFamily="49" charset="0"/>
+            </a:endParaRPr>
+          </a:p>
+        </p:txBody>
+      </p:sp>
+    </p:spTree>
+    <p:extLst>
+      <p:ext uri="{BB962C8B-B14F-4D97-AF65-F5344CB8AC3E}">
+        <p14:creationId xmlns:p14="http://schemas.microsoft.com/office/powerpoint/2010/main" val="2688656595"/>
+      </p:ext>
+    </p:extLst>
+  </p:cSld>
+  <p:clrMapOvr>
+    <a:masterClrMapping/>
+  </p:clrMapOvr>
+  <p:timing>
+    <p:tnLst>
+      <p:par>
+        <p:cTn id="1" dur="indefinite" restart="never" nodeType="tmRoot"/>
+      </p:par>
+    </p:tnLst>
+  </p:timing>
+</p:sld>
+</file>
+
+<file path=ppt/slides/slide23.xml><?xml version="1.0" encoding="utf-8"?>
+<p:sld xmlns:a="http://schemas.openxmlformats.org/drawingml/2006/main" xmlns:r="http://schemas.openxmlformats.org/officeDocument/2006/relationships" xmlns:p="http://schemas.openxmlformats.org/presentationml/2006/main">
+  <p:cSld>
+    <p:spTree>
+      <p:nvGrpSpPr>
+        <p:cNvPr id="1" name=""/>
+        <p:cNvGrpSpPr/>
+        <p:nvPr/>
+      </p:nvGrpSpPr>
+      <p:grpSpPr>
+        <a:xfrm>
+          <a:off x="0" y="0"/>
+          <a:ext cx="0" cy="0"/>
+          <a:chOff x="0" y="0"/>
+          <a:chExt cx="0" cy="0"/>
+        </a:xfrm>
+      </p:grpSpPr>
+      <p:sp>
+        <p:nvSpPr>
+          <p:cNvPr id="2" name="Title 1"/>
+          <p:cNvSpPr>
+            <a:spLocks noGrp="1"/>
+          </p:cNvSpPr>
+          <p:nvPr>
+            <p:ph type="title"/>
+          </p:nvPr>
+        </p:nvSpPr>
+        <p:spPr/>
+        <p:txBody>
+          <a:bodyPr>
+            <a:normAutofit fontScale="90000"/>
+          </a:bodyPr>
+          <a:lstStyle/>
+          <a:p>
+            <a:r>
+              <a:rPr lang="sr-Latn-RS" dirty="0" smtClean="0"/>
+              <a:t>Kreiranje objekata pomoću </a:t>
+            </a:r>
+            <a:r>
+              <a:rPr lang="sr-Latn-RS" dirty="0" smtClean="0">
+                <a:latin typeface="Courier New" panose="02070309020205020404" pitchFamily="49" charset="0"/>
+                <a:cs typeface="Courier New" panose="02070309020205020404" pitchFamily="49" charset="0"/>
+              </a:rPr>
+              <a:t>Object.create()</a:t>
+            </a:r>
+            <a:endParaRPr lang="en-GB" dirty="0">
+              <a:latin typeface="Courier New" panose="02070309020205020404" pitchFamily="49" charset="0"/>
+              <a:cs typeface="Courier New" panose="02070309020205020404" pitchFamily="49" charset="0"/>
+            </a:endParaRPr>
+          </a:p>
+        </p:txBody>
+      </p:sp>
+      <p:sp>
+        <p:nvSpPr>
+          <p:cNvPr id="3" name="Content Placeholder 2"/>
+          <p:cNvSpPr>
+            <a:spLocks noGrp="1"/>
+          </p:cNvSpPr>
+          <p:nvPr>
+            <p:ph idx="1"/>
+          </p:nvPr>
+        </p:nvSpPr>
+        <p:spPr/>
+        <p:txBody>
+          <a:bodyPr/>
+          <a:lstStyle/>
+          <a:p>
+            <a:r>
+              <a:rPr lang="sr-Latn-RS" dirty="0" smtClean="0"/>
+              <a:t>Tri načina da se kreira objekat koji ima za prototip ima Object.prototype:</a:t>
+            </a:r>
+          </a:p>
+          <a:p>
+            <a:pPr marL="0" indent="0">
+              <a:buNone/>
+            </a:pPr>
+            <a:r>
+              <a:rPr lang="sr-Latn-RS" sz="2400" dirty="0" smtClean="0">
+                <a:latin typeface="Courier New" panose="02070309020205020404" pitchFamily="49" charset="0"/>
+                <a:cs typeface="Courier New" panose="02070309020205020404" pitchFamily="49" charset="0"/>
+              </a:rPr>
+              <a:t>var x = {};</a:t>
+            </a:r>
+          </a:p>
+          <a:p>
+            <a:pPr marL="0" indent="0">
+              <a:buNone/>
+            </a:pPr>
+            <a:r>
+              <a:rPr lang="sr-Latn-RS" sz="2400" dirty="0" smtClean="0">
+                <a:latin typeface="Courier New" panose="02070309020205020404" pitchFamily="49" charset="0"/>
+                <a:cs typeface="Courier New" panose="02070309020205020404" pitchFamily="49" charset="0"/>
+              </a:rPr>
+              <a:t>var x = new Object();</a:t>
+            </a:r>
+          </a:p>
+          <a:p>
+            <a:pPr marL="0" indent="0">
+              <a:buNone/>
+            </a:pPr>
+            <a:r>
+              <a:rPr lang="sr-Latn-RS" sz="2400" dirty="0" smtClean="0">
+                <a:latin typeface="Courier New" panose="02070309020205020404" pitchFamily="49" charset="0"/>
+                <a:cs typeface="Courier New" panose="02070309020205020404" pitchFamily="49" charset="0"/>
+              </a:rPr>
+              <a:t>var x = Object.create(Object.prototype);</a:t>
+            </a:r>
+            <a:endParaRPr lang="en-GB" sz="2400" dirty="0">
+              <a:latin typeface="Courier New" panose="02070309020205020404" pitchFamily="49" charset="0"/>
+              <a:cs typeface="Courier New" panose="02070309020205020404" pitchFamily="49" charset="0"/>
+            </a:endParaRPr>
+          </a:p>
+        </p:txBody>
+      </p:sp>
+    </p:spTree>
+    <p:extLst>
+      <p:ext uri="{BB962C8B-B14F-4D97-AF65-F5344CB8AC3E}">
+        <p14:creationId xmlns:p14="http://schemas.microsoft.com/office/powerpoint/2010/main" val="122643081"/>
+      </p:ext>
+    </p:extLst>
+  </p:cSld>
+  <p:clrMapOvr>
+    <a:masterClrMapping/>
+  </p:clrMapOvr>
+  <p:timing>
+    <p:tnLst>
+      <p:par>
+        <p:cTn id="1" dur="indefinite" restart="never" nodeType="tmRoot"/>
+      </p:par>
+    </p:tnLst>
+  </p:timing>
+</p:sld>
+</file>
+
+<file path=ppt/slides/slide24.xml><?xml version="1.0" encoding="utf-8"?>
+<p:sld xmlns:a="http://schemas.openxmlformats.org/drawingml/2006/main" xmlns:r="http://schemas.openxmlformats.org/officeDocument/2006/relationships" xmlns:p="http://schemas.openxmlformats.org/presentationml/2006/main">
+  <p:cSld>
+    <p:spTree>
+      <p:nvGrpSpPr>
+        <p:cNvPr id="1" name=""/>
+        <p:cNvGrpSpPr/>
+        <p:nvPr/>
+      </p:nvGrpSpPr>
+      <p:grpSpPr>
+        <a:xfrm>
+          <a:off x="0" y="0"/>
+          <a:ext cx="0" cy="0"/>
+          <a:chOff x="0" y="0"/>
+          <a:chExt cx="0" cy="0"/>
+        </a:xfrm>
+      </p:grpSpPr>
+      <p:sp>
+        <p:nvSpPr>
+          <p:cNvPr id="2" name="Title 1"/>
+          <p:cNvSpPr>
+            <a:spLocks noGrp="1"/>
+          </p:cNvSpPr>
+          <p:nvPr>
+            <p:ph type="title"/>
+          </p:nvPr>
+        </p:nvSpPr>
+        <p:spPr/>
+        <p:txBody>
+          <a:bodyPr/>
+          <a:lstStyle/>
+          <a:p>
+            <a:r>
+              <a:rPr lang="sr-Latn-RS" dirty="0" smtClean="0"/>
+              <a:t>Prototip</a:t>
+            </a:r>
+            <a:endParaRPr lang="en-GB" dirty="0"/>
+          </a:p>
+        </p:txBody>
+      </p:sp>
+      <p:sp>
+        <p:nvSpPr>
+          <p:cNvPr id="3" name="Content Placeholder 2"/>
+          <p:cNvSpPr>
+            <a:spLocks noGrp="1"/>
+          </p:cNvSpPr>
+          <p:nvPr>
+            <p:ph idx="1"/>
+          </p:nvPr>
+        </p:nvSpPr>
+        <p:spPr/>
+        <p:txBody>
+          <a:bodyPr>
+            <a:normAutofit fontScale="40000" lnSpcReduction="20000"/>
+          </a:bodyPr>
+          <a:lstStyle/>
+          <a:p>
+            <a:pPr marL="0" indent="0">
+              <a:buNone/>
+            </a:pPr>
+            <a:r>
+              <a:rPr lang="en-GB" dirty="0" err="1">
+                <a:latin typeface="Courier New" panose="02070309020205020404" pitchFamily="49" charset="0"/>
+                <a:cs typeface="Courier New" panose="02070309020205020404" pitchFamily="49" charset="0"/>
+              </a:rPr>
+              <a:t>var</a:t>
+            </a:r>
+            <a:r>
+              <a:rPr lang="en-GB" dirty="0">
+                <a:latin typeface="Courier New" panose="02070309020205020404" pitchFamily="49" charset="0"/>
+                <a:cs typeface="Courier New" panose="02070309020205020404" pitchFamily="49" charset="0"/>
+              </a:rPr>
+              <a:t> </a:t>
+            </a:r>
+            <a:r>
+              <a:rPr lang="en-GB" dirty="0" err="1">
+                <a:latin typeface="Courier New" panose="02070309020205020404" pitchFamily="49" charset="0"/>
+                <a:cs typeface="Courier New" panose="02070309020205020404" pitchFamily="49" charset="0"/>
+              </a:rPr>
+              <a:t>peraPeric</a:t>
+            </a:r>
+            <a:r>
+              <a:rPr lang="en-GB" dirty="0">
+                <a:latin typeface="Courier New" panose="02070309020205020404" pitchFamily="49" charset="0"/>
+                <a:cs typeface="Courier New" panose="02070309020205020404" pitchFamily="49" charset="0"/>
+              </a:rPr>
+              <a:t> = {</a:t>
+            </a:r>
+          </a:p>
+          <a:p>
+            <a:pPr marL="0" indent="0">
+              <a:buNone/>
+            </a:pPr>
+            <a:r>
+              <a:rPr lang="en-GB" dirty="0">
+                <a:latin typeface="Courier New" panose="02070309020205020404" pitchFamily="49" charset="0"/>
+                <a:cs typeface="Courier New" panose="02070309020205020404" pitchFamily="49" charset="0"/>
+              </a:rPr>
+              <a:t>  "</a:t>
+            </a:r>
+            <a:r>
+              <a:rPr lang="en-GB" dirty="0" err="1">
+                <a:latin typeface="Courier New" panose="02070309020205020404" pitchFamily="49" charset="0"/>
+                <a:cs typeface="Courier New" panose="02070309020205020404" pitchFamily="49" charset="0"/>
+              </a:rPr>
+              <a:t>ime</a:t>
+            </a:r>
+            <a:r>
+              <a:rPr lang="en-GB" dirty="0">
+                <a:latin typeface="Courier New" panose="02070309020205020404" pitchFamily="49" charset="0"/>
+                <a:cs typeface="Courier New" panose="02070309020205020404" pitchFamily="49" charset="0"/>
+              </a:rPr>
+              <a:t>": "</a:t>
+            </a:r>
+            <a:r>
+              <a:rPr lang="en-GB" dirty="0" err="1">
+                <a:latin typeface="Courier New" panose="02070309020205020404" pitchFamily="49" charset="0"/>
+                <a:cs typeface="Courier New" panose="02070309020205020404" pitchFamily="49" charset="0"/>
+              </a:rPr>
+              <a:t>Pera</a:t>
+            </a:r>
+            <a:r>
+              <a:rPr lang="en-GB" dirty="0">
+                <a:latin typeface="Courier New" panose="02070309020205020404" pitchFamily="49" charset="0"/>
+                <a:cs typeface="Courier New" panose="02070309020205020404" pitchFamily="49" charset="0"/>
+              </a:rPr>
+              <a:t>",</a:t>
+            </a:r>
+          </a:p>
+          <a:p>
+            <a:pPr marL="0" indent="0">
+              <a:buNone/>
+            </a:pPr>
+            <a:r>
+              <a:rPr lang="en-GB" dirty="0">
+                <a:latin typeface="Courier New" panose="02070309020205020404" pitchFamily="49" charset="0"/>
+                <a:cs typeface="Courier New" panose="02070309020205020404" pitchFamily="49" charset="0"/>
+              </a:rPr>
+              <a:t>  "</a:t>
+            </a:r>
+            <a:r>
+              <a:rPr lang="en-GB" dirty="0" err="1">
+                <a:latin typeface="Courier New" panose="02070309020205020404" pitchFamily="49" charset="0"/>
+                <a:cs typeface="Courier New" panose="02070309020205020404" pitchFamily="49" charset="0"/>
+              </a:rPr>
+              <a:t>prezime</a:t>
+            </a:r>
+            <a:r>
+              <a:rPr lang="en-GB" dirty="0">
+                <a:latin typeface="Courier New" panose="02070309020205020404" pitchFamily="49" charset="0"/>
+                <a:cs typeface="Courier New" panose="02070309020205020404" pitchFamily="49" charset="0"/>
+              </a:rPr>
+              <a:t>": "</a:t>
+            </a:r>
+            <a:r>
+              <a:rPr lang="en-GB" dirty="0" err="1">
+                <a:latin typeface="Courier New" panose="02070309020205020404" pitchFamily="49" charset="0"/>
+                <a:cs typeface="Courier New" panose="02070309020205020404" pitchFamily="49" charset="0"/>
+              </a:rPr>
+              <a:t>Peric</a:t>
+            </a:r>
+            <a:r>
+              <a:rPr lang="en-GB" dirty="0">
+                <a:latin typeface="Courier New" panose="02070309020205020404" pitchFamily="49" charset="0"/>
+                <a:cs typeface="Courier New" panose="02070309020205020404" pitchFamily="49" charset="0"/>
+              </a:rPr>
+              <a:t>",</a:t>
+            </a:r>
+          </a:p>
+          <a:p>
+            <a:pPr marL="0" indent="0">
+              <a:buNone/>
+            </a:pPr>
+            <a:r>
+              <a:rPr lang="en-GB" dirty="0">
+                <a:latin typeface="Courier New" panose="02070309020205020404" pitchFamily="49" charset="0"/>
+                <a:cs typeface="Courier New" panose="02070309020205020404" pitchFamily="49" charset="0"/>
+              </a:rPr>
+              <a:t>  "lk":"00123321"</a:t>
+            </a:r>
+          </a:p>
+          <a:p>
+            <a:pPr marL="0" indent="0">
+              <a:buNone/>
+            </a:pPr>
+            <a:r>
+              <a:rPr lang="en-GB" dirty="0">
+                <a:latin typeface="Courier New" panose="02070309020205020404" pitchFamily="49" charset="0"/>
+                <a:cs typeface="Courier New" panose="02070309020205020404" pitchFamily="49" charset="0"/>
+              </a:rPr>
+              <a:t>};</a:t>
+            </a:r>
+          </a:p>
+          <a:p>
+            <a:pPr marL="0" indent="0">
+              <a:buNone/>
+            </a:pPr>
+            <a:endParaRPr lang="en-GB" dirty="0">
+              <a:latin typeface="Courier New" panose="02070309020205020404" pitchFamily="49" charset="0"/>
+              <a:cs typeface="Courier New" panose="02070309020205020404" pitchFamily="49" charset="0"/>
+            </a:endParaRPr>
+          </a:p>
+          <a:p>
+            <a:pPr marL="0" indent="0">
+              <a:buNone/>
+            </a:pPr>
+            <a:r>
+              <a:rPr lang="en-GB" dirty="0" err="1" smtClean="0">
+                <a:latin typeface="Courier New" panose="02070309020205020404" pitchFamily="49" charset="0"/>
+                <a:cs typeface="Courier New" panose="02070309020205020404" pitchFamily="49" charset="0"/>
+              </a:rPr>
+              <a:t>var</a:t>
+            </a:r>
+            <a:r>
+              <a:rPr lang="en-GB" dirty="0" smtClean="0">
+                <a:latin typeface="Courier New" panose="02070309020205020404" pitchFamily="49" charset="0"/>
+                <a:cs typeface="Courier New" panose="02070309020205020404" pitchFamily="49" charset="0"/>
+              </a:rPr>
+              <a:t> </a:t>
+            </a:r>
+            <a:r>
+              <a:rPr lang="en-GB" dirty="0" err="1">
+                <a:latin typeface="Courier New" panose="02070309020205020404" pitchFamily="49" charset="0"/>
+                <a:cs typeface="Courier New" panose="02070309020205020404" pitchFamily="49" charset="0"/>
+              </a:rPr>
+              <a:t>studentPeraPeric</a:t>
+            </a:r>
+            <a:r>
+              <a:rPr lang="en-GB" dirty="0">
+                <a:latin typeface="Courier New" panose="02070309020205020404" pitchFamily="49" charset="0"/>
+                <a:cs typeface="Courier New" panose="02070309020205020404" pitchFamily="49" charset="0"/>
+              </a:rPr>
+              <a:t> = </a:t>
+            </a:r>
+            <a:r>
+              <a:rPr lang="en-GB" dirty="0" err="1">
+                <a:latin typeface="Courier New" panose="02070309020205020404" pitchFamily="49" charset="0"/>
+                <a:cs typeface="Courier New" panose="02070309020205020404" pitchFamily="49" charset="0"/>
+              </a:rPr>
+              <a:t>Object.create</a:t>
+            </a:r>
+            <a:r>
+              <a:rPr lang="en-GB" dirty="0">
+                <a:latin typeface="Courier New" panose="02070309020205020404" pitchFamily="49" charset="0"/>
+                <a:cs typeface="Courier New" panose="02070309020205020404" pitchFamily="49" charset="0"/>
+              </a:rPr>
+              <a:t>(</a:t>
+            </a:r>
+            <a:r>
+              <a:rPr lang="en-GB" dirty="0" err="1">
+                <a:latin typeface="Courier New" panose="02070309020205020404" pitchFamily="49" charset="0"/>
+                <a:cs typeface="Courier New" panose="02070309020205020404" pitchFamily="49" charset="0"/>
+              </a:rPr>
+              <a:t>peraPeric</a:t>
+            </a:r>
+            <a:r>
+              <a:rPr lang="en-GB" dirty="0">
+                <a:latin typeface="Courier New" panose="02070309020205020404" pitchFamily="49" charset="0"/>
+                <a:cs typeface="Courier New" panose="02070309020205020404" pitchFamily="49" charset="0"/>
+              </a:rPr>
+              <a:t>);</a:t>
+            </a:r>
+          </a:p>
+          <a:p>
+            <a:pPr marL="0" indent="0">
+              <a:buNone/>
+            </a:pPr>
+            <a:r>
+              <a:rPr lang="en-GB" dirty="0" err="1">
+                <a:latin typeface="Courier New" panose="02070309020205020404" pitchFamily="49" charset="0"/>
+                <a:cs typeface="Courier New" panose="02070309020205020404" pitchFamily="49" charset="0"/>
+              </a:rPr>
+              <a:t>studentPeraPeric</a:t>
+            </a:r>
+            <a:r>
+              <a:rPr lang="en-GB" dirty="0">
+                <a:latin typeface="Courier New" panose="02070309020205020404" pitchFamily="49" charset="0"/>
+                <a:cs typeface="Courier New" panose="02070309020205020404" pitchFamily="49" charset="0"/>
+              </a:rPr>
+              <a:t>["</a:t>
+            </a:r>
+            <a:r>
+              <a:rPr lang="en-GB" dirty="0" err="1">
+                <a:latin typeface="Courier New" panose="02070309020205020404" pitchFamily="49" charset="0"/>
+                <a:cs typeface="Courier New" panose="02070309020205020404" pitchFamily="49" charset="0"/>
+              </a:rPr>
+              <a:t>godina</a:t>
+            </a:r>
+            <a:r>
+              <a:rPr lang="en-GB" dirty="0">
+                <a:latin typeface="Courier New" panose="02070309020205020404" pitchFamily="49" charset="0"/>
+                <a:cs typeface="Courier New" panose="02070309020205020404" pitchFamily="49" charset="0"/>
+              </a:rPr>
+              <a:t> </a:t>
+            </a:r>
+            <a:r>
+              <a:rPr lang="en-GB" dirty="0" err="1">
+                <a:latin typeface="Courier New" panose="02070309020205020404" pitchFamily="49" charset="0"/>
+                <a:cs typeface="Courier New" panose="02070309020205020404" pitchFamily="49" charset="0"/>
+              </a:rPr>
+              <a:t>studija</a:t>
+            </a:r>
+            <a:r>
+              <a:rPr lang="en-GB" dirty="0">
+                <a:latin typeface="Courier New" panose="02070309020205020404" pitchFamily="49" charset="0"/>
+                <a:cs typeface="Courier New" panose="02070309020205020404" pitchFamily="49" charset="0"/>
+              </a:rPr>
+              <a:t>"] = 3;</a:t>
+            </a:r>
+          </a:p>
+          <a:p>
+            <a:pPr marL="0" indent="0">
+              <a:buNone/>
+            </a:pPr>
+            <a:r>
+              <a:rPr lang="en-GB" dirty="0" err="1">
+                <a:latin typeface="Courier New" panose="02070309020205020404" pitchFamily="49" charset="0"/>
+                <a:cs typeface="Courier New" panose="02070309020205020404" pitchFamily="49" charset="0"/>
+              </a:rPr>
+              <a:t>studentPeraPeric</a:t>
+            </a:r>
+            <a:r>
+              <a:rPr lang="en-GB" dirty="0">
+                <a:latin typeface="Courier New" panose="02070309020205020404" pitchFamily="49" charset="0"/>
+                <a:cs typeface="Courier New" panose="02070309020205020404" pitchFamily="49" charset="0"/>
+              </a:rPr>
+              <a:t>["</a:t>
+            </a:r>
+            <a:r>
+              <a:rPr lang="en-GB" dirty="0" err="1">
+                <a:latin typeface="Courier New" panose="02070309020205020404" pitchFamily="49" charset="0"/>
+                <a:cs typeface="Courier New" panose="02070309020205020404" pitchFamily="49" charset="0"/>
+              </a:rPr>
+              <a:t>polozeni</a:t>
+            </a:r>
+            <a:r>
+              <a:rPr lang="en-GB" dirty="0">
+                <a:latin typeface="Courier New" panose="02070309020205020404" pitchFamily="49" charset="0"/>
+                <a:cs typeface="Courier New" panose="02070309020205020404" pitchFamily="49" charset="0"/>
+              </a:rPr>
+              <a:t> </a:t>
+            </a:r>
+            <a:r>
+              <a:rPr lang="en-GB" dirty="0" err="1">
+                <a:latin typeface="Courier New" panose="02070309020205020404" pitchFamily="49" charset="0"/>
+                <a:cs typeface="Courier New" panose="02070309020205020404" pitchFamily="49" charset="0"/>
+              </a:rPr>
+              <a:t>ispiti</a:t>
+            </a:r>
+            <a:r>
+              <a:rPr lang="en-GB" dirty="0">
+                <a:latin typeface="Courier New" panose="02070309020205020404" pitchFamily="49" charset="0"/>
+                <a:cs typeface="Courier New" panose="02070309020205020404" pitchFamily="49" charset="0"/>
+              </a:rPr>
+              <a:t>"] = [{</a:t>
+            </a:r>
+          </a:p>
+          <a:p>
+            <a:pPr marL="0" indent="0">
+              <a:buNone/>
+            </a:pPr>
+            <a:r>
+              <a:rPr lang="en-GB" dirty="0">
+                <a:latin typeface="Courier New" panose="02070309020205020404" pitchFamily="49" charset="0"/>
+                <a:cs typeface="Courier New" panose="02070309020205020404" pitchFamily="49" charset="0"/>
+              </a:rPr>
+              <a:t>  "</a:t>
+            </a:r>
+            <a:r>
+              <a:rPr lang="en-GB" dirty="0" err="1">
+                <a:latin typeface="Courier New" panose="02070309020205020404" pitchFamily="49" charset="0"/>
+                <a:cs typeface="Courier New" panose="02070309020205020404" pitchFamily="49" charset="0"/>
+              </a:rPr>
+              <a:t>naziv</a:t>
+            </a:r>
+            <a:r>
+              <a:rPr lang="en-GB" dirty="0">
+                <a:latin typeface="Courier New" panose="02070309020205020404" pitchFamily="49" charset="0"/>
+                <a:cs typeface="Courier New" panose="02070309020205020404" pitchFamily="49" charset="0"/>
+              </a:rPr>
+              <a:t>": "Web </a:t>
+            </a:r>
+            <a:r>
+              <a:rPr lang="en-GB" dirty="0" err="1">
+                <a:latin typeface="Courier New" panose="02070309020205020404" pitchFamily="49" charset="0"/>
+                <a:cs typeface="Courier New" panose="02070309020205020404" pitchFamily="49" charset="0"/>
+              </a:rPr>
+              <a:t>programiranje</a:t>
+            </a:r>
+            <a:r>
+              <a:rPr lang="en-GB" dirty="0">
+                <a:latin typeface="Courier New" panose="02070309020205020404" pitchFamily="49" charset="0"/>
+                <a:cs typeface="Courier New" panose="02070309020205020404" pitchFamily="49" charset="0"/>
+              </a:rPr>
+              <a:t>",</a:t>
+            </a:r>
+          </a:p>
+          <a:p>
+            <a:pPr marL="0" indent="0">
+              <a:buNone/>
+            </a:pPr>
+            <a:r>
+              <a:rPr lang="en-GB" dirty="0">
+                <a:latin typeface="Courier New" panose="02070309020205020404" pitchFamily="49" charset="0"/>
+                <a:cs typeface="Courier New" panose="02070309020205020404" pitchFamily="49" charset="0"/>
+              </a:rPr>
+              <a:t>  "</a:t>
+            </a:r>
+            <a:r>
+              <a:rPr lang="en-GB" dirty="0" err="1">
+                <a:latin typeface="Courier New" panose="02070309020205020404" pitchFamily="49" charset="0"/>
+                <a:cs typeface="Courier New" panose="02070309020205020404" pitchFamily="49" charset="0"/>
+              </a:rPr>
+              <a:t>ocena</a:t>
+            </a:r>
+            <a:r>
+              <a:rPr lang="en-GB" dirty="0">
+                <a:latin typeface="Courier New" panose="02070309020205020404" pitchFamily="49" charset="0"/>
+                <a:cs typeface="Courier New" panose="02070309020205020404" pitchFamily="49" charset="0"/>
+              </a:rPr>
+              <a:t>": 9</a:t>
+            </a:r>
+          </a:p>
+          <a:p>
+            <a:pPr marL="0" indent="0">
+              <a:buNone/>
+            </a:pPr>
+            <a:r>
+              <a:rPr lang="en-GB" dirty="0">
+                <a:latin typeface="Courier New" panose="02070309020205020404" pitchFamily="49" charset="0"/>
+                <a:cs typeface="Courier New" panose="02070309020205020404" pitchFamily="49" charset="0"/>
+              </a:rPr>
+              <a:t>}, {</a:t>
+            </a:r>
+          </a:p>
+          <a:p>
+            <a:pPr marL="0" indent="0">
+              <a:buNone/>
+            </a:pPr>
+            <a:r>
+              <a:rPr lang="en-GB" dirty="0">
+                <a:latin typeface="Courier New" panose="02070309020205020404" pitchFamily="49" charset="0"/>
+                <a:cs typeface="Courier New" panose="02070309020205020404" pitchFamily="49" charset="0"/>
+              </a:rPr>
+              <a:t>  "</a:t>
+            </a:r>
+            <a:r>
+              <a:rPr lang="en-GB" dirty="0" err="1">
+                <a:latin typeface="Courier New" panose="02070309020205020404" pitchFamily="49" charset="0"/>
+                <a:cs typeface="Courier New" panose="02070309020205020404" pitchFamily="49" charset="0"/>
+              </a:rPr>
+              <a:t>naziv</a:t>
+            </a:r>
+            <a:r>
+              <a:rPr lang="en-GB" dirty="0">
+                <a:latin typeface="Courier New" panose="02070309020205020404" pitchFamily="49" charset="0"/>
+                <a:cs typeface="Courier New" panose="02070309020205020404" pitchFamily="49" charset="0"/>
+              </a:rPr>
+              <a:t>": "</a:t>
+            </a:r>
+            <a:r>
+              <a:rPr lang="en-GB" dirty="0" err="1">
+                <a:latin typeface="Courier New" panose="02070309020205020404" pitchFamily="49" charset="0"/>
+                <a:cs typeface="Courier New" panose="02070309020205020404" pitchFamily="49" charset="0"/>
+              </a:rPr>
+              <a:t>Arhitektura</a:t>
+            </a:r>
+            <a:r>
+              <a:rPr lang="en-GB" dirty="0">
+                <a:latin typeface="Courier New" panose="02070309020205020404" pitchFamily="49" charset="0"/>
+                <a:cs typeface="Courier New" panose="02070309020205020404" pitchFamily="49" charset="0"/>
+              </a:rPr>
+              <a:t> </a:t>
+            </a:r>
+            <a:r>
+              <a:rPr lang="en-GB" dirty="0" err="1">
+                <a:latin typeface="Courier New" panose="02070309020205020404" pitchFamily="49" charset="0"/>
+                <a:cs typeface="Courier New" panose="02070309020205020404" pitchFamily="49" charset="0"/>
+              </a:rPr>
+              <a:t>racunara</a:t>
+            </a:r>
+            <a:r>
+              <a:rPr lang="en-GB" dirty="0">
+                <a:latin typeface="Courier New" panose="02070309020205020404" pitchFamily="49" charset="0"/>
+                <a:cs typeface="Courier New" panose="02070309020205020404" pitchFamily="49" charset="0"/>
+              </a:rPr>
+              <a:t>",</a:t>
+            </a:r>
+          </a:p>
+          <a:p>
+            <a:pPr marL="0" indent="0">
+              <a:buNone/>
+            </a:pPr>
+            <a:r>
+              <a:rPr lang="en-GB" dirty="0">
+                <a:latin typeface="Courier New" panose="02070309020205020404" pitchFamily="49" charset="0"/>
+                <a:cs typeface="Courier New" panose="02070309020205020404" pitchFamily="49" charset="0"/>
+              </a:rPr>
+              <a:t>  "</a:t>
+            </a:r>
+            <a:r>
+              <a:rPr lang="en-GB" dirty="0" err="1">
+                <a:latin typeface="Courier New" panose="02070309020205020404" pitchFamily="49" charset="0"/>
+                <a:cs typeface="Courier New" panose="02070309020205020404" pitchFamily="49" charset="0"/>
+              </a:rPr>
+              <a:t>ocena</a:t>
+            </a:r>
+            <a:r>
+              <a:rPr lang="en-GB" dirty="0">
+                <a:latin typeface="Courier New" panose="02070309020205020404" pitchFamily="49" charset="0"/>
+                <a:cs typeface="Courier New" panose="02070309020205020404" pitchFamily="49" charset="0"/>
+              </a:rPr>
+              <a:t>": 10</a:t>
+            </a:r>
+          </a:p>
+          <a:p>
+            <a:pPr marL="0" indent="0">
+              <a:buNone/>
+            </a:pPr>
+            <a:r>
+              <a:rPr lang="en-GB" dirty="0" smtClean="0">
+                <a:latin typeface="Courier New" panose="02070309020205020404" pitchFamily="49" charset="0"/>
+                <a:cs typeface="Courier New" panose="02070309020205020404" pitchFamily="49" charset="0"/>
+              </a:rPr>
+              <a:t>}];</a:t>
+            </a:r>
+            <a:endParaRPr lang="sr-Latn-RS" dirty="0" smtClean="0">
+              <a:latin typeface="Courier New" panose="02070309020205020404" pitchFamily="49" charset="0"/>
+              <a:cs typeface="Courier New" panose="02070309020205020404" pitchFamily="49" charset="0"/>
+            </a:endParaRPr>
+          </a:p>
+          <a:p>
+            <a:pPr marL="0" indent="0">
+              <a:buNone/>
+            </a:pPr>
+            <a:endParaRPr lang="sr-Latn-RS" dirty="0">
+              <a:latin typeface="Courier New" panose="02070309020205020404" pitchFamily="49" charset="0"/>
+              <a:cs typeface="Courier New" panose="02070309020205020404" pitchFamily="49" charset="0"/>
+            </a:endParaRPr>
+          </a:p>
+          <a:p>
+            <a:pPr marL="0" indent="0">
+              <a:buNone/>
+            </a:pPr>
+            <a:r>
+              <a:rPr lang="sr-Latn-RS" dirty="0" smtClean="0">
+                <a:latin typeface="Courier New" panose="02070309020205020404" pitchFamily="49" charset="0"/>
+                <a:cs typeface="Courier New" panose="02070309020205020404" pitchFamily="49" charset="0"/>
+              </a:rPr>
+              <a:t>//izmena vrednosti u „nasledniku“</a:t>
+            </a:r>
+          </a:p>
+          <a:p>
+            <a:pPr marL="0" indent="0">
+              <a:buNone/>
+            </a:pPr>
+            <a:r>
+              <a:rPr lang="en-GB" dirty="0" smtClean="0">
+                <a:latin typeface="Courier New" panose="02070309020205020404" pitchFamily="49" charset="0"/>
+                <a:cs typeface="Courier New" panose="02070309020205020404" pitchFamily="49" charset="0"/>
+              </a:rPr>
+              <a:t>studentPeraPeric.lk </a:t>
+            </a:r>
+            <a:r>
+              <a:rPr lang="en-GB" dirty="0">
+                <a:latin typeface="Courier New" panose="02070309020205020404" pitchFamily="49" charset="0"/>
+                <a:cs typeface="Courier New" panose="02070309020205020404" pitchFamily="49" charset="0"/>
+              </a:rPr>
+              <a:t>= "00321123";</a:t>
+            </a:r>
+          </a:p>
+          <a:p>
+            <a:pPr marL="0" indent="0">
+              <a:buNone/>
+            </a:pPr>
+            <a:endParaRPr lang="sr-Latn-RS" dirty="0" smtClean="0">
+              <a:latin typeface="Courier New" panose="02070309020205020404" pitchFamily="49" charset="0"/>
+              <a:cs typeface="Courier New" panose="02070309020205020404" pitchFamily="49" charset="0"/>
+            </a:endParaRPr>
+          </a:p>
+          <a:p>
+            <a:pPr marL="0" indent="0">
+              <a:buNone/>
+            </a:pPr>
+            <a:r>
+              <a:rPr lang="sr-Latn-RS" dirty="0" smtClean="0">
+                <a:latin typeface="Courier New" panose="02070309020205020404" pitchFamily="49" charset="0"/>
+                <a:cs typeface="Courier New" panose="02070309020205020404" pitchFamily="49" charset="0"/>
+              </a:rPr>
+              <a:t>//izmena vrednosti u prototipu</a:t>
+            </a:r>
+          </a:p>
+          <a:p>
+            <a:pPr marL="0" indent="0">
+              <a:buNone/>
+            </a:pPr>
+            <a:r>
+              <a:rPr lang="en-GB" dirty="0" err="1">
+                <a:latin typeface="Courier New" panose="02070309020205020404" pitchFamily="49" charset="0"/>
+                <a:cs typeface="Courier New" panose="02070309020205020404" pitchFamily="49" charset="0"/>
+              </a:rPr>
+              <a:t>Object.getPrototypeOf</a:t>
+            </a:r>
+            <a:r>
+              <a:rPr lang="en-GB" dirty="0">
+                <a:latin typeface="Courier New" panose="02070309020205020404" pitchFamily="49" charset="0"/>
+                <a:cs typeface="Courier New" panose="02070309020205020404" pitchFamily="49" charset="0"/>
+              </a:rPr>
+              <a:t>(</a:t>
+            </a:r>
+            <a:r>
+              <a:rPr lang="en-GB" dirty="0" err="1">
+                <a:latin typeface="Courier New" panose="02070309020205020404" pitchFamily="49" charset="0"/>
+                <a:cs typeface="Courier New" panose="02070309020205020404" pitchFamily="49" charset="0"/>
+              </a:rPr>
+              <a:t>studentPeraPeric</a:t>
+            </a:r>
+            <a:r>
+              <a:rPr lang="en-GB" dirty="0">
+                <a:latin typeface="Courier New" panose="02070309020205020404" pitchFamily="49" charset="0"/>
+                <a:cs typeface="Courier New" panose="02070309020205020404" pitchFamily="49" charset="0"/>
+              </a:rPr>
+              <a:t>).</a:t>
+            </a:r>
+            <a:r>
+              <a:rPr lang="en-GB" dirty="0" err="1">
+                <a:latin typeface="Courier New" panose="02070309020205020404" pitchFamily="49" charset="0"/>
+                <a:cs typeface="Courier New" panose="02070309020205020404" pitchFamily="49" charset="0"/>
+              </a:rPr>
+              <a:t>lk</a:t>
+            </a:r>
+            <a:r>
+              <a:rPr lang="en-GB" dirty="0">
+                <a:latin typeface="Courier New" panose="02070309020205020404" pitchFamily="49" charset="0"/>
+                <a:cs typeface="Courier New" panose="02070309020205020404" pitchFamily="49" charset="0"/>
+              </a:rPr>
+              <a:t>="nova </a:t>
+            </a:r>
+            <a:r>
+              <a:rPr lang="en-GB" dirty="0" err="1">
+                <a:latin typeface="Courier New" panose="02070309020205020404" pitchFamily="49" charset="0"/>
+                <a:cs typeface="Courier New" panose="02070309020205020404" pitchFamily="49" charset="0"/>
+              </a:rPr>
+              <a:t>vrednost</a:t>
+            </a:r>
+            <a:r>
+              <a:rPr lang="en-GB" dirty="0">
+                <a:latin typeface="Courier New" panose="02070309020205020404" pitchFamily="49" charset="0"/>
+                <a:cs typeface="Courier New" panose="02070309020205020404" pitchFamily="49" charset="0"/>
+              </a:rPr>
+              <a:t>";</a:t>
+            </a:r>
+          </a:p>
+          <a:p>
+            <a:pPr marL="0" indent="0">
+              <a:buNone/>
+            </a:pPr>
+            <a:endParaRPr lang="en-GB" dirty="0">
+              <a:latin typeface="Courier New" panose="02070309020205020404" pitchFamily="49" charset="0"/>
+              <a:cs typeface="Courier New" panose="02070309020205020404" pitchFamily="49" charset="0"/>
+            </a:endParaRPr>
+          </a:p>
+          <a:p>
+            <a:pPr marL="0" indent="0">
+              <a:buNone/>
+            </a:pPr>
+            <a:endParaRPr lang="en-GB" dirty="0">
+              <a:latin typeface="Courier New" panose="02070309020205020404" pitchFamily="49" charset="0"/>
+              <a:cs typeface="Courier New" panose="02070309020205020404" pitchFamily="49" charset="0"/>
+            </a:endParaRPr>
+          </a:p>
+        </p:txBody>
+      </p:sp>
+    </p:spTree>
+    <p:extLst>
+      <p:ext uri="{BB962C8B-B14F-4D97-AF65-F5344CB8AC3E}">
+        <p14:creationId xmlns:p14="http://schemas.microsoft.com/office/powerpoint/2010/main" val="3487746720"/>
+      </p:ext>
+    </p:extLst>
+  </p:cSld>
+  <p:clrMapOvr>
+    <a:masterClrMapping/>
+  </p:clrMapOvr>
+  <p:timing>
+    <p:tnLst>
+      <p:par>
+        <p:cTn id="1" dur="indefinite" restart="never" nodeType="tmRoot"/>
+      </p:par>
+    </p:tnLst>
+  </p:timing>
+</p:sld>
+</file>
+
+<file path=ppt/slides/slide25.xml><?xml version="1.0" encoding="utf-8"?>
+<p:sld xmlns:a="http://schemas.openxmlformats.org/drawingml/2006/main" xmlns:r="http://schemas.openxmlformats.org/officeDocument/2006/relationships" xmlns:p="http://schemas.openxmlformats.org/presentationml/2006/main">
+  <p:cSld>
+    <p:spTree>
+      <p:nvGrpSpPr>
+        <p:cNvPr id="1" name=""/>
+        <p:cNvGrpSpPr/>
+        <p:nvPr/>
+      </p:nvGrpSpPr>
+      <p:grpSpPr>
+        <a:xfrm>
+          <a:off x="0" y="0"/>
+          <a:ext cx="0" cy="0"/>
+          <a:chOff x="0" y="0"/>
+          <a:chExt cx="0" cy="0"/>
+        </a:xfrm>
+      </p:grpSpPr>
+      <p:sp>
+        <p:nvSpPr>
+          <p:cNvPr id="2" name="Title 1"/>
+          <p:cNvSpPr>
+            <a:spLocks noGrp="1"/>
+          </p:cNvSpPr>
+          <p:nvPr>
+            <p:ph type="title"/>
+          </p:nvPr>
+        </p:nvSpPr>
+        <p:spPr/>
+        <p:txBody>
+          <a:bodyPr/>
+          <a:lstStyle/>
+          <a:p>
+            <a:r>
+              <a:rPr lang="sr-Latn-RS" dirty="0" smtClean="0"/>
+              <a:t>Prototip</a:t>
+            </a:r>
+            <a:endParaRPr lang="en-GB" dirty="0"/>
+          </a:p>
+        </p:txBody>
+      </p:sp>
+      <p:sp>
+        <p:nvSpPr>
+          <p:cNvPr id="3" name="Content Placeholder 2"/>
+          <p:cNvSpPr>
+            <a:spLocks noGrp="1"/>
+          </p:cNvSpPr>
+          <p:nvPr>
+            <p:ph idx="1"/>
+          </p:nvPr>
+        </p:nvSpPr>
+        <p:spPr/>
+        <p:txBody>
+          <a:bodyPr>
+            <a:normAutofit fontScale="85000" lnSpcReduction="10000"/>
+          </a:bodyPr>
+          <a:lstStyle/>
+          <a:p>
+            <a:r>
+              <a:rPr lang="sr-Latn-RS" dirty="0" smtClean="0"/>
+              <a:t>Delegacija prototipa:</a:t>
+            </a:r>
+          </a:p>
+          <a:p>
+            <a:pPr lvl="1"/>
+            <a:r>
+              <a:rPr lang="sr-Latn-RS" dirty="0" smtClean="0"/>
+              <a:t>Ako svojstvo postoji u objektu, vrati se njegova vrednost</a:t>
+            </a:r>
+          </a:p>
+          <a:p>
+            <a:pPr lvl="1"/>
+            <a:r>
+              <a:rPr lang="sr-Latn-RS" dirty="0" smtClean="0"/>
+              <a:t>Ako ne postoji, traži se u prototipu</a:t>
+            </a:r>
+          </a:p>
+          <a:p>
+            <a:pPr lvl="1"/>
+            <a:r>
+              <a:rPr lang="sr-Latn-RS" dirty="0" smtClean="0"/>
+              <a:t>Ako ne postoji u prototipu, traži se u prototipu prototipa</a:t>
+            </a:r>
+          </a:p>
+          <a:p>
+            <a:pPr lvl="1"/>
+            <a:r>
+              <a:rPr lang="sr-Latn-RS" dirty="0" smtClean="0"/>
+              <a:t>...</a:t>
+            </a:r>
+          </a:p>
+          <a:p>
+            <a:pPr lvl="1"/>
+            <a:r>
+              <a:rPr lang="sr-Latn-RS" dirty="0" smtClean="0"/>
+              <a:t>Ako se ne pronađe do kraja lanca, vrati se </a:t>
+            </a:r>
+            <a:r>
+              <a:rPr lang="sr-Latn-RS" dirty="0" smtClean="0">
+                <a:latin typeface="Courier New" panose="02070309020205020404" pitchFamily="49" charset="0"/>
+                <a:cs typeface="Courier New" panose="02070309020205020404" pitchFamily="49" charset="0"/>
+              </a:rPr>
+              <a:t>undefined</a:t>
+            </a:r>
+          </a:p>
+          <a:p>
+            <a:r>
+              <a:rPr lang="sr-Latn-RS" dirty="0" smtClean="0">
+                <a:cs typeface="Courier New" panose="02070309020205020404" pitchFamily="49" charset="0"/>
+              </a:rPr>
+              <a:t>Ako se izmeni bilo koji prototip u lancu, izmena će se odraziti na sve „naslednike“</a:t>
+            </a:r>
+          </a:p>
+          <a:p>
+            <a:r>
+              <a:rPr lang="sr-Latn-RS" dirty="0" smtClean="0">
+                <a:cs typeface="Courier New" panose="02070309020205020404" pitchFamily="49" charset="0"/>
+              </a:rPr>
+              <a:t>Oprez! Objekat može da pristupi svom prototipu i da ga izmeni i time izmeni i ponašanje drugih objekata.</a:t>
+            </a:r>
+          </a:p>
+        </p:txBody>
+      </p:sp>
+    </p:spTree>
+    <p:extLst>
+      <p:ext uri="{BB962C8B-B14F-4D97-AF65-F5344CB8AC3E}">
+        <p14:creationId xmlns:p14="http://schemas.microsoft.com/office/powerpoint/2010/main" val="2444415161"/>
+      </p:ext>
+    </p:extLst>
+  </p:cSld>
+  <p:clrMapOvr>
+    <a:masterClrMapping/>
+  </p:clrMapOvr>
+  <p:timing>
+    <p:tnLst>
+      <p:par>
+        <p:cTn id="1" dur="indefinite" restart="never" nodeType="tmRoot"/>
+      </p:par>
+    </p:tnLst>
+  </p:timing>
+</p:sld>
+</file>
+
+<file path=ppt/slides/slide26.xml><?xml version="1.0" encoding="utf-8"?>
+<p:sld xmlns:a="http://schemas.openxmlformats.org/drawingml/2006/main" xmlns:r="http://schemas.openxmlformats.org/officeDocument/2006/relationships" xmlns:p="http://schemas.openxmlformats.org/presentationml/2006/main">
+  <p:cSld>
+    <p:spTree>
+      <p:nvGrpSpPr>
+        <p:cNvPr id="1" name=""/>
+        <p:cNvGrpSpPr/>
+        <p:nvPr/>
+      </p:nvGrpSpPr>
+      <p:grpSpPr>
+        <a:xfrm>
+          <a:off x="0" y="0"/>
+          <a:ext cx="0" cy="0"/>
+          <a:chOff x="0" y="0"/>
+          <a:chExt cx="0" cy="0"/>
+        </a:xfrm>
+      </p:grpSpPr>
+      <p:sp>
+        <p:nvSpPr>
+          <p:cNvPr id="2" name="Title 1"/>
+          <p:cNvSpPr>
+            <a:spLocks noGrp="1"/>
+          </p:cNvSpPr>
+          <p:nvPr>
+            <p:ph type="title"/>
+          </p:nvPr>
+        </p:nvSpPr>
+        <p:spPr/>
+        <p:txBody>
+          <a:bodyPr/>
+          <a:lstStyle/>
+          <a:p>
+            <a:r>
+              <a:rPr lang="sr-Latn-RS" dirty="0" smtClean="0"/>
+              <a:t>Testiranje svojstava</a:t>
+            </a:r>
+            <a:endParaRPr lang="en-GB" dirty="0"/>
+          </a:p>
+        </p:txBody>
+      </p:sp>
+      <p:sp>
+        <p:nvSpPr>
+          <p:cNvPr id="3" name="Content Placeholder 2"/>
+          <p:cNvSpPr>
+            <a:spLocks noGrp="1"/>
+          </p:cNvSpPr>
+          <p:nvPr>
+            <p:ph idx="1"/>
+          </p:nvPr>
+        </p:nvSpPr>
+        <p:spPr/>
+        <p:txBody>
+          <a:bodyPr/>
+          <a:lstStyle/>
+          <a:p>
+            <a:r>
+              <a:rPr lang="sr-Latn-RS" dirty="0" smtClean="0"/>
+              <a:t>Često postoji potreba da se proveri da li objekat ima neko svojstvo</a:t>
+            </a:r>
+          </a:p>
+          <a:p>
+            <a:r>
+              <a:rPr lang="sr-Latn-RS" dirty="0" smtClean="0"/>
+              <a:t>To je moguće postići</a:t>
+            </a:r>
+          </a:p>
+          <a:p>
+            <a:pPr lvl="1"/>
+            <a:r>
+              <a:rPr lang="sr-Latn-RS" dirty="0" smtClean="0"/>
+              <a:t>Tako što pokušamo da pristupimo svojstvu</a:t>
+            </a:r>
+          </a:p>
+          <a:p>
+            <a:pPr lvl="1"/>
+            <a:r>
+              <a:rPr lang="sr-Latn-RS" dirty="0" smtClean="0"/>
+              <a:t>Pomoću </a:t>
+            </a:r>
+            <a:r>
+              <a:rPr lang="sr-Latn-RS" dirty="0" smtClean="0">
+                <a:latin typeface="Courier New" panose="02070309020205020404" pitchFamily="49" charset="0"/>
+                <a:cs typeface="Courier New" panose="02070309020205020404" pitchFamily="49" charset="0"/>
+              </a:rPr>
+              <a:t>in</a:t>
+            </a:r>
+            <a:r>
+              <a:rPr lang="sr-Latn-RS" dirty="0" smtClean="0"/>
+              <a:t> operatora</a:t>
+            </a:r>
+          </a:p>
+          <a:p>
+            <a:pPr lvl="1"/>
+            <a:r>
+              <a:rPr lang="sr-Latn-RS" dirty="0" smtClean="0"/>
+              <a:t>Pomoću </a:t>
+            </a:r>
+            <a:r>
+              <a:rPr lang="sr-Latn-RS" dirty="0" smtClean="0">
+                <a:latin typeface="Courier New" panose="02070309020205020404" pitchFamily="49" charset="0"/>
+                <a:cs typeface="Courier New" panose="02070309020205020404" pitchFamily="49" charset="0"/>
+              </a:rPr>
+              <a:t>hasOwnProperty()</a:t>
+            </a:r>
+            <a:r>
+              <a:rPr lang="sr-Latn-RS" dirty="0" smtClean="0"/>
+              <a:t> metode objekta</a:t>
+            </a:r>
+          </a:p>
+          <a:p>
+            <a:pPr lvl="1"/>
+            <a:r>
+              <a:rPr lang="sr-Latn-RS" dirty="0" smtClean="0"/>
+              <a:t>Pomoću </a:t>
+            </a:r>
+            <a:r>
+              <a:rPr lang="en-GB" dirty="0" err="1">
+                <a:latin typeface="Courier New" panose="02070309020205020404" pitchFamily="49" charset="0"/>
+                <a:cs typeface="Courier New" panose="02070309020205020404" pitchFamily="49" charset="0"/>
+              </a:rPr>
+              <a:t>propertyIsEnumerable</a:t>
+            </a:r>
+            <a:r>
+              <a:rPr lang="en-GB" dirty="0" smtClean="0">
+                <a:latin typeface="Courier New" panose="02070309020205020404" pitchFamily="49" charset="0"/>
+                <a:cs typeface="Courier New" panose="02070309020205020404" pitchFamily="49" charset="0"/>
+              </a:rPr>
+              <a:t>()</a:t>
+            </a:r>
+            <a:r>
+              <a:rPr lang="sr-Latn-RS" dirty="0" smtClean="0"/>
+              <a:t> metode objekta</a:t>
+            </a:r>
+          </a:p>
+        </p:txBody>
+      </p:sp>
+    </p:spTree>
+    <p:extLst>
+      <p:ext uri="{BB962C8B-B14F-4D97-AF65-F5344CB8AC3E}">
+        <p14:creationId xmlns:p14="http://schemas.microsoft.com/office/powerpoint/2010/main" val="710265860"/>
+      </p:ext>
+    </p:extLst>
+  </p:cSld>
+  <p:clrMapOvr>
+    <a:masterClrMapping/>
+  </p:clrMapOvr>
+  <p:timing>
+    <p:tnLst>
+      <p:par>
+        <p:cTn id="1" dur="indefinite" restart="never" nodeType="tmRoot"/>
+      </p:par>
+    </p:tnLst>
+  </p:timing>
+</p:sld>
+</file>
+
+<file path=ppt/slides/slide27.xml><?xml version="1.0" encoding="utf-8"?>
+<p:sld xmlns:a="http://schemas.openxmlformats.org/drawingml/2006/main" xmlns:r="http://schemas.openxmlformats.org/officeDocument/2006/relationships" xmlns:p="http://schemas.openxmlformats.org/presentationml/2006/main">
+  <p:cSld>
+    <p:spTree>
+      <p:nvGrpSpPr>
+        <p:cNvPr id="1" name=""/>
+        <p:cNvGrpSpPr/>
+        <p:nvPr/>
+      </p:nvGrpSpPr>
+      <p:grpSpPr>
+        <a:xfrm>
+          <a:off x="0" y="0"/>
+          <a:ext cx="0" cy="0"/>
+          <a:chOff x="0" y="0"/>
+          <a:chExt cx="0" cy="0"/>
+        </a:xfrm>
+      </p:grpSpPr>
+      <p:sp>
+        <p:nvSpPr>
+          <p:cNvPr id="2" name="Title 1"/>
+          <p:cNvSpPr>
+            <a:spLocks noGrp="1"/>
+          </p:cNvSpPr>
+          <p:nvPr>
+            <p:ph type="title"/>
+          </p:nvPr>
+        </p:nvSpPr>
+        <p:spPr/>
+        <p:txBody>
+          <a:bodyPr/>
+          <a:lstStyle/>
+          <a:p>
+            <a:r>
+              <a:rPr lang="sr-Latn-RS" dirty="0"/>
+              <a:t>Operator </a:t>
+            </a:r>
+            <a:r>
+              <a:rPr lang="sr-Latn-RS" dirty="0">
+                <a:latin typeface="Courier New" panose="02070309020205020404" pitchFamily="49" charset="0"/>
+                <a:cs typeface="Courier New" panose="02070309020205020404" pitchFamily="49" charset="0"/>
+              </a:rPr>
+              <a:t>in</a:t>
+            </a:r>
+          </a:p>
+        </p:txBody>
+      </p:sp>
+      <p:sp>
+        <p:nvSpPr>
+          <p:cNvPr id="3" name="Content Placeholder 2"/>
+          <p:cNvSpPr>
+            <a:spLocks noGrp="1"/>
+          </p:cNvSpPr>
+          <p:nvPr>
+            <p:ph idx="1"/>
+          </p:nvPr>
+        </p:nvSpPr>
+        <p:spPr/>
+        <p:txBody>
+          <a:bodyPr/>
+          <a:lstStyle/>
+          <a:p>
+            <a:pPr marL="400050" lvl="1" indent="0">
+              <a:buNone/>
+            </a:pPr>
+            <a:r>
+              <a:rPr lang="en-GB" dirty="0" err="1" smtClean="0">
+                <a:latin typeface="Courier New" panose="02070309020205020404" pitchFamily="49" charset="0"/>
+                <a:cs typeface="Courier New" panose="02070309020205020404" pitchFamily="49" charset="0"/>
+              </a:rPr>
+              <a:t>var</a:t>
+            </a:r>
+            <a:r>
+              <a:rPr lang="en-GB" dirty="0" smtClean="0">
+                <a:latin typeface="Courier New" panose="02070309020205020404" pitchFamily="49" charset="0"/>
+                <a:cs typeface="Courier New" panose="02070309020205020404" pitchFamily="49" charset="0"/>
+              </a:rPr>
+              <a:t> </a:t>
+            </a:r>
+            <a:r>
+              <a:rPr lang="en-GB" dirty="0">
+                <a:latin typeface="Courier New" panose="02070309020205020404" pitchFamily="49" charset="0"/>
+                <a:cs typeface="Courier New" panose="02070309020205020404" pitchFamily="49" charset="0"/>
+              </a:rPr>
+              <a:t>o = { x: 1 }</a:t>
+            </a:r>
+          </a:p>
+          <a:p>
+            <a:pPr marL="400050" lvl="1" indent="0">
+              <a:buNone/>
+            </a:pPr>
+            <a:r>
+              <a:rPr lang="en-GB" dirty="0">
+                <a:latin typeface="Courier New" panose="02070309020205020404" pitchFamily="49" charset="0"/>
+                <a:cs typeface="Courier New" panose="02070309020205020404" pitchFamily="49" charset="0"/>
+              </a:rPr>
+              <a:t>"x" in o; </a:t>
+            </a:r>
+          </a:p>
+          <a:p>
+            <a:pPr marL="400050" lvl="1" indent="0">
+              <a:buNone/>
+            </a:pPr>
+            <a:r>
+              <a:rPr lang="en-GB" dirty="0">
+                <a:latin typeface="Courier New" panose="02070309020205020404" pitchFamily="49" charset="0"/>
+                <a:cs typeface="Courier New" panose="02070309020205020404" pitchFamily="49" charset="0"/>
+              </a:rPr>
+              <a:t>"y" in o; </a:t>
+            </a:r>
+          </a:p>
+          <a:p>
+            <a:pPr marL="400050" lvl="1" indent="0">
+              <a:buNone/>
+            </a:pPr>
+            <a:r>
+              <a:rPr lang="en-GB" dirty="0">
+                <a:latin typeface="Courier New" panose="02070309020205020404" pitchFamily="49" charset="0"/>
+                <a:cs typeface="Courier New" panose="02070309020205020404" pitchFamily="49" charset="0"/>
+              </a:rPr>
+              <a:t>"</a:t>
+            </a:r>
+            <a:r>
+              <a:rPr lang="en-GB" dirty="0" err="1">
+                <a:latin typeface="Courier New" panose="02070309020205020404" pitchFamily="49" charset="0"/>
+                <a:cs typeface="Courier New" panose="02070309020205020404" pitchFamily="49" charset="0"/>
+              </a:rPr>
+              <a:t>toString</a:t>
+            </a:r>
+            <a:r>
+              <a:rPr lang="en-GB" dirty="0">
+                <a:latin typeface="Courier New" panose="02070309020205020404" pitchFamily="49" charset="0"/>
+                <a:cs typeface="Courier New" panose="02070309020205020404" pitchFamily="49" charset="0"/>
+              </a:rPr>
+              <a:t>" in o; </a:t>
+            </a:r>
+            <a:endParaRPr lang="en-GB" dirty="0">
+              <a:latin typeface="Courier New" panose="02070309020205020404" pitchFamily="49" charset="0"/>
+              <a:cs typeface="Courier New" panose="02070309020205020404" pitchFamily="49" charset="0"/>
+            </a:endParaRPr>
+          </a:p>
+        </p:txBody>
+      </p:sp>
+    </p:spTree>
+    <p:extLst>
+      <p:ext uri="{BB962C8B-B14F-4D97-AF65-F5344CB8AC3E}">
+        <p14:creationId xmlns:p14="http://schemas.microsoft.com/office/powerpoint/2010/main" val="2326893401"/>
+      </p:ext>
+    </p:extLst>
+  </p:cSld>
+  <p:clrMapOvr>
+    <a:masterClrMapping/>
+  </p:clrMapOvr>
+  <p:timing>
+    <p:tnLst>
+      <p:par>
+        <p:cTn id="1" dur="indefinite" restart="never" nodeType="tmRoot"/>
+      </p:par>
+    </p:tnLst>
+  </p:timing>
+</p:sld>
+</file>
+
+<file path=ppt/slides/slide28.xml><?xml version="1.0" encoding="utf-8"?>
+<p:sld xmlns:a="http://schemas.openxmlformats.org/drawingml/2006/main" xmlns:r="http://schemas.openxmlformats.org/officeDocument/2006/relationships" xmlns:p="http://schemas.openxmlformats.org/presentationml/2006/main">
+  <p:cSld>
+    <p:spTree>
+      <p:nvGrpSpPr>
+        <p:cNvPr id="1" name=""/>
+        <p:cNvGrpSpPr/>
+        <p:nvPr/>
+      </p:nvGrpSpPr>
+      <p:grpSpPr>
+        <a:xfrm>
+          <a:off x="0" y="0"/>
+          <a:ext cx="0" cy="0"/>
+          <a:chOff x="0" y="0"/>
+          <a:chExt cx="0" cy="0"/>
+        </a:xfrm>
+      </p:grpSpPr>
+      <p:sp>
+        <p:nvSpPr>
+          <p:cNvPr id="2" name="Title 1"/>
+          <p:cNvSpPr>
+            <a:spLocks noGrp="1"/>
+          </p:cNvSpPr>
+          <p:nvPr>
+            <p:ph type="title"/>
+          </p:nvPr>
+        </p:nvSpPr>
+        <p:spPr/>
+        <p:txBody>
+          <a:bodyPr/>
+          <a:lstStyle/>
+          <a:p>
+            <a:r>
+              <a:rPr lang="sr-Latn-RS" dirty="0">
+                <a:latin typeface="Courier New" panose="02070309020205020404" pitchFamily="49" charset="0"/>
+                <a:cs typeface="Courier New" panose="02070309020205020404" pitchFamily="49" charset="0"/>
+              </a:rPr>
+              <a:t>hasOwnProperty()</a:t>
+            </a:r>
+            <a:endParaRPr lang="en-GB" dirty="0"/>
+          </a:p>
+        </p:txBody>
+      </p:sp>
+      <p:sp>
+        <p:nvSpPr>
+          <p:cNvPr id="3" name="Content Placeholder 2"/>
+          <p:cNvSpPr>
+            <a:spLocks noGrp="1"/>
+          </p:cNvSpPr>
+          <p:nvPr>
+            <p:ph idx="1"/>
+          </p:nvPr>
+        </p:nvSpPr>
+        <p:spPr/>
+        <p:txBody>
+          <a:bodyPr/>
+          <a:lstStyle/>
+          <a:p>
+            <a:r>
+              <a:rPr lang="sr-Latn-RS" dirty="0" smtClean="0"/>
+              <a:t>Proverava da li objekat ima sopstveno (nenasleđeno) svojstvo za zadati string</a:t>
+            </a:r>
+            <a:endParaRPr lang="sr-Latn-RS" dirty="0" smtClean="0">
+              <a:latin typeface="Courier New" panose="02070309020205020404" pitchFamily="49" charset="0"/>
+              <a:cs typeface="Courier New" panose="02070309020205020404" pitchFamily="49" charset="0"/>
+            </a:endParaRPr>
+          </a:p>
+          <a:p>
+            <a:pPr marL="0" indent="0">
+              <a:buNone/>
+            </a:pPr>
+            <a:endParaRPr lang="sr-Latn-RS" dirty="0" smtClean="0">
+              <a:latin typeface="Courier New" panose="02070309020205020404" pitchFamily="49" charset="0"/>
+              <a:cs typeface="Courier New" panose="02070309020205020404" pitchFamily="49" charset="0"/>
+            </a:endParaRPr>
+          </a:p>
+          <a:p>
+            <a:pPr marL="0" indent="0">
+              <a:buNone/>
+            </a:pPr>
+            <a:r>
+              <a:rPr lang="en-GB" dirty="0" err="1" smtClean="0">
+                <a:latin typeface="Courier New" panose="02070309020205020404" pitchFamily="49" charset="0"/>
+                <a:cs typeface="Courier New" panose="02070309020205020404" pitchFamily="49" charset="0"/>
+              </a:rPr>
+              <a:t>var</a:t>
+            </a:r>
+            <a:r>
+              <a:rPr lang="en-GB" dirty="0" smtClean="0">
+                <a:latin typeface="Courier New" panose="02070309020205020404" pitchFamily="49" charset="0"/>
+                <a:cs typeface="Courier New" panose="02070309020205020404" pitchFamily="49" charset="0"/>
+              </a:rPr>
+              <a:t> </a:t>
+            </a:r>
+            <a:r>
+              <a:rPr lang="en-GB" dirty="0">
+                <a:latin typeface="Courier New" panose="02070309020205020404" pitchFamily="49" charset="0"/>
+                <a:cs typeface="Courier New" panose="02070309020205020404" pitchFamily="49" charset="0"/>
+              </a:rPr>
+              <a:t>o = { x: 1 }</a:t>
+            </a:r>
+          </a:p>
+          <a:p>
+            <a:pPr marL="0" indent="0">
+              <a:buNone/>
+            </a:pPr>
+            <a:r>
+              <a:rPr lang="en-GB" dirty="0" err="1">
+                <a:latin typeface="Courier New" panose="02070309020205020404" pitchFamily="49" charset="0"/>
+                <a:cs typeface="Courier New" panose="02070309020205020404" pitchFamily="49" charset="0"/>
+              </a:rPr>
+              <a:t>o.hasOwnProperty</a:t>
+            </a:r>
+            <a:r>
+              <a:rPr lang="en-GB" dirty="0">
+                <a:latin typeface="Courier New" panose="02070309020205020404" pitchFamily="49" charset="0"/>
+                <a:cs typeface="Courier New" panose="02070309020205020404" pitchFamily="49" charset="0"/>
+              </a:rPr>
+              <a:t>("x"); </a:t>
+            </a:r>
+          </a:p>
+          <a:p>
+            <a:pPr marL="0" indent="0">
+              <a:buNone/>
+            </a:pPr>
+            <a:r>
+              <a:rPr lang="en-GB" dirty="0" err="1">
+                <a:latin typeface="Courier New" panose="02070309020205020404" pitchFamily="49" charset="0"/>
+                <a:cs typeface="Courier New" panose="02070309020205020404" pitchFamily="49" charset="0"/>
+              </a:rPr>
+              <a:t>o.hasOwnProperty</a:t>
+            </a:r>
+            <a:r>
+              <a:rPr lang="en-GB" dirty="0">
+                <a:latin typeface="Courier New" panose="02070309020205020404" pitchFamily="49" charset="0"/>
+                <a:cs typeface="Courier New" panose="02070309020205020404" pitchFamily="49" charset="0"/>
+              </a:rPr>
+              <a:t>("y"); </a:t>
+            </a:r>
+          </a:p>
+          <a:p>
+            <a:pPr marL="0" indent="0">
+              <a:buNone/>
+            </a:pPr>
+            <a:r>
+              <a:rPr lang="en-GB" dirty="0" err="1">
+                <a:latin typeface="Courier New" panose="02070309020205020404" pitchFamily="49" charset="0"/>
+                <a:cs typeface="Courier New" panose="02070309020205020404" pitchFamily="49" charset="0"/>
+              </a:rPr>
+              <a:t>o.hasOwnProperty</a:t>
+            </a:r>
+            <a:r>
+              <a:rPr lang="en-GB" dirty="0">
+                <a:latin typeface="Courier New" panose="02070309020205020404" pitchFamily="49" charset="0"/>
+                <a:cs typeface="Courier New" panose="02070309020205020404" pitchFamily="49" charset="0"/>
+              </a:rPr>
+              <a:t>("</a:t>
+            </a:r>
+            <a:r>
+              <a:rPr lang="en-GB" dirty="0" err="1">
+                <a:latin typeface="Courier New" panose="02070309020205020404" pitchFamily="49" charset="0"/>
+                <a:cs typeface="Courier New" panose="02070309020205020404" pitchFamily="49" charset="0"/>
+              </a:rPr>
+              <a:t>toString</a:t>
+            </a:r>
+            <a:r>
+              <a:rPr lang="en-GB" dirty="0">
+                <a:latin typeface="Courier New" panose="02070309020205020404" pitchFamily="49" charset="0"/>
+                <a:cs typeface="Courier New" panose="02070309020205020404" pitchFamily="49" charset="0"/>
+              </a:rPr>
+              <a:t>");</a:t>
+            </a:r>
+            <a:endParaRPr lang="en-GB" dirty="0">
+              <a:latin typeface="Courier New" panose="02070309020205020404" pitchFamily="49" charset="0"/>
+              <a:cs typeface="Courier New" panose="02070309020205020404" pitchFamily="49" charset="0"/>
+            </a:endParaRPr>
+          </a:p>
+        </p:txBody>
+      </p:sp>
+    </p:spTree>
+    <p:extLst>
+      <p:ext uri="{BB962C8B-B14F-4D97-AF65-F5344CB8AC3E}">
+        <p14:creationId xmlns:p14="http://schemas.microsoft.com/office/powerpoint/2010/main" val="1773333580"/>
+      </p:ext>
+    </p:extLst>
+  </p:cSld>
+  <p:clrMapOvr>
+    <a:masterClrMapping/>
+  </p:clrMapOvr>
+  <p:timing>
+    <p:tnLst>
+      <p:par>
+        <p:cTn id="1" dur="indefinite" restart="never" nodeType="tmRoot"/>
+      </p:par>
+    </p:tnLst>
+  </p:timing>
+</p:sld>
+</file>
+
+<file path=ppt/slides/slide29.xml><?xml version="1.0" encoding="utf-8"?>
+<p:sld xmlns:a="http://schemas.openxmlformats.org/drawingml/2006/main" xmlns:r="http://schemas.openxmlformats.org/officeDocument/2006/relationships" xmlns:p="http://schemas.openxmlformats.org/presentationml/2006/main">
+  <p:cSld>
+    <p:spTree>
+      <p:nvGrpSpPr>
+        <p:cNvPr id="1" name=""/>
+        <p:cNvGrpSpPr/>
+        <p:nvPr/>
+      </p:nvGrpSpPr>
+      <p:grpSpPr>
+        <a:xfrm>
+          <a:off x="0" y="0"/>
+          <a:ext cx="0" cy="0"/>
+          <a:chOff x="0" y="0"/>
+          <a:chExt cx="0" cy="0"/>
+        </a:xfrm>
+      </p:grpSpPr>
+      <p:sp>
+        <p:nvSpPr>
+          <p:cNvPr id="2" name="Title 1"/>
+          <p:cNvSpPr>
+            <a:spLocks noGrp="1"/>
+          </p:cNvSpPr>
+          <p:nvPr>
+            <p:ph type="title"/>
+          </p:nvPr>
+        </p:nvSpPr>
+        <p:spPr/>
+        <p:txBody>
+          <a:bodyPr/>
+          <a:lstStyle/>
+          <a:p>
+            <a:r>
+              <a:rPr lang="en-GB" dirty="0" err="1">
+                <a:latin typeface="Courier New" panose="02070309020205020404" pitchFamily="49" charset="0"/>
+                <a:cs typeface="Courier New" panose="02070309020205020404" pitchFamily="49" charset="0"/>
+              </a:rPr>
+              <a:t>propertyIsEnumerable</a:t>
+            </a:r>
+            <a:r>
+              <a:rPr lang="en-GB" dirty="0">
+                <a:latin typeface="Courier New" panose="02070309020205020404" pitchFamily="49" charset="0"/>
+                <a:cs typeface="Courier New" panose="02070309020205020404" pitchFamily="49" charset="0"/>
+              </a:rPr>
+              <a:t>()</a:t>
+            </a:r>
+            <a:endParaRPr lang="en-GB" dirty="0"/>
+          </a:p>
+        </p:txBody>
+      </p:sp>
+      <p:sp>
+        <p:nvSpPr>
+          <p:cNvPr id="3" name="Content Placeholder 2"/>
+          <p:cNvSpPr>
+            <a:spLocks noGrp="1"/>
+          </p:cNvSpPr>
+          <p:nvPr>
+            <p:ph idx="1"/>
+          </p:nvPr>
+        </p:nvSpPr>
+        <p:spPr/>
+        <p:txBody>
+          <a:bodyPr/>
+          <a:lstStyle/>
+          <a:p>
+            <a:r>
+              <a:rPr lang="sr-Latn-RS" dirty="0"/>
+              <a:t>Proverava da li objekat ima sopstveno (nenasleđeno) </a:t>
+            </a:r>
+            <a:r>
+              <a:rPr lang="sr-Latn-RS" dirty="0" smtClean="0"/>
+              <a:t>svojstvo i da li je za to svojstvo atribut </a:t>
+            </a:r>
+            <a:r>
+              <a:rPr lang="sr-Latn-RS" i="1" dirty="0" smtClean="0"/>
+              <a:t>enumerable </a:t>
+            </a:r>
+            <a:r>
+              <a:rPr lang="sr-Latn-RS" dirty="0" smtClean="0"/>
+              <a:t>postavljen na tru </a:t>
+            </a:r>
+            <a:r>
+              <a:rPr lang="sr-Latn-RS" dirty="0"/>
+              <a:t>za zadati </a:t>
+            </a:r>
+            <a:r>
+              <a:rPr lang="sr-Latn-RS" dirty="0" smtClean="0"/>
+              <a:t>string</a:t>
+            </a:r>
+          </a:p>
+          <a:p>
+            <a:r>
+              <a:rPr lang="sr-Latn-RS" dirty="0" smtClean="0">
+                <a:latin typeface="+mj-lt"/>
+                <a:cs typeface="Courier New" panose="02070309020205020404" pitchFamily="49" charset="0"/>
+              </a:rPr>
+              <a:t>Svojstva su </a:t>
+            </a:r>
+            <a:r>
+              <a:rPr lang="sr-Latn-RS" i="1" dirty="0" smtClean="0">
+                <a:latin typeface="+mj-lt"/>
+                <a:cs typeface="Courier New" panose="02070309020205020404" pitchFamily="49" charset="0"/>
+              </a:rPr>
+              <a:t>enumerble</a:t>
+            </a:r>
+            <a:r>
+              <a:rPr lang="sr-Latn-RS" dirty="0" smtClean="0">
+                <a:latin typeface="+mj-lt"/>
+                <a:cs typeface="Courier New" panose="02070309020205020404" pitchFamily="49" charset="0"/>
+              </a:rPr>
+              <a:t> osim ako se eksplicitno ne postavi da nisu</a:t>
+            </a:r>
+            <a:endParaRPr lang="sr-Latn-RS" dirty="0">
+              <a:latin typeface="+mj-lt"/>
+              <a:cs typeface="Courier New" panose="02070309020205020404" pitchFamily="49" charset="0"/>
+            </a:endParaRPr>
+          </a:p>
+          <a:p>
+            <a:endParaRPr lang="en-GB" dirty="0"/>
+          </a:p>
+        </p:txBody>
+      </p:sp>
+    </p:spTree>
+    <p:extLst>
+      <p:ext uri="{BB962C8B-B14F-4D97-AF65-F5344CB8AC3E}">
+        <p14:creationId xmlns:p14="http://schemas.microsoft.com/office/powerpoint/2010/main" val="4255139348"/>
+      </p:ext>
+    </p:extLst>
+  </p:cSld>
+  <p:clrMapOvr>
+    <a:masterClrMapping/>
+  </p:clrMapOvr>
+  <p:timing>
+    <p:tnLst>
+      <p:par>
+        <p:cTn id="1" dur="indefinite" restart="never" nodeType="tmRoot"/>
+      </p:par>
+    </p:tnLst>
+  </p:timing>
+</p:sld>
+</file>
+
 <file path=ppt/slides/slide3.xml><?xml version="1.0" encoding="utf-8"?>
 <p:sld xmlns:a="http://schemas.openxmlformats.org/drawingml/2006/main" xmlns:r="http://schemas.openxmlformats.org/officeDocument/2006/relationships" xmlns:p="http://schemas.openxmlformats.org/presentationml/2006/main">
   <p:cSld>
@@ -4682,7 +7727,9 @@
         </p:nvSpPr>
         <p:spPr/>
         <p:txBody>
-          <a:bodyPr/>
+          <a:bodyPr>
+            <a:normAutofit fontScale="85000" lnSpcReduction="20000"/>
+          </a:bodyPr>
           <a:lstStyle/>
           <a:p>
             <a:r>
@@ -4751,9 +7798,40 @@
           <a:p>
             <a:r>
               <a:rPr lang="sr-Latn-RS" dirty="0" smtClean="0"/>
-              <a:t>Vrednosti svojstava: bilo šta osim undefined</a:t>
-            </a:r>
-            <a:endParaRPr lang="en-GB" dirty="0"/>
+              <a:t>Vrednosti svojstava: bilo </a:t>
+            </a:r>
+            <a:r>
+              <a:rPr lang="sr-Latn-RS" dirty="0" smtClean="0"/>
+              <a:t>šta</a:t>
+            </a:r>
+          </a:p>
+          <a:p>
+            <a:r>
+              <a:rPr lang="sr-Latn-RS" dirty="0" smtClean="0"/>
+              <a:t>Neuređena kolekcija svojstava od kojih svako svojstvo ima vrednost</a:t>
+            </a:r>
+            <a:r>
+              <a:rPr lang="sr-Latn-RS" dirty="0"/>
+              <a:t> </a:t>
+            </a:r>
+            <a:r>
+              <a:rPr lang="sr-Latn-RS" dirty="0" smtClean="0"/>
+              <a:t>koja može biti</a:t>
+            </a:r>
+          </a:p>
+          <a:p>
+            <a:pPr lvl="1"/>
+            <a:r>
+              <a:rPr lang="sr-Latn-RS" dirty="0" smtClean="0"/>
+              <a:t>Primitivna</a:t>
+            </a:r>
+          </a:p>
+          <a:p>
+            <a:pPr lvl="1"/>
+            <a:r>
+              <a:rPr lang="sr-Latn-RS" dirty="0" smtClean="0"/>
+              <a:t>Objekat</a:t>
+            </a:r>
           </a:p>
         </p:txBody>
       </p:sp>
@@ -4761,6 +7839,1978 @@
     <p:extLst>
       <p:ext uri="{BB962C8B-B14F-4D97-AF65-F5344CB8AC3E}">
         <p14:creationId xmlns:p14="http://schemas.microsoft.com/office/powerpoint/2010/main" val="1887357251"/>
+      </p:ext>
+    </p:extLst>
+  </p:cSld>
+  <p:clrMapOvr>
+    <a:masterClrMapping/>
+  </p:clrMapOvr>
+  <p:timing>
+    <p:tnLst>
+      <p:par>
+        <p:cTn id="1" dur="indefinite" restart="never" nodeType="tmRoot"/>
+      </p:par>
+    </p:tnLst>
+  </p:timing>
+</p:sld>
+</file>
+
+<file path=ppt/slides/slide30.xml><?xml version="1.0" encoding="utf-8"?>
+<p:sld xmlns:a="http://schemas.openxmlformats.org/drawingml/2006/main" xmlns:r="http://schemas.openxmlformats.org/officeDocument/2006/relationships" xmlns:p="http://schemas.openxmlformats.org/presentationml/2006/main">
+  <p:cSld>
+    <p:spTree>
+      <p:nvGrpSpPr>
+        <p:cNvPr id="1" name=""/>
+        <p:cNvGrpSpPr/>
+        <p:nvPr/>
+      </p:nvGrpSpPr>
+      <p:grpSpPr>
+        <a:xfrm>
+          <a:off x="0" y="0"/>
+          <a:ext cx="0" cy="0"/>
+          <a:chOff x="0" y="0"/>
+          <a:chExt cx="0" cy="0"/>
+        </a:xfrm>
+      </p:grpSpPr>
+      <p:sp>
+        <p:nvSpPr>
+          <p:cNvPr id="2" name="Title 1"/>
+          <p:cNvSpPr>
+            <a:spLocks noGrp="1"/>
+          </p:cNvSpPr>
+          <p:nvPr>
+            <p:ph type="title"/>
+          </p:nvPr>
+        </p:nvSpPr>
+        <p:spPr/>
+        <p:txBody>
+          <a:bodyPr/>
+          <a:lstStyle/>
+          <a:p>
+            <a:r>
+              <a:rPr lang="en-GB" dirty="0" err="1">
+                <a:latin typeface="Courier New" panose="02070309020205020404" pitchFamily="49" charset="0"/>
+                <a:cs typeface="Courier New" panose="02070309020205020404" pitchFamily="49" charset="0"/>
+              </a:rPr>
+              <a:t>propertyIsEnumerable</a:t>
+            </a:r>
+            <a:r>
+              <a:rPr lang="en-GB" dirty="0">
+                <a:latin typeface="Courier New" panose="02070309020205020404" pitchFamily="49" charset="0"/>
+                <a:cs typeface="Courier New" panose="02070309020205020404" pitchFamily="49" charset="0"/>
+              </a:rPr>
+              <a:t>()</a:t>
+            </a:r>
+            <a:endParaRPr lang="en-GB" dirty="0"/>
+          </a:p>
+        </p:txBody>
+      </p:sp>
+      <p:sp>
+        <p:nvSpPr>
+          <p:cNvPr id="3" name="Content Placeholder 2"/>
+          <p:cNvSpPr>
+            <a:spLocks noGrp="1"/>
+          </p:cNvSpPr>
+          <p:nvPr>
+            <p:ph idx="1"/>
+          </p:nvPr>
+        </p:nvSpPr>
+        <p:spPr/>
+        <p:txBody>
+          <a:bodyPr>
+            <a:normAutofit/>
+          </a:bodyPr>
+          <a:lstStyle/>
+          <a:p>
+            <a:pPr marL="0" indent="0">
+              <a:buNone/>
+            </a:pPr>
+            <a:r>
+              <a:rPr lang="en-GB" sz="2000" dirty="0" err="1">
+                <a:latin typeface="Courier New" panose="02070309020205020404" pitchFamily="49" charset="0"/>
+                <a:cs typeface="Courier New" panose="02070309020205020404" pitchFamily="49" charset="0"/>
+              </a:rPr>
+              <a:t>var</a:t>
+            </a:r>
+            <a:r>
+              <a:rPr lang="en-GB" sz="2000" dirty="0">
+                <a:latin typeface="Courier New" panose="02070309020205020404" pitchFamily="49" charset="0"/>
+                <a:cs typeface="Courier New" panose="02070309020205020404" pitchFamily="49" charset="0"/>
+              </a:rPr>
+              <a:t> o = </a:t>
+            </a:r>
+            <a:r>
+              <a:rPr lang="en-GB" sz="2000" dirty="0" err="1" smtClean="0">
+                <a:latin typeface="Courier New" panose="02070309020205020404" pitchFamily="49" charset="0"/>
+                <a:cs typeface="Courier New" panose="02070309020205020404" pitchFamily="49" charset="0"/>
+              </a:rPr>
+              <a:t>Object.create</a:t>
+            </a:r>
+            <a:r>
+              <a:rPr lang="en-GB" sz="2000" dirty="0" smtClean="0">
+                <a:latin typeface="Courier New" panose="02070309020205020404" pitchFamily="49" charset="0"/>
+                <a:cs typeface="Courier New" panose="02070309020205020404" pitchFamily="49" charset="0"/>
+              </a:rPr>
+              <a:t>({ </a:t>
+            </a:r>
+            <a:r>
+              <a:rPr lang="en-GB" sz="2000" dirty="0">
+                <a:latin typeface="Courier New" panose="02070309020205020404" pitchFamily="49" charset="0"/>
+                <a:cs typeface="Courier New" panose="02070309020205020404" pitchFamily="49" charset="0"/>
+              </a:rPr>
+              <a:t>y: 2 });</a:t>
+            </a:r>
+          </a:p>
+          <a:p>
+            <a:pPr marL="0" indent="0">
+              <a:buNone/>
+            </a:pPr>
+            <a:r>
+              <a:rPr lang="en-GB" sz="2000" dirty="0" err="1">
+                <a:latin typeface="Courier New" panose="02070309020205020404" pitchFamily="49" charset="0"/>
+                <a:cs typeface="Courier New" panose="02070309020205020404" pitchFamily="49" charset="0"/>
+              </a:rPr>
+              <a:t>o.x</a:t>
+            </a:r>
+            <a:r>
+              <a:rPr lang="en-GB" sz="2000" dirty="0">
+                <a:latin typeface="Courier New" panose="02070309020205020404" pitchFamily="49" charset="0"/>
+                <a:cs typeface="Courier New" panose="02070309020205020404" pitchFamily="49" charset="0"/>
+              </a:rPr>
+              <a:t> = 1;</a:t>
+            </a:r>
+          </a:p>
+          <a:p>
+            <a:pPr marL="0" indent="0">
+              <a:buNone/>
+            </a:pPr>
+            <a:r>
+              <a:rPr lang="en-GB" sz="2000" dirty="0" err="1">
+                <a:latin typeface="Courier New" panose="02070309020205020404" pitchFamily="49" charset="0"/>
+                <a:cs typeface="Courier New" panose="02070309020205020404" pitchFamily="49" charset="0"/>
+              </a:rPr>
+              <a:t>o.propertyIsEnumerable</a:t>
+            </a:r>
+            <a:r>
+              <a:rPr lang="en-GB" sz="2000" dirty="0">
+                <a:latin typeface="Courier New" panose="02070309020205020404" pitchFamily="49" charset="0"/>
+                <a:cs typeface="Courier New" panose="02070309020205020404" pitchFamily="49" charset="0"/>
+              </a:rPr>
+              <a:t>("x"); </a:t>
+            </a:r>
+          </a:p>
+          <a:p>
+            <a:pPr marL="0" indent="0">
+              <a:buNone/>
+            </a:pPr>
+            <a:r>
+              <a:rPr lang="en-GB" sz="2000" dirty="0" err="1">
+                <a:latin typeface="Courier New" panose="02070309020205020404" pitchFamily="49" charset="0"/>
+                <a:cs typeface="Courier New" panose="02070309020205020404" pitchFamily="49" charset="0"/>
+              </a:rPr>
+              <a:t>o.propertyIsEnumerable</a:t>
+            </a:r>
+            <a:r>
+              <a:rPr lang="en-GB" sz="2000" dirty="0">
+                <a:latin typeface="Courier New" panose="02070309020205020404" pitchFamily="49" charset="0"/>
+                <a:cs typeface="Courier New" panose="02070309020205020404" pitchFamily="49" charset="0"/>
+              </a:rPr>
+              <a:t>("y"); </a:t>
+            </a:r>
+          </a:p>
+          <a:p>
+            <a:pPr marL="0" indent="0">
+              <a:buNone/>
+            </a:pPr>
+            <a:r>
+              <a:rPr lang="en-GB" sz="2000" dirty="0" err="1">
+                <a:latin typeface="Courier New" panose="02070309020205020404" pitchFamily="49" charset="0"/>
+                <a:cs typeface="Courier New" panose="02070309020205020404" pitchFamily="49" charset="0"/>
+              </a:rPr>
+              <a:t>Object.prototype.propertyIsEnumerable</a:t>
+            </a:r>
+            <a:r>
+              <a:rPr lang="en-GB" sz="2000" dirty="0">
+                <a:latin typeface="Courier New" panose="02070309020205020404" pitchFamily="49" charset="0"/>
+                <a:cs typeface="Courier New" panose="02070309020205020404" pitchFamily="49" charset="0"/>
+              </a:rPr>
+              <a:t>("</a:t>
+            </a:r>
+            <a:r>
+              <a:rPr lang="en-GB" sz="2000" dirty="0" err="1">
+                <a:latin typeface="Courier New" panose="02070309020205020404" pitchFamily="49" charset="0"/>
+                <a:cs typeface="Courier New" panose="02070309020205020404" pitchFamily="49" charset="0"/>
+              </a:rPr>
+              <a:t>toString</a:t>
+            </a:r>
+            <a:r>
+              <a:rPr lang="en-GB" sz="2000" dirty="0" smtClean="0">
+                <a:latin typeface="Courier New" panose="02070309020205020404" pitchFamily="49" charset="0"/>
+                <a:cs typeface="Courier New" panose="02070309020205020404" pitchFamily="49" charset="0"/>
+              </a:rPr>
+              <a:t>");</a:t>
+            </a:r>
+            <a:endParaRPr lang="sr-Latn-RS" sz="2000" dirty="0" smtClean="0">
+              <a:latin typeface="Courier New" panose="02070309020205020404" pitchFamily="49" charset="0"/>
+              <a:cs typeface="Courier New" panose="02070309020205020404" pitchFamily="49" charset="0"/>
+            </a:endParaRPr>
+          </a:p>
+          <a:p>
+            <a:pPr marL="0" indent="0">
+              <a:buNone/>
+            </a:pPr>
+            <a:r>
+              <a:rPr lang="en-US" sz="2000" dirty="0" err="1" smtClean="0">
+                <a:latin typeface="Courier New" panose="02070309020205020404" pitchFamily="49" charset="0"/>
+                <a:cs typeface="Courier New" panose="02070309020205020404" pitchFamily="49" charset="0"/>
+              </a:rPr>
+              <a:t>Object.defineProperty</a:t>
+            </a:r>
+            <a:r>
+              <a:rPr lang="en-US" sz="2000" dirty="0" smtClean="0">
+                <a:latin typeface="Courier New" panose="02070309020205020404" pitchFamily="49" charset="0"/>
+                <a:cs typeface="Courier New" panose="02070309020205020404" pitchFamily="49" charset="0"/>
+              </a:rPr>
+              <a:t>(</a:t>
+            </a:r>
+            <a:r>
+              <a:rPr lang="en-US" sz="2000" dirty="0" err="1" smtClean="0">
+                <a:latin typeface="Courier New" panose="02070309020205020404" pitchFamily="49" charset="0"/>
+                <a:cs typeface="Courier New" panose="02070309020205020404" pitchFamily="49" charset="0"/>
+              </a:rPr>
+              <a:t>o,’z</a:t>
+            </a:r>
+            <a:r>
+              <a:rPr lang="en-US" sz="2000" dirty="0" smtClean="0">
+                <a:latin typeface="Courier New" panose="02070309020205020404" pitchFamily="49" charset="0"/>
+                <a:cs typeface="Courier New" panose="02070309020205020404" pitchFamily="49" charset="0"/>
+              </a:rPr>
+              <a:t>’, {enumerable</a:t>
+            </a:r>
+            <a:r>
+              <a:rPr lang="en-US" sz="2000" dirty="0">
+                <a:latin typeface="Courier New" panose="02070309020205020404" pitchFamily="49" charset="0"/>
+                <a:cs typeface="Courier New" panose="02070309020205020404" pitchFamily="49" charset="0"/>
+              </a:rPr>
+              <a:t>: </a:t>
+            </a:r>
+            <a:r>
+              <a:rPr lang="en-US" sz="2000" dirty="0" smtClean="0">
+                <a:latin typeface="Courier New" panose="02070309020205020404" pitchFamily="49" charset="0"/>
+                <a:cs typeface="Courier New" panose="02070309020205020404" pitchFamily="49" charset="0"/>
+              </a:rPr>
+              <a:t>false});</a:t>
+            </a:r>
+          </a:p>
+          <a:p>
+            <a:pPr marL="0" indent="0">
+              <a:buNone/>
+            </a:pPr>
+            <a:r>
+              <a:rPr lang="sr-Latn-RS" sz="2000" dirty="0">
+                <a:latin typeface="Courier New" panose="02070309020205020404" pitchFamily="49" charset="0"/>
+                <a:cs typeface="Courier New" panose="02070309020205020404" pitchFamily="49" charset="0"/>
+              </a:rPr>
+              <a:t>o.z</a:t>
+            </a:r>
+            <a:r>
+              <a:rPr lang="en-US" sz="2000" dirty="0">
+                <a:latin typeface="Courier New" panose="02070309020205020404" pitchFamily="49" charset="0"/>
+                <a:cs typeface="Courier New" panose="02070309020205020404" pitchFamily="49" charset="0"/>
+              </a:rPr>
+              <a:t> = 3</a:t>
+            </a:r>
+            <a:r>
+              <a:rPr lang="en-US" sz="2000" dirty="0" smtClean="0">
+                <a:latin typeface="Courier New" panose="02070309020205020404" pitchFamily="49" charset="0"/>
+                <a:cs typeface="Courier New" panose="02070309020205020404" pitchFamily="49" charset="0"/>
+              </a:rPr>
+              <a:t>;</a:t>
+            </a:r>
+          </a:p>
+          <a:p>
+            <a:pPr marL="0" indent="0">
+              <a:buNone/>
+            </a:pPr>
+            <a:r>
+              <a:rPr lang="en-GB" sz="2000" dirty="0" err="1" smtClean="0">
+                <a:latin typeface="Courier New" panose="02070309020205020404" pitchFamily="49" charset="0"/>
+                <a:cs typeface="Courier New" panose="02070309020205020404" pitchFamily="49" charset="0"/>
+              </a:rPr>
+              <a:t>o.propertyIsEnumerable</a:t>
+            </a:r>
+            <a:r>
+              <a:rPr lang="en-GB" sz="2000" dirty="0" smtClean="0">
+                <a:latin typeface="Courier New" panose="02070309020205020404" pitchFamily="49" charset="0"/>
+                <a:cs typeface="Courier New" panose="02070309020205020404" pitchFamily="49" charset="0"/>
+              </a:rPr>
+              <a:t>(</a:t>
+            </a:r>
+            <a:r>
+              <a:rPr lang="en-GB" sz="2000" dirty="0">
+                <a:latin typeface="Courier New" panose="02070309020205020404" pitchFamily="49" charset="0"/>
+                <a:cs typeface="Courier New" panose="02070309020205020404" pitchFamily="49" charset="0"/>
+              </a:rPr>
+              <a:t>"</a:t>
+            </a:r>
+            <a:r>
+              <a:rPr lang="en-GB" sz="2000" dirty="0" smtClean="0">
+                <a:latin typeface="Courier New" panose="02070309020205020404" pitchFamily="49" charset="0"/>
+                <a:cs typeface="Courier New" panose="02070309020205020404" pitchFamily="49" charset="0"/>
+              </a:rPr>
+              <a:t>z"); </a:t>
+            </a:r>
+            <a:endParaRPr lang="en-US" sz="2000" dirty="0">
+              <a:latin typeface="Courier New" panose="02070309020205020404" pitchFamily="49" charset="0"/>
+              <a:cs typeface="Courier New" panose="02070309020205020404" pitchFamily="49" charset="0"/>
+            </a:endParaRPr>
+          </a:p>
+          <a:p>
+            <a:pPr marL="0" indent="0">
+              <a:buNone/>
+            </a:pPr>
+            <a:r>
+              <a:rPr lang="en-GB" sz="2000" dirty="0" smtClean="0">
+                <a:latin typeface="Courier New" panose="02070309020205020404" pitchFamily="49" charset="0"/>
+                <a:cs typeface="Courier New" panose="02070309020205020404" pitchFamily="49" charset="0"/>
+              </a:rPr>
+              <a:t> </a:t>
+            </a:r>
+            <a:endParaRPr lang="en-GB" sz="2000" dirty="0">
+              <a:latin typeface="Courier New" panose="02070309020205020404" pitchFamily="49" charset="0"/>
+              <a:cs typeface="Courier New" panose="02070309020205020404" pitchFamily="49" charset="0"/>
+            </a:endParaRPr>
+          </a:p>
+        </p:txBody>
+      </p:sp>
+    </p:spTree>
+    <p:extLst>
+      <p:ext uri="{BB962C8B-B14F-4D97-AF65-F5344CB8AC3E}">
+        <p14:creationId xmlns:p14="http://schemas.microsoft.com/office/powerpoint/2010/main" val="1626726264"/>
+      </p:ext>
+    </p:extLst>
+  </p:cSld>
+  <p:clrMapOvr>
+    <a:masterClrMapping/>
+  </p:clrMapOvr>
+  <p:timing>
+    <p:tnLst>
+      <p:par>
+        <p:cTn id="1" dur="indefinite" restart="never" nodeType="tmRoot"/>
+      </p:par>
+    </p:tnLst>
+  </p:timing>
+</p:sld>
+</file>
+
+<file path=ppt/slides/slide31.xml><?xml version="1.0" encoding="utf-8"?>
+<p:sld xmlns:a="http://schemas.openxmlformats.org/drawingml/2006/main" xmlns:r="http://schemas.openxmlformats.org/officeDocument/2006/relationships" xmlns:p="http://schemas.openxmlformats.org/presentationml/2006/main">
+  <p:cSld>
+    <p:spTree>
+      <p:nvGrpSpPr>
+        <p:cNvPr id="1" name=""/>
+        <p:cNvGrpSpPr/>
+        <p:nvPr/>
+      </p:nvGrpSpPr>
+      <p:grpSpPr>
+        <a:xfrm>
+          <a:off x="0" y="0"/>
+          <a:ext cx="0" cy="0"/>
+          <a:chOff x="0" y="0"/>
+          <a:chExt cx="0" cy="0"/>
+        </a:xfrm>
+      </p:grpSpPr>
+      <p:sp>
+        <p:nvSpPr>
+          <p:cNvPr id="2" name="Title 1"/>
+          <p:cNvSpPr>
+            <a:spLocks noGrp="1"/>
+          </p:cNvSpPr>
+          <p:nvPr>
+            <p:ph type="title"/>
+          </p:nvPr>
+        </p:nvSpPr>
+        <p:spPr/>
+        <p:txBody>
+          <a:bodyPr/>
+          <a:lstStyle/>
+          <a:p>
+            <a:r>
+              <a:rPr lang="sr-Latn-RS" dirty="0" smtClean="0"/>
+              <a:t>Enumeracija svojstava objekta</a:t>
+            </a:r>
+            <a:endParaRPr lang="en-GB" dirty="0"/>
+          </a:p>
+        </p:txBody>
+      </p:sp>
+      <p:sp>
+        <p:nvSpPr>
+          <p:cNvPr id="3" name="Content Placeholder 2"/>
+          <p:cNvSpPr>
+            <a:spLocks noGrp="1"/>
+          </p:cNvSpPr>
+          <p:nvPr>
+            <p:ph idx="1"/>
+          </p:nvPr>
+        </p:nvSpPr>
+        <p:spPr/>
+        <p:txBody>
+          <a:bodyPr>
+            <a:normAutofit fontScale="77500" lnSpcReduction="20000"/>
+          </a:bodyPr>
+          <a:lstStyle/>
+          <a:p>
+            <a:r>
+              <a:rPr lang="sr-Latn-RS" dirty="0" smtClean="0"/>
+              <a:t>Možemo da koristimo </a:t>
+            </a:r>
+            <a:r>
+              <a:rPr lang="sr-Latn-RS" dirty="0" smtClean="0">
+                <a:latin typeface="Courier New" panose="02070309020205020404" pitchFamily="49" charset="0"/>
+                <a:cs typeface="Courier New" panose="02070309020205020404" pitchFamily="49" charset="0"/>
+              </a:rPr>
+              <a:t>for in</a:t>
+            </a:r>
+            <a:r>
+              <a:rPr lang="sr-Latn-RS" dirty="0" smtClean="0"/>
+              <a:t> petlju</a:t>
+            </a:r>
+          </a:p>
+          <a:p>
+            <a:pPr marL="0" indent="0">
+              <a:buNone/>
+            </a:pPr>
+            <a:r>
+              <a:rPr lang="sr-Latn-RS" sz="2400" dirty="0">
+                <a:latin typeface="Courier New" panose="02070309020205020404" pitchFamily="49" charset="0"/>
+                <a:cs typeface="Courier New" panose="02070309020205020404" pitchFamily="49" charset="0"/>
+              </a:rPr>
+              <a:t>var naziv;</a:t>
+            </a:r>
+          </a:p>
+          <a:p>
+            <a:pPr marL="0" indent="0">
+              <a:buNone/>
+            </a:pPr>
+            <a:r>
+              <a:rPr lang="sr-Latn-RS" sz="2400" dirty="0">
+                <a:latin typeface="Courier New" panose="02070309020205020404" pitchFamily="49" charset="0"/>
+                <a:cs typeface="Courier New" panose="02070309020205020404" pitchFamily="49" charset="0"/>
+              </a:rPr>
+              <a:t>for (naziv in studentPeraPeric) </a:t>
+            </a:r>
+            <a:r>
+              <a:rPr lang="sr-Latn-RS" sz="2400" dirty="0" smtClean="0">
+                <a:latin typeface="Courier New" panose="02070309020205020404" pitchFamily="49" charset="0"/>
+                <a:cs typeface="Courier New" panose="02070309020205020404" pitchFamily="49" charset="0"/>
+              </a:rPr>
+              <a:t>{  	console.log(studentPeraPeric[naziv</a:t>
+            </a:r>
+            <a:r>
+              <a:rPr lang="sr-Latn-RS" sz="2400" dirty="0">
+                <a:latin typeface="Courier New" panose="02070309020205020404" pitchFamily="49" charset="0"/>
+                <a:cs typeface="Courier New" panose="02070309020205020404" pitchFamily="49" charset="0"/>
+              </a:rPr>
+              <a:t>]);</a:t>
+            </a:r>
+          </a:p>
+          <a:p>
+            <a:pPr marL="0" indent="0">
+              <a:buNone/>
+            </a:pPr>
+            <a:r>
+              <a:rPr lang="sr-Latn-RS" sz="2400" dirty="0">
+                <a:latin typeface="Courier New" panose="02070309020205020404" pitchFamily="49" charset="0"/>
+                <a:cs typeface="Courier New" panose="02070309020205020404" pitchFamily="49" charset="0"/>
+              </a:rPr>
+              <a:t>}</a:t>
+            </a:r>
+          </a:p>
+          <a:p>
+            <a:endParaRPr lang="sr-Latn-RS" dirty="0" smtClean="0"/>
+          </a:p>
+          <a:p>
+            <a:r>
+              <a:rPr lang="sr-Latn-RS" dirty="0" smtClean="0"/>
+              <a:t>Pristupamo i svim svojstivma prototipa</a:t>
+            </a:r>
+          </a:p>
+          <a:p>
+            <a:r>
+              <a:rPr lang="sr-Latn-RS" dirty="0" smtClean="0"/>
+              <a:t>Ukoliko želimo da proverimo da li je svojstvo definisano u objektu, a ne prototipu, koristimo </a:t>
+            </a:r>
+            <a:r>
+              <a:rPr lang="sr-Latn-RS" dirty="0" smtClean="0">
+                <a:latin typeface="Courier New" panose="02070309020205020404" pitchFamily="49" charset="0"/>
+                <a:cs typeface="Courier New" panose="02070309020205020404" pitchFamily="49" charset="0"/>
+              </a:rPr>
+              <a:t>hasOwnProperty</a:t>
+            </a:r>
+          </a:p>
+          <a:p>
+            <a:r>
+              <a:rPr lang="en-US" dirty="0"/>
+              <a:t>Mo</a:t>
+            </a:r>
+            <a:r>
+              <a:rPr lang="sr-Latn-RS" dirty="0"/>
+              <a:t>žemo i da koristimo </a:t>
+            </a:r>
+            <a:r>
+              <a:rPr lang="en-GB" dirty="0" err="1" smtClean="0">
+                <a:latin typeface="Courier New" panose="02070309020205020404" pitchFamily="49" charset="0"/>
+                <a:cs typeface="Courier New" panose="02070309020205020404" pitchFamily="49" charset="0"/>
+              </a:rPr>
+              <a:t>propertyIsEnumerable</a:t>
+            </a:r>
+            <a:r>
+              <a:rPr lang="sr-Latn-RS" dirty="0" smtClean="0">
+                <a:latin typeface="Courier New" panose="02070309020205020404" pitchFamily="49" charset="0"/>
+                <a:cs typeface="Courier New" panose="02070309020205020404" pitchFamily="49" charset="0"/>
+              </a:rPr>
+              <a:t> </a:t>
+            </a:r>
+            <a:r>
+              <a:rPr lang="sr-Latn-RS" dirty="0" smtClean="0">
+                <a:cs typeface="Courier New" panose="02070309020205020404" pitchFamily="49" charset="0"/>
+              </a:rPr>
+              <a:t>metodu</a:t>
+            </a:r>
+            <a:endParaRPr lang="en-US" dirty="0"/>
+          </a:p>
+          <a:p>
+            <a:r>
+              <a:rPr lang="sr-Latn-RS" dirty="0" smtClean="0"/>
+              <a:t>Ne </a:t>
+            </a:r>
+            <a:r>
+              <a:rPr lang="sr-Latn-RS" dirty="0"/>
+              <a:t>postoji garancija da će svaki put svojstva biti u istom </a:t>
+            </a:r>
+            <a:r>
+              <a:rPr lang="sr-Latn-RS" dirty="0" smtClean="0"/>
+              <a:t>redosledu</a:t>
+            </a:r>
+            <a:endParaRPr lang="en-US" dirty="0" smtClean="0"/>
+          </a:p>
+          <a:p>
+            <a:endParaRPr lang="en-GB" dirty="0"/>
+          </a:p>
+        </p:txBody>
+      </p:sp>
+    </p:spTree>
+    <p:extLst>
+      <p:ext uri="{BB962C8B-B14F-4D97-AF65-F5344CB8AC3E}">
+        <p14:creationId xmlns:p14="http://schemas.microsoft.com/office/powerpoint/2010/main" val="1341550038"/>
+      </p:ext>
+    </p:extLst>
+  </p:cSld>
+  <p:clrMapOvr>
+    <a:masterClrMapping/>
+  </p:clrMapOvr>
+  <p:timing>
+    <p:tnLst>
+      <p:par>
+        <p:cTn id="1" dur="indefinite" restart="never" nodeType="tmRoot"/>
+      </p:par>
+    </p:tnLst>
+  </p:timing>
+</p:sld>
+</file>
+
+<file path=ppt/slides/slide32.xml><?xml version="1.0" encoding="utf-8"?>
+<p:sld xmlns:a="http://schemas.openxmlformats.org/drawingml/2006/main" xmlns:r="http://schemas.openxmlformats.org/officeDocument/2006/relationships" xmlns:p="http://schemas.openxmlformats.org/presentationml/2006/main">
+  <p:cSld>
+    <p:spTree>
+      <p:nvGrpSpPr>
+        <p:cNvPr id="1" name=""/>
+        <p:cNvGrpSpPr/>
+        <p:nvPr/>
+      </p:nvGrpSpPr>
+      <p:grpSpPr>
+        <a:xfrm>
+          <a:off x="0" y="0"/>
+          <a:ext cx="0" cy="0"/>
+          <a:chOff x="0" y="0"/>
+          <a:chExt cx="0" cy="0"/>
+        </a:xfrm>
+      </p:grpSpPr>
+      <p:sp>
+        <p:nvSpPr>
+          <p:cNvPr id="2" name="Title 1"/>
+          <p:cNvSpPr>
+            <a:spLocks noGrp="1"/>
+          </p:cNvSpPr>
+          <p:nvPr>
+            <p:ph type="title"/>
+          </p:nvPr>
+        </p:nvSpPr>
+        <p:spPr/>
+        <p:txBody>
+          <a:bodyPr/>
+          <a:lstStyle/>
+          <a:p>
+            <a:r>
+              <a:rPr lang="sr-Latn-RS" dirty="0" smtClean="0"/>
+              <a:t>Brisanje </a:t>
+            </a:r>
+            <a:r>
+              <a:rPr lang="sr-Latn-RS" dirty="0" smtClean="0"/>
+              <a:t>svojstva prototipa</a:t>
+            </a:r>
+            <a:endParaRPr lang="en-GB" dirty="0"/>
+          </a:p>
+        </p:txBody>
+      </p:sp>
+      <p:sp>
+        <p:nvSpPr>
+          <p:cNvPr id="3" name="Content Placeholder 2"/>
+          <p:cNvSpPr>
+            <a:spLocks noGrp="1"/>
+          </p:cNvSpPr>
+          <p:nvPr>
+            <p:ph idx="1"/>
+          </p:nvPr>
+        </p:nvSpPr>
+        <p:spPr/>
+        <p:txBody>
+          <a:bodyPr/>
+          <a:lstStyle/>
+          <a:p>
+            <a:pPr marL="0" indent="0">
+              <a:buNone/>
+            </a:pPr>
+            <a:r>
+              <a:rPr lang="sr-Latn-RS" sz="2700" dirty="0" smtClean="0"/>
+              <a:t>Šta </a:t>
+            </a:r>
+            <a:r>
+              <a:rPr lang="sr-Latn-RS" sz="2700" dirty="0"/>
+              <a:t>se dešava ako izbrišemo svojstvo u objektu koje je definisano u prototipu?</a:t>
+            </a:r>
+            <a:endParaRPr lang="en-GB" sz="2700" dirty="0"/>
+          </a:p>
+          <a:p>
+            <a:endParaRPr lang="sr-Latn-RS" dirty="0" smtClean="0"/>
+          </a:p>
+          <a:p>
+            <a:pPr marL="0" indent="0">
+              <a:buNone/>
+            </a:pPr>
+            <a:r>
+              <a:rPr lang="en-GB" sz="2400" dirty="0">
+                <a:latin typeface="Courier New" panose="02070309020205020404" pitchFamily="49" charset="0"/>
+                <a:cs typeface="Courier New" panose="02070309020205020404" pitchFamily="49" charset="0"/>
+              </a:rPr>
+              <a:t>delete studentPeraPeric.lk</a:t>
+            </a:r>
+            <a:r>
+              <a:rPr lang="en-GB" sz="2400" dirty="0" smtClean="0">
+                <a:latin typeface="Courier New" panose="02070309020205020404" pitchFamily="49" charset="0"/>
+                <a:cs typeface="Courier New" panose="02070309020205020404" pitchFamily="49" charset="0"/>
+              </a:rPr>
+              <a:t>;</a:t>
+            </a:r>
+            <a:endParaRPr lang="sr-Latn-RS" sz="2400" dirty="0" smtClean="0">
+              <a:latin typeface="Courier New" panose="02070309020205020404" pitchFamily="49" charset="0"/>
+              <a:cs typeface="Courier New" panose="02070309020205020404" pitchFamily="49" charset="0"/>
+            </a:endParaRPr>
+          </a:p>
+          <a:p>
+            <a:pPr marL="0" indent="0">
+              <a:buNone/>
+            </a:pPr>
+            <a:endParaRPr lang="sr-Latn-RS" sz="2400" dirty="0">
+              <a:latin typeface="Courier New" panose="02070309020205020404" pitchFamily="49" charset="0"/>
+              <a:cs typeface="Courier New" panose="02070309020205020404" pitchFamily="49" charset="0"/>
+            </a:endParaRPr>
+          </a:p>
+          <a:p>
+            <a:pPr marL="0" indent="0">
+              <a:buNone/>
+            </a:pPr>
+            <a:endParaRPr lang="en-GB" dirty="0"/>
+          </a:p>
+        </p:txBody>
+      </p:sp>
+    </p:spTree>
+    <p:extLst>
+      <p:ext uri="{BB962C8B-B14F-4D97-AF65-F5344CB8AC3E}">
+        <p14:creationId xmlns:p14="http://schemas.microsoft.com/office/powerpoint/2010/main" val="2085294804"/>
+      </p:ext>
+    </p:extLst>
+  </p:cSld>
+  <p:clrMapOvr>
+    <a:masterClrMapping/>
+  </p:clrMapOvr>
+  <p:timing>
+    <p:tnLst>
+      <p:par>
+        <p:cTn id="1" dur="indefinite" restart="never" nodeType="tmRoot"/>
+      </p:par>
+    </p:tnLst>
+  </p:timing>
+</p:sld>
+</file>
+
+<file path=ppt/slides/slide33.xml><?xml version="1.0" encoding="utf-8"?>
+<p:sld xmlns:a="http://schemas.openxmlformats.org/drawingml/2006/main" xmlns:r="http://schemas.openxmlformats.org/officeDocument/2006/relationships" xmlns:p="http://schemas.openxmlformats.org/presentationml/2006/main">
+  <p:cSld>
+    <p:spTree>
+      <p:nvGrpSpPr>
+        <p:cNvPr id="1" name=""/>
+        <p:cNvGrpSpPr/>
+        <p:nvPr/>
+      </p:nvGrpSpPr>
+      <p:grpSpPr>
+        <a:xfrm>
+          <a:off x="0" y="0"/>
+          <a:ext cx="0" cy="0"/>
+          <a:chOff x="0" y="0"/>
+          <a:chExt cx="0" cy="0"/>
+        </a:xfrm>
+      </p:grpSpPr>
+      <p:sp>
+        <p:nvSpPr>
+          <p:cNvPr id="2" name="Title 1"/>
+          <p:cNvSpPr>
+            <a:spLocks noGrp="1"/>
+          </p:cNvSpPr>
+          <p:nvPr>
+            <p:ph type="title"/>
+          </p:nvPr>
+        </p:nvSpPr>
+        <p:spPr/>
+        <p:txBody>
+          <a:bodyPr/>
+          <a:lstStyle/>
+          <a:p>
+            <a:r>
+              <a:rPr lang="sr-Latn-RS" dirty="0" smtClean="0"/>
+              <a:t>Brisanje </a:t>
+            </a:r>
+            <a:r>
+              <a:rPr lang="sr-Latn-RS" dirty="0" smtClean="0"/>
+              <a:t>svojstva prototipa</a:t>
+            </a:r>
+            <a:endParaRPr lang="en-GB" dirty="0"/>
+          </a:p>
+        </p:txBody>
+      </p:sp>
+      <p:sp>
+        <p:nvSpPr>
+          <p:cNvPr id="3" name="Content Placeholder 2"/>
+          <p:cNvSpPr>
+            <a:spLocks noGrp="1"/>
+          </p:cNvSpPr>
+          <p:nvPr>
+            <p:ph idx="1"/>
+          </p:nvPr>
+        </p:nvSpPr>
+        <p:spPr/>
+        <p:txBody>
+          <a:bodyPr/>
+          <a:lstStyle/>
+          <a:p>
+            <a:pPr marL="0" indent="0">
+              <a:buNone/>
+            </a:pPr>
+            <a:r>
+              <a:rPr lang="sr-Latn-RS" sz="2700" dirty="0" smtClean="0"/>
+              <a:t>Šta </a:t>
+            </a:r>
+            <a:r>
+              <a:rPr lang="sr-Latn-RS" sz="2700" dirty="0"/>
+              <a:t>se dešava ako izbrišemo svojstvo u objektu koje je definisano u prototipu?</a:t>
+            </a:r>
+            <a:endParaRPr lang="en-GB" sz="2700" dirty="0"/>
+          </a:p>
+          <a:p>
+            <a:endParaRPr lang="sr-Latn-RS" dirty="0" smtClean="0"/>
+          </a:p>
+          <a:p>
+            <a:pPr marL="0" indent="0">
+              <a:buNone/>
+            </a:pPr>
+            <a:r>
+              <a:rPr lang="en-GB" sz="2400" dirty="0">
+                <a:latin typeface="Courier New" panose="02070309020205020404" pitchFamily="49" charset="0"/>
+                <a:cs typeface="Courier New" panose="02070309020205020404" pitchFamily="49" charset="0"/>
+              </a:rPr>
+              <a:t>delete studentPeraPeric.lk</a:t>
+            </a:r>
+            <a:r>
+              <a:rPr lang="en-GB" sz="2400" dirty="0" smtClean="0">
+                <a:latin typeface="Courier New" panose="02070309020205020404" pitchFamily="49" charset="0"/>
+                <a:cs typeface="Courier New" panose="02070309020205020404" pitchFamily="49" charset="0"/>
+              </a:rPr>
+              <a:t>;</a:t>
+            </a:r>
+            <a:endParaRPr lang="sr-Latn-RS" sz="2400" dirty="0" smtClean="0">
+              <a:latin typeface="Courier New" panose="02070309020205020404" pitchFamily="49" charset="0"/>
+              <a:cs typeface="Courier New" panose="02070309020205020404" pitchFamily="49" charset="0"/>
+            </a:endParaRPr>
+          </a:p>
+          <a:p>
+            <a:pPr marL="0" indent="0">
+              <a:buNone/>
+            </a:pPr>
+            <a:endParaRPr lang="sr-Latn-RS" sz="2400" dirty="0" smtClean="0">
+              <a:latin typeface="Courier New" panose="02070309020205020404" pitchFamily="49" charset="0"/>
+              <a:cs typeface="Courier New" panose="02070309020205020404" pitchFamily="49" charset="0"/>
+            </a:endParaRPr>
+          </a:p>
+          <a:p>
+            <a:r>
+              <a:rPr lang="sr-Latn-RS" sz="2400" dirty="0">
+                <a:latin typeface="Courier New" panose="02070309020205020404" pitchFamily="49" charset="0"/>
+                <a:cs typeface="Courier New" panose="02070309020205020404" pitchFamily="49" charset="0"/>
+              </a:rPr>
+              <a:t>delete </a:t>
+            </a:r>
+            <a:r>
+              <a:rPr lang="sr-Latn-RS" sz="2400" dirty="0">
+                <a:cs typeface="Courier New" panose="02070309020205020404" pitchFamily="49" charset="0"/>
+              </a:rPr>
+              <a:t>operator briše samo sopstvena svojstva, ne birše svojstva prototipa</a:t>
+            </a:r>
+            <a:r>
+              <a:rPr lang="sr-Latn-RS" sz="2400" dirty="0" smtClean="0">
+                <a:cs typeface="Courier New" panose="02070309020205020404" pitchFamily="49" charset="0"/>
+              </a:rPr>
+              <a:t>.</a:t>
+            </a:r>
+          </a:p>
+          <a:p>
+            <a:r>
+              <a:rPr lang="sr-Latn-RS" sz="2400" dirty="0" smtClean="0">
+                <a:cs typeface="Courier New" panose="02070309020205020404" pitchFamily="49" charset="0"/>
+              </a:rPr>
+              <a:t>Ukoliko želimo da obrišemo svojstvo iz prototipa, to moramo da učinimo nad prototipskim objektom</a:t>
+            </a:r>
+          </a:p>
+          <a:p>
+            <a:pPr lvl="1"/>
+            <a:r>
+              <a:rPr lang="sr-Latn-RS" sz="2000" dirty="0" smtClean="0">
+                <a:cs typeface="Courier New" panose="02070309020205020404" pitchFamily="49" charset="0"/>
+              </a:rPr>
+              <a:t>Ovo ima uticaj na čitav lanac nasleđivanja</a:t>
+            </a:r>
+            <a:endParaRPr lang="en-GB" sz="2000" dirty="0">
+              <a:cs typeface="Courier New" panose="02070309020205020404" pitchFamily="49" charset="0"/>
+            </a:endParaRPr>
+          </a:p>
+          <a:p>
+            <a:pPr marL="0" indent="0">
+              <a:buNone/>
+            </a:pPr>
+            <a:endParaRPr lang="sr-Latn-RS" sz="2400" dirty="0">
+              <a:latin typeface="Courier New" panose="02070309020205020404" pitchFamily="49" charset="0"/>
+              <a:cs typeface="Courier New" panose="02070309020205020404" pitchFamily="49" charset="0"/>
+            </a:endParaRPr>
+          </a:p>
+          <a:p>
+            <a:pPr marL="0" indent="0">
+              <a:buNone/>
+            </a:pPr>
+            <a:endParaRPr lang="en-GB" dirty="0"/>
+          </a:p>
+        </p:txBody>
+      </p:sp>
+    </p:spTree>
+    <p:extLst>
+      <p:ext uri="{BB962C8B-B14F-4D97-AF65-F5344CB8AC3E}">
+        <p14:creationId xmlns:p14="http://schemas.microsoft.com/office/powerpoint/2010/main" val="3855306799"/>
+      </p:ext>
+    </p:extLst>
+  </p:cSld>
+  <p:clrMapOvr>
+    <a:masterClrMapping/>
+  </p:clrMapOvr>
+  <p:timing>
+    <p:tnLst>
+      <p:par>
+        <p:cTn id="1" dur="indefinite" restart="never" nodeType="tmRoot"/>
+      </p:par>
+    </p:tnLst>
+  </p:timing>
+</p:sld>
+</file>
+
+<file path=ppt/slides/slide34.xml><?xml version="1.0" encoding="utf-8"?>
+<p:sld xmlns:a="http://schemas.openxmlformats.org/drawingml/2006/main" xmlns:r="http://schemas.openxmlformats.org/officeDocument/2006/relationships" xmlns:p="http://schemas.openxmlformats.org/presentationml/2006/main">
+  <p:cSld>
+    <p:spTree>
+      <p:nvGrpSpPr>
+        <p:cNvPr id="1" name=""/>
+        <p:cNvGrpSpPr/>
+        <p:nvPr/>
+      </p:nvGrpSpPr>
+      <p:grpSpPr>
+        <a:xfrm>
+          <a:off x="0" y="0"/>
+          <a:ext cx="0" cy="0"/>
+          <a:chOff x="0" y="0"/>
+          <a:chExt cx="0" cy="0"/>
+        </a:xfrm>
+      </p:grpSpPr>
+      <p:sp>
+        <p:nvSpPr>
+          <p:cNvPr id="2" name="Title 1"/>
+          <p:cNvSpPr>
+            <a:spLocks noGrp="1"/>
+          </p:cNvSpPr>
+          <p:nvPr>
+            <p:ph type="title"/>
+          </p:nvPr>
+        </p:nvSpPr>
+        <p:spPr/>
+        <p:txBody>
+          <a:bodyPr/>
+          <a:lstStyle/>
+          <a:p>
+            <a:r>
+              <a:rPr lang="sr-Latn-RS" dirty="0" smtClean="0"/>
+              <a:t>Atributi svojstava</a:t>
+            </a:r>
+            <a:endParaRPr lang="en-GB" dirty="0"/>
+          </a:p>
+        </p:txBody>
+      </p:sp>
+      <p:sp>
+        <p:nvSpPr>
+          <p:cNvPr id="3" name="Content Placeholder 2"/>
+          <p:cNvSpPr>
+            <a:spLocks noGrp="1"/>
+          </p:cNvSpPr>
+          <p:nvPr>
+            <p:ph idx="1"/>
+          </p:nvPr>
+        </p:nvSpPr>
+        <p:spPr/>
+        <p:txBody>
+          <a:bodyPr>
+            <a:normAutofit/>
+          </a:bodyPr>
+          <a:lstStyle/>
+          <a:p>
+            <a:r>
+              <a:rPr lang="sr-Latn-RS" dirty="0" smtClean="0"/>
+              <a:t>Svako svojstvo opisano je sa 4 vrednosti:</a:t>
+            </a:r>
+          </a:p>
+          <a:p>
+            <a:pPr lvl="1"/>
+            <a:r>
+              <a:rPr lang="en-GB" i="1" dirty="0"/>
+              <a:t>value</a:t>
+            </a:r>
+            <a:r>
+              <a:rPr lang="en-GB" dirty="0"/>
+              <a:t>, </a:t>
+            </a:r>
+            <a:endParaRPr lang="sr-Latn-RS" dirty="0" smtClean="0"/>
+          </a:p>
+          <a:p>
+            <a:pPr lvl="1"/>
+            <a:r>
+              <a:rPr lang="sr-Latn-RS" i="1" dirty="0"/>
+              <a:t>w</a:t>
+            </a:r>
+            <a:r>
+              <a:rPr lang="en-GB" i="1" dirty="0" err="1" smtClean="0"/>
+              <a:t>ritable</a:t>
+            </a:r>
+            <a:r>
+              <a:rPr lang="sr-Latn-RS" i="1" dirty="0" smtClean="0"/>
+              <a:t> – ako je false, vrednost ne može da se izmeni</a:t>
+            </a:r>
+            <a:r>
+              <a:rPr lang="en-GB" dirty="0" smtClean="0"/>
+              <a:t>,</a:t>
+            </a:r>
+            <a:endParaRPr lang="en-GB" dirty="0"/>
+          </a:p>
+          <a:p>
+            <a:pPr lvl="1"/>
+            <a:r>
+              <a:rPr lang="sr-Latn-RS" i="1" dirty="0"/>
+              <a:t>e</a:t>
+            </a:r>
+            <a:r>
+              <a:rPr lang="en-GB" i="1" dirty="0" smtClean="0"/>
+              <a:t>numerable</a:t>
+            </a:r>
+            <a:r>
+              <a:rPr lang="sr-Latn-RS" i="1" dirty="0" smtClean="0"/>
+              <a:t> – ako je true, svojstvu može da se pristupi u for petlji </a:t>
+            </a:r>
+            <a:r>
+              <a:rPr lang="en-GB" dirty="0"/>
+              <a:t>(</a:t>
+            </a:r>
+            <a:r>
+              <a:rPr lang="en-GB" dirty="0" err="1"/>
+              <a:t>var</a:t>
+            </a:r>
+            <a:r>
+              <a:rPr lang="en-GB" dirty="0"/>
+              <a:t> prop in </a:t>
+            </a:r>
+            <a:r>
+              <a:rPr lang="en-GB" dirty="0" err="1"/>
+              <a:t>obj</a:t>
+            </a:r>
+            <a:r>
+              <a:rPr lang="en-GB" dirty="0"/>
+              <a:t>){}</a:t>
+            </a:r>
+            <a:r>
+              <a:rPr lang="en-GB" dirty="0" smtClean="0"/>
+              <a:t>, </a:t>
+            </a:r>
+            <a:endParaRPr lang="sr-Latn-RS" dirty="0" smtClean="0"/>
+          </a:p>
+          <a:p>
+            <a:pPr lvl="1"/>
+            <a:r>
+              <a:rPr lang="sr-Latn-RS" dirty="0" smtClean="0"/>
+              <a:t>i</a:t>
+            </a:r>
+            <a:r>
+              <a:rPr lang="en-GB" dirty="0" smtClean="0"/>
+              <a:t> </a:t>
+            </a:r>
+            <a:r>
+              <a:rPr lang="en-GB" i="1" dirty="0" smtClean="0"/>
+              <a:t>configurable</a:t>
+            </a:r>
+            <a:r>
+              <a:rPr lang="sr-Latn-RS" i="1" dirty="0" smtClean="0"/>
+              <a:t> – ako je false vrednost ne može da se izmeni, </a:t>
+            </a:r>
+            <a:r>
+              <a:rPr lang="sr-Latn-RS" b="1" i="1" dirty="0" smtClean="0"/>
+              <a:t>niti izbriše</a:t>
+            </a:r>
+          </a:p>
+          <a:p>
+            <a:pPr lvl="1"/>
+            <a:endParaRPr lang="en-GB" dirty="0"/>
+          </a:p>
+        </p:txBody>
+      </p:sp>
+    </p:spTree>
+    <p:extLst>
+      <p:ext uri="{BB962C8B-B14F-4D97-AF65-F5344CB8AC3E}">
+        <p14:creationId xmlns:p14="http://schemas.microsoft.com/office/powerpoint/2010/main" val="2786401151"/>
+      </p:ext>
+    </p:extLst>
+  </p:cSld>
+  <p:clrMapOvr>
+    <a:masterClrMapping/>
+  </p:clrMapOvr>
+  <p:timing>
+    <p:tnLst>
+      <p:par>
+        <p:cTn id="1" dur="indefinite" restart="never" nodeType="tmRoot"/>
+      </p:par>
+    </p:tnLst>
+  </p:timing>
+</p:sld>
+</file>
+
+<file path=ppt/slides/slide35.xml><?xml version="1.0" encoding="utf-8"?>
+<p:sld xmlns:a="http://schemas.openxmlformats.org/drawingml/2006/main" xmlns:r="http://schemas.openxmlformats.org/officeDocument/2006/relationships" xmlns:p="http://schemas.openxmlformats.org/presentationml/2006/main">
+  <p:cSld>
+    <p:spTree>
+      <p:nvGrpSpPr>
+        <p:cNvPr id="1" name=""/>
+        <p:cNvGrpSpPr/>
+        <p:nvPr/>
+      </p:nvGrpSpPr>
+      <p:grpSpPr>
+        <a:xfrm>
+          <a:off x="0" y="0"/>
+          <a:ext cx="0" cy="0"/>
+          <a:chOff x="0" y="0"/>
+          <a:chExt cx="0" cy="0"/>
+        </a:xfrm>
+      </p:grpSpPr>
+      <p:sp>
+        <p:nvSpPr>
+          <p:cNvPr id="2" name="Title 1"/>
+          <p:cNvSpPr>
+            <a:spLocks noGrp="1"/>
+          </p:cNvSpPr>
+          <p:nvPr>
+            <p:ph type="title"/>
+          </p:nvPr>
+        </p:nvSpPr>
+        <p:spPr/>
+        <p:txBody>
+          <a:bodyPr/>
+          <a:lstStyle/>
+          <a:p>
+            <a:r>
+              <a:rPr lang="sr-Latn-RS" dirty="0" smtClean="0"/>
+              <a:t>Pristup atributima svojstva</a:t>
+            </a:r>
+            <a:endParaRPr lang="en-GB" dirty="0"/>
+          </a:p>
+        </p:txBody>
+      </p:sp>
+      <p:sp>
+        <p:nvSpPr>
+          <p:cNvPr id="3" name="Content Placeholder 2"/>
+          <p:cNvSpPr>
+            <a:spLocks noGrp="1"/>
+          </p:cNvSpPr>
+          <p:nvPr>
+            <p:ph idx="1"/>
+          </p:nvPr>
+        </p:nvSpPr>
+        <p:spPr/>
+        <p:txBody>
+          <a:bodyPr>
+            <a:normAutofit/>
+          </a:bodyPr>
+          <a:lstStyle/>
+          <a:p>
+            <a:r>
+              <a:rPr lang="en-GB" dirty="0" err="1"/>
+              <a:t>Object.getOwnPropertyDescriptor</a:t>
+            </a:r>
+            <a:r>
+              <a:rPr lang="en-GB" dirty="0" smtClean="0"/>
+              <a:t>()</a:t>
+            </a:r>
+            <a:endParaRPr lang="sr-Latn-RS" dirty="0" smtClean="0"/>
+          </a:p>
+          <a:p>
+            <a:pPr marL="0" indent="0">
+              <a:buNone/>
+            </a:pPr>
+            <a:r>
+              <a:rPr lang="en-GB" sz="1800" dirty="0" err="1">
+                <a:latin typeface="Courier New" panose="02070309020205020404" pitchFamily="49" charset="0"/>
+                <a:cs typeface="Courier New" panose="02070309020205020404" pitchFamily="49" charset="0"/>
+              </a:rPr>
+              <a:t>Object.getOwnPropertyDescriptor</a:t>
+            </a:r>
+            <a:r>
+              <a:rPr lang="en-GB" sz="1800" dirty="0">
+                <a:latin typeface="Courier New" panose="02070309020205020404" pitchFamily="49" charset="0"/>
+                <a:cs typeface="Courier New" panose="02070309020205020404" pitchFamily="49" charset="0"/>
+              </a:rPr>
+              <a:t>({x:1}, "x</a:t>
+            </a:r>
+            <a:r>
+              <a:rPr lang="en-GB" sz="1800" dirty="0" smtClean="0">
+                <a:latin typeface="Courier New" panose="02070309020205020404" pitchFamily="49" charset="0"/>
+                <a:cs typeface="Courier New" panose="02070309020205020404" pitchFamily="49" charset="0"/>
+              </a:rPr>
+              <a:t>");</a:t>
+            </a:r>
+            <a:endParaRPr lang="sr-Latn-RS" sz="1800" dirty="0" smtClean="0">
+              <a:latin typeface="Courier New" panose="02070309020205020404" pitchFamily="49" charset="0"/>
+              <a:cs typeface="Courier New" panose="02070309020205020404" pitchFamily="49" charset="0"/>
+            </a:endParaRPr>
+          </a:p>
+          <a:p>
+            <a:pPr marL="0" indent="0">
+              <a:buNone/>
+            </a:pPr>
+            <a:r>
+              <a:rPr lang="sr-Latn-RS" sz="1800" dirty="0" smtClean="0">
+                <a:latin typeface="Courier New" panose="02070309020205020404" pitchFamily="49" charset="0"/>
+                <a:cs typeface="Courier New" panose="02070309020205020404" pitchFamily="49" charset="0"/>
+              </a:rPr>
+              <a:t>//</a:t>
+            </a:r>
+            <a:r>
+              <a:rPr lang="en-GB" sz="1800" dirty="0">
+                <a:latin typeface="Courier New" panose="02070309020205020404" pitchFamily="49" charset="0"/>
+                <a:cs typeface="Courier New" panose="02070309020205020404" pitchFamily="49" charset="0"/>
+              </a:rPr>
+              <a:t>{value: 1, writable: true, enumerable: true, configurable: true</a:t>
+            </a:r>
+            <a:r>
+              <a:rPr lang="en-GB" sz="1800" dirty="0" smtClean="0">
+                <a:latin typeface="Courier New" panose="02070309020205020404" pitchFamily="49" charset="0"/>
+                <a:cs typeface="Courier New" panose="02070309020205020404" pitchFamily="49" charset="0"/>
+              </a:rPr>
+              <a:t>}</a:t>
+            </a:r>
+            <a:endParaRPr lang="sr-Latn-RS" sz="1800" dirty="0" smtClean="0">
+              <a:latin typeface="Courier New" panose="02070309020205020404" pitchFamily="49" charset="0"/>
+              <a:cs typeface="Courier New" panose="02070309020205020404" pitchFamily="49" charset="0"/>
+            </a:endParaRPr>
+          </a:p>
+          <a:p>
+            <a:pPr marL="0" indent="0">
+              <a:buNone/>
+            </a:pPr>
+            <a:r>
+              <a:rPr lang="en-GB" sz="1800" dirty="0" err="1">
+                <a:latin typeface="Courier New" panose="02070309020205020404" pitchFamily="49" charset="0"/>
+                <a:cs typeface="Courier New" panose="02070309020205020404" pitchFamily="49" charset="0"/>
+              </a:rPr>
+              <a:t>Object.getOwnPropertyDescriptor</a:t>
+            </a:r>
+            <a:r>
+              <a:rPr lang="en-GB" sz="1800" dirty="0">
+                <a:latin typeface="Courier New" panose="02070309020205020404" pitchFamily="49" charset="0"/>
+                <a:cs typeface="Courier New" panose="02070309020205020404" pitchFamily="49" charset="0"/>
+              </a:rPr>
+              <a:t>({}, "x"); </a:t>
+            </a:r>
+            <a:endParaRPr lang="sr-Latn-RS" sz="1800" dirty="0" smtClean="0">
+              <a:latin typeface="Courier New" panose="02070309020205020404" pitchFamily="49" charset="0"/>
+              <a:cs typeface="Courier New" panose="02070309020205020404" pitchFamily="49" charset="0"/>
+            </a:endParaRPr>
+          </a:p>
+          <a:p>
+            <a:pPr marL="0" indent="0">
+              <a:buNone/>
+            </a:pPr>
+            <a:r>
+              <a:rPr lang="en-GB" sz="1800" dirty="0" smtClean="0">
+                <a:latin typeface="Courier New" panose="02070309020205020404" pitchFamily="49" charset="0"/>
+                <a:cs typeface="Courier New" panose="02070309020205020404" pitchFamily="49" charset="0"/>
+              </a:rPr>
+              <a:t>// </a:t>
+            </a:r>
+            <a:r>
+              <a:rPr lang="en-GB" sz="1800" dirty="0">
+                <a:latin typeface="Courier New" panose="02070309020205020404" pitchFamily="49" charset="0"/>
+                <a:cs typeface="Courier New" panose="02070309020205020404" pitchFamily="49" charset="0"/>
+              </a:rPr>
+              <a:t>undefined, </a:t>
+            </a:r>
+            <a:r>
+              <a:rPr lang="sr-Latn-RS" sz="1800" dirty="0" smtClean="0">
+                <a:latin typeface="Courier New" panose="02070309020205020404" pitchFamily="49" charset="0"/>
+                <a:cs typeface="Courier New" panose="02070309020205020404" pitchFamily="49" charset="0"/>
+              </a:rPr>
+              <a:t>ne postoji svojstvo</a:t>
+            </a:r>
+            <a:endParaRPr lang="en-GB" sz="1800" dirty="0">
+              <a:latin typeface="Courier New" panose="02070309020205020404" pitchFamily="49" charset="0"/>
+              <a:cs typeface="Courier New" panose="02070309020205020404" pitchFamily="49" charset="0"/>
+            </a:endParaRPr>
+          </a:p>
+          <a:p>
+            <a:pPr marL="0" indent="0">
+              <a:buNone/>
+            </a:pPr>
+            <a:r>
+              <a:rPr lang="en-GB" sz="1800" dirty="0" err="1">
+                <a:latin typeface="Courier New" panose="02070309020205020404" pitchFamily="49" charset="0"/>
+                <a:cs typeface="Courier New" panose="02070309020205020404" pitchFamily="49" charset="0"/>
+              </a:rPr>
+              <a:t>Object.getOwnPropertyDescriptor</a:t>
+            </a:r>
+            <a:r>
+              <a:rPr lang="en-GB" sz="1800" dirty="0">
+                <a:latin typeface="Courier New" panose="02070309020205020404" pitchFamily="49" charset="0"/>
+                <a:cs typeface="Courier New" panose="02070309020205020404" pitchFamily="49" charset="0"/>
+              </a:rPr>
+              <a:t>({}, "</a:t>
+            </a:r>
+            <a:r>
+              <a:rPr lang="en-GB" sz="1800" dirty="0" err="1">
+                <a:latin typeface="Courier New" panose="02070309020205020404" pitchFamily="49" charset="0"/>
+                <a:cs typeface="Courier New" panose="02070309020205020404" pitchFamily="49" charset="0"/>
+              </a:rPr>
+              <a:t>toString</a:t>
+            </a:r>
+            <a:r>
+              <a:rPr lang="en-GB" sz="1800" dirty="0" smtClean="0">
+                <a:latin typeface="Courier New" panose="02070309020205020404" pitchFamily="49" charset="0"/>
+                <a:cs typeface="Courier New" panose="02070309020205020404" pitchFamily="49" charset="0"/>
+              </a:rPr>
+              <a:t>");</a:t>
+            </a:r>
+            <a:r>
+              <a:rPr lang="sr-Latn-RS" sz="1800" dirty="0" smtClean="0">
+                <a:latin typeface="Courier New" panose="02070309020205020404" pitchFamily="49" charset="0"/>
+                <a:cs typeface="Courier New" panose="02070309020205020404" pitchFamily="49" charset="0"/>
+              </a:rPr>
+              <a:t> //undefined, ne može se pristupiti atributima svojstva iz prototipa</a:t>
+            </a:r>
+            <a:endParaRPr lang="en-GB" sz="1800" dirty="0">
+              <a:latin typeface="Courier New" panose="02070309020205020404" pitchFamily="49" charset="0"/>
+              <a:cs typeface="Courier New" panose="02070309020205020404" pitchFamily="49" charset="0"/>
+            </a:endParaRPr>
+          </a:p>
+        </p:txBody>
+      </p:sp>
+    </p:spTree>
+    <p:extLst>
+      <p:ext uri="{BB962C8B-B14F-4D97-AF65-F5344CB8AC3E}">
+        <p14:creationId xmlns:p14="http://schemas.microsoft.com/office/powerpoint/2010/main" val="518338571"/>
+      </p:ext>
+    </p:extLst>
+  </p:cSld>
+  <p:clrMapOvr>
+    <a:masterClrMapping/>
+  </p:clrMapOvr>
+  <p:timing>
+    <p:tnLst>
+      <p:par>
+        <p:cTn id="1" dur="indefinite" restart="never" nodeType="tmRoot"/>
+      </p:par>
+    </p:tnLst>
+  </p:timing>
+</p:sld>
+</file>
+
+<file path=ppt/slides/slide36.xml><?xml version="1.0" encoding="utf-8"?>
+<p:sld xmlns:a="http://schemas.openxmlformats.org/drawingml/2006/main" xmlns:r="http://schemas.openxmlformats.org/officeDocument/2006/relationships" xmlns:p="http://schemas.openxmlformats.org/presentationml/2006/main">
+  <p:cSld>
+    <p:spTree>
+      <p:nvGrpSpPr>
+        <p:cNvPr id="1" name=""/>
+        <p:cNvGrpSpPr/>
+        <p:nvPr/>
+      </p:nvGrpSpPr>
+      <p:grpSpPr>
+        <a:xfrm>
+          <a:off x="0" y="0"/>
+          <a:ext cx="0" cy="0"/>
+          <a:chOff x="0" y="0"/>
+          <a:chExt cx="0" cy="0"/>
+        </a:xfrm>
+      </p:grpSpPr>
+      <p:sp>
+        <p:nvSpPr>
+          <p:cNvPr id="2" name="Title 1"/>
+          <p:cNvSpPr>
+            <a:spLocks noGrp="1"/>
+          </p:cNvSpPr>
+          <p:nvPr>
+            <p:ph type="title"/>
+          </p:nvPr>
+        </p:nvSpPr>
+        <p:spPr/>
+        <p:txBody>
+          <a:bodyPr>
+            <a:normAutofit fontScale="90000"/>
+          </a:bodyPr>
+          <a:lstStyle/>
+          <a:p>
+            <a:r>
+              <a:rPr lang="sr-Latn-RS" dirty="0" smtClean="0"/>
+              <a:t>Postavljanje atributa svojstava prilikom kreiranja objekta</a:t>
+            </a:r>
+            <a:endParaRPr lang="en-GB" dirty="0"/>
+          </a:p>
+        </p:txBody>
+      </p:sp>
+      <p:sp>
+        <p:nvSpPr>
+          <p:cNvPr id="3" name="Content Placeholder 2"/>
+          <p:cNvSpPr>
+            <a:spLocks noGrp="1"/>
+          </p:cNvSpPr>
+          <p:nvPr>
+            <p:ph idx="1"/>
+          </p:nvPr>
+        </p:nvSpPr>
+        <p:spPr/>
+        <p:txBody>
+          <a:bodyPr>
+            <a:normAutofit/>
+          </a:bodyPr>
+          <a:lstStyle/>
+          <a:p>
+            <a:pPr marL="0" indent="0">
+              <a:buNone/>
+            </a:pPr>
+            <a:r>
+              <a:rPr lang="en-GB" sz="2000" dirty="0" err="1">
+                <a:latin typeface="Courier New" panose="02070309020205020404" pitchFamily="49" charset="0"/>
+                <a:cs typeface="Courier New" panose="02070309020205020404" pitchFamily="49" charset="0"/>
+              </a:rPr>
+              <a:t>var</a:t>
+            </a:r>
+            <a:r>
+              <a:rPr lang="en-GB" sz="2000" dirty="0">
+                <a:latin typeface="Courier New" panose="02070309020205020404" pitchFamily="49" charset="0"/>
+                <a:cs typeface="Courier New" panose="02070309020205020404" pitchFamily="49" charset="0"/>
+              </a:rPr>
+              <a:t> p = </a:t>
+            </a:r>
+            <a:r>
+              <a:rPr lang="en-GB" sz="2000" dirty="0" err="1">
+                <a:latin typeface="Courier New" panose="02070309020205020404" pitchFamily="49" charset="0"/>
+                <a:cs typeface="Courier New" panose="02070309020205020404" pitchFamily="49" charset="0"/>
+              </a:rPr>
+              <a:t>Object.create</a:t>
+            </a:r>
+            <a:r>
+              <a:rPr lang="en-GB" sz="2000" dirty="0">
+                <a:latin typeface="Courier New" panose="02070309020205020404" pitchFamily="49" charset="0"/>
+                <a:cs typeface="Courier New" panose="02070309020205020404" pitchFamily="49" charset="0"/>
+              </a:rPr>
+              <a:t>(</a:t>
+            </a:r>
+            <a:r>
+              <a:rPr lang="en-GB" sz="2000" dirty="0" err="1">
+                <a:latin typeface="Courier New" panose="02070309020205020404" pitchFamily="49" charset="0"/>
+                <a:cs typeface="Courier New" panose="02070309020205020404" pitchFamily="49" charset="0"/>
+              </a:rPr>
+              <a:t>Object.prototype</a:t>
+            </a:r>
+            <a:r>
+              <a:rPr lang="en-GB" sz="2000" dirty="0" smtClean="0">
+                <a:latin typeface="Courier New" panose="02070309020205020404" pitchFamily="49" charset="0"/>
+                <a:cs typeface="Courier New" panose="02070309020205020404" pitchFamily="49" charset="0"/>
+              </a:rPr>
+              <a:t>,</a:t>
+            </a:r>
+            <a:endParaRPr lang="sr-Latn-RS" sz="2000" dirty="0" smtClean="0">
+              <a:latin typeface="Courier New" panose="02070309020205020404" pitchFamily="49" charset="0"/>
+              <a:cs typeface="Courier New" panose="02070309020205020404" pitchFamily="49" charset="0"/>
+            </a:endParaRPr>
+          </a:p>
+          <a:p>
+            <a:pPr marL="0" indent="0">
+              <a:buNone/>
+            </a:pPr>
+            <a:r>
+              <a:rPr lang="sr-Latn-RS" sz="2000" dirty="0">
+                <a:latin typeface="Courier New" panose="02070309020205020404" pitchFamily="49" charset="0"/>
+                <a:cs typeface="Courier New" panose="02070309020205020404" pitchFamily="49" charset="0"/>
+              </a:rPr>
+              <a:t>	</a:t>
+            </a:r>
+            <a:r>
+              <a:rPr lang="sr-Latn-RS" sz="2000" dirty="0" smtClean="0">
+                <a:latin typeface="Courier New" panose="02070309020205020404" pitchFamily="49" charset="0"/>
+                <a:cs typeface="Courier New" panose="02070309020205020404" pitchFamily="49" charset="0"/>
+              </a:rPr>
+              <a:t>	</a:t>
+            </a:r>
+            <a:r>
+              <a:rPr lang="en-GB" sz="2000" dirty="0" smtClean="0">
+                <a:latin typeface="Courier New" panose="02070309020205020404" pitchFamily="49" charset="0"/>
+                <a:cs typeface="Courier New" panose="02070309020205020404" pitchFamily="49" charset="0"/>
+              </a:rPr>
+              <a:t>{</a:t>
+            </a:r>
+            <a:r>
+              <a:rPr lang="en-GB" sz="2000" dirty="0">
+                <a:latin typeface="Courier New" panose="02070309020205020404" pitchFamily="49" charset="0"/>
+                <a:cs typeface="Courier New" panose="02070309020205020404" pitchFamily="49" charset="0"/>
+              </a:rPr>
+              <a:t>x:{value:1, </a:t>
+            </a:r>
+            <a:r>
+              <a:rPr lang="en-GB" sz="2000" b="1" dirty="0" err="1">
+                <a:latin typeface="Courier New" panose="02070309020205020404" pitchFamily="49" charset="0"/>
+                <a:cs typeface="Courier New" panose="02070309020205020404" pitchFamily="49" charset="0"/>
+              </a:rPr>
+              <a:t>configurable:true</a:t>
+            </a:r>
+            <a:r>
+              <a:rPr lang="en-GB" sz="2000" dirty="0" smtClean="0">
+                <a:latin typeface="Courier New" panose="02070309020205020404" pitchFamily="49" charset="0"/>
+                <a:cs typeface="Courier New" panose="02070309020205020404" pitchFamily="49" charset="0"/>
+              </a:rPr>
+              <a:t>}})</a:t>
+            </a:r>
+            <a:endParaRPr lang="sr-Latn-RS" sz="2000" dirty="0" smtClean="0">
+              <a:latin typeface="Courier New" panose="02070309020205020404" pitchFamily="49" charset="0"/>
+              <a:cs typeface="Courier New" panose="02070309020205020404" pitchFamily="49" charset="0"/>
+            </a:endParaRPr>
+          </a:p>
+          <a:p>
+            <a:pPr marL="0" indent="0">
+              <a:buNone/>
+            </a:pPr>
+            <a:r>
+              <a:rPr lang="en-GB" sz="2000" dirty="0" err="1">
+                <a:latin typeface="Courier New" panose="02070309020205020404" pitchFamily="49" charset="0"/>
+                <a:cs typeface="Courier New" panose="02070309020205020404" pitchFamily="49" charset="0"/>
+              </a:rPr>
+              <a:t>Object.getOwnPropertyDescriptor</a:t>
+            </a:r>
+            <a:r>
+              <a:rPr lang="en-GB" sz="2000" dirty="0">
+                <a:latin typeface="Courier New" panose="02070309020205020404" pitchFamily="49" charset="0"/>
+                <a:cs typeface="Courier New" panose="02070309020205020404" pitchFamily="49" charset="0"/>
+              </a:rPr>
+              <a:t>(</a:t>
+            </a:r>
+            <a:r>
+              <a:rPr lang="en-GB" sz="2000" dirty="0" err="1">
+                <a:latin typeface="Courier New" panose="02070309020205020404" pitchFamily="49" charset="0"/>
+                <a:cs typeface="Courier New" panose="02070309020205020404" pitchFamily="49" charset="0"/>
+              </a:rPr>
+              <a:t>p,'x</a:t>
+            </a:r>
+            <a:r>
+              <a:rPr lang="en-GB" sz="2000" dirty="0" smtClean="0">
+                <a:latin typeface="Courier New" panose="02070309020205020404" pitchFamily="49" charset="0"/>
+                <a:cs typeface="Courier New" panose="02070309020205020404" pitchFamily="49" charset="0"/>
+              </a:rPr>
+              <a:t>')</a:t>
+            </a:r>
+            <a:endParaRPr lang="sr-Latn-RS" sz="2000" dirty="0" smtClean="0">
+              <a:latin typeface="Courier New" panose="02070309020205020404" pitchFamily="49" charset="0"/>
+              <a:cs typeface="Courier New" panose="02070309020205020404" pitchFamily="49" charset="0"/>
+            </a:endParaRPr>
+          </a:p>
+          <a:p>
+            <a:pPr marL="0" indent="0">
+              <a:buNone/>
+            </a:pPr>
+            <a:r>
+              <a:rPr lang="sr-Latn-RS" sz="2000" dirty="0" smtClean="0">
+                <a:latin typeface="Courier New" panose="02070309020205020404" pitchFamily="49" charset="0"/>
+                <a:cs typeface="Courier New" panose="02070309020205020404" pitchFamily="49" charset="0"/>
+              </a:rPr>
+              <a:t>//</a:t>
+            </a:r>
+            <a:r>
+              <a:rPr lang="en-GB" sz="2000" dirty="0" smtClean="0">
+                <a:latin typeface="Courier New" panose="02070309020205020404" pitchFamily="49" charset="0"/>
+                <a:cs typeface="Courier New" panose="02070309020205020404" pitchFamily="49" charset="0"/>
+              </a:rPr>
+              <a:t>{</a:t>
+            </a:r>
+            <a:r>
+              <a:rPr lang="en-GB" sz="2000" dirty="0">
+                <a:latin typeface="Courier New" panose="02070309020205020404" pitchFamily="49" charset="0"/>
+                <a:cs typeface="Courier New" panose="02070309020205020404" pitchFamily="49" charset="0"/>
+              </a:rPr>
+              <a:t>value: 1, writable: false, enumerable: false, </a:t>
+            </a:r>
+            <a:endParaRPr lang="sr-Latn-RS" sz="2000" dirty="0" smtClean="0">
+              <a:latin typeface="Courier New" panose="02070309020205020404" pitchFamily="49" charset="0"/>
+              <a:cs typeface="Courier New" panose="02070309020205020404" pitchFamily="49" charset="0"/>
+            </a:endParaRPr>
+          </a:p>
+          <a:p>
+            <a:pPr marL="0" indent="0">
+              <a:buNone/>
+            </a:pPr>
+            <a:r>
+              <a:rPr lang="sr-Latn-RS" sz="2000" dirty="0" smtClean="0">
+                <a:latin typeface="Courier New" panose="02070309020205020404" pitchFamily="49" charset="0"/>
+                <a:cs typeface="Courier New" panose="02070309020205020404" pitchFamily="49" charset="0"/>
+              </a:rPr>
+              <a:t>//</a:t>
+            </a:r>
+            <a:r>
+              <a:rPr lang="en-GB" sz="2000" b="1" dirty="0" smtClean="0">
+                <a:latin typeface="Courier New" panose="02070309020205020404" pitchFamily="49" charset="0"/>
+                <a:cs typeface="Courier New" panose="02070309020205020404" pitchFamily="49" charset="0"/>
+              </a:rPr>
+              <a:t>configurable</a:t>
+            </a:r>
+            <a:r>
+              <a:rPr lang="en-GB" sz="2000" b="1" dirty="0">
+                <a:latin typeface="Courier New" panose="02070309020205020404" pitchFamily="49" charset="0"/>
+                <a:cs typeface="Courier New" panose="02070309020205020404" pitchFamily="49" charset="0"/>
+              </a:rPr>
+              <a:t>: true</a:t>
+            </a:r>
+            <a:r>
+              <a:rPr lang="en-GB" sz="2000" dirty="0">
+                <a:latin typeface="Courier New" panose="02070309020205020404" pitchFamily="49" charset="0"/>
+                <a:cs typeface="Courier New" panose="02070309020205020404" pitchFamily="49" charset="0"/>
+              </a:rPr>
+              <a:t>}</a:t>
+            </a:r>
+          </a:p>
+        </p:txBody>
+      </p:sp>
+    </p:spTree>
+    <p:extLst>
+      <p:ext uri="{BB962C8B-B14F-4D97-AF65-F5344CB8AC3E}">
+        <p14:creationId xmlns:p14="http://schemas.microsoft.com/office/powerpoint/2010/main" val="780733272"/>
+      </p:ext>
+    </p:extLst>
+  </p:cSld>
+  <p:clrMapOvr>
+    <a:masterClrMapping/>
+  </p:clrMapOvr>
+  <p:timing>
+    <p:tnLst>
+      <p:par>
+        <p:cTn id="1" dur="indefinite" restart="never" nodeType="tmRoot"/>
+      </p:par>
+    </p:tnLst>
+  </p:timing>
+</p:sld>
+</file>
+
+<file path=ppt/slides/slide37.xml><?xml version="1.0" encoding="utf-8"?>
+<p:sld xmlns:a="http://schemas.openxmlformats.org/drawingml/2006/main" xmlns:r="http://schemas.openxmlformats.org/officeDocument/2006/relationships" xmlns:p="http://schemas.openxmlformats.org/presentationml/2006/main">
+  <p:cSld>
+    <p:spTree>
+      <p:nvGrpSpPr>
+        <p:cNvPr id="1" name=""/>
+        <p:cNvGrpSpPr/>
+        <p:nvPr/>
+      </p:nvGrpSpPr>
+      <p:grpSpPr>
+        <a:xfrm>
+          <a:off x="0" y="0"/>
+          <a:ext cx="0" cy="0"/>
+          <a:chOff x="0" y="0"/>
+          <a:chExt cx="0" cy="0"/>
+        </a:xfrm>
+      </p:grpSpPr>
+      <p:sp>
+        <p:nvSpPr>
+          <p:cNvPr id="2" name="Title 1"/>
+          <p:cNvSpPr>
+            <a:spLocks noGrp="1"/>
+          </p:cNvSpPr>
+          <p:nvPr>
+            <p:ph type="title"/>
+          </p:nvPr>
+        </p:nvSpPr>
+        <p:spPr/>
+        <p:txBody>
+          <a:bodyPr>
+            <a:normAutofit fontScale="90000"/>
+          </a:bodyPr>
+          <a:lstStyle/>
+          <a:p>
+            <a:r>
+              <a:rPr lang="sr-Latn-RS" dirty="0" smtClean="0"/>
+              <a:t>Postavljanje atributa svojstava kreiranog objekta</a:t>
+            </a:r>
+            <a:endParaRPr lang="en-GB" dirty="0"/>
+          </a:p>
+        </p:txBody>
+      </p:sp>
+      <p:sp>
+        <p:nvSpPr>
+          <p:cNvPr id="3" name="Content Placeholder 2"/>
+          <p:cNvSpPr>
+            <a:spLocks noGrp="1"/>
+          </p:cNvSpPr>
+          <p:nvPr>
+            <p:ph idx="1"/>
+          </p:nvPr>
+        </p:nvSpPr>
+        <p:spPr/>
+        <p:txBody>
+          <a:bodyPr/>
+          <a:lstStyle/>
+          <a:p>
+            <a:pPr marL="0" indent="0">
+              <a:buNone/>
+            </a:pPr>
+            <a:r>
+              <a:rPr lang="en-GB" dirty="0" err="1">
+                <a:latin typeface="Courier New" panose="02070309020205020404" pitchFamily="49" charset="0"/>
+                <a:cs typeface="Courier New" panose="02070309020205020404" pitchFamily="49" charset="0"/>
+              </a:rPr>
+              <a:t>var</a:t>
+            </a:r>
+            <a:r>
+              <a:rPr lang="en-GB" dirty="0">
+                <a:latin typeface="Courier New" panose="02070309020205020404" pitchFamily="49" charset="0"/>
+                <a:cs typeface="Courier New" panose="02070309020205020404" pitchFamily="49" charset="0"/>
+              </a:rPr>
+              <a:t> o = </a:t>
+            </a:r>
+            <a:r>
+              <a:rPr lang="en-GB" dirty="0" smtClean="0">
+                <a:latin typeface="Courier New" panose="02070309020205020404" pitchFamily="49" charset="0"/>
+                <a:cs typeface="Courier New" panose="02070309020205020404" pitchFamily="49" charset="0"/>
+              </a:rPr>
+              <a:t>{};</a:t>
+            </a:r>
+            <a:endParaRPr lang="sr-Latn-RS" dirty="0" smtClean="0">
+              <a:latin typeface="Courier New" panose="02070309020205020404" pitchFamily="49" charset="0"/>
+              <a:cs typeface="Courier New" panose="02070309020205020404" pitchFamily="49" charset="0"/>
+            </a:endParaRPr>
+          </a:p>
+          <a:p>
+            <a:pPr marL="0" indent="0">
+              <a:buNone/>
+            </a:pPr>
+            <a:r>
+              <a:rPr lang="en-GB" dirty="0" err="1">
+                <a:latin typeface="Courier New" panose="02070309020205020404" pitchFamily="49" charset="0"/>
+                <a:cs typeface="Courier New" panose="02070309020205020404" pitchFamily="49" charset="0"/>
+              </a:rPr>
+              <a:t>Object.defineProperty</a:t>
+            </a:r>
+            <a:r>
+              <a:rPr lang="en-GB" dirty="0">
+                <a:latin typeface="Courier New" panose="02070309020205020404" pitchFamily="49" charset="0"/>
+                <a:cs typeface="Courier New" panose="02070309020205020404" pitchFamily="49" charset="0"/>
+              </a:rPr>
+              <a:t>(o, "x", </a:t>
+            </a:r>
+            <a:endParaRPr lang="sr-Latn-RS" dirty="0" smtClean="0">
+              <a:latin typeface="Courier New" panose="02070309020205020404" pitchFamily="49" charset="0"/>
+              <a:cs typeface="Courier New" panose="02070309020205020404" pitchFamily="49" charset="0"/>
+            </a:endParaRPr>
+          </a:p>
+          <a:p>
+            <a:pPr marL="0" indent="0">
+              <a:buNone/>
+            </a:pPr>
+            <a:r>
+              <a:rPr lang="en-GB" dirty="0" smtClean="0">
+                <a:latin typeface="Courier New" panose="02070309020205020404" pitchFamily="49" charset="0"/>
+                <a:cs typeface="Courier New" panose="02070309020205020404" pitchFamily="49" charset="0"/>
+              </a:rPr>
+              <a:t>{ </a:t>
+            </a:r>
+            <a:r>
+              <a:rPr lang="sr-Latn-RS" dirty="0" smtClean="0">
+                <a:latin typeface="Courier New" panose="02070309020205020404" pitchFamily="49" charset="0"/>
+                <a:cs typeface="Courier New" panose="02070309020205020404" pitchFamily="49" charset="0"/>
+              </a:rPr>
+              <a:t>	</a:t>
+            </a:r>
+            <a:r>
+              <a:rPr lang="en-GB" dirty="0" smtClean="0">
+                <a:latin typeface="Courier New" panose="02070309020205020404" pitchFamily="49" charset="0"/>
+                <a:cs typeface="Courier New" panose="02070309020205020404" pitchFamily="49" charset="0"/>
+              </a:rPr>
+              <a:t>value </a:t>
+            </a:r>
+            <a:r>
+              <a:rPr lang="en-GB" dirty="0">
+                <a:latin typeface="Courier New" panose="02070309020205020404" pitchFamily="49" charset="0"/>
+                <a:cs typeface="Courier New" panose="02070309020205020404" pitchFamily="49" charset="0"/>
+              </a:rPr>
+              <a:t>: 1,</a:t>
+            </a:r>
+          </a:p>
+          <a:p>
+            <a:pPr marL="0" indent="0">
+              <a:buNone/>
+            </a:pPr>
+            <a:r>
+              <a:rPr lang="sr-Latn-RS" dirty="0" smtClean="0">
+                <a:latin typeface="Courier New" panose="02070309020205020404" pitchFamily="49" charset="0"/>
+                <a:cs typeface="Courier New" panose="02070309020205020404" pitchFamily="49" charset="0"/>
+              </a:rPr>
+              <a:t>	</a:t>
+            </a:r>
+            <a:r>
+              <a:rPr lang="en-GB" dirty="0" smtClean="0">
+                <a:latin typeface="Courier New" panose="02070309020205020404" pitchFamily="49" charset="0"/>
+                <a:cs typeface="Courier New" panose="02070309020205020404" pitchFamily="49" charset="0"/>
+              </a:rPr>
+              <a:t>writable</a:t>
+            </a:r>
+            <a:r>
+              <a:rPr lang="en-GB" dirty="0">
+                <a:latin typeface="Courier New" panose="02070309020205020404" pitchFamily="49" charset="0"/>
+                <a:cs typeface="Courier New" panose="02070309020205020404" pitchFamily="49" charset="0"/>
+              </a:rPr>
+              <a:t>: true,</a:t>
+            </a:r>
+          </a:p>
+          <a:p>
+            <a:pPr marL="0" indent="0">
+              <a:buNone/>
+            </a:pPr>
+            <a:r>
+              <a:rPr lang="sr-Latn-RS" dirty="0" smtClean="0">
+                <a:latin typeface="Courier New" panose="02070309020205020404" pitchFamily="49" charset="0"/>
+                <a:cs typeface="Courier New" panose="02070309020205020404" pitchFamily="49" charset="0"/>
+              </a:rPr>
+              <a:t>	</a:t>
+            </a:r>
+            <a:r>
+              <a:rPr lang="en-GB" dirty="0" smtClean="0">
+                <a:latin typeface="Courier New" panose="02070309020205020404" pitchFamily="49" charset="0"/>
+                <a:cs typeface="Courier New" panose="02070309020205020404" pitchFamily="49" charset="0"/>
+              </a:rPr>
+              <a:t>enumerable</a:t>
+            </a:r>
+            <a:r>
+              <a:rPr lang="en-GB" dirty="0">
+                <a:latin typeface="Courier New" panose="02070309020205020404" pitchFamily="49" charset="0"/>
+                <a:cs typeface="Courier New" panose="02070309020205020404" pitchFamily="49" charset="0"/>
+              </a:rPr>
+              <a:t>: false,</a:t>
+            </a:r>
+          </a:p>
+          <a:p>
+            <a:pPr marL="0" indent="0">
+              <a:buNone/>
+            </a:pPr>
+            <a:r>
+              <a:rPr lang="sr-Latn-RS" dirty="0" smtClean="0">
+                <a:latin typeface="Courier New" panose="02070309020205020404" pitchFamily="49" charset="0"/>
+                <a:cs typeface="Courier New" panose="02070309020205020404" pitchFamily="49" charset="0"/>
+              </a:rPr>
+              <a:t>	</a:t>
+            </a:r>
+            <a:r>
+              <a:rPr lang="en-GB" dirty="0" smtClean="0">
+                <a:latin typeface="Courier New" panose="02070309020205020404" pitchFamily="49" charset="0"/>
+                <a:cs typeface="Courier New" panose="02070309020205020404" pitchFamily="49" charset="0"/>
+              </a:rPr>
+              <a:t>configurable</a:t>
+            </a:r>
+            <a:r>
+              <a:rPr lang="en-GB" dirty="0">
+                <a:latin typeface="Courier New" panose="02070309020205020404" pitchFamily="49" charset="0"/>
+                <a:cs typeface="Courier New" panose="02070309020205020404" pitchFamily="49" charset="0"/>
+              </a:rPr>
+              <a:t>: true});</a:t>
+            </a:r>
+            <a:endParaRPr lang="en-GB" dirty="0">
+              <a:latin typeface="Courier New" panose="02070309020205020404" pitchFamily="49" charset="0"/>
+              <a:cs typeface="Courier New" panose="02070309020205020404" pitchFamily="49" charset="0"/>
+            </a:endParaRPr>
+          </a:p>
+        </p:txBody>
+      </p:sp>
+    </p:spTree>
+    <p:extLst>
+      <p:ext uri="{BB962C8B-B14F-4D97-AF65-F5344CB8AC3E}">
+        <p14:creationId xmlns:p14="http://schemas.microsoft.com/office/powerpoint/2010/main" val="2601735457"/>
+      </p:ext>
+    </p:extLst>
+  </p:cSld>
+  <p:clrMapOvr>
+    <a:masterClrMapping/>
+  </p:clrMapOvr>
+  <p:timing>
+    <p:tnLst>
+      <p:par>
+        <p:cTn id="1" dur="indefinite" restart="never" nodeType="tmRoot"/>
+      </p:par>
+    </p:tnLst>
+  </p:timing>
+</p:sld>
+</file>
+
+<file path=ppt/slides/slide38.xml><?xml version="1.0" encoding="utf-8"?>
+<p:sld xmlns:a="http://schemas.openxmlformats.org/drawingml/2006/main" xmlns:r="http://schemas.openxmlformats.org/officeDocument/2006/relationships" xmlns:p="http://schemas.openxmlformats.org/presentationml/2006/main">
+  <p:cSld>
+    <p:spTree>
+      <p:nvGrpSpPr>
+        <p:cNvPr id="1" name=""/>
+        <p:cNvGrpSpPr/>
+        <p:nvPr/>
+      </p:nvGrpSpPr>
+      <p:grpSpPr>
+        <a:xfrm>
+          <a:off x="0" y="0"/>
+          <a:ext cx="0" cy="0"/>
+          <a:chOff x="0" y="0"/>
+          <a:chExt cx="0" cy="0"/>
+        </a:xfrm>
+      </p:grpSpPr>
+      <p:sp>
+        <p:nvSpPr>
+          <p:cNvPr id="2" name="Title 1"/>
+          <p:cNvSpPr>
+            <a:spLocks noGrp="1"/>
+          </p:cNvSpPr>
+          <p:nvPr>
+            <p:ph type="title"/>
+          </p:nvPr>
+        </p:nvSpPr>
+        <p:spPr/>
+        <p:txBody>
+          <a:bodyPr>
+            <a:normAutofit fontScale="90000"/>
+          </a:bodyPr>
+          <a:lstStyle/>
+          <a:p>
+            <a:r>
+              <a:rPr lang="sr-Latn-RS" dirty="0" smtClean="0"/>
+              <a:t>Izmena atributa svojstva kreiranog objekta</a:t>
+            </a:r>
+            <a:endParaRPr lang="en-GB" dirty="0"/>
+          </a:p>
+        </p:txBody>
+      </p:sp>
+      <p:sp>
+        <p:nvSpPr>
+          <p:cNvPr id="3" name="Content Placeholder 2"/>
+          <p:cNvSpPr>
+            <a:spLocks noGrp="1"/>
+          </p:cNvSpPr>
+          <p:nvPr>
+            <p:ph idx="1"/>
+          </p:nvPr>
+        </p:nvSpPr>
+        <p:spPr/>
+        <p:txBody>
+          <a:bodyPr/>
+          <a:lstStyle/>
+          <a:p>
+            <a:pPr marL="0" indent="0">
+              <a:buNone/>
+            </a:pPr>
+            <a:r>
+              <a:rPr lang="en-GB" dirty="0" err="1">
+                <a:latin typeface="Courier New" panose="02070309020205020404" pitchFamily="49" charset="0"/>
+                <a:cs typeface="Courier New" panose="02070309020205020404" pitchFamily="49" charset="0"/>
+              </a:rPr>
+              <a:t>Object.defineProperty</a:t>
+            </a:r>
+            <a:r>
+              <a:rPr lang="en-GB" dirty="0">
+                <a:latin typeface="Courier New" panose="02070309020205020404" pitchFamily="49" charset="0"/>
+                <a:cs typeface="Courier New" panose="02070309020205020404" pitchFamily="49" charset="0"/>
+              </a:rPr>
+              <a:t>(o, "x", </a:t>
+            </a:r>
+            <a:endParaRPr lang="sr-Latn-RS" dirty="0" smtClean="0">
+              <a:latin typeface="Courier New" panose="02070309020205020404" pitchFamily="49" charset="0"/>
+              <a:cs typeface="Courier New" panose="02070309020205020404" pitchFamily="49" charset="0"/>
+            </a:endParaRPr>
+          </a:p>
+          <a:p>
+            <a:pPr marL="0" indent="0">
+              <a:buNone/>
+            </a:pPr>
+            <a:r>
+              <a:rPr lang="sr-Latn-RS" dirty="0">
+                <a:latin typeface="Courier New" panose="02070309020205020404" pitchFamily="49" charset="0"/>
+                <a:cs typeface="Courier New" panose="02070309020205020404" pitchFamily="49" charset="0"/>
+              </a:rPr>
+              <a:t>	</a:t>
+            </a:r>
+            <a:r>
+              <a:rPr lang="en-GB" dirty="0" smtClean="0">
+                <a:latin typeface="Courier New" panose="02070309020205020404" pitchFamily="49" charset="0"/>
+                <a:cs typeface="Courier New" panose="02070309020205020404" pitchFamily="49" charset="0"/>
+              </a:rPr>
+              <a:t>{ </a:t>
+            </a:r>
+            <a:r>
+              <a:rPr lang="en-GB" dirty="0">
+                <a:latin typeface="Courier New" panose="02070309020205020404" pitchFamily="49" charset="0"/>
+                <a:cs typeface="Courier New" panose="02070309020205020404" pitchFamily="49" charset="0"/>
+              </a:rPr>
+              <a:t>writable: false });</a:t>
+            </a:r>
+            <a:endParaRPr lang="en-GB" dirty="0">
+              <a:latin typeface="Courier New" panose="02070309020205020404" pitchFamily="49" charset="0"/>
+              <a:cs typeface="Courier New" panose="02070309020205020404" pitchFamily="49" charset="0"/>
+            </a:endParaRPr>
+          </a:p>
+        </p:txBody>
+      </p:sp>
+    </p:spTree>
+    <p:extLst>
+      <p:ext uri="{BB962C8B-B14F-4D97-AF65-F5344CB8AC3E}">
+        <p14:creationId xmlns:p14="http://schemas.microsoft.com/office/powerpoint/2010/main" val="4171978284"/>
       </p:ext>
     </p:extLst>
   </p:cSld>
@@ -4811,7 +9861,7 @@
           <a:p>
             <a:r>
               <a:rPr lang="sr-Latn-RS" dirty="0" smtClean="0"/>
-              <a:t>Objektni literali</a:t>
+              <a:t>Objekti</a:t>
             </a:r>
             <a:endParaRPr lang="en-GB" dirty="0"/>
           </a:p>
@@ -4829,379 +9879,55 @@
         </p:nvSpPr>
         <p:spPr/>
         <p:txBody>
-          <a:bodyPr>
-            <a:normAutofit fontScale="70000" lnSpcReduction="20000"/>
-          </a:bodyPr>
-          <a:lstStyle/>
-          <a:p>
-            <a:r>
-              <a:rPr lang="sr-Latn-RS" dirty="0" smtClean="0"/>
-              <a:t>Zadavanje objekata navođenjem svojstava i vrednosti:</a:t>
-            </a:r>
-          </a:p>
-          <a:p>
-            <a:pPr marL="0" indent="0">
-              <a:buNone/>
-            </a:pPr>
+          <a:bodyPr/>
+          <a:lstStyle/>
+          <a:p>
+            <a:r>
+              <a:rPr lang="en-GB" dirty="0" smtClean="0"/>
+              <a:t>Vi</a:t>
+            </a:r>
+            <a:r>
+              <a:rPr lang="sr-Latn-RS" dirty="0" smtClean="0"/>
+              <a:t>še nego samo mapiranje stringova na vrednosti</a:t>
+            </a:r>
+          </a:p>
+          <a:p>
+            <a:r>
+              <a:rPr lang="sr-Latn-RS" dirty="0" smtClean="0"/>
+              <a:t>Osim što objekat ima svoje parove svojstava i vrednosti, objekat može i da nasledi svojstva nekog drugog </a:t>
+            </a:r>
+            <a:r>
+              <a:rPr lang="sr-Latn-RS" b="1" dirty="0" smtClean="0"/>
+              <a:t>objekta</a:t>
+            </a:r>
+          </a:p>
+          <a:p>
+            <a:r>
+              <a:rPr lang="sr-Latn-RS" dirty="0" smtClean="0"/>
+              <a:t>Ovo se ostvaruje </a:t>
+            </a:r>
+            <a:r>
+              <a:rPr lang="sr-Latn-RS" b="1" dirty="0" smtClean="0"/>
+              <a:t>prototipskim nasleđivanjem</a:t>
+            </a:r>
             <a:endParaRPr lang="sr-Latn-RS" dirty="0"/>
           </a:p>
           <a:p>
-            <a:pPr marL="0" indent="0">
-              <a:buNone/>
-            </a:pPr>
-            <a:r>
-              <a:rPr lang="en-GB" dirty="0" err="1">
-                <a:latin typeface="Courier New" panose="02070309020205020404" pitchFamily="49" charset="0"/>
-                <a:cs typeface="Courier New" panose="02070309020205020404" pitchFamily="49" charset="0"/>
-              </a:rPr>
-              <a:t>var</a:t>
-            </a:r>
-            <a:r>
-              <a:rPr lang="en-GB" dirty="0">
-                <a:latin typeface="Courier New" panose="02070309020205020404" pitchFamily="49" charset="0"/>
-                <a:cs typeface="Courier New" panose="02070309020205020404" pitchFamily="49" charset="0"/>
-              </a:rPr>
-              <a:t> </a:t>
-            </a:r>
-            <a:r>
-              <a:rPr lang="en-GB" dirty="0" err="1">
-                <a:latin typeface="Courier New" panose="02070309020205020404" pitchFamily="49" charset="0"/>
-                <a:cs typeface="Courier New" panose="02070309020205020404" pitchFamily="49" charset="0"/>
-              </a:rPr>
-              <a:t>peraPeric</a:t>
-            </a:r>
-            <a:r>
-              <a:rPr lang="en-GB" dirty="0">
-                <a:latin typeface="Courier New" panose="02070309020205020404" pitchFamily="49" charset="0"/>
-                <a:cs typeface="Courier New" panose="02070309020205020404" pitchFamily="49" charset="0"/>
-              </a:rPr>
-              <a:t> = {</a:t>
-            </a:r>
-          </a:p>
-          <a:p>
-            <a:pPr marL="0" indent="0">
-              <a:buNone/>
-            </a:pPr>
-            <a:r>
-              <a:rPr lang="en-GB" dirty="0">
-                <a:latin typeface="Courier New" panose="02070309020205020404" pitchFamily="49" charset="0"/>
-                <a:cs typeface="Courier New" panose="02070309020205020404" pitchFamily="49" charset="0"/>
-              </a:rPr>
-              <a:t>  "</a:t>
-            </a:r>
-            <a:r>
-              <a:rPr lang="en-GB" dirty="0" err="1">
-                <a:latin typeface="Courier New" panose="02070309020205020404" pitchFamily="49" charset="0"/>
-                <a:cs typeface="Courier New" panose="02070309020205020404" pitchFamily="49" charset="0"/>
-              </a:rPr>
-              <a:t>ime</a:t>
-            </a:r>
-            <a:r>
-              <a:rPr lang="en-GB" dirty="0">
-                <a:latin typeface="Courier New" panose="02070309020205020404" pitchFamily="49" charset="0"/>
-                <a:cs typeface="Courier New" panose="02070309020205020404" pitchFamily="49" charset="0"/>
-              </a:rPr>
-              <a:t>": "</a:t>
-            </a:r>
-            <a:r>
-              <a:rPr lang="en-GB" dirty="0" err="1">
-                <a:latin typeface="Courier New" panose="02070309020205020404" pitchFamily="49" charset="0"/>
-                <a:cs typeface="Courier New" panose="02070309020205020404" pitchFamily="49" charset="0"/>
-              </a:rPr>
-              <a:t>Pera</a:t>
-            </a:r>
-            <a:r>
-              <a:rPr lang="en-GB" dirty="0">
-                <a:latin typeface="Courier New" panose="02070309020205020404" pitchFamily="49" charset="0"/>
-                <a:cs typeface="Courier New" panose="02070309020205020404" pitchFamily="49" charset="0"/>
-              </a:rPr>
-              <a:t>",</a:t>
-            </a:r>
-          </a:p>
-          <a:p>
-            <a:pPr marL="0" indent="0">
-              <a:buNone/>
-            </a:pPr>
-            <a:r>
-              <a:rPr lang="en-GB" dirty="0">
-                <a:latin typeface="Courier New" panose="02070309020205020404" pitchFamily="49" charset="0"/>
-                <a:cs typeface="Courier New" panose="02070309020205020404" pitchFamily="49" charset="0"/>
-              </a:rPr>
-              <a:t>  "</a:t>
-            </a:r>
-            <a:r>
-              <a:rPr lang="en-GB" dirty="0" err="1">
-                <a:latin typeface="Courier New" panose="02070309020205020404" pitchFamily="49" charset="0"/>
-                <a:cs typeface="Courier New" panose="02070309020205020404" pitchFamily="49" charset="0"/>
-              </a:rPr>
-              <a:t>prezime</a:t>
-            </a:r>
-            <a:r>
-              <a:rPr lang="en-GB" dirty="0">
-                <a:latin typeface="Courier New" panose="02070309020205020404" pitchFamily="49" charset="0"/>
-                <a:cs typeface="Courier New" panose="02070309020205020404" pitchFamily="49" charset="0"/>
-              </a:rPr>
-              <a:t>": "</a:t>
-            </a:r>
-            <a:r>
-              <a:rPr lang="en-GB" dirty="0" err="1">
-                <a:latin typeface="Courier New" panose="02070309020205020404" pitchFamily="49" charset="0"/>
-                <a:cs typeface="Courier New" panose="02070309020205020404" pitchFamily="49" charset="0"/>
-              </a:rPr>
-              <a:t>Peric</a:t>
-            </a:r>
-            <a:r>
-              <a:rPr lang="en-GB" dirty="0">
-                <a:latin typeface="Courier New" panose="02070309020205020404" pitchFamily="49" charset="0"/>
-                <a:cs typeface="Courier New" panose="02070309020205020404" pitchFamily="49" charset="0"/>
-              </a:rPr>
-              <a:t>",</a:t>
-            </a:r>
-          </a:p>
-          <a:p>
-            <a:pPr marL="0" indent="0">
-              <a:buNone/>
-            </a:pPr>
-            <a:r>
-              <a:rPr lang="en-GB" dirty="0">
-                <a:latin typeface="Courier New" panose="02070309020205020404" pitchFamily="49" charset="0"/>
-                <a:cs typeface="Courier New" panose="02070309020205020404" pitchFamily="49" charset="0"/>
-              </a:rPr>
-              <a:t>  "</a:t>
-            </a:r>
-            <a:r>
-              <a:rPr lang="en-GB" dirty="0" err="1">
-                <a:latin typeface="Courier New" panose="02070309020205020404" pitchFamily="49" charset="0"/>
-                <a:cs typeface="Courier New" panose="02070309020205020404" pitchFamily="49" charset="0"/>
-              </a:rPr>
-              <a:t>godina</a:t>
-            </a:r>
-            <a:r>
-              <a:rPr lang="en-GB" dirty="0">
-                <a:latin typeface="Courier New" panose="02070309020205020404" pitchFamily="49" charset="0"/>
-                <a:cs typeface="Courier New" panose="02070309020205020404" pitchFamily="49" charset="0"/>
-              </a:rPr>
-              <a:t> </a:t>
-            </a:r>
-            <a:r>
-              <a:rPr lang="en-GB" dirty="0" err="1">
-                <a:latin typeface="Courier New" panose="02070309020205020404" pitchFamily="49" charset="0"/>
-                <a:cs typeface="Courier New" panose="02070309020205020404" pitchFamily="49" charset="0"/>
-              </a:rPr>
-              <a:t>studija</a:t>
-            </a:r>
-            <a:r>
-              <a:rPr lang="en-GB" dirty="0">
-                <a:latin typeface="Courier New" panose="02070309020205020404" pitchFamily="49" charset="0"/>
-                <a:cs typeface="Courier New" panose="02070309020205020404" pitchFamily="49" charset="0"/>
-              </a:rPr>
-              <a:t>": 3,</a:t>
-            </a:r>
-          </a:p>
-          <a:p>
-            <a:pPr marL="0" indent="0">
-              <a:buNone/>
-            </a:pPr>
-            <a:r>
-              <a:rPr lang="en-GB" dirty="0">
-                <a:latin typeface="Courier New" panose="02070309020205020404" pitchFamily="49" charset="0"/>
-                <a:cs typeface="Courier New" panose="02070309020205020404" pitchFamily="49" charset="0"/>
-              </a:rPr>
-              <a:t>  "</a:t>
-            </a:r>
-            <a:r>
-              <a:rPr lang="en-GB" dirty="0" err="1">
-                <a:latin typeface="Courier New" panose="02070309020205020404" pitchFamily="49" charset="0"/>
-                <a:cs typeface="Courier New" panose="02070309020205020404" pitchFamily="49" charset="0"/>
-              </a:rPr>
-              <a:t>polozeni</a:t>
-            </a:r>
-            <a:r>
-              <a:rPr lang="en-GB" dirty="0">
-                <a:latin typeface="Courier New" panose="02070309020205020404" pitchFamily="49" charset="0"/>
-                <a:cs typeface="Courier New" panose="02070309020205020404" pitchFamily="49" charset="0"/>
-              </a:rPr>
-              <a:t> </a:t>
-            </a:r>
-            <a:r>
-              <a:rPr lang="en-GB" dirty="0" err="1">
-                <a:latin typeface="Courier New" panose="02070309020205020404" pitchFamily="49" charset="0"/>
-                <a:cs typeface="Courier New" panose="02070309020205020404" pitchFamily="49" charset="0"/>
-              </a:rPr>
-              <a:t>ispiti</a:t>
-            </a:r>
-            <a:r>
-              <a:rPr lang="en-GB" dirty="0">
-                <a:latin typeface="Courier New" panose="02070309020205020404" pitchFamily="49" charset="0"/>
-                <a:cs typeface="Courier New" panose="02070309020205020404" pitchFamily="49" charset="0"/>
-              </a:rPr>
-              <a:t>": [{</a:t>
-            </a:r>
-          </a:p>
-          <a:p>
-            <a:pPr marL="0" indent="0">
-              <a:buNone/>
-            </a:pPr>
-            <a:r>
-              <a:rPr lang="en-GB" dirty="0">
-                <a:latin typeface="Courier New" panose="02070309020205020404" pitchFamily="49" charset="0"/>
-                <a:cs typeface="Courier New" panose="02070309020205020404" pitchFamily="49" charset="0"/>
-              </a:rPr>
-              <a:t>    "</a:t>
-            </a:r>
-            <a:r>
-              <a:rPr lang="en-GB" dirty="0" err="1">
-                <a:latin typeface="Courier New" panose="02070309020205020404" pitchFamily="49" charset="0"/>
-                <a:cs typeface="Courier New" panose="02070309020205020404" pitchFamily="49" charset="0"/>
-              </a:rPr>
-              <a:t>naziv</a:t>
-            </a:r>
-            <a:r>
-              <a:rPr lang="en-GB" dirty="0">
-                <a:latin typeface="Courier New" panose="02070309020205020404" pitchFamily="49" charset="0"/>
-                <a:cs typeface="Courier New" panose="02070309020205020404" pitchFamily="49" charset="0"/>
-              </a:rPr>
-              <a:t>": "Web </a:t>
-            </a:r>
-            <a:r>
-              <a:rPr lang="en-GB" dirty="0" err="1">
-                <a:latin typeface="Courier New" panose="02070309020205020404" pitchFamily="49" charset="0"/>
-                <a:cs typeface="Courier New" panose="02070309020205020404" pitchFamily="49" charset="0"/>
-              </a:rPr>
-              <a:t>programiranje</a:t>
-            </a:r>
-            <a:r>
-              <a:rPr lang="en-GB" dirty="0">
-                <a:latin typeface="Courier New" panose="02070309020205020404" pitchFamily="49" charset="0"/>
-                <a:cs typeface="Courier New" panose="02070309020205020404" pitchFamily="49" charset="0"/>
-              </a:rPr>
-              <a:t>",</a:t>
-            </a:r>
-          </a:p>
-          <a:p>
-            <a:pPr marL="0" indent="0">
-              <a:buNone/>
-            </a:pPr>
-            <a:r>
-              <a:rPr lang="en-GB" dirty="0">
-                <a:latin typeface="Courier New" panose="02070309020205020404" pitchFamily="49" charset="0"/>
-                <a:cs typeface="Courier New" panose="02070309020205020404" pitchFamily="49" charset="0"/>
-              </a:rPr>
-              <a:t>    "</a:t>
-            </a:r>
-            <a:r>
-              <a:rPr lang="en-GB" dirty="0" err="1">
-                <a:latin typeface="Courier New" panose="02070309020205020404" pitchFamily="49" charset="0"/>
-                <a:cs typeface="Courier New" panose="02070309020205020404" pitchFamily="49" charset="0"/>
-              </a:rPr>
-              <a:t>ocena</a:t>
-            </a:r>
-            <a:r>
-              <a:rPr lang="en-GB" dirty="0">
-                <a:latin typeface="Courier New" panose="02070309020205020404" pitchFamily="49" charset="0"/>
-                <a:cs typeface="Courier New" panose="02070309020205020404" pitchFamily="49" charset="0"/>
-              </a:rPr>
-              <a:t>": 9  }, {</a:t>
-            </a:r>
-          </a:p>
-          <a:p>
-            <a:pPr marL="0" indent="0">
-              <a:buNone/>
-            </a:pPr>
-            <a:r>
-              <a:rPr lang="en-GB" dirty="0">
-                <a:latin typeface="Courier New" panose="02070309020205020404" pitchFamily="49" charset="0"/>
-                <a:cs typeface="Courier New" panose="02070309020205020404" pitchFamily="49" charset="0"/>
-              </a:rPr>
-              <a:t>    "</a:t>
-            </a:r>
-            <a:r>
-              <a:rPr lang="en-GB" dirty="0" err="1">
-                <a:latin typeface="Courier New" panose="02070309020205020404" pitchFamily="49" charset="0"/>
-                <a:cs typeface="Courier New" panose="02070309020205020404" pitchFamily="49" charset="0"/>
-              </a:rPr>
-              <a:t>naziv</a:t>
-            </a:r>
-            <a:r>
-              <a:rPr lang="en-GB" dirty="0">
-                <a:latin typeface="Courier New" panose="02070309020205020404" pitchFamily="49" charset="0"/>
-                <a:cs typeface="Courier New" panose="02070309020205020404" pitchFamily="49" charset="0"/>
-              </a:rPr>
-              <a:t>": "</a:t>
-            </a:r>
-            <a:r>
-              <a:rPr lang="en-GB" dirty="0" err="1">
-                <a:latin typeface="Courier New" panose="02070309020205020404" pitchFamily="49" charset="0"/>
-                <a:cs typeface="Courier New" panose="02070309020205020404" pitchFamily="49" charset="0"/>
-              </a:rPr>
-              <a:t>Arhitektura</a:t>
-            </a:r>
-            <a:r>
-              <a:rPr lang="en-GB" dirty="0">
-                <a:latin typeface="Courier New" panose="02070309020205020404" pitchFamily="49" charset="0"/>
-                <a:cs typeface="Courier New" panose="02070309020205020404" pitchFamily="49" charset="0"/>
-              </a:rPr>
-              <a:t> </a:t>
-            </a:r>
-            <a:r>
-              <a:rPr lang="en-GB" dirty="0" err="1">
-                <a:latin typeface="Courier New" panose="02070309020205020404" pitchFamily="49" charset="0"/>
-                <a:cs typeface="Courier New" panose="02070309020205020404" pitchFamily="49" charset="0"/>
-              </a:rPr>
-              <a:t>racunara</a:t>
-            </a:r>
-            <a:r>
-              <a:rPr lang="en-GB" dirty="0">
-                <a:latin typeface="Courier New" panose="02070309020205020404" pitchFamily="49" charset="0"/>
-                <a:cs typeface="Courier New" panose="02070309020205020404" pitchFamily="49" charset="0"/>
-              </a:rPr>
-              <a:t>",</a:t>
-            </a:r>
-          </a:p>
-          <a:p>
-            <a:pPr marL="0" indent="0">
-              <a:buNone/>
-            </a:pPr>
-            <a:r>
-              <a:rPr lang="en-GB" dirty="0">
-                <a:latin typeface="Courier New" panose="02070309020205020404" pitchFamily="49" charset="0"/>
-                <a:cs typeface="Courier New" panose="02070309020205020404" pitchFamily="49" charset="0"/>
-              </a:rPr>
-              <a:t>    "</a:t>
-            </a:r>
-            <a:r>
-              <a:rPr lang="en-GB" dirty="0" err="1">
-                <a:latin typeface="Courier New" panose="02070309020205020404" pitchFamily="49" charset="0"/>
-                <a:cs typeface="Courier New" panose="02070309020205020404" pitchFamily="49" charset="0"/>
-              </a:rPr>
-              <a:t>ocena</a:t>
-            </a:r>
-            <a:r>
-              <a:rPr lang="en-GB" dirty="0">
-                <a:latin typeface="Courier New" panose="02070309020205020404" pitchFamily="49" charset="0"/>
-                <a:cs typeface="Courier New" panose="02070309020205020404" pitchFamily="49" charset="0"/>
-              </a:rPr>
-              <a:t>": 10</a:t>
-            </a:r>
-          </a:p>
-          <a:p>
-            <a:pPr marL="0" indent="0">
-              <a:buNone/>
-            </a:pPr>
-            <a:r>
-              <a:rPr lang="en-GB" dirty="0">
-                <a:latin typeface="Courier New" panose="02070309020205020404" pitchFamily="49" charset="0"/>
-                <a:cs typeface="Courier New" panose="02070309020205020404" pitchFamily="49" charset="0"/>
-              </a:rPr>
-              <a:t>  }]};</a:t>
-            </a:r>
+            <a:pPr lvl="1"/>
+            <a:r>
+              <a:rPr lang="sr-Latn-RS" dirty="0" smtClean="0"/>
+              <a:t>Jedno od ključnih svojstava JavaScript-a</a:t>
+            </a:r>
+          </a:p>
+          <a:p>
+            <a:endParaRPr lang="en-GB" b="1" dirty="0"/>
           </a:p>
         </p:txBody>
       </p:sp>
     </p:spTree>
     <p:extLst>
       <p:ext uri="{BB962C8B-B14F-4D97-AF65-F5344CB8AC3E}">
-        <p14:creationId xmlns:p14="http://schemas.microsoft.com/office/powerpoint/2010/main" val="906894366"/>
+        <p14:creationId xmlns:p14="http://schemas.microsoft.com/office/powerpoint/2010/main" val="1686486655"/>
       </p:ext>
     </p:extLst>
   </p:cSld>
@@ -5252,7 +9978,7 @@
           <a:p>
             <a:r>
               <a:rPr lang="sr-Latn-RS" dirty="0" smtClean="0"/>
-              <a:t>Pristup vrednostima svojstava</a:t>
+              <a:t>Tipične operacije nad objektima</a:t>
             </a:r>
             <a:endParaRPr lang="en-GB" dirty="0"/>
           </a:p>
@@ -5270,148 +9996,62 @@
         </p:nvSpPr>
         <p:spPr/>
         <p:txBody>
-          <a:bodyPr>
-            <a:normAutofit/>
-          </a:bodyPr>
-          <a:lstStyle/>
-          <a:p>
-            <a:r>
-              <a:rPr lang="sr-Latn-RS" dirty="0" smtClean="0"/>
-              <a:t>[] - notacija</a:t>
-            </a:r>
-          </a:p>
-          <a:p>
-            <a:r>
-              <a:rPr lang="sr-Latn-RS" dirty="0" smtClean="0"/>
-              <a:t>. – notacija</a:t>
-            </a:r>
-          </a:p>
-          <a:p>
-            <a:pPr marL="0" indent="0">
-              <a:buNone/>
-            </a:pPr>
-            <a:r>
-              <a:rPr lang="sr-Latn-RS" dirty="0" smtClean="0">
-                <a:latin typeface="Courier New" panose="02070309020205020404" pitchFamily="49" charset="0"/>
-                <a:cs typeface="Courier New" panose="02070309020205020404" pitchFamily="49" charset="0"/>
-              </a:rPr>
-              <a:t>&gt;&gt;&gt;</a:t>
-            </a:r>
-            <a:r>
-              <a:rPr lang="en-GB" dirty="0" err="1" smtClean="0">
-                <a:latin typeface="Courier New" panose="02070309020205020404" pitchFamily="49" charset="0"/>
-                <a:cs typeface="Courier New" panose="02070309020205020404" pitchFamily="49" charset="0"/>
-              </a:rPr>
-              <a:t>peraPeric.ime</a:t>
-            </a:r>
-            <a:endParaRPr lang="sr-Latn-RS" dirty="0" smtClean="0">
-              <a:latin typeface="Courier New" panose="02070309020205020404" pitchFamily="49" charset="0"/>
-              <a:cs typeface="Courier New" panose="02070309020205020404" pitchFamily="49" charset="0"/>
-            </a:endParaRPr>
-          </a:p>
-          <a:p>
-            <a:pPr marL="0" indent="0">
-              <a:buNone/>
-            </a:pPr>
-            <a:r>
-              <a:rPr lang="en-GB" dirty="0" smtClean="0">
-                <a:latin typeface="Courier New" panose="02070309020205020404" pitchFamily="49" charset="0"/>
-                <a:cs typeface="Courier New" panose="02070309020205020404" pitchFamily="49" charset="0"/>
-              </a:rPr>
-              <a:t>"</a:t>
-            </a:r>
-            <a:r>
-              <a:rPr lang="en-GB" dirty="0" err="1" smtClean="0">
-                <a:latin typeface="Courier New" panose="02070309020205020404" pitchFamily="49" charset="0"/>
-                <a:cs typeface="Courier New" panose="02070309020205020404" pitchFamily="49" charset="0"/>
-              </a:rPr>
-              <a:t>Pera</a:t>
-            </a:r>
-            <a:r>
-              <a:rPr lang="en-GB" dirty="0" smtClean="0">
-                <a:latin typeface="Courier New" panose="02070309020205020404" pitchFamily="49" charset="0"/>
-                <a:cs typeface="Courier New" panose="02070309020205020404" pitchFamily="49" charset="0"/>
-              </a:rPr>
-              <a:t>"</a:t>
-            </a:r>
-            <a:endParaRPr lang="sr-Latn-RS" dirty="0" smtClean="0">
-              <a:latin typeface="Courier New" panose="02070309020205020404" pitchFamily="49" charset="0"/>
-              <a:cs typeface="Courier New" panose="02070309020205020404" pitchFamily="49" charset="0"/>
-            </a:endParaRPr>
-          </a:p>
-          <a:p>
-            <a:pPr marL="0" indent="0">
-              <a:buNone/>
-            </a:pPr>
-            <a:r>
-              <a:rPr lang="sr-Latn-RS" dirty="0" smtClean="0">
-                <a:latin typeface="Courier New" panose="02070309020205020404" pitchFamily="49" charset="0"/>
-                <a:cs typeface="Courier New" panose="02070309020205020404" pitchFamily="49" charset="0"/>
-              </a:rPr>
-              <a:t>&gt;&gt;&gt;</a:t>
-            </a:r>
-            <a:r>
-              <a:rPr lang="it-IT" dirty="0" smtClean="0">
-                <a:latin typeface="Courier New" panose="02070309020205020404" pitchFamily="49" charset="0"/>
-                <a:cs typeface="Courier New" panose="02070309020205020404" pitchFamily="49" charset="0"/>
-              </a:rPr>
-              <a:t>peraPeric</a:t>
-            </a:r>
-            <a:r>
-              <a:rPr lang="it-IT" dirty="0">
-                <a:latin typeface="Courier New" panose="02070309020205020404" pitchFamily="49" charset="0"/>
-                <a:cs typeface="Courier New" panose="02070309020205020404" pitchFamily="49" charset="0"/>
-              </a:rPr>
-              <a:t>["polozeni ispiti"][0].</a:t>
-            </a:r>
-            <a:r>
-              <a:rPr lang="it-IT" dirty="0" smtClean="0">
-                <a:latin typeface="Courier New" panose="02070309020205020404" pitchFamily="49" charset="0"/>
-                <a:cs typeface="Courier New" panose="02070309020205020404" pitchFamily="49" charset="0"/>
-              </a:rPr>
-              <a:t>naziv</a:t>
-            </a:r>
-            <a:endParaRPr lang="sr-Latn-RS" dirty="0" smtClean="0">
-              <a:latin typeface="Courier New" panose="02070309020205020404" pitchFamily="49" charset="0"/>
-              <a:cs typeface="Courier New" panose="02070309020205020404" pitchFamily="49" charset="0"/>
-            </a:endParaRPr>
-          </a:p>
-          <a:p>
-            <a:pPr marL="0" indent="0">
-              <a:buNone/>
-            </a:pPr>
-            <a:r>
-              <a:rPr lang="it-IT" dirty="0" smtClean="0">
-                <a:latin typeface="Courier New" panose="02070309020205020404" pitchFamily="49" charset="0"/>
-                <a:cs typeface="Courier New" panose="02070309020205020404" pitchFamily="49" charset="0"/>
-              </a:rPr>
-              <a:t>"</a:t>
-            </a:r>
-            <a:r>
-              <a:rPr lang="it-IT" dirty="0">
-                <a:latin typeface="Courier New" panose="02070309020205020404" pitchFamily="49" charset="0"/>
-                <a:cs typeface="Courier New" panose="02070309020205020404" pitchFamily="49" charset="0"/>
-              </a:rPr>
-              <a:t>Web </a:t>
-            </a:r>
-            <a:r>
-              <a:rPr lang="it-IT" dirty="0" smtClean="0">
-                <a:latin typeface="Courier New" panose="02070309020205020404" pitchFamily="49" charset="0"/>
-                <a:cs typeface="Courier New" panose="02070309020205020404" pitchFamily="49" charset="0"/>
-              </a:rPr>
-              <a:t>programiranje"</a:t>
-            </a:r>
-            <a:endParaRPr lang="sr-Latn-RS" dirty="0" smtClean="0">
-              <a:latin typeface="Courier New" panose="02070309020205020404" pitchFamily="49" charset="0"/>
-              <a:cs typeface="Courier New" panose="02070309020205020404" pitchFamily="49" charset="0"/>
-            </a:endParaRPr>
+          <a:bodyPr/>
+          <a:lstStyle/>
+          <a:p>
+            <a:r>
+              <a:rPr lang="sr-Latn-RS" dirty="0" smtClean="0"/>
+              <a:t>Kreiranje objekata</a:t>
+            </a:r>
+          </a:p>
+          <a:p>
+            <a:r>
+              <a:rPr lang="sr-Latn-RS" dirty="0" smtClean="0"/>
+              <a:t>Operacije nad svojstvima</a:t>
+            </a:r>
+          </a:p>
+          <a:p>
+            <a:pPr lvl="1"/>
+            <a:r>
+              <a:rPr lang="sr-Latn-RS" dirty="0" smtClean="0"/>
+              <a:t>Postavljanje svojstva</a:t>
+            </a:r>
+          </a:p>
+          <a:p>
+            <a:pPr lvl="1"/>
+            <a:r>
+              <a:rPr lang="sr-Latn-RS" dirty="0" smtClean="0"/>
+              <a:t>Pristup svojstvu</a:t>
+            </a:r>
+          </a:p>
+          <a:p>
+            <a:pPr lvl="1"/>
+            <a:r>
+              <a:rPr lang="sr-Latn-RS" dirty="0" smtClean="0"/>
+              <a:t>Brisanje svojstva</a:t>
+            </a:r>
+          </a:p>
+          <a:p>
+            <a:pPr lvl="1"/>
+            <a:r>
+              <a:rPr lang="sr-Latn-RS" dirty="0" smtClean="0"/>
+              <a:t>Testiranje svojstva</a:t>
+            </a:r>
+          </a:p>
+          <a:p>
+            <a:pPr lvl="1"/>
+            <a:r>
+              <a:rPr lang="sr-Latn-RS" dirty="0" smtClean="0"/>
+              <a:t>Enumeracija svojstava</a:t>
+            </a:r>
+            <a:endParaRPr lang="en-GB" dirty="0"/>
           </a:p>
         </p:txBody>
       </p:sp>
     </p:spTree>
     <p:extLst>
       <p:ext uri="{BB962C8B-B14F-4D97-AF65-F5344CB8AC3E}">
-        <p14:creationId xmlns:p14="http://schemas.microsoft.com/office/powerpoint/2010/main" val="4007200873"/>
+        <p14:creationId xmlns:p14="http://schemas.microsoft.com/office/powerpoint/2010/main" val="3665735409"/>
       </p:ext>
     </p:extLst>
   </p:cSld>
@@ -5461,8 +10101,8 @@
           <a:lstStyle/>
           <a:p>
             <a:r>
-              <a:rPr lang="sr-Latn-RS" dirty="0"/>
-              <a:t>Pristup vrednostima svojstava</a:t>
+              <a:rPr lang="sr-Latn-RS" dirty="0" smtClean="0"/>
+              <a:t>Kreiranje objekta</a:t>
             </a:r>
             <a:endParaRPr lang="en-GB" dirty="0"/>
           </a:p>
@@ -5480,150 +10120,70 @@
         </p:nvSpPr>
         <p:spPr/>
         <p:txBody>
-          <a:bodyPr>
-            <a:normAutofit fontScale="92500" lnSpcReduction="20000"/>
-          </a:bodyPr>
-          <a:lstStyle/>
-          <a:p>
-            <a:pPr marL="0" indent="0">
-              <a:buNone/>
-            </a:pPr>
-            <a:r>
-              <a:rPr lang="sr-Latn-RS" dirty="0">
-                <a:latin typeface="Courier New" panose="02070309020205020404" pitchFamily="49" charset="0"/>
-                <a:cs typeface="Courier New" panose="02070309020205020404" pitchFamily="49" charset="0"/>
-              </a:rPr>
-              <a:t>&gt;&gt;&gt;peraPeric.brojIndeksa</a:t>
-            </a:r>
-          </a:p>
-          <a:p>
-            <a:pPr marL="0" indent="0">
-              <a:buNone/>
-            </a:pPr>
-            <a:r>
-              <a:rPr lang="sr-Latn-RS" dirty="0">
-                <a:latin typeface="Courier New" panose="02070309020205020404" pitchFamily="49" charset="0"/>
-                <a:cs typeface="Courier New" panose="02070309020205020404" pitchFamily="49" charset="0"/>
-              </a:rPr>
-              <a:t>undefined</a:t>
-            </a:r>
-          </a:p>
-          <a:p>
-            <a:pPr marL="0" indent="0">
-              <a:buNone/>
-            </a:pPr>
-            <a:r>
-              <a:rPr lang="sr-Latn-RS" dirty="0">
-                <a:cs typeface="Courier New" panose="02070309020205020404" pitchFamily="49" charset="0"/>
-              </a:rPr>
-              <a:t>Ukoliko pokušamo da pristupimo vrednosti za koju nije definisan atribut, dobijam undefined</a:t>
-            </a:r>
-            <a:endParaRPr lang="en-GB" dirty="0">
-              <a:cs typeface="Courier New" panose="02070309020205020404" pitchFamily="49" charset="0"/>
-            </a:endParaRPr>
-          </a:p>
-          <a:p>
-            <a:pPr marL="0" indent="0">
-              <a:buNone/>
-            </a:pPr>
+          <a:bodyPr/>
+          <a:lstStyle/>
+          <a:p>
+            <a:r>
+              <a:rPr lang="sr-Latn-RS" dirty="0" smtClean="0"/>
+              <a:t>Objekti mogu da se kreiraju na jedan od sledećih načina:</a:t>
+            </a:r>
+          </a:p>
+          <a:p>
+            <a:pPr lvl="1"/>
+            <a:r>
+              <a:rPr lang="sr-Latn-RS" dirty="0" smtClean="0"/>
+              <a:t>Kao literali</a:t>
+            </a:r>
+          </a:p>
+          <a:p>
+            <a:pPr lvl="1"/>
+            <a:r>
+              <a:rPr lang="sr-Latn-RS" dirty="0" smtClean="0"/>
+              <a:t>Operatorom </a:t>
+            </a:r>
             <a:r>
               <a:rPr lang="sr-Latn-RS" dirty="0" smtClean="0">
                 <a:latin typeface="Courier New" panose="02070309020205020404" pitchFamily="49" charset="0"/>
                 <a:cs typeface="Courier New" panose="02070309020205020404" pitchFamily="49" charset="0"/>
               </a:rPr>
-              <a:t>&gt;&gt;&gt;</a:t>
-            </a:r>
-            <a:r>
-              <a:rPr lang="en-GB" dirty="0" err="1" smtClean="0">
-                <a:latin typeface="Courier New" panose="02070309020205020404" pitchFamily="49" charset="0"/>
-                <a:cs typeface="Courier New" panose="02070309020205020404" pitchFamily="49" charset="0"/>
-              </a:rPr>
-              <a:t>peraPeric.brojIndeksa.master</a:t>
-            </a:r>
-            <a:endParaRPr lang="sr-Latn-RS" dirty="0" smtClean="0">
+              <a:t>new</a:t>
+            </a:r>
+            <a:endParaRPr lang="sr-Latn-RS" sz="3200" dirty="0" smtClean="0">
               <a:latin typeface="Courier New" panose="02070309020205020404" pitchFamily="49" charset="0"/>
               <a:cs typeface="Courier New" panose="02070309020205020404" pitchFamily="49" charset="0"/>
             </a:endParaRPr>
           </a:p>
           <a:p>
-            <a:pPr marL="0" indent="0">
-              <a:buNone/>
-            </a:pPr>
-            <a:r>
-              <a:rPr lang="en-GB" dirty="0" smtClean="0">
-                <a:latin typeface="Courier New" panose="02070309020205020404" pitchFamily="49" charset="0"/>
-                <a:cs typeface="Courier New" panose="02070309020205020404" pitchFamily="49" charset="0"/>
-              </a:rPr>
-              <a:t>VM324:2 </a:t>
-            </a:r>
-            <a:r>
-              <a:rPr lang="en-GB" dirty="0">
-                <a:latin typeface="Courier New" panose="02070309020205020404" pitchFamily="49" charset="0"/>
-                <a:cs typeface="Courier New" panose="02070309020205020404" pitchFamily="49" charset="0"/>
-              </a:rPr>
-              <a:t>Uncaught </a:t>
-            </a:r>
-            <a:r>
-              <a:rPr lang="en-GB" dirty="0" err="1">
-                <a:latin typeface="Courier New" panose="02070309020205020404" pitchFamily="49" charset="0"/>
-                <a:cs typeface="Courier New" panose="02070309020205020404" pitchFamily="49" charset="0"/>
-              </a:rPr>
-              <a:t>TypeError</a:t>
-            </a:r>
-            <a:r>
-              <a:rPr lang="en-GB" dirty="0">
-                <a:latin typeface="Courier New" panose="02070309020205020404" pitchFamily="49" charset="0"/>
-                <a:cs typeface="Courier New" panose="02070309020205020404" pitchFamily="49" charset="0"/>
-              </a:rPr>
-              <a:t>: Cannot read property 'master' of undefined</a:t>
-            </a:r>
-            <a:r>
-              <a:rPr lang="en-GB" dirty="0" smtClean="0">
-                <a:latin typeface="Courier New" panose="02070309020205020404" pitchFamily="49" charset="0"/>
-                <a:cs typeface="Courier New" panose="02070309020205020404" pitchFamily="49" charset="0"/>
-              </a:rPr>
-              <a:t>(…)</a:t>
-            </a:r>
-            <a:endParaRPr lang="sr-Latn-RS" dirty="0" smtClean="0">
+            <a:pPr lvl="1"/>
+            <a:r>
+              <a:rPr lang="sr-Latn-RS" dirty="0"/>
+              <a:t>Metodom </a:t>
+            </a:r>
+            <a:r>
+              <a:rPr lang="sr-Latn-RS" dirty="0">
+                <a:latin typeface="Courier New" panose="02070309020205020404" pitchFamily="49" charset="0"/>
+                <a:cs typeface="Courier New" panose="02070309020205020404" pitchFamily="49" charset="0"/>
+              </a:rPr>
+              <a:t>Object.create()</a:t>
+            </a:r>
+            <a:endParaRPr lang="sr-Latn-RS" sz="3200" dirty="0">
               <a:latin typeface="Courier New" panose="02070309020205020404" pitchFamily="49" charset="0"/>
               <a:cs typeface="Courier New" panose="02070309020205020404" pitchFamily="49" charset="0"/>
             </a:endParaRPr>
           </a:p>
           <a:p>
-            <a:pPr marL="0" indent="0">
-              <a:buNone/>
-            </a:pPr>
-            <a:r>
-              <a:rPr lang="sr-Latn-RS" dirty="0" smtClean="0">
-                <a:cs typeface="Courier New" panose="02070309020205020404" pitchFamily="49" charset="0"/>
-              </a:rPr>
-              <a:t>Ukoliko </a:t>
-            </a:r>
-            <a:r>
-              <a:rPr lang="sr-Latn-RS" dirty="0">
-                <a:cs typeface="Courier New" panose="02070309020205020404" pitchFamily="49" charset="0"/>
-              </a:rPr>
-              <a:t>pokušamo da pristupimo </a:t>
-            </a:r>
-            <a:r>
-              <a:rPr lang="sr-Latn-RS" dirty="0" smtClean="0">
-                <a:cs typeface="Courier New" panose="02070309020205020404" pitchFamily="49" charset="0"/>
-              </a:rPr>
-              <a:t>atributu undefined, izaziva se TypeError izuzetak</a:t>
-            </a:r>
-            <a:endParaRPr lang="en-GB" dirty="0">
+            <a:pPr lvl="1"/>
+            <a:endParaRPr lang="en-GB" sz="2200" dirty="0">
+              <a:latin typeface="Courier New" panose="02070309020205020404" pitchFamily="49" charset="0"/>
               <a:cs typeface="Courier New" panose="02070309020205020404" pitchFamily="49" charset="0"/>
             </a:endParaRPr>
-          </a:p>
-          <a:p>
-            <a:endParaRPr lang="en-GB" dirty="0"/>
           </a:p>
         </p:txBody>
       </p:sp>
     </p:spTree>
     <p:extLst>
       <p:ext uri="{BB962C8B-B14F-4D97-AF65-F5344CB8AC3E}">
-        <p14:creationId xmlns:p14="http://schemas.microsoft.com/office/powerpoint/2010/main" val="652773718"/>
+        <p14:creationId xmlns:p14="http://schemas.microsoft.com/office/powerpoint/2010/main" val="287048444"/>
       </p:ext>
     </p:extLst>
   </p:cSld>
@@ -5669,68 +10229,68 @@
         </p:nvSpPr>
         <p:spPr/>
         <p:txBody>
+          <a:bodyPr/>
+          <a:lstStyle/>
+          <a:p>
+            <a:r>
+              <a:rPr lang="sr-Latn-RS" dirty="0" smtClean="0"/>
+              <a:t>Objektni literali</a:t>
+            </a:r>
+            <a:endParaRPr lang="en-GB" dirty="0"/>
+          </a:p>
+        </p:txBody>
+      </p:sp>
+      <p:sp>
+        <p:nvSpPr>
+          <p:cNvPr id="3" name="Content Placeholder 2"/>
+          <p:cNvSpPr>
+            <a:spLocks noGrp="1"/>
+          </p:cNvSpPr>
+          <p:nvPr>
+            <p:ph idx="1"/>
+          </p:nvPr>
+        </p:nvSpPr>
+        <p:spPr/>
+        <p:txBody>
           <a:bodyPr>
-            <a:normAutofit/>
+            <a:normAutofit fontScale="70000" lnSpcReduction="20000"/>
           </a:bodyPr>
           <a:lstStyle/>
           <a:p>
             <a:r>
               <a:rPr lang="sr-Latn-RS" dirty="0" smtClean="0"/>
-              <a:t>Izmena vrednosti svojstava</a:t>
-            </a:r>
-            <a:endParaRPr lang="en-GB" dirty="0"/>
-          </a:p>
-        </p:txBody>
-      </p:sp>
-      <p:sp>
-        <p:nvSpPr>
-          <p:cNvPr id="3" name="Content Placeholder 2"/>
-          <p:cNvSpPr>
-            <a:spLocks noGrp="1"/>
-          </p:cNvSpPr>
-          <p:nvPr>
-            <p:ph idx="1"/>
-          </p:nvPr>
-        </p:nvSpPr>
-        <p:spPr/>
-        <p:txBody>
-          <a:bodyPr/>
-          <a:lstStyle/>
-          <a:p>
-            <a:r>
-              <a:rPr lang="sr-Latn-RS" dirty="0" smtClean="0"/>
-              <a:t>Dodela vrednosti svojstvu</a:t>
-            </a:r>
-          </a:p>
-          <a:p>
-            <a:pPr lvl="1"/>
-            <a:r>
-              <a:rPr lang="sr-Latn-RS" dirty="0" smtClean="0"/>
-              <a:t>Ukoliko svojstvo ne postoji, dodaće se</a:t>
-            </a:r>
-          </a:p>
-          <a:p>
-            <a:pPr lvl="1"/>
-            <a:r>
-              <a:rPr lang="sr-Latn-RS" dirty="0" smtClean="0"/>
-              <a:t>Ukoliko svojstvo postoji, postaviće se nova vrednost</a:t>
-            </a:r>
-          </a:p>
-          <a:p>
-            <a:pPr marL="457200" lvl="1" indent="0">
-              <a:buNone/>
-            </a:pPr>
-            <a:endParaRPr lang="sr-Latn-RS" dirty="0" smtClean="0"/>
+              <a:t>Zadavanje objekata navođenjem svojstava i vrednosti:</a:t>
+            </a:r>
           </a:p>
           <a:p>
             <a:pPr marL="0" indent="0">
               <a:buNone/>
             </a:pPr>
+            <a:endParaRPr lang="sr-Latn-RS" dirty="0"/>
+          </a:p>
+          <a:p>
+            <a:pPr marL="0" indent="0">
+              <a:buNone/>
+            </a:pPr>
             <a:r>
               <a:rPr lang="en-GB" dirty="0" err="1">
                 <a:latin typeface="Courier New" panose="02070309020205020404" pitchFamily="49" charset="0"/>
                 <a:cs typeface="Courier New" panose="02070309020205020404" pitchFamily="49" charset="0"/>
               </a:rPr>
+              <a:t>var</a:t>
+            </a:r>
+            <a:r>
+              <a:rPr lang="en-GB" dirty="0">
+                <a:latin typeface="Courier New" panose="02070309020205020404" pitchFamily="49" charset="0"/>
+                <a:cs typeface="Courier New" panose="02070309020205020404" pitchFamily="49" charset="0"/>
+              </a:rPr>
+              <a:t> </a:t>
+            </a:r>
+            <a:r>
+              <a:rPr lang="en-GB" dirty="0" err="1">
+                <a:latin typeface="Courier New" panose="02070309020205020404" pitchFamily="49" charset="0"/>
+                <a:cs typeface="Courier New" panose="02070309020205020404" pitchFamily="49" charset="0"/>
+              </a:rPr>
               <a:t>peraPeric</a:t>
             </a:r>
             <a:r>
@@ -5738,13 +10298,105 @@
                 <a:latin typeface="Courier New" panose="02070309020205020404" pitchFamily="49" charset="0"/>
                 <a:cs typeface="Courier New" panose="02070309020205020404" pitchFamily="49" charset="0"/>
               </a:rPr>
-              <a:t>["</a:t>
+              <a:t> = {</a:t>
+            </a:r>
+          </a:p>
+          <a:p>
+            <a:pPr marL="0" indent="0">
+              <a:buNone/>
+            </a:pPr>
+            <a:r>
+              <a:rPr lang="en-GB" dirty="0">
+                <a:latin typeface="Courier New" panose="02070309020205020404" pitchFamily="49" charset="0"/>
+                <a:cs typeface="Courier New" panose="02070309020205020404" pitchFamily="49" charset="0"/>
+              </a:rPr>
+              <a:t>  "</a:t>
             </a:r>
             <a:r>
               <a:rPr lang="en-GB" dirty="0" err="1">
                 <a:latin typeface="Courier New" panose="02070309020205020404" pitchFamily="49" charset="0"/>
                 <a:cs typeface="Courier New" panose="02070309020205020404" pitchFamily="49" charset="0"/>
               </a:rPr>
+              <a:t>ime</a:t>
+            </a:r>
+            <a:r>
+              <a:rPr lang="en-GB" dirty="0">
+                <a:latin typeface="Courier New" panose="02070309020205020404" pitchFamily="49" charset="0"/>
+                <a:cs typeface="Courier New" panose="02070309020205020404" pitchFamily="49" charset="0"/>
+              </a:rPr>
+              <a:t>": "</a:t>
+            </a:r>
+            <a:r>
+              <a:rPr lang="en-GB" dirty="0" err="1">
+                <a:latin typeface="Courier New" panose="02070309020205020404" pitchFamily="49" charset="0"/>
+                <a:cs typeface="Courier New" panose="02070309020205020404" pitchFamily="49" charset="0"/>
+              </a:rPr>
+              <a:t>Pera</a:t>
+            </a:r>
+            <a:r>
+              <a:rPr lang="en-GB" dirty="0">
+                <a:latin typeface="Courier New" panose="02070309020205020404" pitchFamily="49" charset="0"/>
+                <a:cs typeface="Courier New" panose="02070309020205020404" pitchFamily="49" charset="0"/>
+              </a:rPr>
+              <a:t>",</a:t>
+            </a:r>
+          </a:p>
+          <a:p>
+            <a:pPr marL="0" indent="0">
+              <a:buNone/>
+            </a:pPr>
+            <a:r>
+              <a:rPr lang="en-GB" dirty="0">
+                <a:latin typeface="Courier New" panose="02070309020205020404" pitchFamily="49" charset="0"/>
+                <a:cs typeface="Courier New" panose="02070309020205020404" pitchFamily="49" charset="0"/>
+              </a:rPr>
+              <a:t>  "</a:t>
+            </a:r>
+            <a:r>
+              <a:rPr lang="en-GB" dirty="0" err="1">
+                <a:latin typeface="Courier New" panose="02070309020205020404" pitchFamily="49" charset="0"/>
+                <a:cs typeface="Courier New" panose="02070309020205020404" pitchFamily="49" charset="0"/>
+              </a:rPr>
+              <a:t>prezime</a:t>
+            </a:r>
+            <a:r>
+              <a:rPr lang="en-GB" dirty="0">
+                <a:latin typeface="Courier New" panose="02070309020205020404" pitchFamily="49" charset="0"/>
+                <a:cs typeface="Courier New" panose="02070309020205020404" pitchFamily="49" charset="0"/>
+              </a:rPr>
+              <a:t>": "</a:t>
+            </a:r>
+            <a:r>
+              <a:rPr lang="en-GB" dirty="0" err="1">
+                <a:latin typeface="Courier New" panose="02070309020205020404" pitchFamily="49" charset="0"/>
+                <a:cs typeface="Courier New" panose="02070309020205020404" pitchFamily="49" charset="0"/>
+              </a:rPr>
+              <a:t>Peric</a:t>
+            </a:r>
+            <a:r>
+              <a:rPr lang="en-GB" dirty="0">
+                <a:latin typeface="Courier New" panose="02070309020205020404" pitchFamily="49" charset="0"/>
+                <a:cs typeface="Courier New" panose="02070309020205020404" pitchFamily="49" charset="0"/>
+              </a:rPr>
+              <a:t>",</a:t>
+            </a:r>
+          </a:p>
+          <a:p>
+            <a:pPr marL="0" indent="0">
+              <a:buNone/>
+            </a:pPr>
+            <a:r>
+              <a:rPr lang="en-GB" dirty="0">
+                <a:latin typeface="Courier New" panose="02070309020205020404" pitchFamily="49" charset="0"/>
+                <a:cs typeface="Courier New" panose="02070309020205020404" pitchFamily="49" charset="0"/>
+              </a:rPr>
+              <a:t>  "</a:t>
+            </a:r>
+            <a:r>
+              <a:rPr lang="en-GB" dirty="0" err="1">
+                <a:latin typeface="Courier New" panose="02070309020205020404" pitchFamily="49" charset="0"/>
+                <a:cs typeface="Courier New" panose="02070309020205020404" pitchFamily="49" charset="0"/>
+              </a:rPr>
               <a:t>godina</a:t>
             </a:r>
             <a:r>
@@ -5766,7 +10418,205 @@
                 <a:latin typeface="Courier New" panose="02070309020205020404" pitchFamily="49" charset="0"/>
                 <a:cs typeface="Courier New" panose="02070309020205020404" pitchFamily="49" charset="0"/>
               </a:rPr>
-              <a:t>"]=4</a:t>
+              <a:t>": 3,</a:t>
+            </a:r>
+          </a:p>
+          <a:p>
+            <a:pPr marL="0" indent="0">
+              <a:buNone/>
+            </a:pPr>
+            <a:r>
+              <a:rPr lang="en-GB" dirty="0">
+                <a:latin typeface="Courier New" panose="02070309020205020404" pitchFamily="49" charset="0"/>
+                <a:cs typeface="Courier New" panose="02070309020205020404" pitchFamily="49" charset="0"/>
+              </a:rPr>
+              <a:t>  "</a:t>
+            </a:r>
+            <a:r>
+              <a:rPr lang="en-GB" dirty="0" err="1">
+                <a:latin typeface="Courier New" panose="02070309020205020404" pitchFamily="49" charset="0"/>
+                <a:cs typeface="Courier New" panose="02070309020205020404" pitchFamily="49" charset="0"/>
+              </a:rPr>
+              <a:t>polozeni</a:t>
+            </a:r>
+            <a:r>
+              <a:rPr lang="en-GB" dirty="0">
+                <a:latin typeface="Courier New" panose="02070309020205020404" pitchFamily="49" charset="0"/>
+                <a:cs typeface="Courier New" panose="02070309020205020404" pitchFamily="49" charset="0"/>
+              </a:rPr>
+              <a:t> </a:t>
+            </a:r>
+            <a:r>
+              <a:rPr lang="en-GB" dirty="0" err="1">
+                <a:latin typeface="Courier New" panose="02070309020205020404" pitchFamily="49" charset="0"/>
+                <a:cs typeface="Courier New" panose="02070309020205020404" pitchFamily="49" charset="0"/>
+              </a:rPr>
+              <a:t>ispiti</a:t>
+            </a:r>
+            <a:r>
+              <a:rPr lang="en-GB" dirty="0">
+                <a:latin typeface="Courier New" panose="02070309020205020404" pitchFamily="49" charset="0"/>
+                <a:cs typeface="Courier New" panose="02070309020205020404" pitchFamily="49" charset="0"/>
+              </a:rPr>
+              <a:t>": [{</a:t>
+            </a:r>
+          </a:p>
+          <a:p>
+            <a:pPr marL="0" indent="0">
+              <a:buNone/>
+            </a:pPr>
+            <a:r>
+              <a:rPr lang="en-GB" dirty="0">
+                <a:latin typeface="Courier New" panose="02070309020205020404" pitchFamily="49" charset="0"/>
+                <a:cs typeface="Courier New" panose="02070309020205020404" pitchFamily="49" charset="0"/>
+              </a:rPr>
+              <a:t>    "</a:t>
+            </a:r>
+            <a:r>
+              <a:rPr lang="en-GB" dirty="0" err="1">
+                <a:latin typeface="Courier New" panose="02070309020205020404" pitchFamily="49" charset="0"/>
+                <a:cs typeface="Courier New" panose="02070309020205020404" pitchFamily="49" charset="0"/>
+              </a:rPr>
+              <a:t>naziv</a:t>
+            </a:r>
+            <a:r>
+              <a:rPr lang="en-GB" dirty="0">
+                <a:latin typeface="Courier New" panose="02070309020205020404" pitchFamily="49" charset="0"/>
+                <a:cs typeface="Courier New" panose="02070309020205020404" pitchFamily="49" charset="0"/>
+              </a:rPr>
+              <a:t>": "Web </a:t>
+            </a:r>
+            <a:r>
+              <a:rPr lang="en-GB" dirty="0" err="1">
+                <a:latin typeface="Courier New" panose="02070309020205020404" pitchFamily="49" charset="0"/>
+                <a:cs typeface="Courier New" panose="02070309020205020404" pitchFamily="49" charset="0"/>
+              </a:rPr>
+              <a:t>programiranje</a:t>
+            </a:r>
+            <a:r>
+              <a:rPr lang="en-GB" dirty="0">
+                <a:latin typeface="Courier New" panose="02070309020205020404" pitchFamily="49" charset="0"/>
+                <a:cs typeface="Courier New" panose="02070309020205020404" pitchFamily="49" charset="0"/>
+              </a:rPr>
+              <a:t>",</a:t>
+            </a:r>
+          </a:p>
+          <a:p>
+            <a:pPr marL="0" indent="0">
+              <a:buNone/>
+            </a:pPr>
+            <a:r>
+              <a:rPr lang="en-GB" dirty="0">
+                <a:latin typeface="Courier New" panose="02070309020205020404" pitchFamily="49" charset="0"/>
+                <a:cs typeface="Courier New" panose="02070309020205020404" pitchFamily="49" charset="0"/>
+              </a:rPr>
+              <a:t>    "</a:t>
+            </a:r>
+            <a:r>
+              <a:rPr lang="en-GB" dirty="0" err="1">
+                <a:latin typeface="Courier New" panose="02070309020205020404" pitchFamily="49" charset="0"/>
+                <a:cs typeface="Courier New" panose="02070309020205020404" pitchFamily="49" charset="0"/>
+              </a:rPr>
+              <a:t>ocena</a:t>
+            </a:r>
+            <a:r>
+              <a:rPr lang="en-GB" dirty="0">
+                <a:latin typeface="Courier New" panose="02070309020205020404" pitchFamily="49" charset="0"/>
+                <a:cs typeface="Courier New" panose="02070309020205020404" pitchFamily="49" charset="0"/>
+              </a:rPr>
+              <a:t>": 9  }, {</a:t>
+            </a:r>
+          </a:p>
+          <a:p>
+            <a:pPr marL="0" indent="0">
+              <a:buNone/>
+            </a:pPr>
+            <a:r>
+              <a:rPr lang="en-GB" dirty="0">
+                <a:latin typeface="Courier New" panose="02070309020205020404" pitchFamily="49" charset="0"/>
+                <a:cs typeface="Courier New" panose="02070309020205020404" pitchFamily="49" charset="0"/>
+              </a:rPr>
+              <a:t>    "</a:t>
+            </a:r>
+            <a:r>
+              <a:rPr lang="en-GB" dirty="0" err="1">
+                <a:latin typeface="Courier New" panose="02070309020205020404" pitchFamily="49" charset="0"/>
+                <a:cs typeface="Courier New" panose="02070309020205020404" pitchFamily="49" charset="0"/>
+              </a:rPr>
+              <a:t>naziv</a:t>
+            </a:r>
+            <a:r>
+              <a:rPr lang="en-GB" dirty="0">
+                <a:latin typeface="Courier New" panose="02070309020205020404" pitchFamily="49" charset="0"/>
+                <a:cs typeface="Courier New" panose="02070309020205020404" pitchFamily="49" charset="0"/>
+              </a:rPr>
+              <a:t>": "</a:t>
+            </a:r>
+            <a:r>
+              <a:rPr lang="en-GB" dirty="0" err="1">
+                <a:latin typeface="Courier New" panose="02070309020205020404" pitchFamily="49" charset="0"/>
+                <a:cs typeface="Courier New" panose="02070309020205020404" pitchFamily="49" charset="0"/>
+              </a:rPr>
+              <a:t>Arhitektura</a:t>
+            </a:r>
+            <a:r>
+              <a:rPr lang="en-GB" dirty="0">
+                <a:latin typeface="Courier New" panose="02070309020205020404" pitchFamily="49" charset="0"/>
+                <a:cs typeface="Courier New" panose="02070309020205020404" pitchFamily="49" charset="0"/>
+              </a:rPr>
+              <a:t> </a:t>
+            </a:r>
+            <a:r>
+              <a:rPr lang="en-GB" dirty="0" err="1">
+                <a:latin typeface="Courier New" panose="02070309020205020404" pitchFamily="49" charset="0"/>
+                <a:cs typeface="Courier New" panose="02070309020205020404" pitchFamily="49" charset="0"/>
+              </a:rPr>
+              <a:t>racunara</a:t>
+            </a:r>
+            <a:r>
+              <a:rPr lang="en-GB" dirty="0">
+                <a:latin typeface="Courier New" panose="02070309020205020404" pitchFamily="49" charset="0"/>
+                <a:cs typeface="Courier New" panose="02070309020205020404" pitchFamily="49" charset="0"/>
+              </a:rPr>
+              <a:t>",</a:t>
+            </a:r>
+          </a:p>
+          <a:p>
+            <a:pPr marL="0" indent="0">
+              <a:buNone/>
+            </a:pPr>
+            <a:r>
+              <a:rPr lang="en-GB" dirty="0">
+                <a:latin typeface="Courier New" panose="02070309020205020404" pitchFamily="49" charset="0"/>
+                <a:cs typeface="Courier New" panose="02070309020205020404" pitchFamily="49" charset="0"/>
+              </a:rPr>
+              <a:t>    "</a:t>
+            </a:r>
+            <a:r>
+              <a:rPr lang="en-GB" dirty="0" err="1">
+                <a:latin typeface="Courier New" panose="02070309020205020404" pitchFamily="49" charset="0"/>
+                <a:cs typeface="Courier New" panose="02070309020205020404" pitchFamily="49" charset="0"/>
+              </a:rPr>
+              <a:t>ocena</a:t>
+            </a:r>
+            <a:r>
+              <a:rPr lang="en-GB" dirty="0">
+                <a:latin typeface="Courier New" panose="02070309020205020404" pitchFamily="49" charset="0"/>
+                <a:cs typeface="Courier New" panose="02070309020205020404" pitchFamily="49" charset="0"/>
+              </a:rPr>
+              <a:t>": 10</a:t>
+            </a:r>
+          </a:p>
+          <a:p>
+            <a:pPr marL="0" indent="0">
+              <a:buNone/>
+            </a:pPr>
+            <a:r>
+              <a:rPr lang="en-GB" dirty="0">
+                <a:latin typeface="Courier New" panose="02070309020205020404" pitchFamily="49" charset="0"/>
+                <a:cs typeface="Courier New" panose="02070309020205020404" pitchFamily="49" charset="0"/>
+              </a:rPr>
+              <a:t>  }]};</a:t>
             </a:r>
           </a:p>
         </p:txBody>
@@ -5774,7 +10624,7 @@
     </p:spTree>
     <p:extLst>
       <p:ext uri="{BB962C8B-B14F-4D97-AF65-F5344CB8AC3E}">
-        <p14:creationId xmlns:p14="http://schemas.microsoft.com/office/powerpoint/2010/main" val="615891532"/>
+        <p14:creationId xmlns:p14="http://schemas.microsoft.com/office/powerpoint/2010/main" val="906894366"/>
       </p:ext>
     </p:extLst>
   </p:cSld>
@@ -5825,7 +10675,7 @@
           <a:p>
             <a:r>
               <a:rPr lang="sr-Latn-RS" dirty="0" smtClean="0"/>
-              <a:t>Reference</a:t>
+              <a:t>Objektni literali</a:t>
             </a:r>
             <a:endParaRPr lang="en-GB" dirty="0"/>
           </a:p>
@@ -5848,49 +10698,27 @@
           <a:p>
             <a:r>
               <a:rPr lang="sr-Latn-RS" dirty="0" smtClean="0"/>
-              <a:t>Objektima se </a:t>
-            </a:r>
-            <a:r>
-              <a:rPr lang="sr-Latn-RS" b="1" dirty="0" smtClean="0"/>
-              <a:t>uvek</a:t>
-            </a:r>
-            <a:r>
-              <a:rPr lang="sr-Latn-RS" dirty="0" smtClean="0"/>
-              <a:t> pristupa po referenci:</a:t>
-            </a:r>
-          </a:p>
-          <a:p>
-            <a:pPr marL="0" indent="0">
-              <a:buNone/>
-            </a:pPr>
-            <a:r>
-              <a:rPr lang="sr-Latn-RS" dirty="0">
-                <a:latin typeface="Courier New" panose="02070309020205020404" pitchFamily="49" charset="0"/>
-                <a:cs typeface="Courier New" panose="02070309020205020404" pitchFamily="49" charset="0"/>
-              </a:rPr>
-              <a:t>x = peraPeric["polozeni ispiti"];</a:t>
-            </a:r>
-          </a:p>
-          <a:p>
-            <a:pPr marL="0" indent="0">
-              <a:buNone/>
-            </a:pPr>
-            <a:r>
-              <a:rPr lang="sr-Latn-RS" dirty="0">
-                <a:latin typeface="Courier New" panose="02070309020205020404" pitchFamily="49" charset="0"/>
-                <a:cs typeface="Courier New" panose="02070309020205020404" pitchFamily="49" charset="0"/>
-              </a:rPr>
-              <a:t>x.push({"naziv":"Matematicka analiza 1", "ocena":8});</a:t>
-            </a:r>
-            <a:endParaRPr lang="sr-Latn-RS" dirty="0" smtClean="0">
-              <a:latin typeface="Courier New" panose="02070309020205020404" pitchFamily="49" charset="0"/>
-              <a:cs typeface="Courier New" panose="02070309020205020404" pitchFamily="49" charset="0"/>
-            </a:endParaRPr>
-          </a:p>
-          <a:p>
-            <a:endParaRPr lang="sr-Latn-RS" dirty="0" smtClean="0"/>
-          </a:p>
-          <a:p>
+              <a:t>Zadavanjem parova svojstvo:vrednost</a:t>
+            </a:r>
+          </a:p>
+          <a:p>
+            <a:r>
+              <a:rPr lang="sr-Latn-RS" dirty="0" smtClean="0"/>
+              <a:t>Svojstvo je JavaScript identifikator ili string</a:t>
+            </a:r>
+          </a:p>
+          <a:p>
+            <a:r>
+              <a:rPr lang="sr-Latn-RS" dirty="0" smtClean="0"/>
+              <a:t>Vrednost je bilo koji JavaScript izraz</a:t>
+            </a:r>
+          </a:p>
+          <a:p>
+            <a:pPr lvl="1"/>
+            <a:r>
+              <a:rPr lang="sr-Latn-RS" dirty="0" smtClean="0"/>
+              <a:t>Vrednost izraza postaje vrednost svojstva</a:t>
+            </a:r>
             <a:endParaRPr lang="en-GB" dirty="0"/>
           </a:p>
         </p:txBody>
@@ -5898,7 +10726,7 @@
     </p:spTree>
     <p:extLst>
       <p:ext uri="{BB962C8B-B14F-4D97-AF65-F5344CB8AC3E}">
-        <p14:creationId xmlns:p14="http://schemas.microsoft.com/office/powerpoint/2010/main" val="2126550096"/>
+        <p14:creationId xmlns:p14="http://schemas.microsoft.com/office/powerpoint/2010/main" val="1491705391"/>
       </p:ext>
     </p:extLst>
   </p:cSld>
@@ -5948,10 +10776,16 @@
           <a:lstStyle/>
           <a:p>
             <a:r>
-              <a:rPr lang="sr-Latn-RS" dirty="0" smtClean="0"/>
-              <a:t>Prototip</a:t>
-            </a:r>
-            <a:endParaRPr lang="en-GB" dirty="0"/>
+              <a:rPr lang="sr-Latn-RS" dirty="0" smtClean="0">
+                <a:latin typeface="Courier New" panose="02070309020205020404" pitchFamily="49" charset="0"/>
+                <a:cs typeface="Courier New" panose="02070309020205020404" pitchFamily="49" charset="0"/>
+              </a:rPr>
+              <a:t>new</a:t>
+            </a:r>
+            <a:endParaRPr lang="en-GB" dirty="0">
+              <a:latin typeface="Courier New" panose="02070309020205020404" pitchFamily="49" charset="0"/>
+              <a:cs typeface="Courier New" panose="02070309020205020404" pitchFamily="49" charset="0"/>
+            </a:endParaRPr>
           </a:p>
         </p:txBody>
       </p:sp>
@@ -5974,90 +10808,142 @@
           <a:p>
             <a:r>
               <a:rPr lang="sr-Latn-RS" dirty="0" smtClean="0"/>
-              <a:t>JavaScript nema ugrađen mehanizam zadavanja klasa</a:t>
-            </a:r>
-          </a:p>
-          <a:p>
-            <a:r>
-              <a:rPr lang="sr-Latn-RS" dirty="0" smtClean="0"/>
-              <a:t>Jedan od mehanizama definisanja hijerarhije objekata je pomoću prototipova</a:t>
-            </a:r>
-          </a:p>
-          <a:p>
-            <a:r>
-              <a:rPr lang="sr-Latn-RS" dirty="0" smtClean="0"/>
-              <a:t>Svaki objekat </a:t>
-            </a:r>
-            <a:r>
-              <a:rPr lang="sr-Latn-RS" smtClean="0"/>
-              <a:t>ima </a:t>
-            </a:r>
-            <a:r>
-              <a:rPr lang="sr-Latn-RS" smtClean="0"/>
-              <a:t>prototip</a:t>
-            </a:r>
-            <a:endParaRPr lang="sr-Latn-RS" dirty="0" smtClean="0"/>
-          </a:p>
-          <a:p>
-            <a:r>
-              <a:rPr lang="sr-Latn-RS" dirty="0" smtClean="0"/>
-              <a:t>Svi objekti koji su kreirani kao objektni literali </a:t>
-            </a:r>
-            <a:r>
-              <a:rPr lang="sr-Latn-RS" dirty="0" smtClean="0"/>
-              <a:t>kao </a:t>
-            </a:r>
-            <a:r>
-              <a:rPr lang="sr-Latn-RS" dirty="0" smtClean="0"/>
-              <a:t>prototip </a:t>
-            </a:r>
-            <a:r>
-              <a:rPr lang="sr-Latn-RS" dirty="0" smtClean="0"/>
-              <a:t>imaju </a:t>
-            </a:r>
-            <a:r>
-              <a:rPr lang="en-GB" dirty="0" err="1" smtClean="0">
-                <a:latin typeface="Courier New" panose="02070309020205020404" pitchFamily="49" charset="0"/>
-                <a:cs typeface="Courier New" panose="02070309020205020404" pitchFamily="49" charset="0"/>
-              </a:rPr>
-              <a:t>Object.prototype</a:t>
-            </a:r>
-            <a:r>
-              <a:rPr lang="sr-Latn-RS" dirty="0" smtClean="0"/>
-              <a:t>, </a:t>
-            </a:r>
-            <a:r>
-              <a:rPr lang="sr-Latn-RS" dirty="0" smtClean="0"/>
-              <a:t>objekat koji je definisan u JavaScriptu</a:t>
-            </a:r>
-          </a:p>
-          <a:p>
-            <a:r>
-              <a:rPr lang="sr-Latn-RS" dirty="0" smtClean="0"/>
-              <a:t>Prilikom kreiranja novog objekta moguće je zadati njegov prototip</a:t>
-            </a:r>
-          </a:p>
-          <a:p>
-            <a:pPr lvl="1"/>
-            <a:r>
-              <a:rPr lang="sr-Latn-RS" dirty="0" smtClean="0"/>
-              <a:t>Object.create(prototipKreiranogObjekta);</a:t>
+              <a:t>Operator </a:t>
+            </a:r>
+            <a:r>
+              <a:rPr lang="sr-Latn-RS" dirty="0" smtClean="0">
+                <a:latin typeface="Courier New" panose="02070309020205020404" pitchFamily="49" charset="0"/>
+                <a:cs typeface="Courier New" panose="02070309020205020404" pitchFamily="49" charset="0"/>
+              </a:rPr>
+              <a:t>new</a:t>
+            </a:r>
+            <a:r>
+              <a:rPr lang="sr-Latn-RS" dirty="0" smtClean="0"/>
+              <a:t> kreira i inicijalizuje objekat</a:t>
+            </a:r>
+          </a:p>
+          <a:p>
+            <a:r>
+              <a:rPr lang="sr-Latn-RS" dirty="0" smtClean="0"/>
+              <a:t>Nakon rezervisane reči </a:t>
+            </a:r>
+            <a:r>
+              <a:rPr lang="sr-Latn-RS" dirty="0" smtClean="0">
+                <a:latin typeface="Courier New" panose="02070309020205020404" pitchFamily="49" charset="0"/>
+                <a:cs typeface="Courier New" panose="02070309020205020404" pitchFamily="49" charset="0"/>
+              </a:rPr>
+              <a:t>new</a:t>
+            </a:r>
+            <a:r>
+              <a:rPr lang="sr-Latn-RS" dirty="0" smtClean="0"/>
+              <a:t> sledi poziv </a:t>
+            </a:r>
+            <a:r>
+              <a:rPr lang="sr-Latn-RS" b="1" dirty="0" smtClean="0"/>
+              <a:t>konstruktorske funkcije</a:t>
+            </a:r>
+            <a:r>
+              <a:rPr lang="sr-Latn-RS" dirty="0" smtClean="0"/>
+              <a:t> koja inicijalizuje novokreirani objekat</a:t>
+            </a:r>
+          </a:p>
+          <a:p>
+            <a:pPr marL="800100" lvl="2" indent="0">
+              <a:buNone/>
+            </a:pPr>
+            <a:r>
+              <a:rPr lang="en-GB" dirty="0" err="1">
+                <a:latin typeface="Courier New" panose="02070309020205020404" pitchFamily="49" charset="0"/>
+                <a:cs typeface="Courier New" panose="02070309020205020404" pitchFamily="49" charset="0"/>
+              </a:rPr>
+              <a:t>var</a:t>
+            </a:r>
+            <a:r>
+              <a:rPr lang="en-GB" dirty="0">
+                <a:latin typeface="Courier New" panose="02070309020205020404" pitchFamily="49" charset="0"/>
+                <a:cs typeface="Courier New" panose="02070309020205020404" pitchFamily="49" charset="0"/>
+              </a:rPr>
+              <a:t> o = new Object(); </a:t>
+            </a:r>
+          </a:p>
+          <a:p>
+            <a:pPr marL="800100" lvl="2" indent="0">
+              <a:buNone/>
+            </a:pPr>
+            <a:r>
+              <a:rPr lang="en-GB" dirty="0" err="1">
+                <a:latin typeface="Courier New" panose="02070309020205020404" pitchFamily="49" charset="0"/>
+                <a:cs typeface="Courier New" panose="02070309020205020404" pitchFamily="49" charset="0"/>
+              </a:rPr>
+              <a:t>var</a:t>
+            </a:r>
+            <a:r>
+              <a:rPr lang="en-GB" dirty="0">
+                <a:latin typeface="Courier New" panose="02070309020205020404" pitchFamily="49" charset="0"/>
+                <a:cs typeface="Courier New" panose="02070309020205020404" pitchFamily="49" charset="0"/>
+              </a:rPr>
+              <a:t> a = new Array(); </a:t>
+            </a:r>
+          </a:p>
+          <a:p>
+            <a:pPr marL="800100" lvl="2" indent="0">
+              <a:buNone/>
+            </a:pPr>
+            <a:r>
+              <a:rPr lang="en-GB" dirty="0" err="1">
+                <a:latin typeface="Courier New" panose="02070309020205020404" pitchFamily="49" charset="0"/>
+                <a:cs typeface="Courier New" panose="02070309020205020404" pitchFamily="49" charset="0"/>
+              </a:rPr>
+              <a:t>var</a:t>
+            </a:r>
+            <a:r>
+              <a:rPr lang="en-GB" dirty="0">
+                <a:latin typeface="Courier New" panose="02070309020205020404" pitchFamily="49" charset="0"/>
+                <a:cs typeface="Courier New" panose="02070309020205020404" pitchFamily="49" charset="0"/>
+              </a:rPr>
+              <a:t> d = new Date(); </a:t>
+            </a:r>
+          </a:p>
+          <a:p>
+            <a:pPr marL="800100" lvl="2" indent="0">
+              <a:buNone/>
+            </a:pPr>
+            <a:r>
+              <a:rPr lang="nn-NO" dirty="0">
+                <a:latin typeface="Courier New" panose="02070309020205020404" pitchFamily="49" charset="0"/>
+                <a:cs typeface="Courier New" panose="02070309020205020404" pitchFamily="49" charset="0"/>
+              </a:rPr>
+              <a:t>var r = new RegExp("js</a:t>
+            </a:r>
+            <a:r>
+              <a:rPr lang="nn-NO" dirty="0" smtClean="0">
+                <a:latin typeface="Courier New" panose="02070309020205020404" pitchFamily="49" charset="0"/>
+                <a:cs typeface="Courier New" panose="02070309020205020404" pitchFamily="49" charset="0"/>
+              </a:rPr>
+              <a:t>");</a:t>
+            </a:r>
+            <a:endParaRPr lang="sr-Latn-RS" dirty="0" smtClean="0">
+              <a:latin typeface="Courier New" panose="02070309020205020404" pitchFamily="49" charset="0"/>
+              <a:cs typeface="Courier New" panose="02070309020205020404" pitchFamily="49" charset="0"/>
+            </a:endParaRPr>
+          </a:p>
+          <a:p>
+            <a:pPr marL="457200" indent="-457200"/>
+            <a:r>
+              <a:rPr lang="sr-Latn-RS" dirty="0"/>
+              <a:t>Pored ugrađenih konstruktora, moguće je i kreirati svoje konstruktorske funkcije (više o tome kasnije)</a:t>
             </a:r>
             <a:endParaRPr lang="sr-Latn-RS" dirty="0"/>
           </a:p>
           <a:p>
-            <a:pPr lvl="1"/>
-            <a:endParaRPr lang="sr-Latn-RS" dirty="0" smtClean="0"/>
-          </a:p>
-          <a:p>
-            <a:endParaRPr lang="sr-Latn-RS" dirty="0" smtClean="0"/>
+            <a:endParaRPr lang="en-GB" dirty="0"/>
           </a:p>
         </p:txBody>
       </p:sp>
     </p:spTree>
     <p:extLst>
       <p:ext uri="{BB962C8B-B14F-4D97-AF65-F5344CB8AC3E}">
-        <p14:creationId xmlns:p14="http://schemas.microsoft.com/office/powerpoint/2010/main" val="3515632785"/>
+        <p14:creationId xmlns:p14="http://schemas.microsoft.com/office/powerpoint/2010/main" val="3187438661"/>
       </p:ext>
     </p:extLst>
   </p:cSld>
